--- a/ppt/16.IO流.pptx
+++ b/ppt/16.IO流.pptx
@@ -5,34 +5,37 @@
     <p:sldMasterId id="2147483648" r:id="rId1"/>
   </p:sldMasterIdLst>
   <p:notesMasterIdLst>
-    <p:notesMasterId r:id="rId27"/>
+    <p:notesMasterId r:id="rId30"/>
   </p:notesMasterIdLst>
   <p:sldIdLst>
     <p:sldId id="258" r:id="rId2"/>
     <p:sldId id="349" r:id="rId3"/>
     <p:sldId id="471" r:id="rId4"/>
     <p:sldId id="304" r:id="rId5"/>
-    <p:sldId id="473" r:id="rId6"/>
-    <p:sldId id="476" r:id="rId7"/>
-    <p:sldId id="477" r:id="rId8"/>
-    <p:sldId id="474" r:id="rId9"/>
-    <p:sldId id="475" r:id="rId10"/>
-    <p:sldId id="461" r:id="rId11"/>
-    <p:sldId id="463" r:id="rId12"/>
-    <p:sldId id="464" r:id="rId13"/>
-    <p:sldId id="376" r:id="rId14"/>
-    <p:sldId id="462" r:id="rId15"/>
-    <p:sldId id="382" r:id="rId16"/>
-    <p:sldId id="465" r:id="rId17"/>
-    <p:sldId id="466" r:id="rId18"/>
-    <p:sldId id="467" r:id="rId19"/>
-    <p:sldId id="468" r:id="rId20"/>
-    <p:sldId id="424" r:id="rId21"/>
-    <p:sldId id="469" r:id="rId22"/>
-    <p:sldId id="470" r:id="rId23"/>
-    <p:sldId id="413" r:id="rId24"/>
-    <p:sldId id="408" r:id="rId25"/>
-    <p:sldId id="432" r:id="rId26"/>
+    <p:sldId id="479" r:id="rId6"/>
+    <p:sldId id="480" r:id="rId7"/>
+    <p:sldId id="478" r:id="rId8"/>
+    <p:sldId id="476" r:id="rId9"/>
+    <p:sldId id="477" r:id="rId10"/>
+    <p:sldId id="474" r:id="rId11"/>
+    <p:sldId id="461" r:id="rId12"/>
+    <p:sldId id="481" r:id="rId13"/>
+    <p:sldId id="463" r:id="rId14"/>
+    <p:sldId id="464" r:id="rId15"/>
+    <p:sldId id="376" r:id="rId16"/>
+    <p:sldId id="462" r:id="rId17"/>
+    <p:sldId id="382" r:id="rId18"/>
+    <p:sldId id="466" r:id="rId19"/>
+    <p:sldId id="467" r:id="rId20"/>
+    <p:sldId id="465" r:id="rId21"/>
+    <p:sldId id="468" r:id="rId22"/>
+    <p:sldId id="424" r:id="rId23"/>
+    <p:sldId id="469" r:id="rId24"/>
+    <p:sldId id="470" r:id="rId25"/>
+    <p:sldId id="475" r:id="rId26"/>
+    <p:sldId id="413" r:id="rId27"/>
+    <p:sldId id="408" r:id="rId28"/>
+    <p:sldId id="482" r:id="rId29"/>
   </p:sldIdLst>
   <p:sldSz cx="12192000" cy="6858000"/>
   <p:notesSz cx="6858000" cy="9144000"/>
@@ -144,27 +147,30 @@
             <p14:sldId id="349"/>
             <p14:sldId id="471"/>
             <p14:sldId id="304"/>
-            <p14:sldId id="473"/>
+            <p14:sldId id="479"/>
+            <p14:sldId id="480"/>
+            <p14:sldId id="478"/>
             <p14:sldId id="476"/>
             <p14:sldId id="477"/>
             <p14:sldId id="474"/>
-            <p14:sldId id="475"/>
             <p14:sldId id="461"/>
+            <p14:sldId id="481"/>
             <p14:sldId id="463"/>
             <p14:sldId id="464"/>
             <p14:sldId id="376"/>
             <p14:sldId id="462"/>
             <p14:sldId id="382"/>
-            <p14:sldId id="465"/>
             <p14:sldId id="466"/>
             <p14:sldId id="467"/>
+            <p14:sldId id="465"/>
             <p14:sldId id="468"/>
             <p14:sldId id="424"/>
             <p14:sldId id="469"/>
             <p14:sldId id="470"/>
+            <p14:sldId id="475"/>
             <p14:sldId id="413"/>
             <p14:sldId id="408"/>
-            <p14:sldId id="432"/>
+            <p14:sldId id="482"/>
           </p14:sldIdLst>
         </p14:section>
       </p14:sectionLst>
@@ -258,7 +264,7 @@
           <a:p>
             <a:fld id="{66C3546E-20F6-7649-A9A4-4E4A245D3E82}" type="datetimeFigureOut">
               <a:rPr kumimoji="1" lang="zh-CN" altLang="en-US" smtClean="0"/>
-              <a:t>2020/5/7</a:t>
+              <a:t>2020/5/16</a:t>
             </a:fld>
             <a:endParaRPr kumimoji="1" lang="zh-CN" altLang="en-US"/>
           </a:p>
@@ -683,7 +689,7 @@
     </p:spTree>
     <p:extLst>
       <p:ext uri="{BB962C8B-B14F-4D97-AF65-F5344CB8AC3E}">
-        <p14:creationId xmlns:p14="http://schemas.microsoft.com/office/powerpoint/2010/main" val="41130338"/>
+        <p14:creationId xmlns:p14="http://schemas.microsoft.com/office/powerpoint/2010/main" val="2175811935"/>
       </p:ext>
     </p:extLst>
   </p:cSld>
@@ -767,7 +773,7 @@
     </p:spTree>
     <p:extLst>
       <p:ext uri="{BB962C8B-B14F-4D97-AF65-F5344CB8AC3E}">
-        <p14:creationId xmlns:p14="http://schemas.microsoft.com/office/powerpoint/2010/main" val="2341392363"/>
+        <p14:creationId xmlns:p14="http://schemas.microsoft.com/office/powerpoint/2010/main" val="2266099718"/>
       </p:ext>
     </p:extLst>
   </p:cSld>
@@ -821,12 +827,6 @@
           <a:bodyPr/>
           <a:lstStyle/>
           <a:p>
-            <a:r>
-              <a:rPr lang="en-US" altLang="zh-CN" dirty="0">
-                <a:hlinkClick r:id="rId3"/>
-              </a:rPr>
-              <a:t>https://www.cnblogs.com/JokerShi/p/8117556.html</a:t>
-            </a:r>
             <a:endParaRPr kumimoji="1" lang="zh-CN" altLang="en-US" dirty="0"/>
           </a:p>
         </p:txBody>
@@ -857,7 +857,7 @@
     </p:spTree>
     <p:extLst>
       <p:ext uri="{BB962C8B-B14F-4D97-AF65-F5344CB8AC3E}">
-        <p14:creationId xmlns:p14="http://schemas.microsoft.com/office/powerpoint/2010/main" val="868229928"/>
+        <p14:creationId xmlns:p14="http://schemas.microsoft.com/office/powerpoint/2010/main" val="41130338"/>
       </p:ext>
     </p:extLst>
   </p:cSld>
@@ -911,12 +911,6 @@
           <a:bodyPr/>
           <a:lstStyle/>
           <a:p>
-            <a:r>
-              <a:rPr lang="en-US" altLang="zh-CN" dirty="0">
-                <a:hlinkClick r:id="rId3"/>
-              </a:rPr>
-              <a:t>https://www.cnblogs.com/JokerShi/p/8117556.html</a:t>
-            </a:r>
             <a:endParaRPr kumimoji="1" lang="zh-CN" altLang="en-US" dirty="0"/>
           </a:p>
         </p:txBody>
@@ -947,7 +941,7 @@
     </p:spTree>
     <p:extLst>
       <p:ext uri="{BB962C8B-B14F-4D97-AF65-F5344CB8AC3E}">
-        <p14:creationId xmlns:p14="http://schemas.microsoft.com/office/powerpoint/2010/main" val="3880717018"/>
+        <p14:creationId xmlns:p14="http://schemas.microsoft.com/office/powerpoint/2010/main" val="2341392363"/>
       </p:ext>
     </p:extLst>
   </p:cSld>
@@ -1001,6 +995,12 @@
           <a:bodyPr/>
           <a:lstStyle/>
           <a:p>
+            <a:r>
+              <a:rPr lang="en-US" altLang="zh-CN" dirty="0">
+                <a:hlinkClick r:id="rId3"/>
+              </a:rPr>
+              <a:t>https://www.cnblogs.com/JokerShi/p/8117556.html</a:t>
+            </a:r>
             <a:endParaRPr kumimoji="1" lang="zh-CN" altLang="en-US" dirty="0"/>
           </a:p>
         </p:txBody>
@@ -1031,7 +1031,7 @@
     </p:spTree>
     <p:extLst>
       <p:ext uri="{BB962C8B-B14F-4D97-AF65-F5344CB8AC3E}">
-        <p14:creationId xmlns:p14="http://schemas.microsoft.com/office/powerpoint/2010/main" val="1737300124"/>
+        <p14:creationId xmlns:p14="http://schemas.microsoft.com/office/powerpoint/2010/main" val="868229928"/>
       </p:ext>
     </p:extLst>
   </p:cSld>
@@ -1085,6 +1085,12 @@
           <a:bodyPr/>
           <a:lstStyle/>
           <a:p>
+            <a:r>
+              <a:rPr lang="en-US" altLang="zh-CN" dirty="0">
+                <a:hlinkClick r:id="rId3"/>
+              </a:rPr>
+              <a:t>https://www.cnblogs.com/JokerShi/p/8117556.html</a:t>
+            </a:r>
             <a:endParaRPr kumimoji="1" lang="zh-CN" altLang="en-US" dirty="0"/>
           </a:p>
         </p:txBody>
@@ -1115,7 +1121,7 @@
     </p:spTree>
     <p:extLst>
       <p:ext uri="{BB962C8B-B14F-4D97-AF65-F5344CB8AC3E}">
-        <p14:creationId xmlns:p14="http://schemas.microsoft.com/office/powerpoint/2010/main" val="2239294712"/>
+        <p14:creationId xmlns:p14="http://schemas.microsoft.com/office/powerpoint/2010/main" val="3880717018"/>
       </p:ext>
     </p:extLst>
   </p:cSld>
@@ -1199,7 +1205,7 @@
     </p:spTree>
     <p:extLst>
       <p:ext uri="{BB962C8B-B14F-4D97-AF65-F5344CB8AC3E}">
-        <p14:creationId xmlns:p14="http://schemas.microsoft.com/office/powerpoint/2010/main" val="652124138"/>
+        <p14:creationId xmlns:p14="http://schemas.microsoft.com/office/powerpoint/2010/main" val="1737300124"/>
       </p:ext>
     </p:extLst>
   </p:cSld>
@@ -1283,7 +1289,7 @@
     </p:spTree>
     <p:extLst>
       <p:ext uri="{BB962C8B-B14F-4D97-AF65-F5344CB8AC3E}">
-        <p14:creationId xmlns:p14="http://schemas.microsoft.com/office/powerpoint/2010/main" val="1565466730"/>
+        <p14:creationId xmlns:p14="http://schemas.microsoft.com/office/powerpoint/2010/main" val="652124138"/>
       </p:ext>
     </p:extLst>
   </p:cSld>
@@ -1367,7 +1373,7 @@
     </p:spTree>
     <p:extLst>
       <p:ext uri="{BB962C8B-B14F-4D97-AF65-F5344CB8AC3E}">
-        <p14:creationId xmlns:p14="http://schemas.microsoft.com/office/powerpoint/2010/main" val="2560531582"/>
+        <p14:creationId xmlns:p14="http://schemas.microsoft.com/office/powerpoint/2010/main" val="1565466730"/>
       </p:ext>
     </p:extLst>
   </p:cSld>
@@ -1451,7 +1457,7 @@
     </p:spTree>
     <p:extLst>
       <p:ext uri="{BB962C8B-B14F-4D97-AF65-F5344CB8AC3E}">
-        <p14:creationId xmlns:p14="http://schemas.microsoft.com/office/powerpoint/2010/main" val="523516630"/>
+        <p14:creationId xmlns:p14="http://schemas.microsoft.com/office/powerpoint/2010/main" val="2239294712"/>
       </p:ext>
     </p:extLst>
   </p:cSld>
@@ -1619,7 +1625,7 @@
     </p:spTree>
     <p:extLst>
       <p:ext uri="{BB962C8B-B14F-4D97-AF65-F5344CB8AC3E}">
-        <p14:creationId xmlns:p14="http://schemas.microsoft.com/office/powerpoint/2010/main" val="2953354251"/>
+        <p14:creationId xmlns:p14="http://schemas.microsoft.com/office/powerpoint/2010/main" val="2560531582"/>
       </p:ext>
     </p:extLst>
   </p:cSld>
@@ -1703,7 +1709,7 @@
     </p:spTree>
     <p:extLst>
       <p:ext uri="{BB962C8B-B14F-4D97-AF65-F5344CB8AC3E}">
-        <p14:creationId xmlns:p14="http://schemas.microsoft.com/office/powerpoint/2010/main" val="3703996401"/>
+        <p14:creationId xmlns:p14="http://schemas.microsoft.com/office/powerpoint/2010/main" val="523516630"/>
       </p:ext>
     </p:extLst>
   </p:cSld>
@@ -1787,7 +1793,7 @@
     </p:spTree>
     <p:extLst>
       <p:ext uri="{BB962C8B-B14F-4D97-AF65-F5344CB8AC3E}">
-        <p14:creationId xmlns:p14="http://schemas.microsoft.com/office/powerpoint/2010/main" val="2845741781"/>
+        <p14:creationId xmlns:p14="http://schemas.microsoft.com/office/powerpoint/2010/main" val="2953354251"/>
       </p:ext>
     </p:extLst>
   </p:cSld>
@@ -1871,7 +1877,7 @@
     </p:spTree>
     <p:extLst>
       <p:ext uri="{BB962C8B-B14F-4D97-AF65-F5344CB8AC3E}">
-        <p14:creationId xmlns:p14="http://schemas.microsoft.com/office/powerpoint/2010/main" val="2541675217"/>
+        <p14:creationId xmlns:p14="http://schemas.microsoft.com/office/powerpoint/2010/main" val="3703996401"/>
       </p:ext>
     </p:extLst>
   </p:cSld>
@@ -1925,6 +1931,92 @@
           <a:bodyPr/>
           <a:lstStyle/>
           <a:p>
+            <a:pPr marL="0" marR="0" lvl="0" indent="0" algn="l" defTabSz="914400" rtl="0" eaLnBrk="1" fontAlgn="auto" latinLnBrk="0" hangingPunct="1">
+              <a:lnSpc>
+                <a:spcPct val="100000"/>
+              </a:lnSpc>
+              <a:spcBef>
+                <a:spcPts val="0"/>
+              </a:spcBef>
+              <a:spcAft>
+                <a:spcPts val="0"/>
+              </a:spcAft>
+              <a:buClrTx/>
+              <a:buSzTx/>
+              <a:buFontTx/>
+              <a:buNone/>
+              <a:tabLst/>
+              <a:defRPr/>
+            </a:pPr>
+            <a:r>
+              <a:rPr kumimoji="1" lang="zh-CN" altLang="en-US" sz="1200" dirty="0">
+                <a:latin typeface="Microsoft YaHei" panose="020B0503020204020204" pitchFamily="34" charset="-122"/>
+                <a:ea typeface="Microsoft YaHei" panose="020B0503020204020204" pitchFamily="34" charset="-122"/>
+              </a:rPr>
+              <a:t>对于</a:t>
+            </a:r>
+            <a:r>
+              <a:rPr kumimoji="1" lang="en-US" altLang="zh-CN" sz="1200" dirty="0">
+                <a:latin typeface="Microsoft YaHei" panose="020B0503020204020204" pitchFamily="34" charset="-122"/>
+                <a:ea typeface="Microsoft YaHei" panose="020B0503020204020204" pitchFamily="34" charset="-122"/>
+              </a:rPr>
+              <a:t>java</a:t>
+            </a:r>
+            <a:r>
+              <a:rPr kumimoji="1" lang="zh-CN" altLang="en-US" sz="1200" dirty="0">
+                <a:latin typeface="Microsoft YaHei" panose="020B0503020204020204" pitchFamily="34" charset="-122"/>
+                <a:ea typeface="Microsoft YaHei" panose="020B0503020204020204" pitchFamily="34" charset="-122"/>
+              </a:rPr>
+              <a:t>中的</a:t>
+            </a:r>
+            <a:r>
+              <a:rPr kumimoji="1" lang="en-US" altLang="zh-CN" sz="1200" dirty="0">
+                <a:latin typeface="Microsoft YaHei" panose="020B0503020204020204" pitchFamily="34" charset="-122"/>
+                <a:ea typeface="Microsoft YaHei" panose="020B0503020204020204" pitchFamily="34" charset="-122"/>
+              </a:rPr>
+              <a:t>.class</a:t>
+            </a:r>
+            <a:r>
+              <a:rPr kumimoji="1" lang="zh-CN" altLang="en-US" sz="1200" dirty="0">
+                <a:latin typeface="Microsoft YaHei" panose="020B0503020204020204" pitchFamily="34" charset="-122"/>
+                <a:ea typeface="Microsoft YaHei" panose="020B0503020204020204" pitchFamily="34" charset="-122"/>
+              </a:rPr>
+              <a:t>文件，要是用一般的文本工具打开</a:t>
+            </a:r>
+            <a:r>
+              <a:rPr kumimoji="1" lang="en-US" altLang="zh-CN" sz="1200" dirty="0">
+                <a:latin typeface="Microsoft YaHei" panose="020B0503020204020204" pitchFamily="34" charset="-122"/>
+                <a:ea typeface="Microsoft YaHei" panose="020B0503020204020204" pitchFamily="34" charset="-122"/>
+              </a:rPr>
+              <a:t>.class</a:t>
+            </a:r>
+            <a:r>
+              <a:rPr kumimoji="1" lang="zh-CN" altLang="en-US" sz="1200" dirty="0">
+                <a:latin typeface="Microsoft YaHei" panose="020B0503020204020204" pitchFamily="34" charset="-122"/>
+                <a:ea typeface="Microsoft YaHei" panose="020B0503020204020204" pitchFamily="34" charset="-122"/>
+              </a:rPr>
+              <a:t>文件的话确实会是一堆乱码，而用开发工具打开</a:t>
+            </a:r>
+            <a:r>
+              <a:rPr kumimoji="1" lang="en-US" altLang="zh-CN" sz="1200" dirty="0">
+                <a:latin typeface="Microsoft YaHei" panose="020B0503020204020204" pitchFamily="34" charset="-122"/>
+                <a:ea typeface="Microsoft YaHei" panose="020B0503020204020204" pitchFamily="34" charset="-122"/>
+              </a:rPr>
+              <a:t>.class</a:t>
+            </a:r>
+            <a:r>
+              <a:rPr kumimoji="1" lang="zh-CN" altLang="en-US" sz="1200" dirty="0">
+                <a:latin typeface="Microsoft YaHei" panose="020B0503020204020204" pitchFamily="34" charset="-122"/>
+                <a:ea typeface="Microsoft YaHei" panose="020B0503020204020204" pitchFamily="34" charset="-122"/>
+              </a:rPr>
+              <a:t>的话，开发工具会给你反编译一遍，所以看起来就是正常代码了</a:t>
+            </a:r>
+            <a:endParaRPr kumimoji="1" lang="en-US" altLang="zh-CN" sz="1200" dirty="0">
+              <a:latin typeface="Microsoft YaHei" panose="020B0503020204020204" pitchFamily="34" charset="-122"/>
+              <a:ea typeface="Microsoft YaHei" panose="020B0503020204020204" pitchFamily="34" charset="-122"/>
+            </a:endParaRPr>
+          </a:p>
+          <a:p>
             <a:endParaRPr kumimoji="1" lang="zh-CN" altLang="en-US" dirty="0"/>
           </a:p>
         </p:txBody>
@@ -1955,7 +2047,259 @@
     </p:spTree>
     <p:extLst>
       <p:ext uri="{BB962C8B-B14F-4D97-AF65-F5344CB8AC3E}">
-        <p14:creationId xmlns:p14="http://schemas.microsoft.com/office/powerpoint/2010/main" val="106572400"/>
+        <p14:creationId xmlns:p14="http://schemas.microsoft.com/office/powerpoint/2010/main" val="1120393743"/>
+      </p:ext>
+    </p:extLst>
+  </p:cSld>
+  <p:clrMapOvr>
+    <a:masterClrMapping/>
+  </p:clrMapOvr>
+</p:notes>
+</file>
+
+<file path=ppt/notesSlides/notesSlide25.xml><?xml version="1.0" encoding="utf-8"?>
+<p:notes xmlns:a="http://schemas.openxmlformats.org/drawingml/2006/main" xmlns:r="http://schemas.openxmlformats.org/officeDocument/2006/relationships" xmlns:p="http://schemas.openxmlformats.org/presentationml/2006/main">
+  <p:cSld>
+    <p:spTree>
+      <p:nvGrpSpPr>
+        <p:cNvPr id="1" name=""/>
+        <p:cNvGrpSpPr/>
+        <p:nvPr/>
+      </p:nvGrpSpPr>
+      <p:grpSpPr>
+        <a:xfrm>
+          <a:off x="0" y="0"/>
+          <a:ext cx="0" cy="0"/>
+          <a:chOff x="0" y="0"/>
+          <a:chExt cx="0" cy="0"/>
+        </a:xfrm>
+      </p:grpSpPr>
+      <p:sp>
+        <p:nvSpPr>
+          <p:cNvPr id="2" name="幻灯片图像占位符 1"/>
+          <p:cNvSpPr>
+            <a:spLocks noGrp="1" noRot="1" noChangeAspect="1"/>
+          </p:cNvSpPr>
+          <p:nvPr>
+            <p:ph type="sldImg"/>
+          </p:nvPr>
+        </p:nvSpPr>
+        <p:spPr/>
+      </p:sp>
+      <p:sp>
+        <p:nvSpPr>
+          <p:cNvPr id="3" name="备注占位符 2"/>
+          <p:cNvSpPr>
+            <a:spLocks noGrp="1"/>
+          </p:cNvSpPr>
+          <p:nvPr>
+            <p:ph type="body" idx="1"/>
+          </p:nvPr>
+        </p:nvSpPr>
+        <p:spPr/>
+        <p:txBody>
+          <a:bodyPr/>
+          <a:lstStyle/>
+          <a:p>
+            <a:endParaRPr kumimoji="1" lang="zh-CN" altLang="en-US" dirty="0"/>
+          </a:p>
+        </p:txBody>
+      </p:sp>
+      <p:sp>
+        <p:nvSpPr>
+          <p:cNvPr id="4" name="灯片编号占位符 3"/>
+          <p:cNvSpPr>
+            <a:spLocks noGrp="1"/>
+          </p:cNvSpPr>
+          <p:nvPr>
+            <p:ph type="sldNum" sz="quarter" idx="5"/>
+          </p:nvPr>
+        </p:nvSpPr>
+        <p:spPr/>
+        <p:txBody>
+          <a:bodyPr/>
+          <a:lstStyle/>
+          <a:p>
+            <a:fld id="{0F8E57A1-C481-6944-857F-EAC8E932B5ED}" type="slidenum">
+              <a:rPr kumimoji="1" lang="zh-CN" altLang="en-US" smtClean="0"/>
+              <a:t>26</a:t>
+            </a:fld>
+            <a:endParaRPr kumimoji="1" lang="zh-CN" altLang="en-US"/>
+          </a:p>
+        </p:txBody>
+      </p:sp>
+    </p:spTree>
+    <p:extLst>
+      <p:ext uri="{BB962C8B-B14F-4D97-AF65-F5344CB8AC3E}">
+        <p14:creationId xmlns:p14="http://schemas.microsoft.com/office/powerpoint/2010/main" val="2845741781"/>
+      </p:ext>
+    </p:extLst>
+  </p:cSld>
+  <p:clrMapOvr>
+    <a:masterClrMapping/>
+  </p:clrMapOvr>
+</p:notes>
+</file>
+
+<file path=ppt/notesSlides/notesSlide26.xml><?xml version="1.0" encoding="utf-8"?>
+<p:notes xmlns:a="http://schemas.openxmlformats.org/drawingml/2006/main" xmlns:r="http://schemas.openxmlformats.org/officeDocument/2006/relationships" xmlns:p="http://schemas.openxmlformats.org/presentationml/2006/main">
+  <p:cSld>
+    <p:spTree>
+      <p:nvGrpSpPr>
+        <p:cNvPr id="1" name=""/>
+        <p:cNvGrpSpPr/>
+        <p:nvPr/>
+      </p:nvGrpSpPr>
+      <p:grpSpPr>
+        <a:xfrm>
+          <a:off x="0" y="0"/>
+          <a:ext cx="0" cy="0"/>
+          <a:chOff x="0" y="0"/>
+          <a:chExt cx="0" cy="0"/>
+        </a:xfrm>
+      </p:grpSpPr>
+      <p:sp>
+        <p:nvSpPr>
+          <p:cNvPr id="2" name="幻灯片图像占位符 1"/>
+          <p:cNvSpPr>
+            <a:spLocks noGrp="1" noRot="1" noChangeAspect="1"/>
+          </p:cNvSpPr>
+          <p:nvPr>
+            <p:ph type="sldImg"/>
+          </p:nvPr>
+        </p:nvSpPr>
+        <p:spPr/>
+      </p:sp>
+      <p:sp>
+        <p:nvSpPr>
+          <p:cNvPr id="3" name="备注占位符 2"/>
+          <p:cNvSpPr>
+            <a:spLocks noGrp="1"/>
+          </p:cNvSpPr>
+          <p:nvPr>
+            <p:ph type="body" idx="1"/>
+          </p:nvPr>
+        </p:nvSpPr>
+        <p:spPr/>
+        <p:txBody>
+          <a:bodyPr/>
+          <a:lstStyle/>
+          <a:p>
+            <a:endParaRPr kumimoji="1" lang="zh-CN" altLang="en-US" dirty="0"/>
+          </a:p>
+        </p:txBody>
+      </p:sp>
+      <p:sp>
+        <p:nvSpPr>
+          <p:cNvPr id="4" name="灯片编号占位符 3"/>
+          <p:cNvSpPr>
+            <a:spLocks noGrp="1"/>
+          </p:cNvSpPr>
+          <p:nvPr>
+            <p:ph type="sldNum" sz="quarter" idx="5"/>
+          </p:nvPr>
+        </p:nvSpPr>
+        <p:spPr/>
+        <p:txBody>
+          <a:bodyPr/>
+          <a:lstStyle/>
+          <a:p>
+            <a:fld id="{0F8E57A1-C481-6944-857F-EAC8E932B5ED}" type="slidenum">
+              <a:rPr kumimoji="1" lang="zh-CN" altLang="en-US" smtClean="0"/>
+              <a:t>27</a:t>
+            </a:fld>
+            <a:endParaRPr kumimoji="1" lang="zh-CN" altLang="en-US"/>
+          </a:p>
+        </p:txBody>
+      </p:sp>
+    </p:spTree>
+    <p:extLst>
+      <p:ext uri="{BB962C8B-B14F-4D97-AF65-F5344CB8AC3E}">
+        <p14:creationId xmlns:p14="http://schemas.microsoft.com/office/powerpoint/2010/main" val="2541675217"/>
+      </p:ext>
+    </p:extLst>
+  </p:cSld>
+  <p:clrMapOvr>
+    <a:masterClrMapping/>
+  </p:clrMapOvr>
+</p:notes>
+</file>
+
+<file path=ppt/notesSlides/notesSlide27.xml><?xml version="1.0" encoding="utf-8"?>
+<p:notes xmlns:a="http://schemas.openxmlformats.org/drawingml/2006/main" xmlns:r="http://schemas.openxmlformats.org/officeDocument/2006/relationships" xmlns:p="http://schemas.openxmlformats.org/presentationml/2006/main">
+  <p:cSld>
+    <p:spTree>
+      <p:nvGrpSpPr>
+        <p:cNvPr id="1" name=""/>
+        <p:cNvGrpSpPr/>
+        <p:nvPr/>
+      </p:nvGrpSpPr>
+      <p:grpSpPr>
+        <a:xfrm>
+          <a:off x="0" y="0"/>
+          <a:ext cx="0" cy="0"/>
+          <a:chOff x="0" y="0"/>
+          <a:chExt cx="0" cy="0"/>
+        </a:xfrm>
+      </p:grpSpPr>
+      <p:sp>
+        <p:nvSpPr>
+          <p:cNvPr id="2" name="幻灯片图像占位符 1"/>
+          <p:cNvSpPr>
+            <a:spLocks noGrp="1" noRot="1" noChangeAspect="1"/>
+          </p:cNvSpPr>
+          <p:nvPr>
+            <p:ph type="sldImg"/>
+          </p:nvPr>
+        </p:nvSpPr>
+        <p:spPr/>
+      </p:sp>
+      <p:sp>
+        <p:nvSpPr>
+          <p:cNvPr id="3" name="备注占位符 2"/>
+          <p:cNvSpPr>
+            <a:spLocks noGrp="1"/>
+          </p:cNvSpPr>
+          <p:nvPr>
+            <p:ph type="body" idx="1"/>
+          </p:nvPr>
+        </p:nvSpPr>
+        <p:spPr/>
+        <p:txBody>
+          <a:bodyPr/>
+          <a:lstStyle/>
+          <a:p>
+            <a:endParaRPr kumimoji="1" lang="zh-CN" altLang="en-US" dirty="0"/>
+          </a:p>
+        </p:txBody>
+      </p:sp>
+      <p:sp>
+        <p:nvSpPr>
+          <p:cNvPr id="4" name="灯片编号占位符 3"/>
+          <p:cNvSpPr>
+            <a:spLocks noGrp="1"/>
+          </p:cNvSpPr>
+          <p:nvPr>
+            <p:ph type="sldNum" sz="quarter" idx="5"/>
+          </p:nvPr>
+        </p:nvSpPr>
+        <p:spPr/>
+        <p:txBody>
+          <a:bodyPr/>
+          <a:lstStyle/>
+          <a:p>
+            <a:fld id="{0F8E57A1-C481-6944-857F-EAC8E932B5ED}" type="slidenum">
+              <a:rPr kumimoji="1" lang="zh-CN" altLang="en-US" smtClean="0"/>
+              <a:t>28</a:t>
+            </a:fld>
+            <a:endParaRPr kumimoji="1" lang="zh-CN" altLang="en-US"/>
+          </a:p>
+        </p:txBody>
+      </p:sp>
+    </p:spTree>
+    <p:extLst>
+      <p:ext uri="{BB962C8B-B14F-4D97-AF65-F5344CB8AC3E}">
+        <p14:creationId xmlns:p14="http://schemas.microsoft.com/office/powerpoint/2010/main" val="428716163"/>
       </p:ext>
     </p:extLst>
   </p:cSld>
@@ -2209,7 +2553,7 @@
     </p:spTree>
     <p:extLst>
       <p:ext uri="{BB962C8B-B14F-4D97-AF65-F5344CB8AC3E}">
-        <p14:creationId xmlns:p14="http://schemas.microsoft.com/office/powerpoint/2010/main" val="2819854946"/>
+        <p14:creationId xmlns:p14="http://schemas.microsoft.com/office/powerpoint/2010/main" val="1257690863"/>
       </p:ext>
     </p:extLst>
   </p:cSld>
@@ -2379,7 +2723,7 @@
     </p:spTree>
     <p:extLst>
       <p:ext uri="{BB962C8B-B14F-4D97-AF65-F5344CB8AC3E}">
-        <p14:creationId xmlns:p14="http://schemas.microsoft.com/office/powerpoint/2010/main" val="2695330858"/>
+        <p14:creationId xmlns:p14="http://schemas.microsoft.com/office/powerpoint/2010/main" val="2807304705"/>
       </p:ext>
     </p:extLst>
   </p:cSld>
@@ -2433,6 +2777,92 @@
           <a:bodyPr/>
           <a:lstStyle/>
           <a:p>
+            <a:pPr marL="0" marR="0" lvl="0" indent="0" algn="l" defTabSz="914400" rtl="0" eaLnBrk="1" fontAlgn="auto" latinLnBrk="0" hangingPunct="1">
+              <a:lnSpc>
+                <a:spcPct val="100000"/>
+              </a:lnSpc>
+              <a:spcBef>
+                <a:spcPts val="0"/>
+              </a:spcBef>
+              <a:spcAft>
+                <a:spcPts val="0"/>
+              </a:spcAft>
+              <a:buClrTx/>
+              <a:buSzTx/>
+              <a:buFontTx/>
+              <a:buNone/>
+              <a:tabLst/>
+              <a:defRPr/>
+            </a:pPr>
+            <a:r>
+              <a:rPr kumimoji="1" lang="zh-CN" altLang="en-US" sz="1200" dirty="0">
+                <a:latin typeface="Microsoft YaHei" panose="020B0503020204020204" pitchFamily="34" charset="-122"/>
+                <a:ea typeface="Microsoft YaHei" panose="020B0503020204020204" pitchFamily="34" charset="-122"/>
+              </a:rPr>
+              <a:t>对于</a:t>
+            </a:r>
+            <a:r>
+              <a:rPr kumimoji="1" lang="en-US" altLang="zh-CN" sz="1200" dirty="0">
+                <a:latin typeface="Microsoft YaHei" panose="020B0503020204020204" pitchFamily="34" charset="-122"/>
+                <a:ea typeface="Microsoft YaHei" panose="020B0503020204020204" pitchFamily="34" charset="-122"/>
+              </a:rPr>
+              <a:t>java</a:t>
+            </a:r>
+            <a:r>
+              <a:rPr kumimoji="1" lang="zh-CN" altLang="en-US" sz="1200" dirty="0">
+                <a:latin typeface="Microsoft YaHei" panose="020B0503020204020204" pitchFamily="34" charset="-122"/>
+                <a:ea typeface="Microsoft YaHei" panose="020B0503020204020204" pitchFamily="34" charset="-122"/>
+              </a:rPr>
+              <a:t>中的</a:t>
+            </a:r>
+            <a:r>
+              <a:rPr kumimoji="1" lang="en-US" altLang="zh-CN" sz="1200" dirty="0">
+                <a:latin typeface="Microsoft YaHei" panose="020B0503020204020204" pitchFamily="34" charset="-122"/>
+                <a:ea typeface="Microsoft YaHei" panose="020B0503020204020204" pitchFamily="34" charset="-122"/>
+              </a:rPr>
+              <a:t>.class</a:t>
+            </a:r>
+            <a:r>
+              <a:rPr kumimoji="1" lang="zh-CN" altLang="en-US" sz="1200" dirty="0">
+                <a:latin typeface="Microsoft YaHei" panose="020B0503020204020204" pitchFamily="34" charset="-122"/>
+                <a:ea typeface="Microsoft YaHei" panose="020B0503020204020204" pitchFamily="34" charset="-122"/>
+              </a:rPr>
+              <a:t>文件，要是用一般的文本工具打开</a:t>
+            </a:r>
+            <a:r>
+              <a:rPr kumimoji="1" lang="en-US" altLang="zh-CN" sz="1200" dirty="0">
+                <a:latin typeface="Microsoft YaHei" panose="020B0503020204020204" pitchFamily="34" charset="-122"/>
+                <a:ea typeface="Microsoft YaHei" panose="020B0503020204020204" pitchFamily="34" charset="-122"/>
+              </a:rPr>
+              <a:t>.class</a:t>
+            </a:r>
+            <a:r>
+              <a:rPr kumimoji="1" lang="zh-CN" altLang="en-US" sz="1200" dirty="0">
+                <a:latin typeface="Microsoft YaHei" panose="020B0503020204020204" pitchFamily="34" charset="-122"/>
+                <a:ea typeface="Microsoft YaHei" panose="020B0503020204020204" pitchFamily="34" charset="-122"/>
+              </a:rPr>
+              <a:t>文件的话确实会是一堆乱码，而用开发工具打开</a:t>
+            </a:r>
+            <a:r>
+              <a:rPr kumimoji="1" lang="en-US" altLang="zh-CN" sz="1200" dirty="0">
+                <a:latin typeface="Microsoft YaHei" panose="020B0503020204020204" pitchFamily="34" charset="-122"/>
+                <a:ea typeface="Microsoft YaHei" panose="020B0503020204020204" pitchFamily="34" charset="-122"/>
+              </a:rPr>
+              <a:t>.class</a:t>
+            </a:r>
+            <a:r>
+              <a:rPr kumimoji="1" lang="zh-CN" altLang="en-US" sz="1200" dirty="0">
+                <a:latin typeface="Microsoft YaHei" panose="020B0503020204020204" pitchFamily="34" charset="-122"/>
+                <a:ea typeface="Microsoft YaHei" panose="020B0503020204020204" pitchFamily="34" charset="-122"/>
+              </a:rPr>
+              <a:t>的话，开发工具会给你反编译一遍，所以看起来就是正常代码了</a:t>
+            </a:r>
+            <a:endParaRPr kumimoji="1" lang="en-US" altLang="zh-CN" sz="1200" dirty="0">
+              <a:latin typeface="Microsoft YaHei" panose="020B0503020204020204" pitchFamily="34" charset="-122"/>
+              <a:ea typeface="Microsoft YaHei" panose="020B0503020204020204" pitchFamily="34" charset="-122"/>
+            </a:endParaRPr>
+          </a:p>
+          <a:p>
             <a:endParaRPr kumimoji="1" lang="zh-CN" altLang="en-US" dirty="0"/>
           </a:p>
         </p:txBody>
@@ -2463,7 +2893,7 @@
     </p:spTree>
     <p:extLst>
       <p:ext uri="{BB962C8B-B14F-4D97-AF65-F5344CB8AC3E}">
-        <p14:creationId xmlns:p14="http://schemas.microsoft.com/office/powerpoint/2010/main" val="113513082"/>
+        <p14:creationId xmlns:p14="http://schemas.microsoft.com/office/powerpoint/2010/main" val="3428525918"/>
       </p:ext>
     </p:extLst>
   </p:cSld>
@@ -2517,6 +2947,92 @@
           <a:bodyPr/>
           <a:lstStyle/>
           <a:p>
+            <a:pPr marL="0" marR="0" lvl="0" indent="0" algn="l" defTabSz="914400" rtl="0" eaLnBrk="1" fontAlgn="auto" latinLnBrk="0" hangingPunct="1">
+              <a:lnSpc>
+                <a:spcPct val="100000"/>
+              </a:lnSpc>
+              <a:spcBef>
+                <a:spcPts val="0"/>
+              </a:spcBef>
+              <a:spcAft>
+                <a:spcPts val="0"/>
+              </a:spcAft>
+              <a:buClrTx/>
+              <a:buSzTx/>
+              <a:buFontTx/>
+              <a:buNone/>
+              <a:tabLst/>
+              <a:defRPr/>
+            </a:pPr>
+            <a:r>
+              <a:rPr kumimoji="1" lang="zh-CN" altLang="en-US" sz="1200" dirty="0">
+                <a:latin typeface="Microsoft YaHei" panose="020B0503020204020204" pitchFamily="34" charset="-122"/>
+                <a:ea typeface="Microsoft YaHei" panose="020B0503020204020204" pitchFamily="34" charset="-122"/>
+              </a:rPr>
+              <a:t>对于</a:t>
+            </a:r>
+            <a:r>
+              <a:rPr kumimoji="1" lang="en-US" altLang="zh-CN" sz="1200" dirty="0">
+                <a:latin typeface="Microsoft YaHei" panose="020B0503020204020204" pitchFamily="34" charset="-122"/>
+                <a:ea typeface="Microsoft YaHei" panose="020B0503020204020204" pitchFamily="34" charset="-122"/>
+              </a:rPr>
+              <a:t>java</a:t>
+            </a:r>
+            <a:r>
+              <a:rPr kumimoji="1" lang="zh-CN" altLang="en-US" sz="1200" dirty="0">
+                <a:latin typeface="Microsoft YaHei" panose="020B0503020204020204" pitchFamily="34" charset="-122"/>
+                <a:ea typeface="Microsoft YaHei" panose="020B0503020204020204" pitchFamily="34" charset="-122"/>
+              </a:rPr>
+              <a:t>中的</a:t>
+            </a:r>
+            <a:r>
+              <a:rPr kumimoji="1" lang="en-US" altLang="zh-CN" sz="1200" dirty="0">
+                <a:latin typeface="Microsoft YaHei" panose="020B0503020204020204" pitchFamily="34" charset="-122"/>
+                <a:ea typeface="Microsoft YaHei" panose="020B0503020204020204" pitchFamily="34" charset="-122"/>
+              </a:rPr>
+              <a:t>.class</a:t>
+            </a:r>
+            <a:r>
+              <a:rPr kumimoji="1" lang="zh-CN" altLang="en-US" sz="1200" dirty="0">
+                <a:latin typeface="Microsoft YaHei" panose="020B0503020204020204" pitchFamily="34" charset="-122"/>
+                <a:ea typeface="Microsoft YaHei" panose="020B0503020204020204" pitchFamily="34" charset="-122"/>
+              </a:rPr>
+              <a:t>文件，要是用一般的文本工具打开</a:t>
+            </a:r>
+            <a:r>
+              <a:rPr kumimoji="1" lang="en-US" altLang="zh-CN" sz="1200" dirty="0">
+                <a:latin typeface="Microsoft YaHei" panose="020B0503020204020204" pitchFamily="34" charset="-122"/>
+                <a:ea typeface="Microsoft YaHei" panose="020B0503020204020204" pitchFamily="34" charset="-122"/>
+              </a:rPr>
+              <a:t>.class</a:t>
+            </a:r>
+            <a:r>
+              <a:rPr kumimoji="1" lang="zh-CN" altLang="en-US" sz="1200" dirty="0">
+                <a:latin typeface="Microsoft YaHei" panose="020B0503020204020204" pitchFamily="34" charset="-122"/>
+                <a:ea typeface="Microsoft YaHei" panose="020B0503020204020204" pitchFamily="34" charset="-122"/>
+              </a:rPr>
+              <a:t>文件的话确实会是一堆乱码，而用开发工具打开</a:t>
+            </a:r>
+            <a:r>
+              <a:rPr kumimoji="1" lang="en-US" altLang="zh-CN" sz="1200" dirty="0">
+                <a:latin typeface="Microsoft YaHei" panose="020B0503020204020204" pitchFamily="34" charset="-122"/>
+                <a:ea typeface="Microsoft YaHei" panose="020B0503020204020204" pitchFamily="34" charset="-122"/>
+              </a:rPr>
+              <a:t>.class</a:t>
+            </a:r>
+            <a:r>
+              <a:rPr kumimoji="1" lang="zh-CN" altLang="en-US" sz="1200" dirty="0">
+                <a:latin typeface="Microsoft YaHei" panose="020B0503020204020204" pitchFamily="34" charset="-122"/>
+                <a:ea typeface="Microsoft YaHei" panose="020B0503020204020204" pitchFamily="34" charset="-122"/>
+              </a:rPr>
+              <a:t>的话，开发工具会给你反编译一遍，所以看起来就是正常代码了</a:t>
+            </a:r>
+            <a:endParaRPr kumimoji="1" lang="en-US" altLang="zh-CN" sz="1200" dirty="0">
+              <a:latin typeface="Microsoft YaHei" panose="020B0503020204020204" pitchFamily="34" charset="-122"/>
+              <a:ea typeface="Microsoft YaHei" panose="020B0503020204020204" pitchFamily="34" charset="-122"/>
+            </a:endParaRPr>
+          </a:p>
+          <a:p>
             <a:endParaRPr kumimoji="1" lang="zh-CN" altLang="en-US" dirty="0"/>
           </a:p>
         </p:txBody>
@@ -2547,7 +3063,7 @@
     </p:spTree>
     <p:extLst>
       <p:ext uri="{BB962C8B-B14F-4D97-AF65-F5344CB8AC3E}">
-        <p14:creationId xmlns:p14="http://schemas.microsoft.com/office/powerpoint/2010/main" val="1902827518"/>
+        <p14:creationId xmlns:p14="http://schemas.microsoft.com/office/powerpoint/2010/main" val="2695330858"/>
       </p:ext>
     </p:extLst>
   </p:cSld>
@@ -2601,92 +3117,6 @@
           <a:bodyPr/>
           <a:lstStyle/>
           <a:p>
-            <a:pPr marL="0" marR="0" lvl="0" indent="0" algn="l" defTabSz="914400" rtl="0" eaLnBrk="1" fontAlgn="auto" latinLnBrk="0" hangingPunct="1">
-              <a:lnSpc>
-                <a:spcPct val="100000"/>
-              </a:lnSpc>
-              <a:spcBef>
-                <a:spcPts val="0"/>
-              </a:spcBef>
-              <a:spcAft>
-                <a:spcPts val="0"/>
-              </a:spcAft>
-              <a:buClrTx/>
-              <a:buSzTx/>
-              <a:buFontTx/>
-              <a:buNone/>
-              <a:tabLst/>
-              <a:defRPr/>
-            </a:pPr>
-            <a:r>
-              <a:rPr kumimoji="1" lang="zh-CN" altLang="en-US" sz="1200" dirty="0">
-                <a:latin typeface="Microsoft YaHei" panose="020B0503020204020204" pitchFamily="34" charset="-122"/>
-                <a:ea typeface="Microsoft YaHei" panose="020B0503020204020204" pitchFamily="34" charset="-122"/>
-              </a:rPr>
-              <a:t>对于</a:t>
-            </a:r>
-            <a:r>
-              <a:rPr kumimoji="1" lang="en-US" altLang="zh-CN" sz="1200" dirty="0">
-                <a:latin typeface="Microsoft YaHei" panose="020B0503020204020204" pitchFamily="34" charset="-122"/>
-                <a:ea typeface="Microsoft YaHei" panose="020B0503020204020204" pitchFamily="34" charset="-122"/>
-              </a:rPr>
-              <a:t>java</a:t>
-            </a:r>
-            <a:r>
-              <a:rPr kumimoji="1" lang="zh-CN" altLang="en-US" sz="1200" dirty="0">
-                <a:latin typeface="Microsoft YaHei" panose="020B0503020204020204" pitchFamily="34" charset="-122"/>
-                <a:ea typeface="Microsoft YaHei" panose="020B0503020204020204" pitchFamily="34" charset="-122"/>
-              </a:rPr>
-              <a:t>中的</a:t>
-            </a:r>
-            <a:r>
-              <a:rPr kumimoji="1" lang="en-US" altLang="zh-CN" sz="1200" dirty="0">
-                <a:latin typeface="Microsoft YaHei" panose="020B0503020204020204" pitchFamily="34" charset="-122"/>
-                <a:ea typeface="Microsoft YaHei" panose="020B0503020204020204" pitchFamily="34" charset="-122"/>
-              </a:rPr>
-              <a:t>.class</a:t>
-            </a:r>
-            <a:r>
-              <a:rPr kumimoji="1" lang="zh-CN" altLang="en-US" sz="1200" dirty="0">
-                <a:latin typeface="Microsoft YaHei" panose="020B0503020204020204" pitchFamily="34" charset="-122"/>
-                <a:ea typeface="Microsoft YaHei" panose="020B0503020204020204" pitchFamily="34" charset="-122"/>
-              </a:rPr>
-              <a:t>文件，要是用一般的文本工具打开</a:t>
-            </a:r>
-            <a:r>
-              <a:rPr kumimoji="1" lang="en-US" altLang="zh-CN" sz="1200" dirty="0">
-                <a:latin typeface="Microsoft YaHei" panose="020B0503020204020204" pitchFamily="34" charset="-122"/>
-                <a:ea typeface="Microsoft YaHei" panose="020B0503020204020204" pitchFamily="34" charset="-122"/>
-              </a:rPr>
-              <a:t>.class</a:t>
-            </a:r>
-            <a:r>
-              <a:rPr kumimoji="1" lang="zh-CN" altLang="en-US" sz="1200" dirty="0">
-                <a:latin typeface="Microsoft YaHei" panose="020B0503020204020204" pitchFamily="34" charset="-122"/>
-                <a:ea typeface="Microsoft YaHei" panose="020B0503020204020204" pitchFamily="34" charset="-122"/>
-              </a:rPr>
-              <a:t>文件的话确实会是一堆乱码，而用开发工具打开</a:t>
-            </a:r>
-            <a:r>
-              <a:rPr kumimoji="1" lang="en-US" altLang="zh-CN" sz="1200" dirty="0">
-                <a:latin typeface="Microsoft YaHei" panose="020B0503020204020204" pitchFamily="34" charset="-122"/>
-                <a:ea typeface="Microsoft YaHei" panose="020B0503020204020204" pitchFamily="34" charset="-122"/>
-              </a:rPr>
-              <a:t>.class</a:t>
-            </a:r>
-            <a:r>
-              <a:rPr kumimoji="1" lang="zh-CN" altLang="en-US" sz="1200" dirty="0">
-                <a:latin typeface="Microsoft YaHei" panose="020B0503020204020204" pitchFamily="34" charset="-122"/>
-                <a:ea typeface="Microsoft YaHei" panose="020B0503020204020204" pitchFamily="34" charset="-122"/>
-              </a:rPr>
-              <a:t>的话，开发工具会给你反编译一遍，所以看起来就是正常代码了</a:t>
-            </a:r>
-            <a:endParaRPr kumimoji="1" lang="en-US" altLang="zh-CN" sz="1200" dirty="0">
-              <a:latin typeface="Microsoft YaHei" panose="020B0503020204020204" pitchFamily="34" charset="-122"/>
-              <a:ea typeface="Microsoft YaHei" panose="020B0503020204020204" pitchFamily="34" charset="-122"/>
-            </a:endParaRPr>
-          </a:p>
-          <a:p>
             <a:endParaRPr kumimoji="1" lang="zh-CN" altLang="en-US" dirty="0"/>
           </a:p>
         </p:txBody>
@@ -2717,7 +3147,7 @@
     </p:spTree>
     <p:extLst>
       <p:ext uri="{BB962C8B-B14F-4D97-AF65-F5344CB8AC3E}">
-        <p14:creationId xmlns:p14="http://schemas.microsoft.com/office/powerpoint/2010/main" val="1120393743"/>
+        <p14:creationId xmlns:p14="http://schemas.microsoft.com/office/powerpoint/2010/main" val="113513082"/>
       </p:ext>
     </p:extLst>
   </p:cSld>
@@ -2801,7 +3231,7 @@
     </p:spTree>
     <p:extLst>
       <p:ext uri="{BB962C8B-B14F-4D97-AF65-F5344CB8AC3E}">
-        <p14:creationId xmlns:p14="http://schemas.microsoft.com/office/powerpoint/2010/main" val="2175811935"/>
+        <p14:creationId xmlns:p14="http://schemas.microsoft.com/office/powerpoint/2010/main" val="1902827518"/>
       </p:ext>
     </p:extLst>
   </p:cSld>
@@ -2958,7 +3388,7 @@
           <a:p>
             <a:fld id="{1C49BB65-7B3F-4D4E-A397-BBFD82890A5A}" type="datetimeFigureOut">
               <a:rPr kumimoji="1" lang="zh-CN" altLang="en-US" smtClean="0"/>
-              <a:t>2020/5/7</a:t>
+              <a:t>2020/5/16</a:t>
             </a:fld>
             <a:endParaRPr kumimoji="1" lang="zh-CN" altLang="en-US"/>
           </a:p>
@@ -3156,7 +3586,7 @@
           <a:p>
             <a:fld id="{1C49BB65-7B3F-4D4E-A397-BBFD82890A5A}" type="datetimeFigureOut">
               <a:rPr kumimoji="1" lang="zh-CN" altLang="en-US" smtClean="0"/>
-              <a:t>2020/5/7</a:t>
+              <a:t>2020/5/16</a:t>
             </a:fld>
             <a:endParaRPr kumimoji="1" lang="zh-CN" altLang="en-US"/>
           </a:p>
@@ -3364,7 +3794,7 @@
           <a:p>
             <a:fld id="{1C49BB65-7B3F-4D4E-A397-BBFD82890A5A}" type="datetimeFigureOut">
               <a:rPr kumimoji="1" lang="zh-CN" altLang="en-US" smtClean="0"/>
-              <a:t>2020/5/7</a:t>
+              <a:t>2020/5/16</a:t>
             </a:fld>
             <a:endParaRPr kumimoji="1" lang="zh-CN" altLang="en-US"/>
           </a:p>
@@ -3562,7 +3992,7 @@
           <a:p>
             <a:fld id="{1C49BB65-7B3F-4D4E-A397-BBFD82890A5A}" type="datetimeFigureOut">
               <a:rPr kumimoji="1" lang="zh-CN" altLang="en-US" smtClean="0"/>
-              <a:t>2020/5/7</a:t>
+              <a:t>2020/5/16</a:t>
             </a:fld>
             <a:endParaRPr kumimoji="1" lang="zh-CN" altLang="en-US"/>
           </a:p>
@@ -3837,7 +4267,7 @@
           <a:p>
             <a:fld id="{1C49BB65-7B3F-4D4E-A397-BBFD82890A5A}" type="datetimeFigureOut">
               <a:rPr kumimoji="1" lang="zh-CN" altLang="en-US" smtClean="0"/>
-              <a:t>2020/5/7</a:t>
+              <a:t>2020/5/16</a:t>
             </a:fld>
             <a:endParaRPr kumimoji="1" lang="zh-CN" altLang="en-US"/>
           </a:p>
@@ -4102,7 +4532,7 @@
           <a:p>
             <a:fld id="{1C49BB65-7B3F-4D4E-A397-BBFD82890A5A}" type="datetimeFigureOut">
               <a:rPr kumimoji="1" lang="zh-CN" altLang="en-US" smtClean="0"/>
-              <a:t>2020/5/7</a:t>
+              <a:t>2020/5/16</a:t>
             </a:fld>
             <a:endParaRPr kumimoji="1" lang="zh-CN" altLang="en-US"/>
           </a:p>
@@ -4514,7 +4944,7 @@
           <a:p>
             <a:fld id="{1C49BB65-7B3F-4D4E-A397-BBFD82890A5A}" type="datetimeFigureOut">
               <a:rPr kumimoji="1" lang="zh-CN" altLang="en-US" smtClean="0"/>
-              <a:t>2020/5/7</a:t>
+              <a:t>2020/5/16</a:t>
             </a:fld>
             <a:endParaRPr kumimoji="1" lang="zh-CN" altLang="en-US"/>
           </a:p>
@@ -4655,7 +5085,7 @@
           <a:p>
             <a:fld id="{1C49BB65-7B3F-4D4E-A397-BBFD82890A5A}" type="datetimeFigureOut">
               <a:rPr kumimoji="1" lang="zh-CN" altLang="en-US" smtClean="0"/>
-              <a:t>2020/5/7</a:t>
+              <a:t>2020/5/16</a:t>
             </a:fld>
             <a:endParaRPr kumimoji="1" lang="zh-CN" altLang="en-US"/>
           </a:p>
@@ -5025,7 +5455,7 @@
           <a:p>
             <a:fld id="{1C49BB65-7B3F-4D4E-A397-BBFD82890A5A}" type="datetimeFigureOut">
               <a:rPr kumimoji="1" lang="zh-CN" altLang="en-US" smtClean="0"/>
-              <a:t>2020/5/7</a:t>
+              <a:t>2020/5/16</a:t>
             </a:fld>
             <a:endParaRPr kumimoji="1" lang="zh-CN" altLang="en-US"/>
           </a:p>
@@ -5313,7 +5743,7 @@
           <a:p>
             <a:fld id="{1C49BB65-7B3F-4D4E-A397-BBFD82890A5A}" type="datetimeFigureOut">
               <a:rPr kumimoji="1" lang="zh-CN" altLang="en-US" smtClean="0"/>
-              <a:t>2020/5/7</a:t>
+              <a:t>2020/5/16</a:t>
             </a:fld>
             <a:endParaRPr kumimoji="1" lang="zh-CN" altLang="en-US"/>
           </a:p>
@@ -5554,7 +5984,7 @@
           <a:p>
             <a:fld id="{1C49BB65-7B3F-4D4E-A397-BBFD82890A5A}" type="datetimeFigureOut">
               <a:rPr kumimoji="1" lang="zh-CN" altLang="en-US" smtClean="0"/>
-              <a:t>2020/5/7</a:t>
+              <a:t>2020/5/16</a:t>
             </a:fld>
             <a:endParaRPr kumimoji="1" lang="zh-CN" altLang="en-US"/>
           </a:p>
@@ -6228,10 +6658,147 @@
       </p:grpSpPr>
       <p:sp>
         <p:nvSpPr>
-          <p:cNvPr id="2" name="文本框 1">
+          <p:cNvPr id="13" name="文本框 12">
             <a:extLst>
               <a:ext uri="{FF2B5EF4-FFF2-40B4-BE49-F238E27FC236}">
-                <a16:creationId xmlns:a16="http://schemas.microsoft.com/office/drawing/2014/main" id="{12AA8BCC-7B15-4842-80C2-48C079429338}"/>
+                <a16:creationId xmlns:a16="http://schemas.microsoft.com/office/drawing/2014/main" id="{8E054F89-5FA8-2F47-8710-58E04A67980C}"/>
+              </a:ext>
+            </a:extLst>
+          </p:cNvPr>
+          <p:cNvSpPr txBox="1"/>
+          <p:nvPr/>
+        </p:nvSpPr>
+        <p:spPr>
+          <a:xfrm>
+            <a:off x="1925640" y="2604378"/>
+            <a:ext cx="8924544" cy="2243050"/>
+          </a:xfrm>
+          <a:prstGeom prst="rect">
+            <a:avLst/>
+          </a:prstGeom>
+          <a:noFill/>
+        </p:spPr>
+        <p:txBody>
+          <a:bodyPr wrap="square" rtlCol="0">
+            <a:spAutoFit/>
+          </a:bodyPr>
+          <a:lstStyle/>
+          <a:p>
+            <a:pPr>
+              <a:lnSpc>
+                <a:spcPct val="150000"/>
+              </a:lnSpc>
+            </a:pPr>
+            <a:r>
+              <a:rPr kumimoji="1" lang="zh-CN" altLang="en-US" sz="2400" dirty="0">
+                <a:latin typeface="Microsoft YaHei" panose="020B0503020204020204" pitchFamily="34" charset="-122"/>
+                <a:ea typeface="Microsoft YaHei" panose="020B0503020204020204" pitchFamily="34" charset="-122"/>
+              </a:rPr>
+              <a:t>计算机的任何存储</a:t>
+            </a:r>
+            <a:r>
+              <a:rPr kumimoji="1" lang="en-US" altLang="zh-CN" sz="2400" dirty="0">
+                <a:latin typeface="Microsoft YaHei" panose="020B0503020204020204" pitchFamily="34" charset="-122"/>
+                <a:ea typeface="Microsoft YaHei" panose="020B0503020204020204" pitchFamily="34" charset="-122"/>
+              </a:rPr>
+              <a:t>(</a:t>
+            </a:r>
+            <a:r>
+              <a:rPr kumimoji="1" lang="zh-CN" altLang="en-US" sz="2400" dirty="0">
+                <a:solidFill>
+                  <a:schemeClr val="accent2"/>
+                </a:solidFill>
+                <a:latin typeface="Microsoft YaHei" panose="020B0503020204020204" pitchFamily="34" charset="-122"/>
+                <a:ea typeface="Microsoft YaHei" panose="020B0503020204020204" pitchFamily="34" charset="-122"/>
+              </a:rPr>
+              <a:t>万物</a:t>
+            </a:r>
+            <a:r>
+              <a:rPr kumimoji="1" lang="en-US" altLang="zh-CN" sz="2400" dirty="0">
+                <a:latin typeface="Microsoft YaHei" panose="020B0503020204020204" pitchFamily="34" charset="-122"/>
+                <a:ea typeface="Microsoft YaHei" panose="020B0503020204020204" pitchFamily="34" charset="-122"/>
+              </a:rPr>
+              <a:t>)</a:t>
+            </a:r>
+            <a:r>
+              <a:rPr kumimoji="1" lang="zh-CN" altLang="en-US" sz="2400" dirty="0">
+                <a:latin typeface="Microsoft YaHei" panose="020B0503020204020204" pitchFamily="34" charset="-122"/>
+                <a:ea typeface="Microsoft YaHei" panose="020B0503020204020204" pitchFamily="34" charset="-122"/>
+              </a:rPr>
+              <a:t>在物理设备上是都是以二进制</a:t>
+            </a:r>
+            <a:r>
+              <a:rPr kumimoji="1" lang="en-US" altLang="zh-CN" sz="2400" dirty="0">
+                <a:latin typeface="Microsoft YaHei" panose="020B0503020204020204" pitchFamily="34" charset="-122"/>
+                <a:ea typeface="Microsoft YaHei" panose="020B0503020204020204" pitchFamily="34" charset="-122"/>
+              </a:rPr>
+              <a:t>(</a:t>
+            </a:r>
+            <a:r>
+              <a:rPr kumimoji="1" lang="zh-CN" altLang="en-US" sz="2400" dirty="0">
+                <a:solidFill>
+                  <a:schemeClr val="accent2"/>
+                </a:solidFill>
+                <a:latin typeface="Microsoft YaHei" panose="020B0503020204020204" pitchFamily="34" charset="-122"/>
+                <a:ea typeface="Microsoft YaHei" panose="020B0503020204020204" pitchFamily="34" charset="-122"/>
+              </a:rPr>
+              <a:t>归宗</a:t>
+            </a:r>
+            <a:r>
+              <a:rPr kumimoji="1" lang="en-US" altLang="zh-CN" sz="2400" dirty="0">
+                <a:latin typeface="Microsoft YaHei" panose="020B0503020204020204" pitchFamily="34" charset="-122"/>
+                <a:ea typeface="Microsoft YaHei" panose="020B0503020204020204" pitchFamily="34" charset="-122"/>
+              </a:rPr>
+              <a:t>)</a:t>
+            </a:r>
+            <a:r>
+              <a:rPr kumimoji="1" lang="zh-CN" altLang="en-US" sz="2400" dirty="0">
+                <a:latin typeface="Microsoft YaHei" panose="020B0503020204020204" pitchFamily="34" charset="-122"/>
+                <a:ea typeface="Microsoft YaHei" panose="020B0503020204020204" pitchFamily="34" charset="-122"/>
+              </a:rPr>
+              <a:t>，所以文本文件与二进制文件的区别并不是物理上的，而是逻辑上的。因此文本</a:t>
+            </a:r>
+            <a:r>
+              <a:rPr kumimoji="1" lang="en-US" altLang="zh-CN" sz="2400" dirty="0">
+                <a:latin typeface="Microsoft YaHei" panose="020B0503020204020204" pitchFamily="34" charset="-122"/>
+                <a:ea typeface="Microsoft YaHei" panose="020B0503020204020204" pitchFamily="34" charset="-122"/>
+              </a:rPr>
+              <a:t>I/O</a:t>
+            </a:r>
+            <a:r>
+              <a:rPr kumimoji="1" lang="zh-CN" altLang="en-US" sz="2400" dirty="0">
+                <a:latin typeface="Microsoft YaHei" panose="020B0503020204020204" pitchFamily="34" charset="-122"/>
+                <a:ea typeface="Microsoft YaHei" panose="020B0503020204020204" pitchFamily="34" charset="-122"/>
+              </a:rPr>
+              <a:t>是在二进制</a:t>
+            </a:r>
+            <a:r>
+              <a:rPr kumimoji="1" lang="en-US" altLang="zh-CN" sz="2400" dirty="0">
+                <a:latin typeface="Microsoft YaHei" panose="020B0503020204020204" pitchFamily="34" charset="-122"/>
+                <a:ea typeface="Microsoft YaHei" panose="020B0503020204020204" pitchFamily="34" charset="-122"/>
+              </a:rPr>
+              <a:t>I/0</a:t>
+            </a:r>
+            <a:r>
+              <a:rPr kumimoji="1" lang="zh-CN" altLang="en-US" sz="2400" dirty="0">
+                <a:latin typeface="Microsoft YaHei" panose="020B0503020204020204" pitchFamily="34" charset="-122"/>
+                <a:ea typeface="Microsoft YaHei" panose="020B0503020204020204" pitchFamily="34" charset="-122"/>
+              </a:rPr>
+              <a:t>上提供了一层抽象，用于字符层次的编码和解码。</a:t>
+            </a:r>
+            <a:endParaRPr kumimoji="1" lang="en-US" altLang="zh-CN" sz="2400" dirty="0">
+              <a:latin typeface="Microsoft YaHei" panose="020B0503020204020204" pitchFamily="34" charset="-122"/>
+              <a:ea typeface="Microsoft YaHei" panose="020B0503020204020204" pitchFamily="34" charset="-122"/>
+            </a:endParaRPr>
+          </a:p>
+        </p:txBody>
+      </p:sp>
+      <p:sp>
+        <p:nvSpPr>
+          <p:cNvPr id="8" name="文本框 7">
+            <a:extLst>
+              <a:ext uri="{FF2B5EF4-FFF2-40B4-BE49-F238E27FC236}">
+                <a16:creationId xmlns:a16="http://schemas.microsoft.com/office/drawing/2014/main" id="{ABB0DF46-338D-EE43-A147-7918AB1CD0D1}"/>
               </a:ext>
             </a:extLst>
           </p:cNvPr>
@@ -6256,46 +6823,11 @@
           <a:p>
             <a:pPr algn="ctr"/>
             <a:r>
-              <a:rPr kumimoji="1" lang="en-US" altLang="zh-CN" sz="4800" dirty="0">
-                <a:latin typeface="Microsoft YaHei" panose="020B0503020204020204" pitchFamily="34" charset="-122"/>
-                <a:ea typeface="Microsoft YaHei" panose="020B0503020204020204" pitchFamily="34" charset="-122"/>
-              </a:rPr>
-              <a:t>4.</a:t>
-            </a:r>
-            <a:r>
               <a:rPr kumimoji="1" lang="zh-CN" altLang="en-US" sz="4800" dirty="0">
                 <a:latin typeface="Microsoft YaHei" panose="020B0503020204020204" pitchFamily="34" charset="-122"/>
                 <a:ea typeface="Microsoft YaHei" panose="020B0503020204020204" pitchFamily="34" charset="-122"/>
               </a:rPr>
-              <a:t> </a:t>
-            </a:r>
-            <a:r>
-              <a:rPr kumimoji="1" lang="en-US" altLang="zh-CN" sz="4800" dirty="0">
-                <a:latin typeface="Microsoft YaHei" panose="020B0503020204020204" pitchFamily="34" charset="-122"/>
-                <a:ea typeface="Microsoft YaHei" panose="020B0503020204020204" pitchFamily="34" charset="-122"/>
-              </a:rPr>
-              <a:t>1</a:t>
-            </a:r>
-            <a:r>
-              <a:rPr kumimoji="1" lang="zh-CN" altLang="en-US" sz="4800" dirty="0">
-                <a:latin typeface="Microsoft YaHei" panose="020B0503020204020204" pitchFamily="34" charset="-122"/>
-                <a:ea typeface="Microsoft YaHei" panose="020B0503020204020204" pitchFamily="34" charset="-122"/>
-              </a:rPr>
-              <a:t> </a:t>
-            </a:r>
-            <a:r>
-              <a:rPr kumimoji="1" lang="en-US" altLang="zh-CN" sz="4800" dirty="0">
-                <a:latin typeface="Microsoft YaHei" panose="020B0503020204020204" pitchFamily="34" charset="-122"/>
-                <a:ea typeface="Microsoft YaHei" panose="020B0503020204020204" pitchFamily="34" charset="-122"/>
-              </a:rPr>
-              <a:t>File</a:t>
-            </a:r>
-            <a:r>
-              <a:rPr kumimoji="1" lang="zh-CN" altLang="en-US" sz="4800" dirty="0">
-                <a:latin typeface="Microsoft YaHei" panose="020B0503020204020204" pitchFamily="34" charset="-122"/>
-                <a:ea typeface="Microsoft YaHei" panose="020B0503020204020204" pitchFamily="34" charset="-122"/>
-              </a:rPr>
-              <a:t>类</a:t>
+              <a:t>计算机中的万物归宗</a:t>
             </a:r>
             <a:endParaRPr kumimoji="1" lang="en-US" altLang="zh-CN" sz="4800" dirty="0">
               <a:ea typeface="Microsoft YaHei" panose="020B0503020204020204" pitchFamily="34" charset="-122"/>
@@ -6303,111 +6835,10 @@
           </a:p>
         </p:txBody>
       </p:sp>
-      <p:sp>
-        <p:nvSpPr>
-          <p:cNvPr id="13" name="文本框 12">
-            <a:extLst>
-              <a:ext uri="{FF2B5EF4-FFF2-40B4-BE49-F238E27FC236}">
-                <a16:creationId xmlns:a16="http://schemas.microsoft.com/office/drawing/2014/main" id="{8E054F89-5FA8-2F47-8710-58E04A67980C}"/>
-              </a:ext>
-            </a:extLst>
-          </p:cNvPr>
-          <p:cNvSpPr txBox="1"/>
-          <p:nvPr/>
-        </p:nvSpPr>
-        <p:spPr>
-          <a:xfrm>
-            <a:off x="831945" y="2784079"/>
-            <a:ext cx="3740054" cy="2308324"/>
-          </a:xfrm>
-          <a:prstGeom prst="rect">
-            <a:avLst/>
-          </a:prstGeom>
-          <a:noFill/>
-        </p:spPr>
-        <p:txBody>
-          <a:bodyPr wrap="square" rtlCol="0">
-            <a:spAutoFit/>
-          </a:bodyPr>
-          <a:lstStyle/>
-          <a:p>
-            <a:r>
-              <a:rPr kumimoji="1" lang="en-US" altLang="zh-CN" sz="2400" dirty="0">
-                <a:latin typeface="Microsoft YaHei" panose="020B0503020204020204" pitchFamily="34" charset="-122"/>
-                <a:ea typeface="Microsoft YaHei" panose="020B0503020204020204" pitchFamily="34" charset="-122"/>
-              </a:rPr>
-              <a:t>File </a:t>
-            </a:r>
-            <a:r>
-              <a:rPr kumimoji="1" lang="zh-CN" altLang="en-US" sz="2400" dirty="0">
-                <a:latin typeface="Microsoft YaHei" panose="020B0503020204020204" pitchFamily="34" charset="-122"/>
-                <a:ea typeface="Microsoft YaHei" panose="020B0503020204020204" pitchFamily="34" charset="-122"/>
-              </a:rPr>
-              <a:t>类包含了获得一个文件或目录的属性，以及对文件或目录进行改名和删除 的方法。</a:t>
-            </a:r>
-            <a:endParaRPr kumimoji="1" lang="en-US" altLang="zh-CN" sz="2400" dirty="0">
-              <a:latin typeface="Microsoft YaHei" panose="020B0503020204020204" pitchFamily="34" charset="-122"/>
-              <a:ea typeface="Microsoft YaHei" panose="020B0503020204020204" pitchFamily="34" charset="-122"/>
-            </a:endParaRPr>
-          </a:p>
-          <a:p>
-            <a:endParaRPr kumimoji="1" lang="en-US" altLang="zh-CN" sz="2400" dirty="0">
-              <a:latin typeface="Microsoft YaHei" panose="020B0503020204020204" pitchFamily="34" charset="-122"/>
-              <a:ea typeface="Microsoft YaHei" panose="020B0503020204020204" pitchFamily="34" charset="-122"/>
-            </a:endParaRPr>
-          </a:p>
-          <a:p>
-            <a:r>
-              <a:rPr kumimoji="1" lang="en-US" altLang="zh-CN" sz="2400" dirty="0">
-                <a:latin typeface="Microsoft YaHei" panose="020B0503020204020204" pitchFamily="34" charset="-122"/>
-                <a:ea typeface="Microsoft YaHei" panose="020B0503020204020204" pitchFamily="34" charset="-122"/>
-              </a:rPr>
-              <a:t>👉</a:t>
-            </a:r>
-            <a:r>
-              <a:rPr kumimoji="1" lang="zh-CN" altLang="en-US" sz="2400" dirty="0">
-                <a:latin typeface="Microsoft YaHei" panose="020B0503020204020204" pitchFamily="34" charset="-122"/>
-                <a:ea typeface="Microsoft YaHei" panose="020B0503020204020204" pitchFamily="34" charset="-122"/>
-              </a:rPr>
-              <a:t>是其中一些方法</a:t>
-            </a:r>
-          </a:p>
-        </p:txBody>
-      </p:sp>
-      <p:pic>
-        <p:nvPicPr>
-          <p:cNvPr id="3" name="图片 2">
-            <a:extLst>
-              <a:ext uri="{FF2B5EF4-FFF2-40B4-BE49-F238E27FC236}">
-                <a16:creationId xmlns:a16="http://schemas.microsoft.com/office/drawing/2014/main" id="{36E36404-E0DE-4E46-B5B7-942F2E4331AD}"/>
-              </a:ext>
-            </a:extLst>
-          </p:cNvPr>
-          <p:cNvPicPr>
-            <a:picLocks noChangeAspect="1"/>
-          </p:cNvPicPr>
-          <p:nvPr/>
-        </p:nvPicPr>
-        <p:blipFill>
-          <a:blip r:embed="rId4"/>
-          <a:stretch>
-            <a:fillRect/>
-          </a:stretch>
-        </p:blipFill>
-        <p:spPr>
-          <a:xfrm>
-            <a:off x="8032379" y="1651000"/>
-            <a:ext cx="3619500" cy="5207000"/>
-          </a:xfrm>
-          <a:prstGeom prst="rect">
-            <a:avLst/>
-          </a:prstGeom>
-        </p:spPr>
-      </p:pic>
     </p:spTree>
     <p:extLst>
       <p:ext uri="{BB962C8B-B14F-4D97-AF65-F5344CB8AC3E}">
-        <p14:creationId xmlns:p14="http://schemas.microsoft.com/office/powerpoint/2010/main" val="247306001"/>
+        <p14:creationId xmlns:p14="http://schemas.microsoft.com/office/powerpoint/2010/main" val="3508353338"/>
       </p:ext>
     </p:extLst>
   </p:cSld>
@@ -6473,25 +6904,25 @@
           <a:p>
             <a:pPr algn="ctr"/>
             <a:r>
+              <a:rPr kumimoji="1" lang="en-US" altLang="zh-CN" sz="4800" dirty="0">
+                <a:latin typeface="Microsoft YaHei" panose="020B0503020204020204" pitchFamily="34" charset="-122"/>
+                <a:ea typeface="Microsoft YaHei" panose="020B0503020204020204" pitchFamily="34" charset="-122"/>
+              </a:rPr>
+              <a:t>3.</a:t>
+            </a:r>
+            <a:r>
               <a:rPr kumimoji="1" lang="zh-CN" altLang="en-US" sz="4800" dirty="0">
                 <a:latin typeface="Microsoft YaHei" panose="020B0503020204020204" pitchFamily="34" charset="-122"/>
                 <a:ea typeface="Microsoft YaHei" panose="020B0503020204020204" pitchFamily="34" charset="-122"/>
               </a:rPr>
-              <a:t>如何构造</a:t>
+              <a:t> 文本</a:t>
             </a:r>
             <a:r>
               <a:rPr kumimoji="1" lang="en-US" altLang="zh-CN" sz="4800" dirty="0">
                 <a:latin typeface="Microsoft YaHei" panose="020B0503020204020204" pitchFamily="34" charset="-122"/>
                 <a:ea typeface="Microsoft YaHei" panose="020B0503020204020204" pitchFamily="34" charset="-122"/>
               </a:rPr>
-              <a:t>File</a:t>
-            </a:r>
-            <a:r>
-              <a:rPr kumimoji="1" lang="zh-CN" altLang="en-US" sz="4800" dirty="0">
-                <a:latin typeface="Microsoft YaHei" panose="020B0503020204020204" pitchFamily="34" charset="-122"/>
-                <a:ea typeface="Microsoft YaHei" panose="020B0503020204020204" pitchFamily="34" charset="-122"/>
-              </a:rPr>
-              <a:t>对象</a:t>
+              <a:t>I/O</a:t>
             </a:r>
             <a:endParaRPr kumimoji="1" lang="en-US" altLang="zh-CN" sz="4800" dirty="0">
               <a:ea typeface="Microsoft YaHei" panose="020B0503020204020204" pitchFamily="34" charset="-122"/>
@@ -6513,8 +6944,8 @@
         </p:nvSpPr>
         <p:spPr>
           <a:xfrm>
-            <a:off x="2424066" y="2922494"/>
-            <a:ext cx="7343867" cy="1689052"/>
+            <a:off x="4447982" y="3198167"/>
+            <a:ext cx="5264056" cy="461665"/>
           </a:xfrm>
           <a:prstGeom prst="rect">
             <a:avLst/>
@@ -6527,163 +6958,20 @@
           </a:bodyPr>
           <a:lstStyle/>
           <a:p>
-            <a:pPr>
-              <a:lnSpc>
-                <a:spcPct val="150000"/>
-              </a:lnSpc>
-            </a:pPr>
             <a:r>
               <a:rPr kumimoji="1" lang="zh-CN" altLang="en-US" sz="2400" dirty="0">
                 <a:latin typeface="Microsoft YaHei" panose="020B0503020204020204" pitchFamily="34" charset="-122"/>
                 <a:ea typeface="Microsoft YaHei" panose="020B0503020204020204" pitchFamily="34" charset="-122"/>
               </a:rPr>
-              <a:t>一般采用构造函数 ：</a:t>
-            </a:r>
-            <a:r>
-              <a:rPr kumimoji="1" lang="en-US" altLang="zh-CN" sz="2400" dirty="0">
-                <a:latin typeface="Microsoft YaHei" panose="020B0503020204020204" pitchFamily="34" charset="-122"/>
-                <a:ea typeface="Microsoft YaHei" panose="020B0503020204020204" pitchFamily="34" charset="-122"/>
-              </a:rPr>
-              <a:t>File(String</a:t>
-            </a:r>
-            <a:r>
-              <a:rPr kumimoji="1" lang="zh-CN" altLang="en-US" sz="2400" dirty="0">
-                <a:latin typeface="Microsoft YaHei" panose="020B0503020204020204" pitchFamily="34" charset="-122"/>
-                <a:ea typeface="Microsoft YaHei" panose="020B0503020204020204" pitchFamily="34" charset="-122"/>
-              </a:rPr>
-              <a:t> </a:t>
-            </a:r>
-            <a:r>
-              <a:rPr kumimoji="1" lang="en-US" altLang="zh-CN" sz="2400" dirty="0" err="1">
-                <a:latin typeface="Microsoft YaHei" panose="020B0503020204020204" pitchFamily="34" charset="-122"/>
-                <a:ea typeface="Microsoft YaHei" panose="020B0503020204020204" pitchFamily="34" charset="-122"/>
-              </a:rPr>
-              <a:t>filePath</a:t>
-            </a:r>
-            <a:r>
-              <a:rPr kumimoji="1" lang="zh-CN" altLang="en-US" sz="2400" dirty="0">
-                <a:latin typeface="Microsoft YaHei" panose="020B0503020204020204" pitchFamily="34" charset="-122"/>
-                <a:ea typeface="Microsoft YaHei" panose="020B0503020204020204" pitchFamily="34" charset="-122"/>
-              </a:rPr>
-              <a:t>）</a:t>
-            </a:r>
-            <a:endParaRPr kumimoji="1" lang="en-US" altLang="zh-CN" sz="2400" dirty="0">
-              <a:latin typeface="Microsoft YaHei" panose="020B0503020204020204" pitchFamily="34" charset="-122"/>
-              <a:ea typeface="Microsoft YaHei" panose="020B0503020204020204" pitchFamily="34" charset="-122"/>
-            </a:endParaRPr>
-          </a:p>
-          <a:p>
-            <a:pPr>
-              <a:lnSpc>
-                <a:spcPct val="150000"/>
-              </a:lnSpc>
-            </a:pPr>
-            <a:r>
-              <a:rPr kumimoji="1" lang="zh-CN" altLang="en-US" sz="2400" dirty="0">
-                <a:latin typeface="Microsoft YaHei" panose="020B0503020204020204" pitchFamily="34" charset="-122"/>
-                <a:ea typeface="Microsoft YaHei" panose="020B0503020204020204" pitchFamily="34" charset="-122"/>
-              </a:rPr>
-              <a:t>其中，</a:t>
-            </a:r>
-            <a:r>
-              <a:rPr kumimoji="1" lang="en-US" altLang="zh-CN" sz="2400" dirty="0" err="1">
-                <a:latin typeface="Microsoft YaHei" panose="020B0503020204020204" pitchFamily="34" charset="-122"/>
-                <a:ea typeface="Microsoft YaHei" panose="020B0503020204020204" pitchFamily="34" charset="-122"/>
-              </a:rPr>
-              <a:t>filePath</a:t>
-            </a:r>
-            <a:r>
-              <a:rPr kumimoji="1" lang="zh-CN" altLang="en-US" sz="2400" dirty="0">
-                <a:latin typeface="Microsoft YaHei" panose="020B0503020204020204" pitchFamily="34" charset="-122"/>
-                <a:ea typeface="Microsoft YaHei" panose="020B0503020204020204" pitchFamily="34" charset="-122"/>
-              </a:rPr>
-              <a:t>是你电脑中文件的路径</a:t>
-            </a:r>
-            <a:endParaRPr kumimoji="1" lang="en-US" altLang="zh-CN" sz="2400" dirty="0">
-              <a:latin typeface="Microsoft YaHei" panose="020B0503020204020204" pitchFamily="34" charset="-122"/>
-              <a:ea typeface="Microsoft YaHei" panose="020B0503020204020204" pitchFamily="34" charset="-122"/>
-            </a:endParaRPr>
-          </a:p>
-          <a:p>
-            <a:pPr>
-              <a:lnSpc>
-                <a:spcPct val="150000"/>
-              </a:lnSpc>
-            </a:pPr>
-            <a:r>
-              <a:rPr kumimoji="1" lang="en-US" altLang="zh-CN" sz="2400" dirty="0">
-                <a:latin typeface="Microsoft YaHei" panose="020B0503020204020204" pitchFamily="34" charset="-122"/>
-                <a:ea typeface="Microsoft YaHei" panose="020B0503020204020204" pitchFamily="34" charset="-122"/>
-              </a:rPr>
-              <a:t>File</a:t>
-            </a:r>
-            <a:r>
-              <a:rPr kumimoji="1" lang="zh-CN" altLang="en-US" sz="2400" dirty="0">
-                <a:latin typeface="Microsoft YaHei" panose="020B0503020204020204" pitchFamily="34" charset="-122"/>
-                <a:ea typeface="Microsoft YaHei" panose="020B0503020204020204" pitchFamily="34" charset="-122"/>
-              </a:rPr>
-              <a:t> </a:t>
-            </a:r>
-            <a:r>
-              <a:rPr kumimoji="1" lang="en-US" altLang="zh-CN" sz="2400" dirty="0">
-                <a:latin typeface="Microsoft YaHei" panose="020B0503020204020204" pitchFamily="34" charset="-122"/>
-                <a:ea typeface="Microsoft YaHei" panose="020B0503020204020204" pitchFamily="34" charset="-122"/>
-              </a:rPr>
-              <a:t>file</a:t>
-            </a:r>
-            <a:r>
-              <a:rPr kumimoji="1" lang="zh-CN" altLang="en-US" sz="2400" dirty="0">
-                <a:latin typeface="Microsoft YaHei" panose="020B0503020204020204" pitchFamily="34" charset="-122"/>
-                <a:ea typeface="Microsoft YaHei" panose="020B0503020204020204" pitchFamily="34" charset="-122"/>
-              </a:rPr>
-              <a:t> </a:t>
-            </a:r>
-            <a:r>
-              <a:rPr kumimoji="1" lang="en-US" altLang="zh-CN" sz="2400" dirty="0">
-                <a:latin typeface="Microsoft YaHei" panose="020B0503020204020204" pitchFamily="34" charset="-122"/>
-                <a:ea typeface="Microsoft YaHei" panose="020B0503020204020204" pitchFamily="34" charset="-122"/>
-              </a:rPr>
-              <a:t>=</a:t>
-            </a:r>
-            <a:r>
-              <a:rPr kumimoji="1" lang="zh-CN" altLang="en-US" sz="2400" dirty="0">
-                <a:latin typeface="Microsoft YaHei" panose="020B0503020204020204" pitchFamily="34" charset="-122"/>
-                <a:ea typeface="Microsoft YaHei" panose="020B0503020204020204" pitchFamily="34" charset="-122"/>
-              </a:rPr>
-              <a:t> </a:t>
-            </a:r>
-            <a:r>
-              <a:rPr kumimoji="1" lang="en-US" altLang="zh-CN" sz="2400" dirty="0">
-                <a:latin typeface="Microsoft YaHei" panose="020B0503020204020204" pitchFamily="34" charset="-122"/>
-                <a:ea typeface="Microsoft YaHei" panose="020B0503020204020204" pitchFamily="34" charset="-122"/>
-              </a:rPr>
-              <a:t>new</a:t>
-            </a:r>
-            <a:r>
-              <a:rPr kumimoji="1" lang="zh-CN" altLang="en-US" sz="2400" dirty="0">
-                <a:latin typeface="Microsoft YaHei" panose="020B0503020204020204" pitchFamily="34" charset="-122"/>
-                <a:ea typeface="Microsoft YaHei" panose="020B0503020204020204" pitchFamily="34" charset="-122"/>
-              </a:rPr>
-              <a:t> </a:t>
-            </a:r>
-            <a:r>
-              <a:rPr kumimoji="1" lang="en-US" altLang="zh-CN" sz="2400" dirty="0">
-                <a:latin typeface="Microsoft YaHei" panose="020B0503020204020204" pitchFamily="34" charset="-122"/>
-                <a:ea typeface="Microsoft YaHei" panose="020B0503020204020204" pitchFamily="34" charset="-122"/>
-              </a:rPr>
-              <a:t>File(“C:\\java\\.java”);</a:t>
-            </a:r>
-            <a:endParaRPr kumimoji="1" lang="zh-CN" altLang="en-US" sz="2400" dirty="0">
-              <a:latin typeface="Microsoft YaHei" panose="020B0503020204020204" pitchFamily="34" charset="-122"/>
-              <a:ea typeface="Microsoft YaHei" panose="020B0503020204020204" pitchFamily="34" charset="-122"/>
-            </a:endParaRPr>
+              <a:t>接下来介绍 文本的读，写</a:t>
+            </a:r>
           </a:p>
         </p:txBody>
       </p:sp>
     </p:spTree>
     <p:extLst>
       <p:ext uri="{BB962C8B-B14F-4D97-AF65-F5344CB8AC3E}">
-        <p14:creationId xmlns:p14="http://schemas.microsoft.com/office/powerpoint/2010/main" val="2300233394"/>
+        <p14:creationId xmlns:p14="http://schemas.microsoft.com/office/powerpoint/2010/main" val="247306001"/>
       </p:ext>
     </p:extLst>
   </p:cSld>
@@ -6733,8 +7021,8 @@
         </p:nvSpPr>
         <p:spPr>
           <a:xfrm>
-            <a:off x="2520000" y="720000"/>
-            <a:ext cx="7735824" cy="830997"/>
+            <a:off x="2520000" y="727364"/>
+            <a:ext cx="8432018" cy="830997"/>
           </a:xfrm>
           <a:prstGeom prst="rect">
             <a:avLst/>
@@ -6749,11 +7037,46 @@
           <a:p>
             <a:pPr algn="ctr"/>
             <a:r>
+              <a:rPr kumimoji="1" lang="en-US" altLang="zh-CN" sz="4800" dirty="0">
+                <a:latin typeface="Microsoft YaHei" panose="020B0503020204020204" pitchFamily="34" charset="-122"/>
+                <a:ea typeface="Microsoft YaHei" panose="020B0503020204020204" pitchFamily="34" charset="-122"/>
+              </a:rPr>
+              <a:t>3.1</a:t>
+            </a:r>
+            <a:r>
               <a:rPr kumimoji="1" lang="zh-CN" altLang="en-US" sz="4800" dirty="0">
                 <a:latin typeface="Microsoft YaHei" panose="020B0503020204020204" pitchFamily="34" charset="-122"/>
                 <a:ea typeface="Microsoft YaHei" panose="020B0503020204020204" pitchFamily="34" charset="-122"/>
               </a:rPr>
-              <a:t>绝对路径和相对路径</a:t>
+              <a:t> </a:t>
+            </a:r>
+            <a:r>
+              <a:rPr kumimoji="1" lang="en-US" altLang="zh-CN" sz="4800" dirty="0">
+                <a:latin typeface="Microsoft YaHei" panose="020B0503020204020204" pitchFamily="34" charset="-122"/>
+                <a:ea typeface="Microsoft YaHei" panose="020B0503020204020204" pitchFamily="34" charset="-122"/>
+              </a:rPr>
+              <a:t>File</a:t>
+            </a:r>
+            <a:r>
+              <a:rPr kumimoji="1" lang="zh-CN" altLang="en-US" sz="4800" dirty="0">
+                <a:latin typeface="Microsoft YaHei" panose="020B0503020204020204" pitchFamily="34" charset="-122"/>
+                <a:ea typeface="Microsoft YaHei" panose="020B0503020204020204" pitchFamily="34" charset="-122"/>
+              </a:rPr>
+              <a:t>类</a:t>
+            </a:r>
+            <a:r>
+              <a:rPr kumimoji="1" lang="en-US" altLang="zh-CN" sz="4800" dirty="0">
+                <a:latin typeface="Microsoft YaHei" panose="020B0503020204020204" pitchFamily="34" charset="-122"/>
+                <a:ea typeface="Microsoft YaHei" panose="020B0503020204020204" pitchFamily="34" charset="-122"/>
+              </a:rPr>
+              <a:t>---</a:t>
+            </a:r>
+            <a:r>
+              <a:rPr kumimoji="1" lang="zh-CN" altLang="en-US" sz="4800" dirty="0">
+                <a:latin typeface="Microsoft YaHei" panose="020B0503020204020204" pitchFamily="34" charset="-122"/>
+                <a:ea typeface="Microsoft YaHei" panose="020B0503020204020204" pitchFamily="34" charset="-122"/>
+              </a:rPr>
+              <a:t>本地文件的包装</a:t>
             </a:r>
             <a:endParaRPr kumimoji="1" lang="en-US" altLang="zh-CN" sz="4800" dirty="0">
               <a:ea typeface="Microsoft YaHei" panose="020B0503020204020204" pitchFamily="34" charset="-122"/>
@@ -6775,8 +7098,8 @@
         </p:nvSpPr>
         <p:spPr>
           <a:xfrm>
-            <a:off x="1362636" y="2187388"/>
-            <a:ext cx="10183907" cy="3046988"/>
+            <a:off x="831944" y="2639291"/>
+            <a:ext cx="6005273" cy="2808398"/>
           </a:xfrm>
           <a:prstGeom prst="rect">
             <a:avLst/>
@@ -6789,37 +7112,24 @@
           </a:bodyPr>
           <a:lstStyle/>
           <a:p>
-            <a:pPr marL="342900" indent="-342900">
-              <a:buFont typeface="Arial" panose="020B0604020202020204" pitchFamily="34" charset="0"/>
-              <a:buChar char="•"/>
+            <a:pPr>
+              <a:lnSpc>
+                <a:spcPct val="150000"/>
+              </a:lnSpc>
             </a:pPr>
             <a:r>
-              <a:rPr kumimoji="1" lang="zh-CN" altLang="en-US" sz="2400" b="1" u="sng" dirty="0">
-                <a:latin typeface="Microsoft YaHei" panose="020B0503020204020204" pitchFamily="34" charset="-122"/>
-                <a:ea typeface="Microsoft YaHei" panose="020B0503020204020204" pitchFamily="34" charset="-122"/>
-              </a:rPr>
-              <a:t>绝对路径</a:t>
+              <a:rPr kumimoji="1" lang="en-US" altLang="zh-CN" sz="2400" dirty="0">
+                <a:latin typeface="Microsoft YaHei" panose="020B0503020204020204" pitchFamily="34" charset="-122"/>
+                <a:ea typeface="Microsoft YaHei" panose="020B0503020204020204" pitchFamily="34" charset="-122"/>
+              </a:rPr>
+              <a:t>File </a:t>
             </a:r>
             <a:r>
               <a:rPr kumimoji="1" lang="zh-CN" altLang="en-US" sz="2400" dirty="0">
                 <a:latin typeface="Microsoft YaHei" panose="020B0503020204020204" pitchFamily="34" charset="-122"/>
                 <a:ea typeface="Microsoft YaHei" panose="020B0503020204020204" pitchFamily="34" charset="-122"/>
               </a:rPr>
-              <a:t>：由文件名和它的完整路径以及驱动器字母组成  比如：</a:t>
-            </a:r>
-            <a:r>
-              <a:rPr kumimoji="1" lang="en-US" altLang="zh-CN" sz="2400" dirty="0">
-                <a:latin typeface="Microsoft YaHei" panose="020B0503020204020204" pitchFamily="34" charset="-122"/>
-                <a:ea typeface="Microsoft YaHei" panose="020B0503020204020204" pitchFamily="34" charset="-122"/>
-              </a:rPr>
-              <a:t> C:\java\</a:t>
-            </a:r>
-            <a:r>
-              <a:rPr kumimoji="1" lang="en-US" altLang="zh-CN" sz="2400" dirty="0" err="1">
-                <a:latin typeface="Microsoft YaHei" panose="020B0503020204020204" pitchFamily="34" charset="-122"/>
-                <a:ea typeface="Microsoft YaHei" panose="020B0503020204020204" pitchFamily="34" charset="-122"/>
-              </a:rPr>
-              <a:t>io.java</a:t>
+              <a:t>类包含了获得一个文件或目录的属性，以及对文件或目录进行改名和删除 的方法。</a:t>
             </a:r>
             <a:endParaRPr kumimoji="1" lang="en-US" altLang="zh-CN" sz="2400" dirty="0">
               <a:latin typeface="Microsoft YaHei" panose="020B0503020204020204" pitchFamily="34" charset="-122"/>
@@ -6827,301 +7137,127 @@
             </a:endParaRPr>
           </a:p>
           <a:p>
-            <a:pPr marL="342900" indent="-342900">
-              <a:buFont typeface="Arial" panose="020B0604020202020204" pitchFamily="34" charset="0"/>
-              <a:buChar char="•"/>
+            <a:pPr>
+              <a:lnSpc>
+                <a:spcPct val="150000"/>
+              </a:lnSpc>
             </a:pPr>
             <a:r>
-              <a:rPr kumimoji="1" lang="zh-CN" altLang="en-US" sz="2400" b="1" u="sng" dirty="0">
-                <a:latin typeface="Microsoft YaHei" panose="020B0503020204020204" pitchFamily="34" charset="-122"/>
-                <a:ea typeface="Microsoft YaHei" panose="020B0503020204020204" pitchFamily="34" charset="-122"/>
-              </a:rPr>
-              <a:t>相对路径</a:t>
+              <a:rPr kumimoji="1" lang="en-US" altLang="zh-CN" sz="2400" dirty="0">
+                <a:solidFill>
+                  <a:schemeClr val="accent2"/>
+                </a:solidFill>
+                <a:latin typeface="Microsoft YaHei" panose="020B0503020204020204" pitchFamily="34" charset="-122"/>
+                <a:ea typeface="Microsoft YaHei" panose="020B0503020204020204" pitchFamily="34" charset="-122"/>
+              </a:rPr>
+              <a:t>File</a:t>
             </a:r>
             <a:r>
               <a:rPr kumimoji="1" lang="zh-CN" altLang="en-US" sz="2400" dirty="0">
-                <a:latin typeface="Microsoft YaHei" panose="020B0503020204020204" pitchFamily="34" charset="-122"/>
-                <a:ea typeface="Microsoft YaHei" panose="020B0503020204020204" pitchFamily="34" charset="-122"/>
-              </a:rPr>
-              <a:t>：相对于当前工作目录的路径，完整目录被忽略</a:t>
+                <a:solidFill>
+                  <a:schemeClr val="accent2"/>
+                </a:solidFill>
+                <a:latin typeface="Microsoft YaHei" panose="020B0503020204020204" pitchFamily="34" charset="-122"/>
+                <a:ea typeface="Microsoft YaHei" panose="020B0503020204020204" pitchFamily="34" charset="-122"/>
+              </a:rPr>
+              <a:t>把你本地的文件包装成一个</a:t>
             </a:r>
             <a:r>
               <a:rPr kumimoji="1" lang="en-US" altLang="zh-CN" sz="2400" dirty="0">
-                <a:latin typeface="Microsoft YaHei" panose="020B0503020204020204" pitchFamily="34" charset="-122"/>
-                <a:ea typeface="Microsoft YaHei" panose="020B0503020204020204" pitchFamily="34" charset="-122"/>
-              </a:rPr>
-              <a:t>.</a:t>
+                <a:solidFill>
+                  <a:schemeClr val="accent2"/>
+                </a:solidFill>
+                <a:latin typeface="Microsoft YaHei" panose="020B0503020204020204" pitchFamily="34" charset="-122"/>
+                <a:ea typeface="Microsoft YaHei" panose="020B0503020204020204" pitchFamily="34" charset="-122"/>
+              </a:rPr>
+              <a:t>Java</a:t>
             </a:r>
             <a:r>
               <a:rPr kumimoji="1" lang="zh-CN" altLang="en-US" sz="2400" dirty="0">
-                <a:latin typeface="Microsoft YaHei" panose="020B0503020204020204" pitchFamily="34" charset="-122"/>
-                <a:ea typeface="Microsoft YaHei" panose="020B0503020204020204" pitchFamily="34" charset="-122"/>
-              </a:rPr>
-              <a:t>若当前目录是</a:t>
-            </a:r>
-            <a:r>
-              <a:rPr kumimoji="1" lang="en-US" altLang="zh-CN" sz="2400" dirty="0">
-                <a:latin typeface="Microsoft YaHei" panose="020B0503020204020204" pitchFamily="34" charset="-122"/>
-                <a:ea typeface="Microsoft YaHei" panose="020B0503020204020204" pitchFamily="34" charset="-122"/>
-              </a:rPr>
-              <a:t>C:\java,</a:t>
-            </a:r>
-            <a:r>
-              <a:rPr kumimoji="1" lang="zh-CN" altLang="en-US" sz="2400" dirty="0">
-                <a:latin typeface="Microsoft YaHei" panose="020B0503020204020204" pitchFamily="34" charset="-122"/>
-                <a:ea typeface="Microsoft YaHei" panose="020B0503020204020204" pitchFamily="34" charset="-122"/>
-              </a:rPr>
-              <a:t> 那么</a:t>
-            </a:r>
-            <a:r>
-              <a:rPr kumimoji="1" lang="en-US" altLang="zh-CN" sz="2400" dirty="0" err="1">
-                <a:latin typeface="Microsoft YaHei" panose="020B0503020204020204" pitchFamily="34" charset="-122"/>
-                <a:ea typeface="Microsoft YaHei" panose="020B0503020204020204" pitchFamily="34" charset="-122"/>
-              </a:rPr>
-              <a:t>io.java</a:t>
-            </a:r>
-            <a:r>
-              <a:rPr kumimoji="1" lang="zh-CN" altLang="en-US" sz="2400" dirty="0">
-                <a:latin typeface="Microsoft YaHei" panose="020B0503020204020204" pitchFamily="34" charset="-122"/>
-                <a:ea typeface="Microsoft YaHei" panose="020B0503020204020204" pitchFamily="34" charset="-122"/>
-              </a:rPr>
-              <a:t>就是此文件的相对路径。</a:t>
-            </a:r>
-          </a:p>
-          <a:p>
+                <a:solidFill>
+                  <a:schemeClr val="accent2"/>
+                </a:solidFill>
+                <a:latin typeface="Microsoft YaHei" panose="020B0503020204020204" pitchFamily="34" charset="-122"/>
+                <a:ea typeface="Microsoft YaHei" panose="020B0503020204020204" pitchFamily="34" charset="-122"/>
+              </a:rPr>
+              <a:t>对象</a:t>
+            </a:r>
+            <a:endParaRPr kumimoji="1" lang="en-US" altLang="zh-CN" sz="2400" dirty="0">
+              <a:solidFill>
+                <a:schemeClr val="accent2"/>
+              </a:solidFill>
+              <a:latin typeface="Microsoft YaHei" panose="020B0503020204020204" pitchFamily="34" charset="-122"/>
+              <a:ea typeface="Microsoft YaHei" panose="020B0503020204020204" pitchFamily="34" charset="-122"/>
+            </a:endParaRPr>
+          </a:p>
+          <a:p>
+            <a:pPr>
+              <a:lnSpc>
+                <a:spcPct val="150000"/>
+              </a:lnSpc>
+            </a:pPr>
             <a:endParaRPr kumimoji="1" lang="en-US" altLang="zh-CN" sz="2400" dirty="0">
               <a:latin typeface="Microsoft YaHei" panose="020B0503020204020204" pitchFamily="34" charset="-122"/>
               <a:ea typeface="Microsoft YaHei" panose="020B0503020204020204" pitchFamily="34" charset="-122"/>
             </a:endParaRPr>
           </a:p>
           <a:p>
+            <a:pPr>
+              <a:lnSpc>
+                <a:spcPct val="150000"/>
+              </a:lnSpc>
+            </a:pPr>
+            <a:r>
+              <a:rPr kumimoji="1" lang="en-US" altLang="zh-CN" sz="2400" dirty="0">
+                <a:latin typeface="Microsoft YaHei" panose="020B0503020204020204" pitchFamily="34" charset="-122"/>
+                <a:ea typeface="Microsoft YaHei" panose="020B0503020204020204" pitchFamily="34" charset="-122"/>
+              </a:rPr>
+              <a:t>👉</a:t>
+            </a:r>
             <a:r>
               <a:rPr kumimoji="1" lang="zh-CN" altLang="en-US" sz="2400" dirty="0">
                 <a:latin typeface="Microsoft YaHei" panose="020B0503020204020204" pitchFamily="34" charset="-122"/>
                 <a:ea typeface="Microsoft YaHei" panose="020B0503020204020204" pitchFamily="34" charset="-122"/>
               </a:rPr>
-              <a:t>假设邮寄地址： 浙江省杭州市临安区颐康街</a:t>
-            </a:r>
-            <a:r>
-              <a:rPr kumimoji="1" lang="en-US" altLang="zh-CN" sz="2400" dirty="0">
-                <a:latin typeface="Microsoft YaHei" panose="020B0503020204020204" pitchFamily="34" charset="-122"/>
-                <a:ea typeface="Microsoft YaHei" panose="020B0503020204020204" pitchFamily="34" charset="-122"/>
-              </a:rPr>
-              <a:t>8</a:t>
-            </a:r>
-            <a:r>
-              <a:rPr kumimoji="1" lang="zh-CN" altLang="en-US" sz="2400" dirty="0">
-                <a:latin typeface="Microsoft YaHei" panose="020B0503020204020204" pitchFamily="34" charset="-122"/>
-                <a:ea typeface="Microsoft YaHei" panose="020B0503020204020204" pitchFamily="34" charset="-122"/>
-              </a:rPr>
-              <a:t>号杭州医学院</a:t>
-            </a:r>
-            <a:r>
-              <a:rPr kumimoji="1" lang="en-US" altLang="zh-CN" sz="2400" dirty="0">
-                <a:latin typeface="Microsoft YaHei" panose="020B0503020204020204" pitchFamily="34" charset="-122"/>
-                <a:ea typeface="Microsoft YaHei" panose="020B0503020204020204" pitchFamily="34" charset="-122"/>
-              </a:rPr>
-              <a:t>1</a:t>
-            </a:r>
-            <a:r>
-              <a:rPr kumimoji="1" lang="zh-CN" altLang="en-US" sz="2400" dirty="0">
-                <a:latin typeface="Microsoft YaHei" panose="020B0503020204020204" pitchFamily="34" charset="-122"/>
-                <a:ea typeface="Microsoft YaHei" panose="020B0503020204020204" pitchFamily="34" charset="-122"/>
-              </a:rPr>
-              <a:t>号宿舍楼</a:t>
-            </a:r>
-            <a:r>
-              <a:rPr kumimoji="1" lang="en-US" altLang="zh-CN" sz="2400" dirty="0">
-                <a:latin typeface="Microsoft YaHei" panose="020B0503020204020204" pitchFamily="34" charset="-122"/>
-                <a:ea typeface="Microsoft YaHei" panose="020B0503020204020204" pitchFamily="34" charset="-122"/>
-              </a:rPr>
-              <a:t>101</a:t>
-            </a:r>
-          </a:p>
-          <a:p>
-            <a:r>
-              <a:rPr kumimoji="1" lang="zh-CN" altLang="en-US" sz="2400" dirty="0">
-                <a:latin typeface="Microsoft YaHei" panose="020B0503020204020204" pitchFamily="34" charset="-122"/>
-                <a:ea typeface="Microsoft YaHei" panose="020B0503020204020204" pitchFamily="34" charset="-122"/>
-              </a:rPr>
-              <a:t>那么这个邮寄地址就是一个绝对路径</a:t>
-            </a:r>
-            <a:endParaRPr kumimoji="1" lang="en-US" altLang="zh-CN" sz="2400" dirty="0">
-              <a:latin typeface="Microsoft YaHei" panose="020B0503020204020204" pitchFamily="34" charset="-122"/>
-              <a:ea typeface="Microsoft YaHei" panose="020B0503020204020204" pitchFamily="34" charset="-122"/>
-            </a:endParaRPr>
-          </a:p>
-          <a:p>
-            <a:r>
-              <a:rPr kumimoji="1" lang="zh-CN" altLang="en-US" sz="2400" dirty="0">
-                <a:latin typeface="Microsoft YaHei" panose="020B0503020204020204" pitchFamily="34" charset="-122"/>
-                <a:ea typeface="Microsoft YaHei" panose="020B0503020204020204" pitchFamily="34" charset="-122"/>
-              </a:rPr>
-              <a:t>因为同学们在校内，那么“</a:t>
-            </a:r>
-            <a:r>
-              <a:rPr kumimoji="1" lang="en-US" altLang="zh-CN" sz="2400" dirty="0">
-                <a:latin typeface="Microsoft YaHei" panose="020B0503020204020204" pitchFamily="34" charset="-122"/>
-                <a:ea typeface="Microsoft YaHei" panose="020B0503020204020204" pitchFamily="34" charset="-122"/>
-              </a:rPr>
-              <a:t>1</a:t>
-            </a:r>
-            <a:r>
-              <a:rPr kumimoji="1" lang="zh-CN" altLang="en-US" sz="2400" dirty="0">
-                <a:latin typeface="Microsoft YaHei" panose="020B0503020204020204" pitchFamily="34" charset="-122"/>
-                <a:ea typeface="Microsoft YaHei" panose="020B0503020204020204" pitchFamily="34" charset="-122"/>
-              </a:rPr>
-              <a:t>号宿舍楼</a:t>
-            </a:r>
-            <a:r>
-              <a:rPr kumimoji="1" lang="en-US" altLang="zh-CN" sz="2400" dirty="0">
-                <a:latin typeface="Microsoft YaHei" panose="020B0503020204020204" pitchFamily="34" charset="-122"/>
-                <a:ea typeface="Microsoft YaHei" panose="020B0503020204020204" pitchFamily="34" charset="-122"/>
-              </a:rPr>
-              <a:t>101</a:t>
-            </a:r>
-            <a:r>
-              <a:rPr kumimoji="1" lang="zh-CN" altLang="en-US" sz="2400" dirty="0">
-                <a:latin typeface="Microsoft YaHei" panose="020B0503020204020204" pitchFamily="34" charset="-122"/>
-                <a:ea typeface="Microsoft YaHei" panose="020B0503020204020204" pitchFamily="34" charset="-122"/>
-              </a:rPr>
-              <a:t>”就是这个宿舍的相对路径</a:t>
-            </a:r>
-          </a:p>
-        </p:txBody>
-      </p:sp>
-      <p:sp>
-        <p:nvSpPr>
-          <p:cNvPr id="3" name="文本框 2">
+              <a:t>是其中一些方法</a:t>
+            </a:r>
+          </a:p>
+        </p:txBody>
+      </p:sp>
+      <p:pic>
+        <p:nvPicPr>
+          <p:cNvPr id="3" name="图片 2">
             <a:extLst>
               <a:ext uri="{FF2B5EF4-FFF2-40B4-BE49-F238E27FC236}">
-                <a16:creationId xmlns:a16="http://schemas.microsoft.com/office/drawing/2014/main" id="{0E8A4D3B-F73B-FC45-926D-96D9436184F8}"/>
+                <a16:creationId xmlns:a16="http://schemas.microsoft.com/office/drawing/2014/main" id="{36E36404-E0DE-4E46-B5B7-942F2E4331AD}"/>
               </a:ext>
             </a:extLst>
           </p:cNvPr>
-          <p:cNvSpPr txBox="1"/>
+          <p:cNvPicPr>
+            <a:picLocks noChangeAspect="1"/>
+          </p:cNvPicPr>
           <p:nvPr/>
-        </p:nvSpPr>
+        </p:nvPicPr>
+        <p:blipFill>
+          <a:blip r:embed="rId4"/>
+          <a:stretch>
+            <a:fillRect/>
+          </a:stretch>
+        </p:blipFill>
         <p:spPr>
           <a:xfrm>
-            <a:off x="4581881" y="5541480"/>
-            <a:ext cx="4149741" cy="1193040"/>
+            <a:off x="8032379" y="1651000"/>
+            <a:ext cx="3619500" cy="5207000"/>
           </a:xfrm>
           <a:prstGeom prst="rect">
             <a:avLst/>
           </a:prstGeom>
-          <a:solidFill>
-            <a:schemeClr val="accent2"/>
-          </a:solidFill>
         </p:spPr>
-        <p:txBody>
-          <a:bodyPr wrap="square" rtlCol="0">
-            <a:spAutoFit/>
-          </a:bodyPr>
-          <a:lstStyle/>
-          <a:p>
-            <a:r>
-              <a:rPr kumimoji="1" lang="zh-CN" altLang="en-US" sz="2400" dirty="0">
-                <a:solidFill>
-                  <a:schemeClr val="bg1"/>
-                </a:solidFill>
-                <a:latin typeface="Microsoft YaHei" panose="020B0503020204020204" pitchFamily="34" charset="-122"/>
-                <a:ea typeface="Microsoft YaHei" panose="020B0503020204020204" pitchFamily="34" charset="-122"/>
-              </a:rPr>
-              <a:t>如何用命令行查看当前路径</a:t>
-            </a:r>
-            <a:endParaRPr kumimoji="1" lang="en-US" altLang="zh-CN" sz="2400" dirty="0">
-              <a:solidFill>
-                <a:schemeClr val="bg1"/>
-              </a:solidFill>
-              <a:latin typeface="Microsoft YaHei" panose="020B0503020204020204" pitchFamily="34" charset="-122"/>
-              <a:ea typeface="Microsoft YaHei" panose="020B0503020204020204" pitchFamily="34" charset="-122"/>
-            </a:endParaRPr>
-          </a:p>
-          <a:p>
-            <a:r>
-              <a:rPr kumimoji="1" lang="en-US" altLang="zh-CN" sz="2400" dirty="0">
-                <a:solidFill>
-                  <a:schemeClr val="bg1"/>
-                </a:solidFill>
-                <a:latin typeface="Microsoft YaHei" panose="020B0503020204020204" pitchFamily="34" charset="-122"/>
-                <a:ea typeface="Microsoft YaHei" panose="020B0503020204020204" pitchFamily="34" charset="-122"/>
-              </a:rPr>
-              <a:t>Linux:</a:t>
-            </a:r>
-            <a:r>
-              <a:rPr kumimoji="1" lang="zh-CN" altLang="en-US" sz="2400" dirty="0">
-                <a:solidFill>
-                  <a:schemeClr val="bg1"/>
-                </a:solidFill>
-                <a:latin typeface="Microsoft YaHei" panose="020B0503020204020204" pitchFamily="34" charset="-122"/>
-                <a:ea typeface="Microsoft YaHei" panose="020B0503020204020204" pitchFamily="34" charset="-122"/>
-              </a:rPr>
-              <a:t> </a:t>
-            </a:r>
-            <a:r>
-              <a:rPr kumimoji="1" lang="en-US" altLang="zh-CN" sz="2400" dirty="0" err="1">
-                <a:solidFill>
-                  <a:schemeClr val="bg1"/>
-                </a:solidFill>
-                <a:latin typeface="Microsoft YaHei" panose="020B0503020204020204" pitchFamily="34" charset="-122"/>
-                <a:ea typeface="Microsoft YaHei" panose="020B0503020204020204" pitchFamily="34" charset="-122"/>
-              </a:rPr>
-              <a:t>pwd</a:t>
-            </a:r>
-            <a:endParaRPr kumimoji="1" lang="en-US" altLang="zh-CN" sz="2400" dirty="0">
-              <a:solidFill>
-                <a:schemeClr val="bg1"/>
-              </a:solidFill>
-              <a:latin typeface="Microsoft YaHei" panose="020B0503020204020204" pitchFamily="34" charset="-122"/>
-              <a:ea typeface="Microsoft YaHei" panose="020B0503020204020204" pitchFamily="34" charset="-122"/>
-            </a:endParaRPr>
-          </a:p>
-          <a:p>
-            <a:r>
-              <a:rPr kumimoji="1" lang="en-US" altLang="zh-CN" sz="2400" dirty="0">
-                <a:solidFill>
-                  <a:schemeClr val="bg1"/>
-                </a:solidFill>
-                <a:latin typeface="Microsoft YaHei" panose="020B0503020204020204" pitchFamily="34" charset="-122"/>
-                <a:ea typeface="Microsoft YaHei" panose="020B0503020204020204" pitchFamily="34" charset="-122"/>
-              </a:rPr>
-              <a:t>Windows:</a:t>
-            </a:r>
-            <a:r>
-              <a:rPr kumimoji="1" lang="zh-CN" altLang="en-US" sz="2400" dirty="0">
-                <a:solidFill>
-                  <a:schemeClr val="bg1"/>
-                </a:solidFill>
-                <a:latin typeface="Microsoft YaHei" panose="020B0503020204020204" pitchFamily="34" charset="-122"/>
-                <a:ea typeface="Microsoft YaHei" panose="020B0503020204020204" pitchFamily="34" charset="-122"/>
-              </a:rPr>
-              <a:t> </a:t>
-            </a:r>
-            <a:r>
-              <a:rPr kumimoji="1" lang="en-US" altLang="zh-CN" sz="2400" dirty="0" err="1">
-                <a:solidFill>
-                  <a:schemeClr val="bg1"/>
-                </a:solidFill>
-                <a:latin typeface="Microsoft YaHei" panose="020B0503020204020204" pitchFamily="34" charset="-122"/>
-                <a:ea typeface="Microsoft YaHei" panose="020B0503020204020204" pitchFamily="34" charset="-122"/>
-              </a:rPr>
-              <a:t>chdir</a:t>
-            </a:r>
-            <a:endParaRPr kumimoji="1" lang="zh-CN" altLang="en-US" sz="2400" dirty="0">
-              <a:solidFill>
-                <a:schemeClr val="bg1"/>
-              </a:solidFill>
-              <a:latin typeface="Microsoft YaHei" panose="020B0503020204020204" pitchFamily="34" charset="-122"/>
-              <a:ea typeface="Microsoft YaHei" panose="020B0503020204020204" pitchFamily="34" charset="-122"/>
-            </a:endParaRPr>
-          </a:p>
-        </p:txBody>
-      </p:sp>
+      </p:pic>
     </p:spTree>
     <p:extLst>
       <p:ext uri="{BB962C8B-B14F-4D97-AF65-F5344CB8AC3E}">
-        <p14:creationId xmlns:p14="http://schemas.microsoft.com/office/powerpoint/2010/main" val="1348300657"/>
+        <p14:creationId xmlns:p14="http://schemas.microsoft.com/office/powerpoint/2010/main" val="1423646060"/>
       </p:ext>
     </p:extLst>
   </p:cSld>
@@ -7187,18 +7323,25 @@
           <a:p>
             <a:pPr algn="ctr"/>
             <a:r>
+              <a:rPr kumimoji="1" lang="zh-CN" altLang="en-US" sz="4800" dirty="0">
+                <a:latin typeface="Microsoft YaHei" panose="020B0503020204020204" pitchFamily="34" charset="-122"/>
+                <a:ea typeface="Microsoft YaHei" panose="020B0503020204020204" pitchFamily="34" charset="-122"/>
+              </a:rPr>
+              <a:t>如何构造</a:t>
+            </a:r>
+            <a:r>
               <a:rPr kumimoji="1" lang="en-US" altLang="zh-CN" sz="4800" dirty="0">
                 <a:latin typeface="Microsoft YaHei" panose="020B0503020204020204" pitchFamily="34" charset="-122"/>
                 <a:ea typeface="Microsoft YaHei" panose="020B0503020204020204" pitchFamily="34" charset="-122"/>
               </a:rPr>
-              <a:t>Windows</a:t>
+              <a:t>File</a:t>
             </a:r>
             <a:r>
               <a:rPr kumimoji="1" lang="zh-CN" altLang="en-US" sz="4800" dirty="0">
                 <a:latin typeface="Microsoft YaHei" panose="020B0503020204020204" pitchFamily="34" charset="-122"/>
                 <a:ea typeface="Microsoft YaHei" panose="020B0503020204020204" pitchFamily="34" charset="-122"/>
               </a:rPr>
-              <a:t>的路径需要注意</a:t>
+              <a:t>对象</a:t>
             </a:r>
             <a:endParaRPr kumimoji="1" lang="en-US" altLang="zh-CN" sz="4800" dirty="0">
               <a:ea typeface="Microsoft YaHei" panose="020B0503020204020204" pitchFamily="34" charset="-122"/>
@@ -7208,10 +7351,10 @@
       </p:sp>
       <p:sp>
         <p:nvSpPr>
-          <p:cNvPr id="4" name="文本框 3">
+          <p:cNvPr id="13" name="文本框 12">
             <a:extLst>
               <a:ext uri="{FF2B5EF4-FFF2-40B4-BE49-F238E27FC236}">
-                <a16:creationId xmlns:a16="http://schemas.microsoft.com/office/drawing/2014/main" id="{7C1B0394-5035-0C4B-8A38-2B1CCA2CFC38}"/>
+                <a16:creationId xmlns:a16="http://schemas.microsoft.com/office/drawing/2014/main" id="{8E054F89-5FA8-2F47-8710-58E04A67980C}"/>
               </a:ext>
             </a:extLst>
           </p:cNvPr>
@@ -7220,8 +7363,8 @@
         </p:nvSpPr>
         <p:spPr>
           <a:xfrm>
-            <a:off x="1469136" y="2076943"/>
-            <a:ext cx="9253728" cy="3351046"/>
+            <a:off x="2424066" y="2922494"/>
+            <a:ext cx="7343867" cy="1689052"/>
           </a:xfrm>
           <a:prstGeom prst="rect">
             <a:avLst/>
@@ -7244,63 +7387,35 @@
                 <a:latin typeface="Microsoft YaHei" panose="020B0503020204020204" pitchFamily="34" charset="-122"/>
                 <a:ea typeface="Microsoft YaHei" panose="020B0503020204020204" pitchFamily="34" charset="-122"/>
               </a:rPr>
-              <a:t>在</a:t>
+              <a:t>一般采用构造函数 ：</a:t>
             </a:r>
             <a:r>
               <a:rPr kumimoji="1" lang="en-US" altLang="zh-CN" sz="2400" dirty="0">
                 <a:latin typeface="Microsoft YaHei" panose="020B0503020204020204" pitchFamily="34" charset="-122"/>
                 <a:ea typeface="Microsoft YaHei" panose="020B0503020204020204" pitchFamily="34" charset="-122"/>
               </a:rPr>
-              <a:t>Windows</a:t>
+              <a:t>File(String</a:t>
             </a:r>
             <a:r>
               <a:rPr kumimoji="1" lang="zh-CN" altLang="en-US" sz="2400" dirty="0">
                 <a:latin typeface="Microsoft YaHei" panose="020B0503020204020204" pitchFamily="34" charset="-122"/>
                 <a:ea typeface="Microsoft YaHei" panose="020B0503020204020204" pitchFamily="34" charset="-122"/>
               </a:rPr>
-              <a:t>中目录的分隔符是反斜杠</a:t>
-            </a:r>
-            <a:r>
-              <a:rPr kumimoji="1" lang="en-US" altLang="zh-CN" sz="2400" dirty="0">
-                <a:latin typeface="Microsoft YaHei" panose="020B0503020204020204" pitchFamily="34" charset="-122"/>
-                <a:ea typeface="Microsoft YaHei" panose="020B0503020204020204" pitchFamily="34" charset="-122"/>
-              </a:rPr>
-              <a:t>(\)</a:t>
+              <a:t> </a:t>
+            </a:r>
+            <a:r>
+              <a:rPr kumimoji="1" lang="en-US" altLang="zh-CN" sz="2400" dirty="0" err="1">
+                <a:latin typeface="Microsoft YaHei" panose="020B0503020204020204" pitchFamily="34" charset="-122"/>
+                <a:ea typeface="Microsoft YaHei" panose="020B0503020204020204" pitchFamily="34" charset="-122"/>
+              </a:rPr>
+              <a:t>filePath</a:t>
             </a:r>
             <a:r>
               <a:rPr kumimoji="1" lang="zh-CN" altLang="en-US" sz="2400" dirty="0">
                 <a:latin typeface="Microsoft YaHei" panose="020B0503020204020204" pitchFamily="34" charset="-122"/>
                 <a:ea typeface="Microsoft YaHei" panose="020B0503020204020204" pitchFamily="34" charset="-122"/>
               </a:rPr>
-              <a:t>。但是在</a:t>
-            </a:r>
-            <a:r>
-              <a:rPr kumimoji="1" lang="en-US" altLang="zh-CN" sz="2400" dirty="0">
-                <a:latin typeface="Microsoft YaHei" panose="020B0503020204020204" pitchFamily="34" charset="-122"/>
-                <a:ea typeface="Microsoft YaHei" panose="020B0503020204020204" pitchFamily="34" charset="-122"/>
-              </a:rPr>
-              <a:t>Java</a:t>
-            </a:r>
-            <a:r>
-              <a:rPr kumimoji="1" lang="zh-CN" altLang="en-US" sz="2400" dirty="0">
-                <a:latin typeface="Microsoft YaHei" panose="020B0503020204020204" pitchFamily="34" charset="-122"/>
-                <a:ea typeface="Microsoft YaHei" panose="020B0503020204020204" pitchFamily="34" charset="-122"/>
-              </a:rPr>
-              <a:t>中，反斜杠是一个特殊的 字符，应该写成</a:t>
-            </a:r>
-            <a:r>
-              <a:rPr kumimoji="1" lang="en-US" altLang="zh-CN" sz="2400" dirty="0">
-                <a:latin typeface="Microsoft YaHei" panose="020B0503020204020204" pitchFamily="34" charset="-122"/>
-                <a:ea typeface="Microsoft YaHei" panose="020B0503020204020204" pitchFamily="34" charset="-122"/>
-              </a:rPr>
-              <a:t>\\</a:t>
-            </a:r>
-            <a:r>
-              <a:rPr kumimoji="1" lang="zh-CN" altLang="en-US" sz="2400" dirty="0">
-                <a:latin typeface="Microsoft YaHei" panose="020B0503020204020204" pitchFamily="34" charset="-122"/>
-                <a:ea typeface="Microsoft YaHei" panose="020B0503020204020204" pitchFamily="34" charset="-122"/>
-              </a:rPr>
-              <a:t>的形式 </a:t>
+              <a:t>）</a:t>
             </a:r>
             <a:endParaRPr kumimoji="1" lang="en-US" altLang="zh-CN" sz="2400" dirty="0">
               <a:latin typeface="Microsoft YaHei" panose="020B0503020204020204" pitchFamily="34" charset="-122"/>
@@ -7313,6 +7428,27 @@
                 <a:spcPct val="150000"/>
               </a:lnSpc>
             </a:pPr>
+            <a:r>
+              <a:rPr kumimoji="1" lang="zh-CN" altLang="en-US" sz="2400" dirty="0">
+                <a:latin typeface="Microsoft YaHei" panose="020B0503020204020204" pitchFamily="34" charset="-122"/>
+                <a:ea typeface="Microsoft YaHei" panose="020B0503020204020204" pitchFamily="34" charset="-122"/>
+              </a:rPr>
+              <a:t>其中，</a:t>
+            </a:r>
+            <a:r>
+              <a:rPr kumimoji="1" lang="en-US" altLang="zh-CN" sz="2400" dirty="0" err="1">
+                <a:latin typeface="Microsoft YaHei" panose="020B0503020204020204" pitchFamily="34" charset="-122"/>
+                <a:ea typeface="Microsoft YaHei" panose="020B0503020204020204" pitchFamily="34" charset="-122"/>
+              </a:rPr>
+              <a:t>filePath</a:t>
+            </a:r>
+            <a:r>
+              <a:rPr kumimoji="1" lang="zh-CN" altLang="en-US" sz="2400" dirty="0">
+                <a:latin typeface="Microsoft YaHei" panose="020B0503020204020204" pitchFamily="34" charset="-122"/>
+                <a:ea typeface="Microsoft YaHei" panose="020B0503020204020204" pitchFamily="34" charset="-122"/>
+              </a:rPr>
+              <a:t>是你电脑中文件的路径</a:t>
+            </a:r>
             <a:endParaRPr kumimoji="1" lang="en-US" altLang="zh-CN" sz="2400" dirty="0">
               <a:latin typeface="Microsoft YaHei" panose="020B0503020204020204" pitchFamily="34" charset="-122"/>
               <a:ea typeface="Microsoft YaHei" panose="020B0503020204020204" pitchFamily="34" charset="-122"/>
@@ -7325,118 +7461,79 @@
               </a:lnSpc>
             </a:pPr>
             <a:r>
+              <a:rPr kumimoji="1" lang="en-US" altLang="zh-CN" sz="2400" dirty="0">
+                <a:latin typeface="Microsoft YaHei" panose="020B0503020204020204" pitchFamily="34" charset="-122"/>
+                <a:ea typeface="Microsoft YaHei" panose="020B0503020204020204" pitchFamily="34" charset="-122"/>
+              </a:rPr>
+              <a:t>File</a:t>
+            </a:r>
+            <a:r>
               <a:rPr kumimoji="1" lang="zh-CN" altLang="en-US" sz="2400" dirty="0">
                 <a:latin typeface="Microsoft YaHei" panose="020B0503020204020204" pitchFamily="34" charset="-122"/>
                 <a:ea typeface="Microsoft YaHei" panose="020B0503020204020204" pitchFamily="34" charset="-122"/>
               </a:rPr>
-              <a:t>比如 </a:t>
+              <a:t> </a:t>
             </a:r>
             <a:r>
               <a:rPr kumimoji="1" lang="en-US" altLang="zh-CN" sz="2400" dirty="0">
                 <a:latin typeface="Microsoft YaHei" panose="020B0503020204020204" pitchFamily="34" charset="-122"/>
                 <a:ea typeface="Microsoft YaHei" panose="020B0503020204020204" pitchFamily="34" charset="-122"/>
               </a:rPr>
-              <a:t>C:\java\</a:t>
-            </a:r>
-            <a:r>
-              <a:rPr kumimoji="1" lang="en-US" altLang="zh-CN" sz="2400" dirty="0" err="1">
-                <a:latin typeface="Microsoft YaHei" panose="020B0503020204020204" pitchFamily="34" charset="-122"/>
-                <a:ea typeface="Microsoft YaHei" panose="020B0503020204020204" pitchFamily="34" charset="-122"/>
-              </a:rPr>
-              <a:t>io.java</a:t>
+              <a:t>file</a:t>
             </a:r>
             <a:r>
               <a:rPr kumimoji="1" lang="zh-CN" altLang="en-US" sz="2400" dirty="0">
                 <a:latin typeface="Microsoft YaHei" panose="020B0503020204020204" pitchFamily="34" charset="-122"/>
                 <a:ea typeface="Microsoft YaHei" panose="020B0503020204020204" pitchFamily="34" charset="-122"/>
               </a:rPr>
-              <a:t>  在</a:t>
+              <a:t> </a:t>
             </a:r>
             <a:r>
               <a:rPr kumimoji="1" lang="en-US" altLang="zh-CN" sz="2400" dirty="0">
                 <a:latin typeface="Microsoft YaHei" panose="020B0503020204020204" pitchFamily="34" charset="-122"/>
                 <a:ea typeface="Microsoft YaHei" panose="020B0503020204020204" pitchFamily="34" charset="-122"/>
               </a:rPr>
-              <a:t>File</a:t>
+              <a:t>=</a:t>
             </a:r>
             <a:r>
               <a:rPr kumimoji="1" lang="zh-CN" altLang="en-US" sz="2400" dirty="0">
                 <a:latin typeface="Microsoft YaHei" panose="020B0503020204020204" pitchFamily="34" charset="-122"/>
                 <a:ea typeface="Microsoft YaHei" panose="020B0503020204020204" pitchFamily="34" charset="-122"/>
               </a:rPr>
-              <a:t>对象中要写成 </a:t>
-            </a:r>
-            <a:endParaRPr kumimoji="1" lang="en-US" altLang="zh-CN" sz="2400" dirty="0">
+              <a:t> </a:t>
+            </a:r>
+            <a:r>
+              <a:rPr kumimoji="1" lang="en-US" altLang="zh-CN" sz="2400" dirty="0">
+                <a:latin typeface="Microsoft YaHei" panose="020B0503020204020204" pitchFamily="34" charset="-122"/>
+                <a:ea typeface="Microsoft YaHei" panose="020B0503020204020204" pitchFamily="34" charset="-122"/>
+              </a:rPr>
+              <a:t>new</a:t>
+            </a:r>
+            <a:r>
+              <a:rPr kumimoji="1" lang="zh-CN" altLang="en-US" sz="2400" dirty="0">
+                <a:latin typeface="Microsoft YaHei" panose="020B0503020204020204" pitchFamily="34" charset="-122"/>
+                <a:ea typeface="Microsoft YaHei" panose="020B0503020204020204" pitchFamily="34" charset="-122"/>
+              </a:rPr>
+              <a:t> </a:t>
+            </a:r>
+            <a:r>
+              <a:rPr kumimoji="1" lang="en-US" altLang="zh-CN" sz="2400" dirty="0">
+                <a:latin typeface="Microsoft YaHei" panose="020B0503020204020204" pitchFamily="34" charset="-122"/>
+                <a:ea typeface="Microsoft YaHei" panose="020B0503020204020204" pitchFamily="34" charset="-122"/>
+              </a:rPr>
+              <a:t>File(“C:\\java\\.java”);</a:t>
+            </a:r>
+            <a:endParaRPr kumimoji="1" lang="zh-CN" altLang="en-US" sz="2400" dirty="0">
               <a:latin typeface="Microsoft YaHei" panose="020B0503020204020204" pitchFamily="34" charset="-122"/>
               <a:ea typeface="Microsoft YaHei" panose="020B0503020204020204" pitchFamily="34" charset="-122"/>
             </a:endParaRPr>
           </a:p>
-          <a:p>
-            <a:pPr>
-              <a:lnSpc>
-                <a:spcPct val="150000"/>
-              </a:lnSpc>
-            </a:pPr>
-            <a:r>
-              <a:rPr kumimoji="1" lang="zh-CN" altLang="en-US" sz="2400" dirty="0">
-                <a:latin typeface="Microsoft YaHei" panose="020B0503020204020204" pitchFamily="34" charset="-122"/>
-                <a:ea typeface="Microsoft YaHei" panose="020B0503020204020204" pitchFamily="34" charset="-122"/>
-              </a:rPr>
-              <a:t>  </a:t>
-            </a:r>
-            <a:r>
-              <a:rPr kumimoji="1" lang="en-US" altLang="zh-CN" sz="2400" dirty="0">
-                <a:latin typeface="Microsoft YaHei" panose="020B0503020204020204" pitchFamily="34" charset="-122"/>
-                <a:ea typeface="Microsoft YaHei" panose="020B0503020204020204" pitchFamily="34" charset="-122"/>
-              </a:rPr>
-              <a:t>new</a:t>
-            </a:r>
-            <a:r>
-              <a:rPr kumimoji="1" lang="zh-CN" altLang="en-US" sz="2400" dirty="0">
-                <a:latin typeface="Microsoft YaHei" panose="020B0503020204020204" pitchFamily="34" charset="-122"/>
-                <a:ea typeface="Microsoft YaHei" panose="020B0503020204020204" pitchFamily="34" charset="-122"/>
-              </a:rPr>
-              <a:t> </a:t>
-            </a:r>
-            <a:r>
-              <a:rPr kumimoji="1" lang="en-US" altLang="zh-CN" sz="2400" dirty="0">
-                <a:latin typeface="Microsoft YaHei" panose="020B0503020204020204" pitchFamily="34" charset="-122"/>
-                <a:ea typeface="Microsoft YaHei" panose="020B0503020204020204" pitchFamily="34" charset="-122"/>
-              </a:rPr>
-              <a:t>File(”C:\\java\\</a:t>
-            </a:r>
-            <a:r>
-              <a:rPr kumimoji="1" lang="en-US" altLang="zh-CN" sz="2400" dirty="0" err="1">
-                <a:latin typeface="Microsoft YaHei" panose="020B0503020204020204" pitchFamily="34" charset="-122"/>
-                <a:ea typeface="Microsoft YaHei" panose="020B0503020204020204" pitchFamily="34" charset="-122"/>
-              </a:rPr>
-              <a:t>io.java</a:t>
-            </a:r>
-            <a:r>
-              <a:rPr kumimoji="1" lang="en-US" altLang="zh-CN" sz="2400" dirty="0">
-                <a:latin typeface="Microsoft YaHei" panose="020B0503020204020204" pitchFamily="34" charset="-122"/>
-                <a:ea typeface="Microsoft YaHei" panose="020B0503020204020204" pitchFamily="34" charset="-122"/>
-              </a:rPr>
-              <a:t>”)</a:t>
-            </a:r>
-          </a:p>
-          <a:p>
-            <a:pPr>
-              <a:lnSpc>
-                <a:spcPct val="150000"/>
-              </a:lnSpc>
-            </a:pPr>
-            <a:endParaRPr kumimoji="1" lang="en-US" altLang="zh-CN" sz="2400" dirty="0">
-              <a:latin typeface="Microsoft YaHei" panose="020B0503020204020204" pitchFamily="34" charset="-122"/>
-              <a:ea typeface="Microsoft YaHei" panose="020B0503020204020204" pitchFamily="34" charset="-122"/>
-            </a:endParaRPr>
-          </a:p>
         </p:txBody>
       </p:sp>
     </p:spTree>
     <p:extLst>
       <p:ext uri="{BB962C8B-B14F-4D97-AF65-F5344CB8AC3E}">
-        <p14:creationId xmlns:p14="http://schemas.microsoft.com/office/powerpoint/2010/main" val="1024242802"/>
+        <p14:creationId xmlns:p14="http://schemas.microsoft.com/office/powerpoint/2010/main" val="2300233394"/>
       </p:ext>
     </p:extLst>
   </p:cSld>
@@ -7506,7 +7603,7 @@
                 <a:latin typeface="Microsoft YaHei" panose="020B0503020204020204" pitchFamily="34" charset="-122"/>
                 <a:ea typeface="Microsoft YaHei" panose="020B0503020204020204" pitchFamily="34" charset="-122"/>
               </a:rPr>
-              <a:t>路径分隔符因操作系统而异</a:t>
+              <a:t>补充：绝对路径和相对路径</a:t>
             </a:r>
             <a:endParaRPr kumimoji="1" lang="en-US" altLang="zh-CN" sz="4800" dirty="0">
               <a:ea typeface="Microsoft YaHei" panose="020B0503020204020204" pitchFamily="34" charset="-122"/>
@@ -7516,10 +7613,10 @@
       </p:sp>
       <p:sp>
         <p:nvSpPr>
-          <p:cNvPr id="4" name="文本框 3">
+          <p:cNvPr id="13" name="文本框 12">
             <a:extLst>
               <a:ext uri="{FF2B5EF4-FFF2-40B4-BE49-F238E27FC236}">
-                <a16:creationId xmlns:a16="http://schemas.microsoft.com/office/drawing/2014/main" id="{7C1B0394-5035-0C4B-8A38-2B1CCA2CFC38}"/>
+                <a16:creationId xmlns:a16="http://schemas.microsoft.com/office/drawing/2014/main" id="{8E054F89-5FA8-2F47-8710-58E04A67980C}"/>
               </a:ext>
             </a:extLst>
           </p:cNvPr>
@@ -7528,8 +7625,8 @@
         </p:nvSpPr>
         <p:spPr>
           <a:xfrm>
-            <a:off x="1469136" y="2076943"/>
-            <a:ext cx="9253728" cy="4459041"/>
+            <a:off x="1362636" y="2187388"/>
+            <a:ext cx="10183907" cy="3416320"/>
           </a:xfrm>
           <a:prstGeom prst="rect">
             <a:avLst/>
@@ -7543,139 +7640,36 @@
           <a:lstStyle/>
           <a:p>
             <a:pPr marL="342900" indent="-342900">
-              <a:lnSpc>
-                <a:spcPct val="150000"/>
-              </a:lnSpc>
               <a:buFont typeface="Arial" panose="020B0604020202020204" pitchFamily="34" charset="0"/>
               <a:buChar char="•"/>
             </a:pPr>
             <a:r>
+              <a:rPr kumimoji="1" lang="zh-CN" altLang="en-US" sz="2400" b="1" u="sng" dirty="0">
+                <a:latin typeface="Microsoft YaHei" panose="020B0503020204020204" pitchFamily="34" charset="-122"/>
+                <a:ea typeface="Microsoft YaHei" panose="020B0503020204020204" pitchFamily="34" charset="-122"/>
+              </a:rPr>
+              <a:t>绝对路径</a:t>
+            </a:r>
+            <a:r>
               <a:rPr kumimoji="1" lang="zh-CN" altLang="en-US" sz="2400" dirty="0">
                 <a:latin typeface="Microsoft YaHei" panose="020B0503020204020204" pitchFamily="34" charset="-122"/>
                 <a:ea typeface="Microsoft YaHei" panose="020B0503020204020204" pitchFamily="34" charset="-122"/>
               </a:rPr>
-              <a:t>在</a:t>
+              <a:t>：由文件名和它的完整路径以及驱动器字母组成  比如：</a:t>
             </a:r>
             <a:r>
               <a:rPr kumimoji="1" lang="en-US" altLang="zh-CN" sz="2400" dirty="0">
                 <a:latin typeface="Microsoft YaHei" panose="020B0503020204020204" pitchFamily="34" charset="-122"/>
                 <a:ea typeface="Microsoft YaHei" panose="020B0503020204020204" pitchFamily="34" charset="-122"/>
               </a:rPr>
-              <a:t>Mac(</a:t>
-            </a:r>
-            <a:r>
-              <a:rPr kumimoji="1" lang="zh-CN" altLang="en-US" sz="2400" dirty="0">
-                <a:latin typeface="Microsoft YaHei" panose="020B0503020204020204" pitchFamily="34" charset="-122"/>
-                <a:ea typeface="Microsoft YaHei" panose="020B0503020204020204" pitchFamily="34" charset="-122"/>
-              </a:rPr>
-              <a:t>类</a:t>
+              <a:t> C:\java\</a:t>
             </a:r>
             <a:r>
               <a:rPr kumimoji="1" lang="en-US" altLang="zh-CN" sz="2400" dirty="0" err="1">
                 <a:latin typeface="Microsoft YaHei" panose="020B0503020204020204" pitchFamily="34" charset="-122"/>
                 <a:ea typeface="Microsoft YaHei" panose="020B0503020204020204" pitchFamily="34" charset="-122"/>
               </a:rPr>
-              <a:t>unix</a:t>
-            </a:r>
-            <a:r>
-              <a:rPr kumimoji="1" lang="zh-CN" altLang="en-US" sz="2400" dirty="0">
-                <a:latin typeface="Microsoft YaHei" panose="020B0503020204020204" pitchFamily="34" charset="-122"/>
-                <a:ea typeface="Microsoft YaHei" panose="020B0503020204020204" pitchFamily="34" charset="-122"/>
-              </a:rPr>
-              <a:t>系统</a:t>
-            </a:r>
-            <a:r>
-              <a:rPr kumimoji="1" lang="en-US" altLang="zh-CN" sz="2400" dirty="0">
-                <a:latin typeface="Microsoft YaHei" panose="020B0503020204020204" pitchFamily="34" charset="-122"/>
-                <a:ea typeface="Microsoft YaHei" panose="020B0503020204020204" pitchFamily="34" charset="-122"/>
-              </a:rPr>
-              <a:t>)</a:t>
-            </a:r>
-            <a:r>
-              <a:rPr kumimoji="1" lang="zh-CN" altLang="en-US" sz="2400" dirty="0">
-                <a:latin typeface="Microsoft YaHei" panose="020B0503020204020204" pitchFamily="34" charset="-122"/>
-                <a:ea typeface="Microsoft YaHei" panose="020B0503020204020204" pitchFamily="34" charset="-122"/>
-              </a:rPr>
-              <a:t>中，路径分隔符是</a:t>
-            </a:r>
-            <a:r>
-              <a:rPr kumimoji="1" lang="en-US" altLang="zh-CN" sz="2400" dirty="0">
-                <a:latin typeface="Microsoft YaHei" panose="020B0503020204020204" pitchFamily="34" charset="-122"/>
-                <a:ea typeface="Microsoft YaHei" panose="020B0503020204020204" pitchFamily="34" charset="-122"/>
-              </a:rPr>
-              <a:t>/(</a:t>
-            </a:r>
-            <a:r>
-              <a:rPr kumimoji="1" lang="zh-CN" altLang="en-US" sz="2400" dirty="0">
-                <a:latin typeface="Microsoft YaHei" panose="020B0503020204020204" pitchFamily="34" charset="-122"/>
-                <a:ea typeface="Microsoft YaHei" panose="020B0503020204020204" pitchFamily="34" charset="-122"/>
-              </a:rPr>
-              <a:t>斜杠</a:t>
-            </a:r>
-            <a:r>
-              <a:rPr kumimoji="1" lang="en-US" altLang="zh-CN" sz="2400" dirty="0">
-                <a:latin typeface="Microsoft YaHei" panose="020B0503020204020204" pitchFamily="34" charset="-122"/>
-                <a:ea typeface="Microsoft YaHei" panose="020B0503020204020204" pitchFamily="34" charset="-122"/>
-              </a:rPr>
-              <a:t>)</a:t>
-            </a:r>
-          </a:p>
-          <a:p>
-            <a:pPr marL="342900" indent="-342900">
-              <a:lnSpc>
-                <a:spcPct val="150000"/>
-              </a:lnSpc>
-              <a:buFont typeface="Arial" panose="020B0604020202020204" pitchFamily="34" charset="0"/>
-              <a:buChar char="•"/>
-            </a:pPr>
-            <a:r>
-              <a:rPr kumimoji="1" lang="zh-CN" altLang="en-US" sz="2400" dirty="0">
-                <a:latin typeface="Microsoft YaHei" panose="020B0503020204020204" pitchFamily="34" charset="-122"/>
-                <a:ea typeface="Microsoft YaHei" panose="020B0503020204020204" pitchFamily="34" charset="-122"/>
-              </a:rPr>
-              <a:t>在</a:t>
-            </a:r>
-            <a:r>
-              <a:rPr kumimoji="1" lang="en-US" altLang="zh-CN" sz="2400" dirty="0">
-                <a:latin typeface="Microsoft YaHei" panose="020B0503020204020204" pitchFamily="34" charset="-122"/>
-                <a:ea typeface="Microsoft YaHei" panose="020B0503020204020204" pitchFamily="34" charset="-122"/>
-              </a:rPr>
-              <a:t>windows</a:t>
-            </a:r>
-            <a:r>
-              <a:rPr kumimoji="1" lang="zh-CN" altLang="en-US" sz="2400" dirty="0">
-                <a:latin typeface="Microsoft YaHei" panose="020B0503020204020204" pitchFamily="34" charset="-122"/>
-                <a:ea typeface="Microsoft YaHei" panose="020B0503020204020204" pitchFamily="34" charset="-122"/>
-              </a:rPr>
-              <a:t>中，路径分隔符是</a:t>
-            </a:r>
-            <a:r>
-              <a:rPr kumimoji="1" lang="en-US" altLang="zh-CN" sz="2400" dirty="0">
-                <a:latin typeface="Microsoft YaHei" panose="020B0503020204020204" pitchFamily="34" charset="-122"/>
-                <a:ea typeface="Microsoft YaHei" panose="020B0503020204020204" pitchFamily="34" charset="-122"/>
-              </a:rPr>
-              <a:t>\(</a:t>
-            </a:r>
-            <a:r>
-              <a:rPr kumimoji="1" lang="zh-CN" altLang="en-US" sz="2400" dirty="0">
-                <a:latin typeface="Microsoft YaHei" panose="020B0503020204020204" pitchFamily="34" charset="-122"/>
-                <a:ea typeface="Microsoft YaHei" panose="020B0503020204020204" pitchFamily="34" charset="-122"/>
-              </a:rPr>
-              <a:t>反斜杠</a:t>
-            </a:r>
-            <a:r>
-              <a:rPr kumimoji="1" lang="en-US" altLang="zh-CN" sz="2400" dirty="0">
-                <a:latin typeface="Microsoft YaHei" panose="020B0503020204020204" pitchFamily="34" charset="-122"/>
-                <a:ea typeface="Microsoft YaHei" panose="020B0503020204020204" pitchFamily="34" charset="-122"/>
-              </a:rPr>
-              <a:t>)</a:t>
-            </a:r>
-            <a:r>
-              <a:rPr kumimoji="1" lang="zh-CN" altLang="en-US" sz="2400" dirty="0">
-                <a:latin typeface="Microsoft YaHei" panose="020B0503020204020204" pitchFamily="34" charset="-122"/>
-                <a:ea typeface="Microsoft YaHei" panose="020B0503020204020204" pitchFamily="34" charset="-122"/>
-              </a:rPr>
-              <a:t> </a:t>
+              <a:t>io.java</a:t>
             </a:r>
             <a:endParaRPr kumimoji="1" lang="en-US" altLang="zh-CN" sz="2400" dirty="0">
               <a:latin typeface="Microsoft YaHei" panose="020B0503020204020204" pitchFamily="34" charset="-122"/>
@@ -7684,127 +7678,123 @@
           </a:p>
           <a:p>
             <a:pPr marL="342900" indent="-342900">
-              <a:lnSpc>
-                <a:spcPct val="150000"/>
-              </a:lnSpc>
               <a:buFont typeface="Arial" panose="020B0604020202020204" pitchFamily="34" charset="0"/>
               <a:buChar char="•"/>
             </a:pPr>
+            <a:r>
+              <a:rPr kumimoji="1" lang="zh-CN" altLang="en-US" sz="2400" b="1" u="sng" dirty="0">
+                <a:latin typeface="Microsoft YaHei" panose="020B0503020204020204" pitchFamily="34" charset="-122"/>
+                <a:ea typeface="Microsoft YaHei" panose="020B0503020204020204" pitchFamily="34" charset="-122"/>
+              </a:rPr>
+              <a:t>相对路径</a:t>
+            </a:r>
+            <a:r>
+              <a:rPr kumimoji="1" lang="zh-CN" altLang="en-US" sz="2400" dirty="0">
+                <a:latin typeface="Microsoft YaHei" panose="020B0503020204020204" pitchFamily="34" charset="-122"/>
+                <a:ea typeface="Microsoft YaHei" panose="020B0503020204020204" pitchFamily="34" charset="-122"/>
+              </a:rPr>
+              <a:t>：相对于当前工作目录的路径，完整目录被忽略</a:t>
+            </a:r>
+            <a:r>
+              <a:rPr kumimoji="1" lang="en-US" altLang="zh-CN" sz="2400" dirty="0">
+                <a:latin typeface="Microsoft YaHei" panose="020B0503020204020204" pitchFamily="34" charset="-122"/>
+                <a:ea typeface="Microsoft YaHei" panose="020B0503020204020204" pitchFamily="34" charset="-122"/>
+              </a:rPr>
+              <a:t>.</a:t>
+            </a:r>
+            <a:r>
+              <a:rPr kumimoji="1" lang="zh-CN" altLang="en-US" sz="2400" dirty="0">
+                <a:latin typeface="Microsoft YaHei" panose="020B0503020204020204" pitchFamily="34" charset="-122"/>
+                <a:ea typeface="Microsoft YaHei" panose="020B0503020204020204" pitchFamily="34" charset="-122"/>
+              </a:rPr>
+              <a:t>若当前目录是</a:t>
+            </a:r>
+            <a:r>
+              <a:rPr kumimoji="1" lang="en-US" altLang="zh-CN" sz="2400" dirty="0">
+                <a:latin typeface="Microsoft YaHei" panose="020B0503020204020204" pitchFamily="34" charset="-122"/>
+                <a:ea typeface="Microsoft YaHei" panose="020B0503020204020204" pitchFamily="34" charset="-122"/>
+              </a:rPr>
+              <a:t>C:\java,</a:t>
+            </a:r>
+            <a:r>
+              <a:rPr kumimoji="1" lang="zh-CN" altLang="en-US" sz="2400" dirty="0">
+                <a:latin typeface="Microsoft YaHei" panose="020B0503020204020204" pitchFamily="34" charset="-122"/>
+                <a:ea typeface="Microsoft YaHei" panose="020B0503020204020204" pitchFamily="34" charset="-122"/>
+              </a:rPr>
+              <a:t> 那么</a:t>
+            </a:r>
+            <a:r>
+              <a:rPr kumimoji="1" lang="en-US" altLang="zh-CN" sz="2400" dirty="0" err="1">
+                <a:latin typeface="Microsoft YaHei" panose="020B0503020204020204" pitchFamily="34" charset="-122"/>
+                <a:ea typeface="Microsoft YaHei" panose="020B0503020204020204" pitchFamily="34" charset="-122"/>
+              </a:rPr>
+              <a:t>io.java</a:t>
+            </a:r>
+            <a:r>
+              <a:rPr kumimoji="1" lang="zh-CN" altLang="en-US" sz="2400" dirty="0">
+                <a:latin typeface="Microsoft YaHei" panose="020B0503020204020204" pitchFamily="34" charset="-122"/>
+                <a:ea typeface="Microsoft YaHei" panose="020B0503020204020204" pitchFamily="34" charset="-122"/>
+              </a:rPr>
+              <a:t>就是此文件的相对路径。</a:t>
+            </a:r>
+          </a:p>
+          <a:p>
             <a:endParaRPr kumimoji="1" lang="en-US" altLang="zh-CN" sz="2400" dirty="0">
               <a:latin typeface="Microsoft YaHei" panose="020B0503020204020204" pitchFamily="34" charset="-122"/>
               <a:ea typeface="Microsoft YaHei" panose="020B0503020204020204" pitchFamily="34" charset="-122"/>
             </a:endParaRPr>
           </a:p>
           <a:p>
-            <a:pPr>
-              <a:lnSpc>
-                <a:spcPct val="150000"/>
-              </a:lnSpc>
-            </a:pPr>
             <a:r>
               <a:rPr kumimoji="1" lang="zh-CN" altLang="en-US" sz="2400" dirty="0">
                 <a:latin typeface="Microsoft YaHei" panose="020B0503020204020204" pitchFamily="34" charset="-122"/>
                 <a:ea typeface="Microsoft YaHei" panose="020B0503020204020204" pitchFamily="34" charset="-122"/>
               </a:rPr>
-              <a:t>斜杠</a:t>
+              <a:t>外部邮寄地址： 浙江省杭州市临安区颐康街</a:t>
             </a:r>
             <a:r>
               <a:rPr kumimoji="1" lang="en-US" altLang="zh-CN" sz="2400" dirty="0">
                 <a:latin typeface="Microsoft YaHei" panose="020B0503020204020204" pitchFamily="34" charset="-122"/>
                 <a:ea typeface="Microsoft YaHei" panose="020B0503020204020204" pitchFamily="34" charset="-122"/>
               </a:rPr>
-              <a:t>(/)</a:t>
+              <a:t>8</a:t>
             </a:r>
             <a:r>
               <a:rPr kumimoji="1" lang="zh-CN" altLang="en-US" sz="2400" dirty="0">
                 <a:latin typeface="Microsoft YaHei" panose="020B0503020204020204" pitchFamily="34" charset="-122"/>
                 <a:ea typeface="Microsoft YaHei" panose="020B0503020204020204" pitchFamily="34" charset="-122"/>
               </a:rPr>
-              <a:t>是</a:t>
+              <a:t>号杭州医学院</a:t>
             </a:r>
             <a:r>
               <a:rPr kumimoji="1" lang="en-US" altLang="zh-CN" sz="2400" dirty="0">
                 <a:latin typeface="Microsoft YaHei" panose="020B0503020204020204" pitchFamily="34" charset="-122"/>
                 <a:ea typeface="Microsoft YaHei" panose="020B0503020204020204" pitchFamily="34" charset="-122"/>
               </a:rPr>
-              <a:t>Java</a:t>
+              <a:t>1</a:t>
             </a:r>
             <a:r>
               <a:rPr kumimoji="1" lang="zh-CN" altLang="en-US" sz="2400" dirty="0">
                 <a:latin typeface="Microsoft YaHei" panose="020B0503020204020204" pitchFamily="34" charset="-122"/>
                 <a:ea typeface="Microsoft YaHei" panose="020B0503020204020204" pitchFamily="34" charset="-122"/>
               </a:rPr>
-              <a:t>的目录分隔符，这点和</a:t>
+              <a:t>号宿舍楼</a:t>
             </a:r>
             <a:r>
               <a:rPr kumimoji="1" lang="en-US" altLang="zh-CN" sz="2400" dirty="0">
                 <a:latin typeface="Microsoft YaHei" panose="020B0503020204020204" pitchFamily="34" charset="-122"/>
                 <a:ea typeface="Microsoft YaHei" panose="020B0503020204020204" pitchFamily="34" charset="-122"/>
               </a:rPr>
-              <a:t>UNIX</a:t>
-            </a:r>
+              <a:t>101</a:t>
+            </a:r>
+          </a:p>
+          <a:p>
             <a:r>
               <a:rPr kumimoji="1" lang="zh-CN" altLang="en-US" sz="2400" dirty="0">
                 <a:latin typeface="Microsoft YaHei" panose="020B0503020204020204" pitchFamily="34" charset="-122"/>
                 <a:ea typeface="Microsoft YaHei" panose="020B0503020204020204" pitchFamily="34" charset="-122"/>
               </a:rPr>
-              <a:t>是一 样的。语句 </a:t>
-            </a:r>
-            <a:r>
-              <a:rPr kumimoji="1" lang="en-US" altLang="zh-CN" sz="2400" dirty="0">
-                <a:latin typeface="Microsoft YaHei" panose="020B0503020204020204" pitchFamily="34" charset="-122"/>
-                <a:ea typeface="Microsoft YaHei" panose="020B0503020204020204" pitchFamily="34" charset="-122"/>
-              </a:rPr>
-              <a:t>new File(“image/</a:t>
-            </a:r>
-            <a:r>
-              <a:rPr kumimoji="1" lang="en-US" altLang="zh-CN" sz="2400" dirty="0" err="1">
-                <a:latin typeface="Microsoft YaHei" panose="020B0503020204020204" pitchFamily="34" charset="-122"/>
-                <a:ea typeface="Microsoft YaHei" panose="020B0503020204020204" pitchFamily="34" charset="-122"/>
-              </a:rPr>
-              <a:t>us.gif</a:t>
-            </a:r>
-            <a:r>
-              <a:rPr kumimoji="1" lang="en-US" altLang="zh-CN" sz="2400" dirty="0">
-                <a:latin typeface="Microsoft YaHei" panose="020B0503020204020204" pitchFamily="34" charset="-122"/>
-                <a:ea typeface="Microsoft YaHei" panose="020B0503020204020204" pitchFamily="34" charset="-122"/>
-              </a:rPr>
-              <a:t>”) </a:t>
-            </a:r>
-            <a:r>
-              <a:rPr kumimoji="1" lang="zh-CN" altLang="en-US" sz="2400" dirty="0">
-                <a:latin typeface="Microsoft YaHei" panose="020B0503020204020204" pitchFamily="34" charset="-122"/>
-                <a:ea typeface="Microsoft YaHei" panose="020B0503020204020204" pitchFamily="34" charset="-122"/>
-              </a:rPr>
-              <a:t>在 </a:t>
-            </a:r>
-            <a:r>
-              <a:rPr kumimoji="1" lang="en-US" altLang="zh-CN" sz="2400" dirty="0">
-                <a:latin typeface="Microsoft YaHei" panose="020B0503020204020204" pitchFamily="34" charset="-122"/>
-                <a:ea typeface="Microsoft YaHei" panose="020B0503020204020204" pitchFamily="34" charset="-122"/>
-              </a:rPr>
-              <a:t>Windows</a:t>
-            </a:r>
-            <a:r>
-              <a:rPr kumimoji="1" lang="zh-CN" altLang="en-US" sz="2400" dirty="0">
-                <a:latin typeface="Microsoft YaHei" panose="020B0503020204020204" pitchFamily="34" charset="-122"/>
-                <a:ea typeface="Microsoft YaHei" panose="020B0503020204020204" pitchFamily="34" charset="-122"/>
-              </a:rPr>
-              <a:t>、</a:t>
-            </a:r>
-            <a:r>
-              <a:rPr kumimoji="1" lang="en-US" altLang="zh-CN" sz="2400" dirty="0">
-                <a:latin typeface="Microsoft YaHei" panose="020B0503020204020204" pitchFamily="34" charset="-122"/>
-                <a:ea typeface="Microsoft YaHei" panose="020B0503020204020204" pitchFamily="34" charset="-122"/>
-              </a:rPr>
-              <a:t>UNIX </a:t>
-            </a:r>
-            <a:r>
-              <a:rPr kumimoji="1" lang="zh-CN" altLang="en-US" sz="2400" dirty="0">
-                <a:latin typeface="Microsoft YaHei" panose="020B0503020204020204" pitchFamily="34" charset="-122"/>
-                <a:ea typeface="Microsoft YaHei" panose="020B0503020204020204" pitchFamily="34" charset="-122"/>
-              </a:rPr>
-              <a:t>或任何其他系统上都能工作。 </a:t>
+              <a:t>那么这个邮寄地址就是一个绝对路径</a:t>
             </a:r>
             <a:endParaRPr kumimoji="1" lang="en-US" altLang="zh-CN" sz="2400" dirty="0">
               <a:latin typeface="Microsoft YaHei" panose="020B0503020204020204" pitchFamily="34" charset="-122"/>
@@ -7812,32 +7802,176 @@
             </a:endParaRPr>
           </a:p>
           <a:p>
-            <a:pPr>
-              <a:lnSpc>
-                <a:spcPct val="150000"/>
-              </a:lnSpc>
-            </a:pPr>
             <a:r>
               <a:rPr kumimoji="1" lang="zh-CN" altLang="en-US" sz="2400" dirty="0">
                 <a:latin typeface="Microsoft YaHei" panose="020B0503020204020204" pitchFamily="34" charset="-122"/>
                 <a:ea typeface="Microsoft YaHei" panose="020B0503020204020204" pitchFamily="34" charset="-122"/>
               </a:rPr>
-              <a:t>所以：</a:t>
-            </a:r>
-            <a:r>
-              <a:rPr kumimoji="1" lang="zh-CN" altLang="en-US" sz="2400" b="1" u="sng" dirty="0">
-                <a:latin typeface="Microsoft YaHei" panose="020B0503020204020204" pitchFamily="34" charset="-122"/>
-                <a:ea typeface="Microsoft YaHei" panose="020B0503020204020204" pitchFamily="34" charset="-122"/>
-              </a:rPr>
-              <a:t>当程序需要移植到不同操作系统中，请考虑文件路径代码是否需要更改，不然会出错。</a:t>
-            </a:r>
+              <a:t>如果在校内寄东西，那么“</a:t>
+            </a:r>
+            <a:r>
+              <a:rPr kumimoji="1" lang="en-US" altLang="zh-CN" sz="2400" dirty="0">
+                <a:latin typeface="Microsoft YaHei" panose="020B0503020204020204" pitchFamily="34" charset="-122"/>
+                <a:ea typeface="Microsoft YaHei" panose="020B0503020204020204" pitchFamily="34" charset="-122"/>
+              </a:rPr>
+              <a:t>1</a:t>
+            </a:r>
+            <a:r>
+              <a:rPr kumimoji="1" lang="zh-CN" altLang="en-US" sz="2400" dirty="0">
+                <a:latin typeface="Microsoft YaHei" panose="020B0503020204020204" pitchFamily="34" charset="-122"/>
+                <a:ea typeface="Microsoft YaHei" panose="020B0503020204020204" pitchFamily="34" charset="-122"/>
+              </a:rPr>
+              <a:t>号宿舍楼</a:t>
+            </a:r>
+            <a:r>
+              <a:rPr kumimoji="1" lang="en-US" altLang="zh-CN" sz="2400" dirty="0">
+                <a:latin typeface="Microsoft YaHei" panose="020B0503020204020204" pitchFamily="34" charset="-122"/>
+                <a:ea typeface="Microsoft YaHei" panose="020B0503020204020204" pitchFamily="34" charset="-122"/>
+              </a:rPr>
+              <a:t>101</a:t>
+            </a:r>
+            <a:r>
+              <a:rPr kumimoji="1" lang="zh-CN" altLang="en-US" sz="2400" dirty="0">
+                <a:latin typeface="Microsoft YaHei" panose="020B0503020204020204" pitchFamily="34" charset="-122"/>
+                <a:ea typeface="Microsoft YaHei" panose="020B0503020204020204" pitchFamily="34" charset="-122"/>
+              </a:rPr>
+              <a:t>”就够了，它就是宿舍的相对路径</a:t>
+            </a:r>
+          </a:p>
+        </p:txBody>
+      </p:sp>
+      <p:sp>
+        <p:nvSpPr>
+          <p:cNvPr id="3" name="文本框 2">
+            <a:extLst>
+              <a:ext uri="{FF2B5EF4-FFF2-40B4-BE49-F238E27FC236}">
+                <a16:creationId xmlns:a16="http://schemas.microsoft.com/office/drawing/2014/main" id="{0E8A4D3B-F73B-FC45-926D-96D9436184F8}"/>
+              </a:ext>
+            </a:extLst>
+          </p:cNvPr>
+          <p:cNvSpPr txBox="1"/>
+          <p:nvPr/>
+        </p:nvSpPr>
+        <p:spPr>
+          <a:xfrm>
+            <a:off x="4581881" y="5541480"/>
+            <a:ext cx="4149741" cy="1193040"/>
+          </a:xfrm>
+          <a:prstGeom prst="rect">
+            <a:avLst/>
+          </a:prstGeom>
+          <a:solidFill>
+            <a:schemeClr val="accent2"/>
+          </a:solidFill>
+        </p:spPr>
+        <p:txBody>
+          <a:bodyPr wrap="square" rtlCol="0">
+            <a:spAutoFit/>
+          </a:bodyPr>
+          <a:lstStyle/>
+          <a:p>
+            <a:r>
+              <a:rPr kumimoji="1" lang="zh-CN" altLang="en-US" sz="2400" dirty="0">
+                <a:solidFill>
+                  <a:schemeClr val="bg1"/>
+                </a:solidFill>
+                <a:latin typeface="Microsoft YaHei" panose="020B0503020204020204" pitchFamily="34" charset="-122"/>
+                <a:ea typeface="Microsoft YaHei" panose="020B0503020204020204" pitchFamily="34" charset="-122"/>
+              </a:rPr>
+              <a:t>如何用命令行查看当前路径</a:t>
+            </a:r>
+            <a:endParaRPr kumimoji="1" lang="en-US" altLang="zh-CN" sz="2400" dirty="0">
+              <a:solidFill>
+                <a:schemeClr val="bg1"/>
+              </a:solidFill>
+              <a:latin typeface="Microsoft YaHei" panose="020B0503020204020204" pitchFamily="34" charset="-122"/>
+              <a:ea typeface="Microsoft YaHei" panose="020B0503020204020204" pitchFamily="34" charset="-122"/>
+            </a:endParaRPr>
+          </a:p>
+          <a:p>
+            <a:r>
+              <a:rPr kumimoji="1" lang="en-US" altLang="zh-CN" sz="2400" dirty="0">
+                <a:solidFill>
+                  <a:schemeClr val="bg1"/>
+                </a:solidFill>
+                <a:latin typeface="Microsoft YaHei" panose="020B0503020204020204" pitchFamily="34" charset="-122"/>
+                <a:ea typeface="Microsoft YaHei" panose="020B0503020204020204" pitchFamily="34" charset="-122"/>
+              </a:rPr>
+              <a:t>Linux:</a:t>
+            </a:r>
+            <a:r>
+              <a:rPr kumimoji="1" lang="zh-CN" altLang="en-US" sz="2400" dirty="0">
+                <a:solidFill>
+                  <a:schemeClr val="bg1"/>
+                </a:solidFill>
+                <a:latin typeface="Microsoft YaHei" panose="020B0503020204020204" pitchFamily="34" charset="-122"/>
+                <a:ea typeface="Microsoft YaHei" panose="020B0503020204020204" pitchFamily="34" charset="-122"/>
+              </a:rPr>
+              <a:t> </a:t>
+            </a:r>
+            <a:r>
+              <a:rPr kumimoji="1" lang="en-US" altLang="zh-CN" sz="2400" dirty="0" err="1">
+                <a:solidFill>
+                  <a:schemeClr val="bg1"/>
+                </a:solidFill>
+                <a:latin typeface="Microsoft YaHei" panose="020B0503020204020204" pitchFamily="34" charset="-122"/>
+                <a:ea typeface="Microsoft YaHei" panose="020B0503020204020204" pitchFamily="34" charset="-122"/>
+              </a:rPr>
+              <a:t>pwd</a:t>
+            </a:r>
+            <a:endParaRPr kumimoji="1" lang="en-US" altLang="zh-CN" sz="2400" dirty="0">
+              <a:solidFill>
+                <a:schemeClr val="bg1"/>
+              </a:solidFill>
+              <a:latin typeface="Microsoft YaHei" panose="020B0503020204020204" pitchFamily="34" charset="-122"/>
+              <a:ea typeface="Microsoft YaHei" panose="020B0503020204020204" pitchFamily="34" charset="-122"/>
+            </a:endParaRPr>
+          </a:p>
+          <a:p>
+            <a:r>
+              <a:rPr kumimoji="1" lang="en-US" altLang="zh-CN" sz="2400" dirty="0">
+                <a:solidFill>
+                  <a:schemeClr val="bg1"/>
+                </a:solidFill>
+                <a:latin typeface="Microsoft YaHei" panose="020B0503020204020204" pitchFamily="34" charset="-122"/>
+                <a:ea typeface="Microsoft YaHei" panose="020B0503020204020204" pitchFamily="34" charset="-122"/>
+              </a:rPr>
+              <a:t>Windows:</a:t>
+            </a:r>
+            <a:r>
+              <a:rPr kumimoji="1" lang="zh-CN" altLang="en-US" sz="2400" dirty="0">
+                <a:solidFill>
+                  <a:schemeClr val="bg1"/>
+                </a:solidFill>
+                <a:latin typeface="Microsoft YaHei" panose="020B0503020204020204" pitchFamily="34" charset="-122"/>
+                <a:ea typeface="Microsoft YaHei" panose="020B0503020204020204" pitchFamily="34" charset="-122"/>
+              </a:rPr>
+              <a:t> </a:t>
+            </a:r>
+            <a:r>
+              <a:rPr kumimoji="1" lang="en-US" altLang="zh-CN" sz="2400" dirty="0" err="1">
+                <a:solidFill>
+                  <a:schemeClr val="bg1"/>
+                </a:solidFill>
+                <a:latin typeface="Microsoft YaHei" panose="020B0503020204020204" pitchFamily="34" charset="-122"/>
+                <a:ea typeface="Microsoft YaHei" panose="020B0503020204020204" pitchFamily="34" charset="-122"/>
+              </a:rPr>
+              <a:t>chdir</a:t>
+            </a:r>
+            <a:endParaRPr kumimoji="1" lang="zh-CN" altLang="en-US" sz="2400" dirty="0">
+              <a:solidFill>
+                <a:schemeClr val="bg1"/>
+              </a:solidFill>
+              <a:latin typeface="Microsoft YaHei" panose="020B0503020204020204" pitchFamily="34" charset="-122"/>
+              <a:ea typeface="Microsoft YaHei" panose="020B0503020204020204" pitchFamily="34" charset="-122"/>
+            </a:endParaRPr>
           </a:p>
         </p:txBody>
       </p:sp>
     </p:spTree>
     <p:extLst>
       <p:ext uri="{BB962C8B-B14F-4D97-AF65-F5344CB8AC3E}">
-        <p14:creationId xmlns:p14="http://schemas.microsoft.com/office/powerpoint/2010/main" val="3057019204"/>
+        <p14:creationId xmlns:p14="http://schemas.microsoft.com/office/powerpoint/2010/main" val="1348300657"/>
       </p:ext>
     </p:extLst>
   </p:cSld>
@@ -7887,8 +8021,8 @@
         </p:nvSpPr>
         <p:spPr>
           <a:xfrm>
-            <a:off x="2520000" y="720000"/>
-            <a:ext cx="7735824" cy="830997"/>
+            <a:off x="1469136" y="831273"/>
+            <a:ext cx="9253728" cy="830997"/>
           </a:xfrm>
           <a:prstGeom prst="rect">
             <a:avLst/>
@@ -7903,16 +8037,25 @@
           <a:p>
             <a:pPr algn="ctr"/>
             <a:r>
+              <a:rPr kumimoji="1" lang="zh-CN" altLang="en-US" sz="4800" dirty="0">
+                <a:latin typeface="Microsoft YaHei" panose="020B0503020204020204" pitchFamily="34" charset="-122"/>
+                <a:ea typeface="Microsoft YaHei" panose="020B0503020204020204" pitchFamily="34" charset="-122"/>
+              </a:rPr>
+              <a:t>补充：</a:t>
+            </a:r>
+            <a:r>
               <a:rPr kumimoji="1" lang="en-US" altLang="zh-CN" sz="4800" dirty="0">
-                <a:ea typeface="Microsoft YaHei" panose="020B0503020204020204" pitchFamily="34" charset="-122"/>
-              </a:rPr>
-              <a:t>4.2</a:t>
+                <a:latin typeface="Microsoft YaHei" panose="020B0503020204020204" pitchFamily="34" charset="-122"/>
+                <a:ea typeface="Microsoft YaHei" panose="020B0503020204020204" pitchFamily="34" charset="-122"/>
+              </a:rPr>
+              <a:t>Windows</a:t>
             </a:r>
             <a:r>
               <a:rPr kumimoji="1" lang="zh-CN" altLang="en-US" sz="4800" dirty="0">
-                <a:ea typeface="Microsoft YaHei" panose="020B0503020204020204" pitchFamily="34" charset="-122"/>
-              </a:rPr>
-              <a:t> 文件的输入和输出</a:t>
+                <a:latin typeface="Microsoft YaHei" panose="020B0503020204020204" pitchFamily="34" charset="-122"/>
+                <a:ea typeface="Microsoft YaHei" panose="020B0503020204020204" pitchFamily="34" charset="-122"/>
+              </a:rPr>
+              <a:t>的路径需要注意</a:t>
             </a:r>
             <a:endParaRPr kumimoji="1" lang="en-US" altLang="zh-CN" sz="4800" dirty="0">
               <a:ea typeface="Microsoft YaHei" panose="020B0503020204020204" pitchFamily="34" charset="-122"/>
@@ -7934,7 +8077,7 @@
         </p:nvSpPr>
         <p:spPr>
           <a:xfrm>
-            <a:off x="1761048" y="2232957"/>
+            <a:off x="1469136" y="2076943"/>
             <a:ext cx="9253728" cy="3351046"/>
           </a:xfrm>
           <a:prstGeom prst="rect">
@@ -7954,185 +8097,217 @@
               </a:lnSpc>
             </a:pPr>
             <a:r>
-              <a:rPr lang="en-US" altLang="zh-CN" sz="2400" dirty="0">
-                <a:latin typeface="Microsoft YaHei" panose="020B0503020204020204" pitchFamily="34" charset="-122"/>
-                <a:ea typeface="Microsoft YaHei" panose="020B0503020204020204" pitchFamily="34" charset="-122"/>
-              </a:rPr>
-              <a:t>File </a:t>
-            </a:r>
-            <a:r>
-              <a:rPr lang="zh-CN" altLang="en-US" sz="2400" dirty="0">
-                <a:latin typeface="Microsoft YaHei" panose="020B0503020204020204" pitchFamily="34" charset="-122"/>
-                <a:ea typeface="Microsoft YaHei" panose="020B0503020204020204" pitchFamily="34" charset="-122"/>
-              </a:rPr>
-              <a:t>对象封装了文件或路径的属性，但是它既不包括创建文件的方法，也不包括从（向） 文件读（写）数据</a:t>
-            </a:r>
-            <a:r>
-              <a:rPr lang="en-US" altLang="zh-CN" sz="2400" dirty="0">
-                <a:latin typeface="Microsoft YaHei" panose="020B0503020204020204" pitchFamily="34" charset="-122"/>
-                <a:ea typeface="Microsoft YaHei" panose="020B0503020204020204" pitchFamily="34" charset="-122"/>
-              </a:rPr>
-              <a:t> </a:t>
-            </a:r>
-            <a:r>
-              <a:rPr lang="zh-CN" altLang="en-US" sz="2400" dirty="0">
-                <a:latin typeface="Microsoft YaHei" panose="020B0503020204020204" pitchFamily="34" charset="-122"/>
-                <a:ea typeface="Microsoft YaHei" panose="020B0503020204020204" pitchFamily="34" charset="-122"/>
-              </a:rPr>
-              <a:t>的方法。为了完成</a:t>
-            </a:r>
-            <a:r>
-              <a:rPr lang="en-US" altLang="zh-CN" sz="2400" dirty="0">
-                <a:latin typeface="Microsoft YaHei" panose="020B0503020204020204" pitchFamily="34" charset="-122"/>
-                <a:ea typeface="Microsoft YaHei" panose="020B0503020204020204" pitchFamily="34" charset="-122"/>
-              </a:rPr>
-              <a:t>I/O</a:t>
-            </a:r>
-            <a:r>
-              <a:rPr lang="zh-CN" altLang="en-US" sz="2400" dirty="0">
-                <a:latin typeface="Microsoft YaHei" panose="020B0503020204020204" pitchFamily="34" charset="-122"/>
-                <a:ea typeface="Microsoft YaHei" panose="020B0503020204020204" pitchFamily="34" charset="-122"/>
-              </a:rPr>
-              <a:t>操作，需要使用恰当 的 </a:t>
-            </a:r>
-            <a:r>
-              <a:rPr lang="en-US" altLang="zh-CN" sz="2400" dirty="0">
-                <a:latin typeface="Microsoft YaHei" panose="020B0503020204020204" pitchFamily="34" charset="-122"/>
-                <a:ea typeface="Microsoft YaHei" panose="020B0503020204020204" pitchFamily="34" charset="-122"/>
-              </a:rPr>
-              <a:t>Java I/O </a:t>
-            </a:r>
-            <a:r>
-              <a:rPr lang="zh-CN" altLang="en-US" sz="2400" dirty="0">
-                <a:latin typeface="Microsoft YaHei" panose="020B0503020204020204" pitchFamily="34" charset="-122"/>
-                <a:ea typeface="Microsoft YaHei" panose="020B0503020204020204" pitchFamily="34" charset="-122"/>
-              </a:rPr>
-              <a:t>类创建对象。这些对象包含从</a:t>
-            </a:r>
-            <a:r>
-              <a:rPr lang="en-US" altLang="zh-CN" sz="2400" dirty="0">
-                <a:latin typeface="Microsoft YaHei" panose="020B0503020204020204" pitchFamily="34" charset="-122"/>
-                <a:ea typeface="Microsoft YaHei" panose="020B0503020204020204" pitchFamily="34" charset="-122"/>
-              </a:rPr>
-              <a:t>(</a:t>
-            </a:r>
-            <a:r>
-              <a:rPr lang="zh-CN" altLang="en-US" sz="2400" dirty="0">
-                <a:latin typeface="Microsoft YaHei" panose="020B0503020204020204" pitchFamily="34" charset="-122"/>
-                <a:ea typeface="Microsoft YaHei" panose="020B0503020204020204" pitchFamily="34" charset="-122"/>
-              </a:rPr>
-              <a:t>向</a:t>
-            </a:r>
-            <a:r>
-              <a:rPr lang="en-US" altLang="zh-CN" sz="2400" dirty="0">
-                <a:latin typeface="Microsoft YaHei" panose="020B0503020204020204" pitchFamily="34" charset="-122"/>
-                <a:ea typeface="Microsoft YaHei" panose="020B0503020204020204" pitchFamily="34" charset="-122"/>
-              </a:rPr>
-              <a:t>)</a:t>
-            </a:r>
-            <a:r>
-              <a:rPr lang="zh-CN" altLang="en-US" sz="2400" dirty="0">
-                <a:latin typeface="Microsoft YaHei" panose="020B0503020204020204" pitchFamily="34" charset="-122"/>
-                <a:ea typeface="Microsoft YaHei" panose="020B0503020204020204" pitchFamily="34" charset="-122"/>
-              </a:rPr>
-              <a:t>文件读 （写）</a:t>
-            </a:r>
-            <a:r>
-              <a:rPr lang="en-US" altLang="zh-CN" sz="2400" dirty="0">
-                <a:latin typeface="Microsoft YaHei" panose="020B0503020204020204" pitchFamily="34" charset="-122"/>
-                <a:ea typeface="Microsoft YaHei" panose="020B0503020204020204" pitchFamily="34" charset="-122"/>
-              </a:rPr>
-              <a:t> </a:t>
-            </a:r>
-            <a:r>
-              <a:rPr lang="zh-CN" altLang="en-US" sz="2400" dirty="0">
-                <a:latin typeface="Microsoft YaHei" panose="020B0503020204020204" pitchFamily="34" charset="-122"/>
-                <a:ea typeface="Microsoft YaHei" panose="020B0503020204020204" pitchFamily="34" charset="-122"/>
-              </a:rPr>
-              <a:t>数据的方法。文本文件本质上是存储在磁盘上的字符。</a:t>
-            </a:r>
-            <a:endParaRPr lang="en-US" altLang="zh-CN" sz="2400" dirty="0">
+              <a:rPr kumimoji="1" lang="zh-CN" altLang="en-US" sz="2400" dirty="0">
+                <a:latin typeface="Microsoft YaHei" panose="020B0503020204020204" pitchFamily="34" charset="-122"/>
+                <a:ea typeface="Microsoft YaHei" panose="020B0503020204020204" pitchFamily="34" charset="-122"/>
+              </a:rPr>
+              <a:t>在</a:t>
+            </a:r>
+            <a:r>
+              <a:rPr kumimoji="1" lang="en-US" altLang="zh-CN" sz="2400" dirty="0">
+                <a:latin typeface="Microsoft YaHei" panose="020B0503020204020204" pitchFamily="34" charset="-122"/>
+                <a:ea typeface="Microsoft YaHei" panose="020B0503020204020204" pitchFamily="34" charset="-122"/>
+              </a:rPr>
+              <a:t>Windows</a:t>
+            </a:r>
+            <a:r>
+              <a:rPr kumimoji="1" lang="zh-CN" altLang="en-US" sz="2400" dirty="0">
+                <a:latin typeface="Microsoft YaHei" panose="020B0503020204020204" pitchFamily="34" charset="-122"/>
+                <a:ea typeface="Microsoft YaHei" panose="020B0503020204020204" pitchFamily="34" charset="-122"/>
+              </a:rPr>
+              <a:t>中目录的分隔符是反斜杠</a:t>
+            </a:r>
+            <a:r>
+              <a:rPr kumimoji="1" lang="en-US" altLang="zh-CN" sz="2400" dirty="0">
+                <a:latin typeface="Microsoft YaHei" panose="020B0503020204020204" pitchFamily="34" charset="-122"/>
+                <a:ea typeface="Microsoft YaHei" panose="020B0503020204020204" pitchFamily="34" charset="-122"/>
+              </a:rPr>
+              <a:t>(\)</a:t>
+            </a:r>
+            <a:r>
+              <a:rPr kumimoji="1" lang="zh-CN" altLang="en-US" sz="2400" dirty="0">
+                <a:latin typeface="Microsoft YaHei" panose="020B0503020204020204" pitchFamily="34" charset="-122"/>
+                <a:ea typeface="Microsoft YaHei" panose="020B0503020204020204" pitchFamily="34" charset="-122"/>
+              </a:rPr>
+              <a:t>。但是在</a:t>
+            </a:r>
+            <a:r>
+              <a:rPr kumimoji="1" lang="en-US" altLang="zh-CN" sz="2400" dirty="0">
+                <a:latin typeface="Microsoft YaHei" panose="020B0503020204020204" pitchFamily="34" charset="-122"/>
+                <a:ea typeface="Microsoft YaHei" panose="020B0503020204020204" pitchFamily="34" charset="-122"/>
+              </a:rPr>
+              <a:t>Java</a:t>
+            </a:r>
+            <a:r>
+              <a:rPr kumimoji="1" lang="zh-CN" altLang="en-US" sz="2400" dirty="0">
+                <a:latin typeface="Microsoft YaHei" panose="020B0503020204020204" pitchFamily="34" charset="-122"/>
+                <a:ea typeface="Microsoft YaHei" panose="020B0503020204020204" pitchFamily="34" charset="-122"/>
+              </a:rPr>
+              <a:t>中，反斜杠是一个特殊的字符，所以，文件路径中</a:t>
+            </a:r>
+            <a:r>
+              <a:rPr kumimoji="1" lang="en-US" altLang="zh-CN" sz="2400" dirty="0">
+                <a:latin typeface="Microsoft YaHei" panose="020B0503020204020204" pitchFamily="34" charset="-122"/>
+                <a:ea typeface="Microsoft YaHei" panose="020B0503020204020204" pitchFamily="34" charset="-122"/>
+              </a:rPr>
+              <a:t>\</a:t>
+            </a:r>
+            <a:r>
+              <a:rPr kumimoji="1" lang="zh-CN" altLang="en-US" sz="2400" dirty="0">
+                <a:latin typeface="Microsoft YaHei" panose="020B0503020204020204" pitchFamily="34" charset="-122"/>
+                <a:ea typeface="Microsoft YaHei" panose="020B0503020204020204" pitchFamily="34" charset="-122"/>
+              </a:rPr>
+              <a:t>应该写成</a:t>
+            </a:r>
+            <a:r>
+              <a:rPr kumimoji="1" lang="en-US" altLang="zh-CN" sz="2400" dirty="0">
+                <a:latin typeface="Microsoft YaHei" panose="020B0503020204020204" pitchFamily="34" charset="-122"/>
+                <a:ea typeface="Microsoft YaHei" panose="020B0503020204020204" pitchFamily="34" charset="-122"/>
+              </a:rPr>
+              <a:t>\\</a:t>
+            </a:r>
+            <a:r>
+              <a:rPr kumimoji="1" lang="zh-CN" altLang="en-US" sz="2400" dirty="0">
+                <a:latin typeface="Microsoft YaHei" panose="020B0503020204020204" pitchFamily="34" charset="-122"/>
+                <a:ea typeface="Microsoft YaHei" panose="020B0503020204020204" pitchFamily="34" charset="-122"/>
+              </a:rPr>
+              <a:t>的形式 </a:t>
+            </a:r>
+            <a:endParaRPr kumimoji="1" lang="en-US" altLang="zh-CN" sz="2400" dirty="0">
               <a:latin typeface="Microsoft YaHei" panose="020B0503020204020204" pitchFamily="34" charset="-122"/>
               <a:ea typeface="Microsoft YaHei" panose="020B0503020204020204" pitchFamily="34" charset="-122"/>
             </a:endParaRPr>
           </a:p>
           <a:p>
-            <a:pPr marL="342900" indent="-342900">
+            <a:pPr>
               <a:lnSpc>
                 <a:spcPct val="150000"/>
               </a:lnSpc>
-              <a:buFont typeface="Arial" panose="020B0604020202020204" pitchFamily="34" charset="0"/>
-              <a:buChar char="•"/>
             </a:pPr>
-            <a:r>
-              <a:rPr lang="zh-CN" altLang="en-US" sz="2400" dirty="0">
-                <a:latin typeface="Microsoft YaHei" panose="020B0503020204020204" pitchFamily="34" charset="-122"/>
-                <a:ea typeface="Microsoft YaHei" panose="020B0503020204020204" pitchFamily="34" charset="-122"/>
-              </a:rPr>
-              <a:t>使用 </a:t>
-            </a:r>
-            <a:r>
-              <a:rPr lang="en-US" altLang="zh-CN" sz="2400" dirty="0">
-                <a:latin typeface="Microsoft YaHei" panose="020B0503020204020204" pitchFamily="34" charset="-122"/>
-                <a:ea typeface="Microsoft YaHei" panose="020B0503020204020204" pitchFamily="34" charset="-122"/>
-              </a:rPr>
-              <a:t>Scanner </a:t>
-            </a:r>
-            <a:r>
-              <a:rPr lang="zh-CN" altLang="en-US" sz="2400" dirty="0">
-                <a:latin typeface="Microsoft YaHei" panose="020B0503020204020204" pitchFamily="34" charset="-122"/>
-                <a:ea typeface="Microsoft YaHei" panose="020B0503020204020204" pitchFamily="34" charset="-122"/>
-              </a:rPr>
-              <a:t>类从文件中读取文本数据，</a:t>
-            </a:r>
-            <a:endParaRPr lang="en-US" altLang="zh-CN" sz="2400" dirty="0">
+            <a:endParaRPr kumimoji="1" lang="en-US" altLang="zh-CN" sz="2400" dirty="0">
               <a:latin typeface="Microsoft YaHei" panose="020B0503020204020204" pitchFamily="34" charset="-122"/>
               <a:ea typeface="Microsoft YaHei" panose="020B0503020204020204" pitchFamily="34" charset="-122"/>
             </a:endParaRPr>
           </a:p>
           <a:p>
-            <a:pPr marL="342900" indent="-342900">
+            <a:pPr>
               <a:lnSpc>
                 <a:spcPct val="150000"/>
               </a:lnSpc>
-              <a:buFont typeface="Arial" panose="020B0604020202020204" pitchFamily="34" charset="0"/>
-              <a:buChar char="•"/>
             </a:pPr>
             <a:r>
-              <a:rPr lang="zh-CN" altLang="en-US" sz="2400" dirty="0">
-                <a:latin typeface="Microsoft YaHei" panose="020B0503020204020204" pitchFamily="34" charset="-122"/>
-                <a:ea typeface="Microsoft YaHei" panose="020B0503020204020204" pitchFamily="34" charset="-122"/>
-              </a:rPr>
-              <a:t>使用 </a:t>
-            </a:r>
-            <a:r>
-              <a:rPr lang="en-US" altLang="zh-CN" sz="2400" dirty="0" err="1">
-                <a:latin typeface="Microsoft YaHei" panose="020B0503020204020204" pitchFamily="34" charset="-122"/>
-                <a:ea typeface="Microsoft YaHei" panose="020B0503020204020204" pitchFamily="34" charset="-122"/>
-              </a:rPr>
-              <a:t>PrintWriter</a:t>
-            </a:r>
-            <a:r>
-              <a:rPr lang="en-US" altLang="zh-CN" sz="2400" dirty="0">
+              <a:rPr kumimoji="1" lang="zh-CN" altLang="en-US" sz="2400" dirty="0">
+                <a:latin typeface="Microsoft YaHei" panose="020B0503020204020204" pitchFamily="34" charset="-122"/>
+                <a:ea typeface="Microsoft YaHei" panose="020B0503020204020204" pitchFamily="34" charset="-122"/>
+              </a:rPr>
+              <a:t>比如 </a:t>
+            </a:r>
+            <a:r>
+              <a:rPr kumimoji="1" lang="en-US" altLang="zh-CN" sz="2400" dirty="0">
+                <a:latin typeface="Microsoft YaHei" panose="020B0503020204020204" pitchFamily="34" charset="-122"/>
+                <a:ea typeface="Microsoft YaHei" panose="020B0503020204020204" pitchFamily="34" charset="-122"/>
+              </a:rPr>
+              <a:t>C:\java\</a:t>
+            </a:r>
+            <a:r>
+              <a:rPr kumimoji="1" lang="en-US" altLang="zh-CN" sz="2400" dirty="0" err="1">
+                <a:latin typeface="Microsoft YaHei" panose="020B0503020204020204" pitchFamily="34" charset="-122"/>
+                <a:ea typeface="Microsoft YaHei" panose="020B0503020204020204" pitchFamily="34" charset="-122"/>
+              </a:rPr>
+              <a:t>io.java</a:t>
+            </a:r>
+            <a:r>
+              <a:rPr kumimoji="1" lang="zh-CN" altLang="en-US" sz="2400" dirty="0">
+                <a:latin typeface="Microsoft YaHei" panose="020B0503020204020204" pitchFamily="34" charset="-122"/>
+                <a:ea typeface="Microsoft YaHei" panose="020B0503020204020204" pitchFamily="34" charset="-122"/>
+              </a:rPr>
+              <a:t>  在</a:t>
+            </a:r>
+            <a:r>
+              <a:rPr kumimoji="1" lang="en-US" altLang="zh-CN" sz="2400" dirty="0">
+                <a:latin typeface="Microsoft YaHei" panose="020B0503020204020204" pitchFamily="34" charset="-122"/>
+                <a:ea typeface="Microsoft YaHei" panose="020B0503020204020204" pitchFamily="34" charset="-122"/>
+              </a:rPr>
+              <a:t>File</a:t>
+            </a:r>
+            <a:r>
+              <a:rPr kumimoji="1" lang="zh-CN" altLang="en-US" sz="2400" dirty="0">
+                <a:latin typeface="Microsoft YaHei" panose="020B0503020204020204" pitchFamily="34" charset="-122"/>
+                <a:ea typeface="Microsoft YaHei" panose="020B0503020204020204" pitchFamily="34" charset="-122"/>
+              </a:rPr>
+              <a:t>对象中要写成 </a:t>
+            </a:r>
+            <a:endParaRPr kumimoji="1" lang="en-US" altLang="zh-CN" sz="2400" dirty="0">
+              <a:latin typeface="Microsoft YaHei" panose="020B0503020204020204" pitchFamily="34" charset="-122"/>
+              <a:ea typeface="Microsoft YaHei" panose="020B0503020204020204" pitchFamily="34" charset="-122"/>
+            </a:endParaRPr>
+          </a:p>
+          <a:p>
+            <a:pPr>
+              <a:lnSpc>
+                <a:spcPct val="150000"/>
+              </a:lnSpc>
+            </a:pPr>
+            <a:r>
+              <a:rPr kumimoji="1" lang="zh-CN" altLang="en-US" sz="2400" dirty="0">
+                <a:latin typeface="Microsoft YaHei" panose="020B0503020204020204" pitchFamily="34" charset="-122"/>
+                <a:ea typeface="Microsoft YaHei" panose="020B0503020204020204" pitchFamily="34" charset="-122"/>
+              </a:rPr>
+              <a:t>  </a:t>
+            </a:r>
+            <a:r>
+              <a:rPr kumimoji="1" lang="en-US" altLang="zh-CN" sz="2400" dirty="0">
+                <a:latin typeface="Microsoft YaHei" panose="020B0503020204020204" pitchFamily="34" charset="-122"/>
+                <a:ea typeface="Microsoft YaHei" panose="020B0503020204020204" pitchFamily="34" charset="-122"/>
+              </a:rPr>
+              <a:t>new</a:t>
+            </a:r>
+            <a:r>
+              <a:rPr kumimoji="1" lang="zh-CN" altLang="en-US" sz="2400" dirty="0">
                 <a:latin typeface="Microsoft YaHei" panose="020B0503020204020204" pitchFamily="34" charset="-122"/>
                 <a:ea typeface="Microsoft YaHei" panose="020B0503020204020204" pitchFamily="34" charset="-122"/>
               </a:rPr>
               <a:t> </a:t>
             </a:r>
             <a:r>
-              <a:rPr lang="zh-CN" altLang="en-US" sz="2400" dirty="0">
-                <a:latin typeface="Microsoft YaHei" panose="020B0503020204020204" pitchFamily="34" charset="-122"/>
-                <a:ea typeface="Microsoft YaHei" panose="020B0503020204020204" pitchFamily="34" charset="-122"/>
-              </a:rPr>
-              <a:t>类向文本文件写入 数据。 </a:t>
-            </a:r>
+              <a:rPr kumimoji="1" lang="en-US" altLang="zh-CN" sz="2400" dirty="0">
+                <a:latin typeface="Microsoft YaHei" panose="020B0503020204020204" pitchFamily="34" charset="-122"/>
+                <a:ea typeface="Microsoft YaHei" panose="020B0503020204020204" pitchFamily="34" charset="-122"/>
+              </a:rPr>
+              <a:t>File(”C:\\java\\</a:t>
+            </a:r>
+            <a:r>
+              <a:rPr kumimoji="1" lang="en-US" altLang="zh-CN" sz="2400" dirty="0" err="1">
+                <a:latin typeface="Microsoft YaHei" panose="020B0503020204020204" pitchFamily="34" charset="-122"/>
+                <a:ea typeface="Microsoft YaHei" panose="020B0503020204020204" pitchFamily="34" charset="-122"/>
+              </a:rPr>
+              <a:t>io.java</a:t>
+            </a:r>
+            <a:r>
+              <a:rPr kumimoji="1" lang="en-US" altLang="zh-CN" sz="2400" dirty="0">
+                <a:latin typeface="Microsoft YaHei" panose="020B0503020204020204" pitchFamily="34" charset="-122"/>
+                <a:ea typeface="Microsoft YaHei" panose="020B0503020204020204" pitchFamily="34" charset="-122"/>
+              </a:rPr>
+              <a:t>”)</a:t>
+            </a:r>
+          </a:p>
+          <a:p>
+            <a:pPr>
+              <a:lnSpc>
+                <a:spcPct val="150000"/>
+              </a:lnSpc>
+            </a:pPr>
+            <a:endParaRPr kumimoji="1" lang="en-US" altLang="zh-CN" sz="2400" dirty="0">
+              <a:latin typeface="Microsoft YaHei" panose="020B0503020204020204" pitchFamily="34" charset="-122"/>
+              <a:ea typeface="Microsoft YaHei" panose="020B0503020204020204" pitchFamily="34" charset="-122"/>
+            </a:endParaRPr>
           </a:p>
         </p:txBody>
       </p:sp>
     </p:spTree>
     <p:extLst>
       <p:ext uri="{BB962C8B-B14F-4D97-AF65-F5344CB8AC3E}">
-        <p14:creationId xmlns:p14="http://schemas.microsoft.com/office/powerpoint/2010/main" val="4074100507"/>
+        <p14:creationId xmlns:p14="http://schemas.microsoft.com/office/powerpoint/2010/main" val="1024242802"/>
       </p:ext>
     </p:extLst>
   </p:cSld>
@@ -8198,10 +8373,1713 @@
           <a:p>
             <a:pPr algn="ctr"/>
             <a:r>
+              <a:rPr kumimoji="1" lang="zh-CN" altLang="en-US" sz="4800" dirty="0">
+                <a:latin typeface="Microsoft YaHei" panose="020B0503020204020204" pitchFamily="34" charset="-122"/>
+                <a:ea typeface="Microsoft YaHei" panose="020B0503020204020204" pitchFamily="34" charset="-122"/>
+              </a:rPr>
+              <a:t>路径分隔符因操作系统而异</a:t>
+            </a:r>
+            <a:endParaRPr kumimoji="1" lang="en-US" altLang="zh-CN" sz="4800" dirty="0">
+              <a:ea typeface="Microsoft YaHei" panose="020B0503020204020204" pitchFamily="34" charset="-122"/>
+            </a:endParaRPr>
+          </a:p>
+        </p:txBody>
+      </p:sp>
+      <p:sp>
+        <p:nvSpPr>
+          <p:cNvPr id="4" name="文本框 3">
+            <a:extLst>
+              <a:ext uri="{FF2B5EF4-FFF2-40B4-BE49-F238E27FC236}">
+                <a16:creationId xmlns:a16="http://schemas.microsoft.com/office/drawing/2014/main" id="{7C1B0394-5035-0C4B-8A38-2B1CCA2CFC38}"/>
+              </a:ext>
+            </a:extLst>
+          </p:cNvPr>
+          <p:cNvSpPr txBox="1"/>
+          <p:nvPr/>
+        </p:nvSpPr>
+        <p:spPr>
+          <a:xfrm>
+            <a:off x="1469136" y="2076943"/>
+            <a:ext cx="9253728" cy="4459041"/>
+          </a:xfrm>
+          <a:prstGeom prst="rect">
+            <a:avLst/>
+          </a:prstGeom>
+          <a:noFill/>
+        </p:spPr>
+        <p:txBody>
+          <a:bodyPr wrap="square" rtlCol="0">
+            <a:spAutoFit/>
+          </a:bodyPr>
+          <a:lstStyle/>
+          <a:p>
+            <a:pPr marL="342900" indent="-342900">
+              <a:lnSpc>
+                <a:spcPct val="150000"/>
+              </a:lnSpc>
+              <a:buFont typeface="Arial" panose="020B0604020202020204" pitchFamily="34" charset="0"/>
+              <a:buChar char="•"/>
+            </a:pPr>
+            <a:r>
+              <a:rPr kumimoji="1" lang="zh-CN" altLang="en-US" sz="2400" dirty="0">
+                <a:latin typeface="Microsoft YaHei" panose="020B0503020204020204" pitchFamily="34" charset="-122"/>
+                <a:ea typeface="Microsoft YaHei" panose="020B0503020204020204" pitchFamily="34" charset="-122"/>
+              </a:rPr>
+              <a:t>在</a:t>
+            </a:r>
+            <a:r>
+              <a:rPr kumimoji="1" lang="en-US" altLang="zh-CN" sz="2400" dirty="0">
+                <a:latin typeface="Microsoft YaHei" panose="020B0503020204020204" pitchFamily="34" charset="-122"/>
+                <a:ea typeface="Microsoft YaHei" panose="020B0503020204020204" pitchFamily="34" charset="-122"/>
+              </a:rPr>
+              <a:t>Mac(</a:t>
+            </a:r>
+            <a:r>
+              <a:rPr kumimoji="1" lang="zh-CN" altLang="en-US" sz="2400" dirty="0">
+                <a:latin typeface="Microsoft YaHei" panose="020B0503020204020204" pitchFamily="34" charset="-122"/>
+                <a:ea typeface="Microsoft YaHei" panose="020B0503020204020204" pitchFamily="34" charset="-122"/>
+              </a:rPr>
+              <a:t>类</a:t>
+            </a:r>
+            <a:r>
+              <a:rPr kumimoji="1" lang="en-US" altLang="zh-CN" sz="2400" dirty="0" err="1">
+                <a:latin typeface="Microsoft YaHei" panose="020B0503020204020204" pitchFamily="34" charset="-122"/>
+                <a:ea typeface="Microsoft YaHei" panose="020B0503020204020204" pitchFamily="34" charset="-122"/>
+              </a:rPr>
+              <a:t>unix</a:t>
+            </a:r>
+            <a:r>
+              <a:rPr kumimoji="1" lang="zh-CN" altLang="en-US" sz="2400" dirty="0">
+                <a:latin typeface="Microsoft YaHei" panose="020B0503020204020204" pitchFamily="34" charset="-122"/>
+                <a:ea typeface="Microsoft YaHei" panose="020B0503020204020204" pitchFamily="34" charset="-122"/>
+              </a:rPr>
+              <a:t>系统</a:t>
+            </a:r>
+            <a:r>
+              <a:rPr kumimoji="1" lang="en-US" altLang="zh-CN" sz="2400" dirty="0">
+                <a:latin typeface="Microsoft YaHei" panose="020B0503020204020204" pitchFamily="34" charset="-122"/>
+                <a:ea typeface="Microsoft YaHei" panose="020B0503020204020204" pitchFamily="34" charset="-122"/>
+              </a:rPr>
+              <a:t>)</a:t>
+            </a:r>
+            <a:r>
+              <a:rPr kumimoji="1" lang="zh-CN" altLang="en-US" sz="2400" dirty="0">
+                <a:latin typeface="Microsoft YaHei" panose="020B0503020204020204" pitchFamily="34" charset="-122"/>
+                <a:ea typeface="Microsoft YaHei" panose="020B0503020204020204" pitchFamily="34" charset="-122"/>
+              </a:rPr>
+              <a:t>中，路径分隔符是</a:t>
+            </a:r>
+            <a:r>
+              <a:rPr kumimoji="1" lang="en-US" altLang="zh-CN" sz="2400" dirty="0">
+                <a:latin typeface="Microsoft YaHei" panose="020B0503020204020204" pitchFamily="34" charset="-122"/>
+                <a:ea typeface="Microsoft YaHei" panose="020B0503020204020204" pitchFamily="34" charset="-122"/>
+              </a:rPr>
+              <a:t>/(</a:t>
+            </a:r>
+            <a:r>
+              <a:rPr kumimoji="1" lang="zh-CN" altLang="en-US" sz="2400" dirty="0">
+                <a:latin typeface="Microsoft YaHei" panose="020B0503020204020204" pitchFamily="34" charset="-122"/>
+                <a:ea typeface="Microsoft YaHei" panose="020B0503020204020204" pitchFamily="34" charset="-122"/>
+              </a:rPr>
+              <a:t>斜杠</a:t>
+            </a:r>
+            <a:r>
+              <a:rPr kumimoji="1" lang="en-US" altLang="zh-CN" sz="2400" dirty="0">
+                <a:latin typeface="Microsoft YaHei" panose="020B0503020204020204" pitchFamily="34" charset="-122"/>
+                <a:ea typeface="Microsoft YaHei" panose="020B0503020204020204" pitchFamily="34" charset="-122"/>
+              </a:rPr>
+              <a:t>)</a:t>
+            </a:r>
+          </a:p>
+          <a:p>
+            <a:pPr marL="342900" indent="-342900">
+              <a:lnSpc>
+                <a:spcPct val="150000"/>
+              </a:lnSpc>
+              <a:buFont typeface="Arial" panose="020B0604020202020204" pitchFamily="34" charset="0"/>
+              <a:buChar char="•"/>
+            </a:pPr>
+            <a:r>
+              <a:rPr kumimoji="1" lang="zh-CN" altLang="en-US" sz="2400" dirty="0">
+                <a:latin typeface="Microsoft YaHei" panose="020B0503020204020204" pitchFamily="34" charset="-122"/>
+                <a:ea typeface="Microsoft YaHei" panose="020B0503020204020204" pitchFamily="34" charset="-122"/>
+              </a:rPr>
+              <a:t>在</a:t>
+            </a:r>
+            <a:r>
+              <a:rPr kumimoji="1" lang="en-US" altLang="zh-CN" sz="2400" dirty="0">
+                <a:latin typeface="Microsoft YaHei" panose="020B0503020204020204" pitchFamily="34" charset="-122"/>
+                <a:ea typeface="Microsoft YaHei" panose="020B0503020204020204" pitchFamily="34" charset="-122"/>
+              </a:rPr>
+              <a:t>windows</a:t>
+            </a:r>
+            <a:r>
+              <a:rPr kumimoji="1" lang="zh-CN" altLang="en-US" sz="2400" dirty="0">
+                <a:latin typeface="Microsoft YaHei" panose="020B0503020204020204" pitchFamily="34" charset="-122"/>
+                <a:ea typeface="Microsoft YaHei" panose="020B0503020204020204" pitchFamily="34" charset="-122"/>
+              </a:rPr>
+              <a:t>中，路径分隔符是</a:t>
+            </a:r>
+            <a:r>
+              <a:rPr kumimoji="1" lang="en-US" altLang="zh-CN" sz="2400" dirty="0">
+                <a:latin typeface="Microsoft YaHei" panose="020B0503020204020204" pitchFamily="34" charset="-122"/>
+                <a:ea typeface="Microsoft YaHei" panose="020B0503020204020204" pitchFamily="34" charset="-122"/>
+              </a:rPr>
+              <a:t>\(</a:t>
+            </a:r>
+            <a:r>
+              <a:rPr kumimoji="1" lang="zh-CN" altLang="en-US" sz="2400" dirty="0">
+                <a:latin typeface="Microsoft YaHei" panose="020B0503020204020204" pitchFamily="34" charset="-122"/>
+                <a:ea typeface="Microsoft YaHei" panose="020B0503020204020204" pitchFamily="34" charset="-122"/>
+              </a:rPr>
+              <a:t>反斜杠</a:t>
+            </a:r>
+            <a:r>
+              <a:rPr kumimoji="1" lang="en-US" altLang="zh-CN" sz="2400" dirty="0">
+                <a:latin typeface="Microsoft YaHei" panose="020B0503020204020204" pitchFamily="34" charset="-122"/>
+                <a:ea typeface="Microsoft YaHei" panose="020B0503020204020204" pitchFamily="34" charset="-122"/>
+              </a:rPr>
+              <a:t>)</a:t>
+            </a:r>
+            <a:r>
+              <a:rPr kumimoji="1" lang="zh-CN" altLang="en-US" sz="2400" dirty="0">
+                <a:latin typeface="Microsoft YaHei" panose="020B0503020204020204" pitchFamily="34" charset="-122"/>
+                <a:ea typeface="Microsoft YaHei" panose="020B0503020204020204" pitchFamily="34" charset="-122"/>
+              </a:rPr>
+              <a:t> </a:t>
+            </a:r>
+            <a:endParaRPr kumimoji="1" lang="en-US" altLang="zh-CN" sz="2400" dirty="0">
+              <a:latin typeface="Microsoft YaHei" panose="020B0503020204020204" pitchFamily="34" charset="-122"/>
+              <a:ea typeface="Microsoft YaHei" panose="020B0503020204020204" pitchFamily="34" charset="-122"/>
+            </a:endParaRPr>
+          </a:p>
+          <a:p>
+            <a:pPr marL="342900" indent="-342900">
+              <a:lnSpc>
+                <a:spcPct val="150000"/>
+              </a:lnSpc>
+              <a:buFont typeface="Arial" panose="020B0604020202020204" pitchFamily="34" charset="0"/>
+              <a:buChar char="•"/>
+            </a:pPr>
+            <a:endParaRPr kumimoji="1" lang="en-US" altLang="zh-CN" sz="2400" dirty="0">
+              <a:latin typeface="Microsoft YaHei" panose="020B0503020204020204" pitchFamily="34" charset="-122"/>
+              <a:ea typeface="Microsoft YaHei" panose="020B0503020204020204" pitchFamily="34" charset="-122"/>
+            </a:endParaRPr>
+          </a:p>
+          <a:p>
+            <a:pPr>
+              <a:lnSpc>
+                <a:spcPct val="150000"/>
+              </a:lnSpc>
+            </a:pPr>
+            <a:r>
+              <a:rPr kumimoji="1" lang="zh-CN" altLang="en-US" sz="2400" dirty="0">
+                <a:latin typeface="Microsoft YaHei" panose="020B0503020204020204" pitchFamily="34" charset="-122"/>
+                <a:ea typeface="Microsoft YaHei" panose="020B0503020204020204" pitchFamily="34" charset="-122"/>
+              </a:rPr>
+              <a:t>斜杠</a:t>
+            </a:r>
+            <a:r>
+              <a:rPr kumimoji="1" lang="en-US" altLang="zh-CN" sz="2400" dirty="0">
+                <a:latin typeface="Microsoft YaHei" panose="020B0503020204020204" pitchFamily="34" charset="-122"/>
+                <a:ea typeface="Microsoft YaHei" panose="020B0503020204020204" pitchFamily="34" charset="-122"/>
+              </a:rPr>
+              <a:t>(/)</a:t>
+            </a:r>
+            <a:r>
+              <a:rPr kumimoji="1" lang="zh-CN" altLang="en-US" sz="2400" dirty="0">
+                <a:latin typeface="Microsoft YaHei" panose="020B0503020204020204" pitchFamily="34" charset="-122"/>
+                <a:ea typeface="Microsoft YaHei" panose="020B0503020204020204" pitchFamily="34" charset="-122"/>
+              </a:rPr>
+              <a:t>是</a:t>
+            </a:r>
+            <a:r>
+              <a:rPr kumimoji="1" lang="en-US" altLang="zh-CN" sz="2400" dirty="0">
+                <a:latin typeface="Microsoft YaHei" panose="020B0503020204020204" pitchFamily="34" charset="-122"/>
+                <a:ea typeface="Microsoft YaHei" panose="020B0503020204020204" pitchFamily="34" charset="-122"/>
+              </a:rPr>
+              <a:t>Java</a:t>
+            </a:r>
+            <a:r>
+              <a:rPr kumimoji="1" lang="zh-CN" altLang="en-US" sz="2400" dirty="0">
+                <a:latin typeface="Microsoft YaHei" panose="020B0503020204020204" pitchFamily="34" charset="-122"/>
+                <a:ea typeface="Microsoft YaHei" panose="020B0503020204020204" pitchFamily="34" charset="-122"/>
+              </a:rPr>
+              <a:t>的目录分隔符，这点和</a:t>
+            </a:r>
+            <a:r>
+              <a:rPr kumimoji="1" lang="en-US" altLang="zh-CN" sz="2400" dirty="0">
+                <a:latin typeface="Microsoft YaHei" panose="020B0503020204020204" pitchFamily="34" charset="-122"/>
+                <a:ea typeface="Microsoft YaHei" panose="020B0503020204020204" pitchFamily="34" charset="-122"/>
+              </a:rPr>
+              <a:t>UNIX</a:t>
+            </a:r>
+            <a:r>
+              <a:rPr kumimoji="1" lang="zh-CN" altLang="en-US" sz="2400" dirty="0">
+                <a:latin typeface="Microsoft YaHei" panose="020B0503020204020204" pitchFamily="34" charset="-122"/>
+                <a:ea typeface="Microsoft YaHei" panose="020B0503020204020204" pitchFamily="34" charset="-122"/>
+              </a:rPr>
+              <a:t>是一 样的。语句 </a:t>
+            </a:r>
+            <a:r>
+              <a:rPr kumimoji="1" lang="en-US" altLang="zh-CN" sz="2400" dirty="0">
+                <a:latin typeface="Microsoft YaHei" panose="020B0503020204020204" pitchFamily="34" charset="-122"/>
+                <a:ea typeface="Microsoft YaHei" panose="020B0503020204020204" pitchFamily="34" charset="-122"/>
+              </a:rPr>
+              <a:t>new File(“image/</a:t>
+            </a:r>
+            <a:r>
+              <a:rPr kumimoji="1" lang="en-US" altLang="zh-CN" sz="2400" dirty="0" err="1">
+                <a:latin typeface="Microsoft YaHei" panose="020B0503020204020204" pitchFamily="34" charset="-122"/>
+                <a:ea typeface="Microsoft YaHei" panose="020B0503020204020204" pitchFamily="34" charset="-122"/>
+              </a:rPr>
+              <a:t>us.gif</a:t>
+            </a:r>
+            <a:r>
+              <a:rPr kumimoji="1" lang="en-US" altLang="zh-CN" sz="2400" dirty="0">
+                <a:latin typeface="Microsoft YaHei" panose="020B0503020204020204" pitchFamily="34" charset="-122"/>
+                <a:ea typeface="Microsoft YaHei" panose="020B0503020204020204" pitchFamily="34" charset="-122"/>
+              </a:rPr>
+              <a:t>”) </a:t>
+            </a:r>
+            <a:r>
+              <a:rPr kumimoji="1" lang="zh-CN" altLang="en-US" sz="2400" dirty="0">
+                <a:latin typeface="Microsoft YaHei" panose="020B0503020204020204" pitchFamily="34" charset="-122"/>
+                <a:ea typeface="Microsoft YaHei" panose="020B0503020204020204" pitchFamily="34" charset="-122"/>
+              </a:rPr>
+              <a:t>在 </a:t>
+            </a:r>
+            <a:r>
+              <a:rPr kumimoji="1" lang="en-US" altLang="zh-CN" sz="2400" dirty="0">
+                <a:latin typeface="Microsoft YaHei" panose="020B0503020204020204" pitchFamily="34" charset="-122"/>
+                <a:ea typeface="Microsoft YaHei" panose="020B0503020204020204" pitchFamily="34" charset="-122"/>
+              </a:rPr>
+              <a:t>Windows</a:t>
+            </a:r>
+            <a:r>
+              <a:rPr kumimoji="1" lang="zh-CN" altLang="en-US" sz="2400" dirty="0">
+                <a:latin typeface="Microsoft YaHei" panose="020B0503020204020204" pitchFamily="34" charset="-122"/>
+                <a:ea typeface="Microsoft YaHei" panose="020B0503020204020204" pitchFamily="34" charset="-122"/>
+              </a:rPr>
+              <a:t>、</a:t>
+            </a:r>
+            <a:r>
+              <a:rPr kumimoji="1" lang="en-US" altLang="zh-CN" sz="2400" dirty="0">
+                <a:latin typeface="Microsoft YaHei" panose="020B0503020204020204" pitchFamily="34" charset="-122"/>
+                <a:ea typeface="Microsoft YaHei" panose="020B0503020204020204" pitchFamily="34" charset="-122"/>
+              </a:rPr>
+              <a:t>UNIX </a:t>
+            </a:r>
+            <a:r>
+              <a:rPr kumimoji="1" lang="zh-CN" altLang="en-US" sz="2400" dirty="0">
+                <a:latin typeface="Microsoft YaHei" panose="020B0503020204020204" pitchFamily="34" charset="-122"/>
+                <a:ea typeface="Microsoft YaHei" panose="020B0503020204020204" pitchFamily="34" charset="-122"/>
+              </a:rPr>
+              <a:t>或任何其他系统上都能工作。 </a:t>
+            </a:r>
+            <a:endParaRPr kumimoji="1" lang="en-US" altLang="zh-CN" sz="2400" dirty="0">
+              <a:latin typeface="Microsoft YaHei" panose="020B0503020204020204" pitchFamily="34" charset="-122"/>
+              <a:ea typeface="Microsoft YaHei" panose="020B0503020204020204" pitchFamily="34" charset="-122"/>
+            </a:endParaRPr>
+          </a:p>
+          <a:p>
+            <a:pPr>
+              <a:lnSpc>
+                <a:spcPct val="150000"/>
+              </a:lnSpc>
+            </a:pPr>
+            <a:r>
+              <a:rPr kumimoji="1" lang="zh-CN" altLang="en-US" sz="2400" dirty="0">
+                <a:latin typeface="Microsoft YaHei" panose="020B0503020204020204" pitchFamily="34" charset="-122"/>
+                <a:ea typeface="Microsoft YaHei" panose="020B0503020204020204" pitchFamily="34" charset="-122"/>
+              </a:rPr>
+              <a:t>所以：</a:t>
+            </a:r>
+            <a:r>
+              <a:rPr kumimoji="1" lang="zh-CN" altLang="en-US" sz="2400" b="1" u="sng" dirty="0">
+                <a:latin typeface="Microsoft YaHei" panose="020B0503020204020204" pitchFamily="34" charset="-122"/>
+                <a:ea typeface="Microsoft YaHei" panose="020B0503020204020204" pitchFamily="34" charset="-122"/>
+              </a:rPr>
+              <a:t>当程序需要移植到不同操作系统中，请考虑文件路径代码是否需要更改，不然会出错。</a:t>
+            </a:r>
+          </a:p>
+        </p:txBody>
+      </p:sp>
+    </p:spTree>
+    <p:extLst>
+      <p:ext uri="{BB962C8B-B14F-4D97-AF65-F5344CB8AC3E}">
+        <p14:creationId xmlns:p14="http://schemas.microsoft.com/office/powerpoint/2010/main" val="3057019204"/>
+      </p:ext>
+    </p:extLst>
+  </p:cSld>
+  <p:clrMapOvr>
+    <a:masterClrMapping/>
+  </p:clrMapOvr>
+</p:sld>
+</file>
+
+<file path=ppt/slides/slide17.xml><?xml version="1.0" encoding="utf-8"?>
+<p:sld xmlns:a="http://schemas.openxmlformats.org/drawingml/2006/main" xmlns:r="http://schemas.openxmlformats.org/officeDocument/2006/relationships" xmlns:p="http://schemas.openxmlformats.org/presentationml/2006/main">
+  <p:cSld>
+    <p:bg>
+      <p:bgPr>
+        <a:blipFill>
+          <a:blip r:embed="rId3"/>
+          <a:tile tx="0" ty="0" sx="100000" sy="100000" flip="none" algn="tl"/>
+        </a:blipFill>
+        <a:effectLst/>
+      </p:bgPr>
+    </p:bg>
+    <p:spTree>
+      <p:nvGrpSpPr>
+        <p:cNvPr id="1" name=""/>
+        <p:cNvGrpSpPr/>
+        <p:nvPr/>
+      </p:nvGrpSpPr>
+      <p:grpSpPr>
+        <a:xfrm>
+          <a:off x="0" y="0"/>
+          <a:ext cx="0" cy="0"/>
+          <a:chOff x="0" y="0"/>
+          <a:chExt cx="0" cy="0"/>
+        </a:xfrm>
+      </p:grpSpPr>
+      <p:sp>
+        <p:nvSpPr>
+          <p:cNvPr id="2" name="文本框 1">
+            <a:extLst>
+              <a:ext uri="{FF2B5EF4-FFF2-40B4-BE49-F238E27FC236}">
+                <a16:creationId xmlns:a16="http://schemas.microsoft.com/office/drawing/2014/main" id="{12AA8BCC-7B15-4842-80C2-48C079429338}"/>
+              </a:ext>
+            </a:extLst>
+          </p:cNvPr>
+          <p:cNvSpPr txBox="1"/>
+          <p:nvPr/>
+        </p:nvSpPr>
+        <p:spPr>
+          <a:xfrm>
+            <a:off x="2520000" y="720000"/>
+            <a:ext cx="7735824" cy="830997"/>
+          </a:xfrm>
+          <a:prstGeom prst="rect">
+            <a:avLst/>
+          </a:prstGeom>
+          <a:noFill/>
+        </p:spPr>
+        <p:txBody>
+          <a:bodyPr wrap="square" rtlCol="0">
+            <a:spAutoFit/>
+          </a:bodyPr>
+          <a:lstStyle/>
+          <a:p>
+            <a:pPr algn="ctr"/>
+            <a:r>
               <a:rPr kumimoji="1" lang="en-US" altLang="zh-CN" sz="4800" dirty="0">
                 <a:ea typeface="Microsoft YaHei" panose="020B0503020204020204" pitchFamily="34" charset="-122"/>
               </a:rPr>
-              <a:t>4.2.1</a:t>
+              <a:t>3.2</a:t>
+            </a:r>
+            <a:r>
+              <a:rPr kumimoji="1" lang="zh-CN" altLang="en-US" sz="4800" dirty="0">
+                <a:ea typeface="Microsoft YaHei" panose="020B0503020204020204" pitchFamily="34" charset="-122"/>
+              </a:rPr>
+              <a:t> 文件的输入和输出</a:t>
+            </a:r>
+            <a:endParaRPr kumimoji="1" lang="en-US" altLang="zh-CN" sz="4800" dirty="0">
+              <a:ea typeface="Microsoft YaHei" panose="020B0503020204020204" pitchFamily="34" charset="-122"/>
+            </a:endParaRPr>
+          </a:p>
+        </p:txBody>
+      </p:sp>
+      <p:sp>
+        <p:nvSpPr>
+          <p:cNvPr id="4" name="文本框 3">
+            <a:extLst>
+              <a:ext uri="{FF2B5EF4-FFF2-40B4-BE49-F238E27FC236}">
+                <a16:creationId xmlns:a16="http://schemas.microsoft.com/office/drawing/2014/main" id="{7C1B0394-5035-0C4B-8A38-2B1CCA2CFC38}"/>
+              </a:ext>
+            </a:extLst>
+          </p:cNvPr>
+          <p:cNvSpPr txBox="1"/>
+          <p:nvPr/>
+        </p:nvSpPr>
+        <p:spPr>
+          <a:xfrm>
+            <a:off x="1761048" y="2232957"/>
+            <a:ext cx="9253728" cy="3351046"/>
+          </a:xfrm>
+          <a:prstGeom prst="rect">
+            <a:avLst/>
+          </a:prstGeom>
+          <a:noFill/>
+        </p:spPr>
+        <p:txBody>
+          <a:bodyPr wrap="square" rtlCol="0">
+            <a:spAutoFit/>
+          </a:bodyPr>
+          <a:lstStyle/>
+          <a:p>
+            <a:pPr>
+              <a:lnSpc>
+                <a:spcPct val="150000"/>
+              </a:lnSpc>
+            </a:pPr>
+            <a:r>
+              <a:rPr lang="en-US" altLang="zh-CN" sz="2400" dirty="0">
+                <a:latin typeface="Microsoft YaHei" panose="020B0503020204020204" pitchFamily="34" charset="-122"/>
+                <a:ea typeface="Microsoft YaHei" panose="020B0503020204020204" pitchFamily="34" charset="-122"/>
+              </a:rPr>
+              <a:t>File </a:t>
+            </a:r>
+            <a:r>
+              <a:rPr lang="zh-CN" altLang="en-US" sz="2400" dirty="0">
+                <a:latin typeface="Microsoft YaHei" panose="020B0503020204020204" pitchFamily="34" charset="-122"/>
+                <a:ea typeface="Microsoft YaHei" panose="020B0503020204020204" pitchFamily="34" charset="-122"/>
+              </a:rPr>
+              <a:t>对象封装了文件或路径的属性，但是它既不包括创建文件的方法，也不包括从（向） 文件读（写）数据</a:t>
+            </a:r>
+            <a:r>
+              <a:rPr lang="en-US" altLang="zh-CN" sz="2400" dirty="0">
+                <a:latin typeface="Microsoft YaHei" panose="020B0503020204020204" pitchFamily="34" charset="-122"/>
+                <a:ea typeface="Microsoft YaHei" panose="020B0503020204020204" pitchFamily="34" charset="-122"/>
+              </a:rPr>
+              <a:t> </a:t>
+            </a:r>
+            <a:r>
+              <a:rPr lang="zh-CN" altLang="en-US" sz="2400" dirty="0">
+                <a:latin typeface="Microsoft YaHei" panose="020B0503020204020204" pitchFamily="34" charset="-122"/>
+                <a:ea typeface="Microsoft YaHei" panose="020B0503020204020204" pitchFamily="34" charset="-122"/>
+              </a:rPr>
+              <a:t>的方法。为了完成</a:t>
+            </a:r>
+            <a:r>
+              <a:rPr lang="en-US" altLang="zh-CN" sz="2400" dirty="0">
+                <a:latin typeface="Microsoft YaHei" panose="020B0503020204020204" pitchFamily="34" charset="-122"/>
+                <a:ea typeface="Microsoft YaHei" panose="020B0503020204020204" pitchFamily="34" charset="-122"/>
+              </a:rPr>
+              <a:t>I/O</a:t>
+            </a:r>
+            <a:r>
+              <a:rPr lang="zh-CN" altLang="en-US" sz="2400" dirty="0">
+                <a:latin typeface="Microsoft YaHei" panose="020B0503020204020204" pitchFamily="34" charset="-122"/>
+                <a:ea typeface="Microsoft YaHei" panose="020B0503020204020204" pitchFamily="34" charset="-122"/>
+              </a:rPr>
+              <a:t>操作，需要使用恰当 的 </a:t>
+            </a:r>
+            <a:r>
+              <a:rPr lang="en-US" altLang="zh-CN" sz="2400" dirty="0">
+                <a:latin typeface="Microsoft YaHei" panose="020B0503020204020204" pitchFamily="34" charset="-122"/>
+                <a:ea typeface="Microsoft YaHei" panose="020B0503020204020204" pitchFamily="34" charset="-122"/>
+              </a:rPr>
+              <a:t>Java I/O </a:t>
+            </a:r>
+            <a:r>
+              <a:rPr lang="zh-CN" altLang="en-US" sz="2400" dirty="0">
+                <a:latin typeface="Microsoft YaHei" panose="020B0503020204020204" pitchFamily="34" charset="-122"/>
+                <a:ea typeface="Microsoft YaHei" panose="020B0503020204020204" pitchFamily="34" charset="-122"/>
+              </a:rPr>
+              <a:t>类创建对象。这些对象包含从</a:t>
+            </a:r>
+            <a:r>
+              <a:rPr lang="en-US" altLang="zh-CN" sz="2400" dirty="0">
+                <a:latin typeface="Microsoft YaHei" panose="020B0503020204020204" pitchFamily="34" charset="-122"/>
+                <a:ea typeface="Microsoft YaHei" panose="020B0503020204020204" pitchFamily="34" charset="-122"/>
+              </a:rPr>
+              <a:t>(</a:t>
+            </a:r>
+            <a:r>
+              <a:rPr lang="zh-CN" altLang="en-US" sz="2400" dirty="0">
+                <a:latin typeface="Microsoft YaHei" panose="020B0503020204020204" pitchFamily="34" charset="-122"/>
+                <a:ea typeface="Microsoft YaHei" panose="020B0503020204020204" pitchFamily="34" charset="-122"/>
+              </a:rPr>
+              <a:t>向</a:t>
+            </a:r>
+            <a:r>
+              <a:rPr lang="en-US" altLang="zh-CN" sz="2400" dirty="0">
+                <a:latin typeface="Microsoft YaHei" panose="020B0503020204020204" pitchFamily="34" charset="-122"/>
+                <a:ea typeface="Microsoft YaHei" panose="020B0503020204020204" pitchFamily="34" charset="-122"/>
+              </a:rPr>
+              <a:t>)</a:t>
+            </a:r>
+            <a:r>
+              <a:rPr lang="zh-CN" altLang="en-US" sz="2400" dirty="0">
+                <a:latin typeface="Microsoft YaHei" panose="020B0503020204020204" pitchFamily="34" charset="-122"/>
+                <a:ea typeface="Microsoft YaHei" panose="020B0503020204020204" pitchFamily="34" charset="-122"/>
+              </a:rPr>
+              <a:t>文件读 （写）</a:t>
+            </a:r>
+            <a:r>
+              <a:rPr lang="en-US" altLang="zh-CN" sz="2400" dirty="0">
+                <a:latin typeface="Microsoft YaHei" panose="020B0503020204020204" pitchFamily="34" charset="-122"/>
+                <a:ea typeface="Microsoft YaHei" panose="020B0503020204020204" pitchFamily="34" charset="-122"/>
+              </a:rPr>
+              <a:t> </a:t>
+            </a:r>
+            <a:r>
+              <a:rPr lang="zh-CN" altLang="en-US" sz="2400" dirty="0">
+                <a:latin typeface="Microsoft YaHei" panose="020B0503020204020204" pitchFamily="34" charset="-122"/>
+                <a:ea typeface="Microsoft YaHei" panose="020B0503020204020204" pitchFamily="34" charset="-122"/>
+              </a:rPr>
+              <a:t>数据的方法。文本文件本质上是存储在磁盘上的字符。</a:t>
+            </a:r>
+            <a:endParaRPr lang="en-US" altLang="zh-CN" sz="2400" dirty="0">
+              <a:latin typeface="Microsoft YaHei" panose="020B0503020204020204" pitchFamily="34" charset="-122"/>
+              <a:ea typeface="Microsoft YaHei" panose="020B0503020204020204" pitchFamily="34" charset="-122"/>
+            </a:endParaRPr>
+          </a:p>
+          <a:p>
+            <a:pPr marL="342900" indent="-342900">
+              <a:lnSpc>
+                <a:spcPct val="150000"/>
+              </a:lnSpc>
+              <a:buFont typeface="Arial" panose="020B0604020202020204" pitchFamily="34" charset="0"/>
+              <a:buChar char="•"/>
+            </a:pPr>
+            <a:r>
+              <a:rPr lang="zh-CN" altLang="en-US" sz="2400" dirty="0">
+                <a:latin typeface="Microsoft YaHei" panose="020B0503020204020204" pitchFamily="34" charset="-122"/>
+                <a:ea typeface="Microsoft YaHei" panose="020B0503020204020204" pitchFamily="34" charset="-122"/>
+              </a:rPr>
+              <a:t>使用 </a:t>
+            </a:r>
+            <a:r>
+              <a:rPr lang="en-US" altLang="zh-CN" sz="2400" dirty="0">
+                <a:latin typeface="Microsoft YaHei" panose="020B0503020204020204" pitchFamily="34" charset="-122"/>
+                <a:ea typeface="Microsoft YaHei" panose="020B0503020204020204" pitchFamily="34" charset="-122"/>
+              </a:rPr>
+              <a:t>Scanner </a:t>
+            </a:r>
+            <a:r>
+              <a:rPr lang="zh-CN" altLang="en-US" sz="2400" dirty="0">
+                <a:latin typeface="Microsoft YaHei" panose="020B0503020204020204" pitchFamily="34" charset="-122"/>
+                <a:ea typeface="Microsoft YaHei" panose="020B0503020204020204" pitchFamily="34" charset="-122"/>
+              </a:rPr>
+              <a:t>类从文件中读取文本数据，</a:t>
+            </a:r>
+            <a:endParaRPr lang="en-US" altLang="zh-CN" sz="2400" dirty="0">
+              <a:latin typeface="Microsoft YaHei" panose="020B0503020204020204" pitchFamily="34" charset="-122"/>
+              <a:ea typeface="Microsoft YaHei" panose="020B0503020204020204" pitchFamily="34" charset="-122"/>
+            </a:endParaRPr>
+          </a:p>
+          <a:p>
+            <a:pPr marL="342900" indent="-342900">
+              <a:lnSpc>
+                <a:spcPct val="150000"/>
+              </a:lnSpc>
+              <a:buFont typeface="Arial" panose="020B0604020202020204" pitchFamily="34" charset="0"/>
+              <a:buChar char="•"/>
+            </a:pPr>
+            <a:r>
+              <a:rPr lang="zh-CN" altLang="en-US" sz="2400" dirty="0">
+                <a:latin typeface="Microsoft YaHei" panose="020B0503020204020204" pitchFamily="34" charset="-122"/>
+                <a:ea typeface="Microsoft YaHei" panose="020B0503020204020204" pitchFamily="34" charset="-122"/>
+              </a:rPr>
+              <a:t>使用 </a:t>
+            </a:r>
+            <a:r>
+              <a:rPr lang="en-US" altLang="zh-CN" sz="2400" dirty="0" err="1">
+                <a:latin typeface="Microsoft YaHei" panose="020B0503020204020204" pitchFamily="34" charset="-122"/>
+                <a:ea typeface="Microsoft YaHei" panose="020B0503020204020204" pitchFamily="34" charset="-122"/>
+              </a:rPr>
+              <a:t>PrintWriter</a:t>
+            </a:r>
+            <a:r>
+              <a:rPr lang="en-US" altLang="zh-CN" sz="2400" dirty="0">
+                <a:latin typeface="Microsoft YaHei" panose="020B0503020204020204" pitchFamily="34" charset="-122"/>
+                <a:ea typeface="Microsoft YaHei" panose="020B0503020204020204" pitchFamily="34" charset="-122"/>
+              </a:rPr>
+              <a:t> </a:t>
+            </a:r>
+            <a:r>
+              <a:rPr lang="zh-CN" altLang="en-US" sz="2400" dirty="0">
+                <a:latin typeface="Microsoft YaHei" panose="020B0503020204020204" pitchFamily="34" charset="-122"/>
+                <a:ea typeface="Microsoft YaHei" panose="020B0503020204020204" pitchFamily="34" charset="-122"/>
+              </a:rPr>
+              <a:t>类向文本文件写入数据。 </a:t>
+            </a:r>
+          </a:p>
+        </p:txBody>
+      </p:sp>
+    </p:spTree>
+    <p:extLst>
+      <p:ext uri="{BB962C8B-B14F-4D97-AF65-F5344CB8AC3E}">
+        <p14:creationId xmlns:p14="http://schemas.microsoft.com/office/powerpoint/2010/main" val="4074100507"/>
+      </p:ext>
+    </p:extLst>
+  </p:cSld>
+  <p:clrMapOvr>
+    <a:masterClrMapping/>
+  </p:clrMapOvr>
+</p:sld>
+</file>
+
+<file path=ppt/slides/slide18.xml><?xml version="1.0" encoding="utf-8"?>
+<p:sld xmlns:a="http://schemas.openxmlformats.org/drawingml/2006/main" xmlns:r="http://schemas.openxmlformats.org/officeDocument/2006/relationships" xmlns:p="http://schemas.openxmlformats.org/presentationml/2006/main">
+  <p:cSld>
+    <p:bg>
+      <p:bgPr>
+        <a:blipFill>
+          <a:blip r:embed="rId3"/>
+          <a:tile tx="0" ty="0" sx="100000" sy="100000" flip="none" algn="tl"/>
+        </a:blipFill>
+        <a:effectLst/>
+      </p:bgPr>
+    </p:bg>
+    <p:spTree>
+      <p:nvGrpSpPr>
+        <p:cNvPr id="1" name=""/>
+        <p:cNvGrpSpPr/>
+        <p:nvPr/>
+      </p:nvGrpSpPr>
+      <p:grpSpPr>
+        <a:xfrm>
+          <a:off x="0" y="0"/>
+          <a:ext cx="0" cy="0"/>
+          <a:chOff x="0" y="0"/>
+          <a:chExt cx="0" cy="0"/>
+        </a:xfrm>
+      </p:grpSpPr>
+      <p:sp>
+        <p:nvSpPr>
+          <p:cNvPr id="2" name="文本框 1">
+            <a:extLst>
+              <a:ext uri="{FF2B5EF4-FFF2-40B4-BE49-F238E27FC236}">
+                <a16:creationId xmlns:a16="http://schemas.microsoft.com/office/drawing/2014/main" id="{12AA8BCC-7B15-4842-80C2-48C079429338}"/>
+              </a:ext>
+            </a:extLst>
+          </p:cNvPr>
+          <p:cNvSpPr txBox="1"/>
+          <p:nvPr/>
+        </p:nvSpPr>
+        <p:spPr>
+          <a:xfrm>
+            <a:off x="2520000" y="720000"/>
+            <a:ext cx="7735824" cy="830997"/>
+          </a:xfrm>
+          <a:prstGeom prst="rect">
+            <a:avLst/>
+          </a:prstGeom>
+          <a:noFill/>
+        </p:spPr>
+        <p:txBody>
+          <a:bodyPr wrap="square" rtlCol="0">
+            <a:spAutoFit/>
+          </a:bodyPr>
+          <a:lstStyle/>
+          <a:p>
+            <a:pPr algn="ctr"/>
+            <a:r>
+              <a:rPr kumimoji="1" lang="en-US" altLang="zh-CN" sz="4800" dirty="0">
+                <a:ea typeface="Microsoft YaHei" panose="020B0503020204020204" pitchFamily="34" charset="-122"/>
+              </a:rPr>
+              <a:t>3.2.1</a:t>
+            </a:r>
+            <a:r>
+              <a:rPr kumimoji="1" lang="zh-CN" altLang="en-US" sz="4800" dirty="0">
+                <a:ea typeface="Microsoft YaHei" panose="020B0503020204020204" pitchFamily="34" charset="-122"/>
+              </a:rPr>
+              <a:t> </a:t>
+            </a:r>
+            <a:r>
+              <a:rPr kumimoji="1" lang="en-US" altLang="zh-CN" sz="4800" dirty="0">
+                <a:ea typeface="Microsoft YaHei" panose="020B0503020204020204" pitchFamily="34" charset="-122"/>
+              </a:rPr>
+              <a:t>Scanner</a:t>
+            </a:r>
+            <a:r>
+              <a:rPr kumimoji="1" lang="zh-CN" altLang="en-US" sz="4800" dirty="0">
+                <a:ea typeface="Microsoft YaHei" panose="020B0503020204020204" pitchFamily="34" charset="-122"/>
+              </a:rPr>
+              <a:t>读数据</a:t>
+            </a:r>
+            <a:endParaRPr kumimoji="1" lang="en-US" altLang="zh-CN" sz="4800" dirty="0">
+              <a:ea typeface="Microsoft YaHei" panose="020B0503020204020204" pitchFamily="34" charset="-122"/>
+            </a:endParaRPr>
+          </a:p>
+        </p:txBody>
+      </p:sp>
+      <p:sp>
+        <p:nvSpPr>
+          <p:cNvPr id="5" name="文本框 4">
+            <a:extLst>
+              <a:ext uri="{FF2B5EF4-FFF2-40B4-BE49-F238E27FC236}">
+                <a16:creationId xmlns:a16="http://schemas.microsoft.com/office/drawing/2014/main" id="{BDE6B600-F8E3-1D44-9572-12E21445447A}"/>
+              </a:ext>
+            </a:extLst>
+          </p:cNvPr>
+          <p:cNvSpPr txBox="1"/>
+          <p:nvPr/>
+        </p:nvSpPr>
+        <p:spPr>
+          <a:xfrm>
+            <a:off x="406672" y="2709638"/>
+            <a:ext cx="8426824" cy="3269549"/>
+          </a:xfrm>
+          <a:prstGeom prst="rect">
+            <a:avLst/>
+          </a:prstGeom>
+          <a:noFill/>
+        </p:spPr>
+        <p:txBody>
+          <a:bodyPr wrap="square" rtlCol="0">
+            <a:spAutoFit/>
+          </a:bodyPr>
+          <a:lstStyle/>
+          <a:p>
+            <a:pPr>
+              <a:lnSpc>
+                <a:spcPct val="150000"/>
+              </a:lnSpc>
+            </a:pPr>
+            <a:r>
+              <a:rPr kumimoji="1" lang="en-US" altLang="zh-CN" sz="2000" dirty="0">
+                <a:latin typeface="Microsoft YaHei" panose="020B0503020204020204" pitchFamily="34" charset="-122"/>
+                <a:ea typeface="Microsoft YaHei" panose="020B0503020204020204" pitchFamily="34" charset="-122"/>
+              </a:rPr>
+              <a:t>Scanner</a:t>
+            </a:r>
+            <a:r>
+              <a:rPr kumimoji="1" lang="zh-CN" altLang="en-US" sz="2000" dirty="0">
+                <a:latin typeface="Microsoft YaHei" panose="020B0503020204020204" pitchFamily="34" charset="-122"/>
+                <a:ea typeface="Microsoft YaHei" panose="020B0503020204020204" pitchFamily="34" charset="-122"/>
+              </a:rPr>
+              <a:t>有多种途径读数据，</a:t>
+            </a:r>
+            <a:r>
+              <a:rPr kumimoji="1" lang="en-US" altLang="zh-CN" sz="2000" dirty="0">
+                <a:latin typeface="Microsoft YaHei" panose="020B0503020204020204" pitchFamily="34" charset="-122"/>
+                <a:ea typeface="Microsoft YaHei" panose="020B0503020204020204" pitchFamily="34" charset="-122"/>
+              </a:rPr>
+              <a:t> </a:t>
+            </a:r>
+            <a:r>
+              <a:rPr kumimoji="1" lang="zh-CN" altLang="en-US" sz="2000" dirty="0">
+                <a:latin typeface="Microsoft YaHei" panose="020B0503020204020204" pitchFamily="34" charset="-122"/>
+                <a:ea typeface="Microsoft YaHei" panose="020B0503020204020204" pitchFamily="34" charset="-122"/>
+              </a:rPr>
+              <a:t>输人由空白字符分隔</a:t>
+            </a:r>
+            <a:endParaRPr kumimoji="1" lang="en-US" altLang="zh-CN" sz="2000" dirty="0">
+              <a:latin typeface="Microsoft YaHei" panose="020B0503020204020204" pitchFamily="34" charset="-122"/>
+              <a:ea typeface="Microsoft YaHei" panose="020B0503020204020204" pitchFamily="34" charset="-122"/>
+            </a:endParaRPr>
+          </a:p>
+          <a:p>
+            <a:pPr marL="342900" indent="-342900">
+              <a:lnSpc>
+                <a:spcPct val="150000"/>
+              </a:lnSpc>
+              <a:buFont typeface="Arial" panose="020B0604020202020204" pitchFamily="34" charset="0"/>
+              <a:buChar char="•"/>
+            </a:pPr>
+            <a:r>
+              <a:rPr kumimoji="1" lang="zh-CN" altLang="en-US" sz="2000" dirty="0">
+                <a:latin typeface="Microsoft YaHei" panose="020B0503020204020204" pitchFamily="34" charset="-122"/>
+                <a:ea typeface="Microsoft YaHei" panose="020B0503020204020204" pitchFamily="34" charset="-122"/>
+              </a:rPr>
+              <a:t>从键盘读取方式：</a:t>
+            </a:r>
+            <a:endParaRPr kumimoji="1" lang="en-US" altLang="zh-CN" sz="2000" dirty="0">
+              <a:latin typeface="Microsoft YaHei" panose="020B0503020204020204" pitchFamily="34" charset="-122"/>
+              <a:ea typeface="Microsoft YaHei" panose="020B0503020204020204" pitchFamily="34" charset="-122"/>
+            </a:endParaRPr>
+          </a:p>
+          <a:p>
+            <a:pPr>
+              <a:lnSpc>
+                <a:spcPct val="150000"/>
+              </a:lnSpc>
+            </a:pPr>
+            <a:r>
+              <a:rPr kumimoji="1" lang="zh-CN" altLang="en-US" sz="2000" dirty="0">
+                <a:latin typeface="Microsoft YaHei" panose="020B0503020204020204" pitchFamily="34" charset="-122"/>
+                <a:ea typeface="Microsoft YaHei" panose="020B0503020204020204" pitchFamily="34" charset="-122"/>
+              </a:rPr>
+              <a:t>    </a:t>
+            </a:r>
+            <a:r>
+              <a:rPr kumimoji="1" lang="en-US" altLang="zh-CN" sz="2000" dirty="0">
+                <a:latin typeface="Microsoft YaHei" panose="020B0503020204020204" pitchFamily="34" charset="-122"/>
+                <a:ea typeface="Microsoft YaHei" panose="020B0503020204020204" pitchFamily="34" charset="-122"/>
+              </a:rPr>
+              <a:t>Scanner input = new Scanner(</a:t>
+            </a:r>
+            <a:r>
+              <a:rPr kumimoji="1" lang="en-US" altLang="zh-CN" sz="2000" dirty="0" err="1">
+                <a:latin typeface="Microsoft YaHei" panose="020B0503020204020204" pitchFamily="34" charset="-122"/>
+                <a:ea typeface="Microsoft YaHei" panose="020B0503020204020204" pitchFamily="34" charset="-122"/>
+              </a:rPr>
+              <a:t>System.in</a:t>
+            </a:r>
+            <a:r>
+              <a:rPr kumimoji="1" lang="en-US" altLang="zh-CN" sz="2000" dirty="0">
+                <a:latin typeface="Microsoft YaHei" panose="020B0503020204020204" pitchFamily="34" charset="-122"/>
+                <a:ea typeface="Microsoft YaHei" panose="020B0503020204020204" pitchFamily="34" charset="-122"/>
+              </a:rPr>
+              <a:t>); </a:t>
+            </a:r>
+          </a:p>
+          <a:p>
+            <a:pPr marL="342900" indent="-342900">
+              <a:lnSpc>
+                <a:spcPct val="150000"/>
+              </a:lnSpc>
+              <a:buFont typeface="Arial" panose="020B0604020202020204" pitchFamily="34" charset="0"/>
+              <a:buChar char="•"/>
+            </a:pPr>
+            <a:r>
+              <a:rPr kumimoji="1" lang="zh-CN" altLang="en-US" sz="2000" dirty="0">
+                <a:latin typeface="Microsoft YaHei" panose="020B0503020204020204" pitchFamily="34" charset="-122"/>
+                <a:ea typeface="Microsoft YaHei" panose="020B0503020204020204" pitchFamily="34" charset="-122"/>
+              </a:rPr>
+              <a:t>从文件中读取方式</a:t>
+            </a:r>
+            <a:endParaRPr kumimoji="1" lang="en-US" altLang="zh-CN" sz="2000" dirty="0">
+              <a:latin typeface="Microsoft YaHei" panose="020B0503020204020204" pitchFamily="34" charset="-122"/>
+              <a:ea typeface="Microsoft YaHei" panose="020B0503020204020204" pitchFamily="34" charset="-122"/>
+            </a:endParaRPr>
+          </a:p>
+          <a:p>
+            <a:pPr>
+              <a:lnSpc>
+                <a:spcPct val="150000"/>
+              </a:lnSpc>
+            </a:pPr>
+            <a:r>
+              <a:rPr kumimoji="1" lang="zh-CN" altLang="en-US" sz="2000" dirty="0">
+                <a:latin typeface="Microsoft YaHei" panose="020B0503020204020204" pitchFamily="34" charset="-122"/>
+                <a:ea typeface="Microsoft YaHei" panose="020B0503020204020204" pitchFamily="34" charset="-122"/>
+              </a:rPr>
+              <a:t>    </a:t>
+            </a:r>
+            <a:r>
+              <a:rPr kumimoji="1" lang="en-US" altLang="zh-CN" sz="2000" dirty="0">
+                <a:latin typeface="Microsoft YaHei" panose="020B0503020204020204" pitchFamily="34" charset="-122"/>
+                <a:ea typeface="Microsoft YaHei" panose="020B0503020204020204" pitchFamily="34" charset="-122"/>
+              </a:rPr>
+              <a:t>Scanner input = new Scanner(new File(filename)) </a:t>
+            </a:r>
+          </a:p>
+          <a:p>
+            <a:pPr>
+              <a:lnSpc>
+                <a:spcPct val="150000"/>
+              </a:lnSpc>
+            </a:pPr>
+            <a:r>
+              <a:rPr kumimoji="1" lang="en-US" altLang="zh-CN" sz="2000" dirty="0">
+                <a:latin typeface="Microsoft YaHei" panose="020B0503020204020204" pitchFamily="34" charset="-122"/>
+                <a:ea typeface="Microsoft YaHei" panose="020B0503020204020204" pitchFamily="34" charset="-122"/>
+              </a:rPr>
+              <a:t>.......	</a:t>
+            </a:r>
+          </a:p>
+          <a:p>
+            <a:pPr>
+              <a:lnSpc>
+                <a:spcPct val="150000"/>
+              </a:lnSpc>
+            </a:pPr>
+            <a:r>
+              <a:rPr kumimoji="1" lang="zh-CN" altLang="en-US" sz="2000" dirty="0">
+                <a:latin typeface="Microsoft YaHei" panose="020B0503020204020204" pitchFamily="34" charset="-122"/>
+                <a:ea typeface="Microsoft YaHei" panose="020B0503020204020204" pitchFamily="34" charset="-122"/>
+              </a:rPr>
+              <a:t>之前我们用第一种方式从控制台读取字符串和基本类型数值。</a:t>
+            </a:r>
+            <a:endParaRPr kumimoji="1" lang="en-US" altLang="zh-CN" sz="2000" dirty="0">
+              <a:latin typeface="Microsoft YaHei" panose="020B0503020204020204" pitchFamily="34" charset="-122"/>
+              <a:ea typeface="Microsoft YaHei" panose="020B0503020204020204" pitchFamily="34" charset="-122"/>
+            </a:endParaRPr>
+          </a:p>
+        </p:txBody>
+      </p:sp>
+      <p:pic>
+        <p:nvPicPr>
+          <p:cNvPr id="6" name="图片 5">
+            <a:extLst>
+              <a:ext uri="{FF2B5EF4-FFF2-40B4-BE49-F238E27FC236}">
+                <a16:creationId xmlns:a16="http://schemas.microsoft.com/office/drawing/2014/main" id="{F4C7A449-E2D8-4143-98FF-07A09A01D0E4}"/>
+              </a:ext>
+            </a:extLst>
+          </p:cNvPr>
+          <p:cNvPicPr>
+            <a:picLocks noChangeAspect="1"/>
+          </p:cNvPicPr>
+          <p:nvPr/>
+        </p:nvPicPr>
+        <p:blipFill>
+          <a:blip r:embed="rId4"/>
+          <a:stretch>
+            <a:fillRect/>
+          </a:stretch>
+        </p:blipFill>
+        <p:spPr>
+          <a:xfrm>
+            <a:off x="8221013" y="2439475"/>
+            <a:ext cx="3951429" cy="4122610"/>
+          </a:xfrm>
+          <a:prstGeom prst="rect">
+            <a:avLst/>
+          </a:prstGeom>
+        </p:spPr>
+      </p:pic>
+    </p:spTree>
+    <p:extLst>
+      <p:ext uri="{BB962C8B-B14F-4D97-AF65-F5344CB8AC3E}">
+        <p14:creationId xmlns:p14="http://schemas.microsoft.com/office/powerpoint/2010/main" val="1225200616"/>
+      </p:ext>
+    </p:extLst>
+  </p:cSld>
+  <p:clrMapOvr>
+    <a:masterClrMapping/>
+  </p:clrMapOvr>
+</p:sld>
+</file>
+
+<file path=ppt/slides/slide19.xml><?xml version="1.0" encoding="utf-8"?>
+<p:sld xmlns:a="http://schemas.openxmlformats.org/drawingml/2006/main" xmlns:r="http://schemas.openxmlformats.org/officeDocument/2006/relationships" xmlns:p="http://schemas.openxmlformats.org/presentationml/2006/main">
+  <p:cSld>
+    <p:bg>
+      <p:bgPr>
+        <a:blipFill>
+          <a:blip r:embed="rId3"/>
+          <a:tile tx="0" ty="0" sx="100000" sy="100000" flip="none" algn="tl"/>
+        </a:blipFill>
+        <a:effectLst/>
+      </p:bgPr>
+    </p:bg>
+    <p:spTree>
+      <p:nvGrpSpPr>
+        <p:cNvPr id="1" name=""/>
+        <p:cNvGrpSpPr/>
+        <p:nvPr/>
+      </p:nvGrpSpPr>
+      <p:grpSpPr>
+        <a:xfrm>
+          <a:off x="0" y="0"/>
+          <a:ext cx="0" cy="0"/>
+          <a:chOff x="0" y="0"/>
+          <a:chExt cx="0" cy="0"/>
+        </a:xfrm>
+      </p:grpSpPr>
+      <p:sp>
+        <p:nvSpPr>
+          <p:cNvPr id="2" name="文本框 1">
+            <a:extLst>
+              <a:ext uri="{FF2B5EF4-FFF2-40B4-BE49-F238E27FC236}">
+                <a16:creationId xmlns:a16="http://schemas.microsoft.com/office/drawing/2014/main" id="{12AA8BCC-7B15-4842-80C2-48C079429338}"/>
+              </a:ext>
+            </a:extLst>
+          </p:cNvPr>
+          <p:cNvSpPr txBox="1"/>
+          <p:nvPr/>
+        </p:nvSpPr>
+        <p:spPr>
+          <a:xfrm>
+            <a:off x="2520000" y="720000"/>
+            <a:ext cx="7735824" cy="830997"/>
+          </a:xfrm>
+          <a:prstGeom prst="rect">
+            <a:avLst/>
+          </a:prstGeom>
+          <a:noFill/>
+        </p:spPr>
+        <p:txBody>
+          <a:bodyPr wrap="square" rtlCol="0">
+            <a:spAutoFit/>
+          </a:bodyPr>
+          <a:lstStyle/>
+          <a:p>
+            <a:pPr algn="ctr"/>
+            <a:r>
+              <a:rPr kumimoji="1" lang="zh-CN" altLang="en-US" sz="4800" dirty="0">
+                <a:ea typeface="Microsoft YaHei" panose="020B0503020204020204" pitchFamily="34" charset="-122"/>
+              </a:rPr>
+              <a:t> 用</a:t>
+            </a:r>
+            <a:r>
+              <a:rPr kumimoji="1" lang="en-US" altLang="zh-CN" sz="4800" dirty="0">
+                <a:ea typeface="Microsoft YaHei" panose="020B0503020204020204" pitchFamily="34" charset="-122"/>
+              </a:rPr>
+              <a:t>Scanner</a:t>
+            </a:r>
+            <a:r>
+              <a:rPr kumimoji="1" lang="zh-CN" altLang="en-US" sz="4800" dirty="0">
+                <a:ea typeface="Microsoft YaHei" panose="020B0503020204020204" pitchFamily="34" charset="-122"/>
+              </a:rPr>
+              <a:t>来读数据</a:t>
+            </a:r>
+            <a:endParaRPr kumimoji="1" lang="en-US" altLang="zh-CN" sz="4800" dirty="0">
+              <a:ea typeface="Microsoft YaHei" panose="020B0503020204020204" pitchFamily="34" charset="-122"/>
+            </a:endParaRPr>
+          </a:p>
+        </p:txBody>
+      </p:sp>
+      <p:pic>
+        <p:nvPicPr>
+          <p:cNvPr id="4" name="图片 3">
+            <a:extLst>
+              <a:ext uri="{FF2B5EF4-FFF2-40B4-BE49-F238E27FC236}">
+                <a16:creationId xmlns:a16="http://schemas.microsoft.com/office/drawing/2014/main" id="{846F0CE6-3FFB-4748-9775-45BA00D4341B}"/>
+              </a:ext>
+            </a:extLst>
+          </p:cNvPr>
+          <p:cNvPicPr>
+            <a:picLocks noChangeAspect="1"/>
+          </p:cNvPicPr>
+          <p:nvPr/>
+        </p:nvPicPr>
+        <p:blipFill>
+          <a:blip r:embed="rId4"/>
+          <a:stretch>
+            <a:fillRect/>
+          </a:stretch>
+        </p:blipFill>
+        <p:spPr>
+          <a:xfrm>
+            <a:off x="2881032" y="1959414"/>
+            <a:ext cx="7105651" cy="4719292"/>
+          </a:xfrm>
+          <a:prstGeom prst="rect">
+            <a:avLst/>
+          </a:prstGeom>
+        </p:spPr>
+      </p:pic>
+    </p:spTree>
+    <p:extLst>
+      <p:ext uri="{BB962C8B-B14F-4D97-AF65-F5344CB8AC3E}">
+        <p14:creationId xmlns:p14="http://schemas.microsoft.com/office/powerpoint/2010/main" val="2217536885"/>
+      </p:ext>
+    </p:extLst>
+  </p:cSld>
+  <p:clrMapOvr>
+    <a:masterClrMapping/>
+  </p:clrMapOvr>
+</p:sld>
+</file>
+
+<file path=ppt/slides/slide2.xml><?xml version="1.0" encoding="utf-8"?>
+<p:sld xmlns:a="http://schemas.openxmlformats.org/drawingml/2006/main" xmlns:r="http://schemas.openxmlformats.org/officeDocument/2006/relationships" xmlns:p="http://schemas.openxmlformats.org/presentationml/2006/main">
+  <p:cSld>
+    <p:bg>
+      <p:bgPr>
+        <a:blipFill>
+          <a:blip r:embed="rId3"/>
+          <a:tile tx="0" ty="0" sx="100000" sy="100000" flip="none" algn="tl"/>
+        </a:blipFill>
+        <a:effectLst/>
+      </p:bgPr>
+    </p:bg>
+    <p:spTree>
+      <p:nvGrpSpPr>
+        <p:cNvPr id="1" name=""/>
+        <p:cNvGrpSpPr/>
+        <p:nvPr/>
+      </p:nvGrpSpPr>
+      <p:grpSpPr>
+        <a:xfrm>
+          <a:off x="0" y="0"/>
+          <a:ext cx="0" cy="0"/>
+          <a:chOff x="0" y="0"/>
+          <a:chExt cx="0" cy="0"/>
+        </a:xfrm>
+      </p:grpSpPr>
+      <p:sp>
+        <p:nvSpPr>
+          <p:cNvPr id="2" name="文本框 1">
+            <a:extLst>
+              <a:ext uri="{FF2B5EF4-FFF2-40B4-BE49-F238E27FC236}">
+                <a16:creationId xmlns:a16="http://schemas.microsoft.com/office/drawing/2014/main" id="{12AA8BCC-7B15-4842-80C2-48C079429338}"/>
+              </a:ext>
+            </a:extLst>
+          </p:cNvPr>
+          <p:cNvSpPr txBox="1"/>
+          <p:nvPr/>
+        </p:nvSpPr>
+        <p:spPr>
+          <a:xfrm>
+            <a:off x="2520000" y="421690"/>
+            <a:ext cx="7735824" cy="830997"/>
+          </a:xfrm>
+          <a:prstGeom prst="rect">
+            <a:avLst/>
+          </a:prstGeom>
+          <a:noFill/>
+        </p:spPr>
+        <p:txBody>
+          <a:bodyPr wrap="square" rtlCol="0">
+            <a:spAutoFit/>
+          </a:bodyPr>
+          <a:lstStyle/>
+          <a:p>
+            <a:pPr algn="ctr"/>
+            <a:r>
+              <a:rPr kumimoji="1" lang="zh-CN" altLang="en-US" sz="4800" dirty="0">
+                <a:latin typeface="Microsoft YaHei" panose="020B0503020204020204" pitchFamily="34" charset="-122"/>
+                <a:ea typeface="Microsoft YaHei" panose="020B0503020204020204" pitchFamily="34" charset="-122"/>
+              </a:rPr>
+              <a:t>这节课讲啥？</a:t>
+            </a:r>
+          </a:p>
+        </p:txBody>
+      </p:sp>
+      <p:sp>
+        <p:nvSpPr>
+          <p:cNvPr id="8" name="文本框 7">
+            <a:extLst>
+              <a:ext uri="{FF2B5EF4-FFF2-40B4-BE49-F238E27FC236}">
+                <a16:creationId xmlns:a16="http://schemas.microsoft.com/office/drawing/2014/main" id="{B294230C-E86E-7247-BAC6-5F43DED3D0AF}"/>
+              </a:ext>
+            </a:extLst>
+          </p:cNvPr>
+          <p:cNvSpPr txBox="1"/>
+          <p:nvPr/>
+        </p:nvSpPr>
+        <p:spPr>
+          <a:xfrm>
+            <a:off x="6813179" y="1528105"/>
+            <a:ext cx="4209608" cy="4694592"/>
+          </a:xfrm>
+          <a:prstGeom prst="rect">
+            <a:avLst/>
+          </a:prstGeom>
+          <a:noFill/>
+        </p:spPr>
+        <p:txBody>
+          <a:bodyPr wrap="square" tIns="360000" bIns="360000" rtlCol="0">
+            <a:spAutoFit/>
+          </a:bodyPr>
+          <a:lstStyle/>
+          <a:p>
+            <a:endParaRPr kumimoji="1" lang="en-US" altLang="zh-CN" dirty="0">
+              <a:latin typeface="Microsoft YaHei" panose="020B0503020204020204" pitchFamily="34" charset="-122"/>
+              <a:ea typeface="Microsoft YaHei" panose="020B0503020204020204" pitchFamily="34" charset="-122"/>
+            </a:endParaRPr>
+          </a:p>
+          <a:p>
+            <a:pPr marL="571500" indent="-571500">
+              <a:lnSpc>
+                <a:spcPct val="150000"/>
+              </a:lnSpc>
+              <a:buFont typeface="Wingdings" pitchFamily="2" charset="2"/>
+              <a:buChar char="Ø"/>
+            </a:pPr>
+            <a:r>
+              <a:rPr kumimoji="1" lang="en-US" altLang="zh-CN" dirty="0">
+                <a:latin typeface="Microsoft YaHei" panose="020B0503020204020204" pitchFamily="34" charset="-122"/>
+                <a:ea typeface="Microsoft YaHei" panose="020B0503020204020204" pitchFamily="34" charset="-122"/>
+              </a:rPr>
+              <a:t>I/O</a:t>
+            </a:r>
+            <a:r>
+              <a:rPr kumimoji="1" lang="zh-CN" altLang="en-US">
+                <a:latin typeface="Microsoft YaHei" panose="020B0503020204020204" pitchFamily="34" charset="-122"/>
+                <a:ea typeface="Microsoft YaHei" panose="020B0503020204020204" pitchFamily="34" charset="-122"/>
+              </a:rPr>
+              <a:t>的基本</a:t>
+            </a:r>
+            <a:r>
+              <a:rPr kumimoji="1" lang="zh-CN" altLang="en-US" dirty="0">
+                <a:latin typeface="Microsoft YaHei" panose="020B0503020204020204" pitchFamily="34" charset="-122"/>
+                <a:ea typeface="Microsoft YaHei" panose="020B0503020204020204" pitchFamily="34" charset="-122"/>
+              </a:rPr>
+              <a:t>概念</a:t>
+            </a:r>
+            <a:endParaRPr kumimoji="1" lang="en-US" altLang="zh-CN" dirty="0">
+              <a:latin typeface="Microsoft YaHei" panose="020B0503020204020204" pitchFamily="34" charset="-122"/>
+              <a:ea typeface="Microsoft YaHei" panose="020B0503020204020204" pitchFamily="34" charset="-122"/>
+            </a:endParaRPr>
+          </a:p>
+          <a:p>
+            <a:pPr marL="571500" indent="-571500">
+              <a:lnSpc>
+                <a:spcPct val="150000"/>
+              </a:lnSpc>
+              <a:buFont typeface="Wingdings" pitchFamily="2" charset="2"/>
+              <a:buChar char="Ø"/>
+            </a:pPr>
+            <a:r>
+              <a:rPr kumimoji="1" lang="en-US" altLang="zh-CN" dirty="0">
+                <a:latin typeface="Microsoft YaHei" panose="020B0503020204020204" pitchFamily="34" charset="-122"/>
+                <a:ea typeface="Microsoft YaHei" panose="020B0503020204020204" pitchFamily="34" charset="-122"/>
+              </a:rPr>
+              <a:t>I/O</a:t>
+            </a:r>
+            <a:r>
+              <a:rPr kumimoji="1" lang="zh-CN" altLang="en-US" dirty="0">
+                <a:latin typeface="Microsoft YaHei" panose="020B0503020204020204" pitchFamily="34" charset="-122"/>
+                <a:ea typeface="Microsoft YaHei" panose="020B0503020204020204" pitchFamily="34" charset="-122"/>
+              </a:rPr>
+              <a:t>分类</a:t>
+            </a:r>
+            <a:endParaRPr kumimoji="1" lang="en-US" altLang="zh-CN" dirty="0">
+              <a:latin typeface="Microsoft YaHei" panose="020B0503020204020204" pitchFamily="34" charset="-122"/>
+              <a:ea typeface="Microsoft YaHei" panose="020B0503020204020204" pitchFamily="34" charset="-122"/>
+            </a:endParaRPr>
+          </a:p>
+          <a:p>
+            <a:pPr marL="1028700" lvl="1" indent="-571500">
+              <a:lnSpc>
+                <a:spcPct val="150000"/>
+              </a:lnSpc>
+              <a:buFont typeface="Wingdings" pitchFamily="2" charset="2"/>
+              <a:buChar char="Ø"/>
+            </a:pPr>
+            <a:r>
+              <a:rPr kumimoji="1" lang="zh-CN" altLang="en-US" dirty="0">
+                <a:latin typeface="Microsoft YaHei" panose="020B0503020204020204" pitchFamily="34" charset="-122"/>
+                <a:ea typeface="Microsoft YaHei" panose="020B0503020204020204" pitchFamily="34" charset="-122"/>
+              </a:rPr>
+              <a:t>文本和二进制对比</a:t>
+            </a:r>
+            <a:endParaRPr kumimoji="1" lang="en-US" altLang="zh-CN" dirty="0">
+              <a:latin typeface="Microsoft YaHei" panose="020B0503020204020204" pitchFamily="34" charset="-122"/>
+              <a:ea typeface="Microsoft YaHei" panose="020B0503020204020204" pitchFamily="34" charset="-122"/>
+            </a:endParaRPr>
+          </a:p>
+          <a:p>
+            <a:pPr marL="571500" indent="-571500">
+              <a:lnSpc>
+                <a:spcPct val="150000"/>
+              </a:lnSpc>
+              <a:buFont typeface="Wingdings" pitchFamily="2" charset="2"/>
+              <a:buChar char="Ø"/>
+            </a:pPr>
+            <a:r>
+              <a:rPr kumimoji="1" lang="zh-CN" altLang="en-US" dirty="0">
+                <a:latin typeface="Microsoft YaHei" panose="020B0503020204020204" pitchFamily="34" charset="-122"/>
+                <a:ea typeface="Microsoft YaHei" panose="020B0503020204020204" pitchFamily="34" charset="-122"/>
+              </a:rPr>
+              <a:t>文本</a:t>
+            </a:r>
+            <a:r>
+              <a:rPr kumimoji="1" lang="en-US" altLang="zh-CN" dirty="0">
+                <a:latin typeface="Microsoft YaHei" panose="020B0503020204020204" pitchFamily="34" charset="-122"/>
+                <a:ea typeface="Microsoft YaHei" panose="020B0503020204020204" pitchFamily="34" charset="-122"/>
+              </a:rPr>
+              <a:t>I/O</a:t>
+            </a:r>
+          </a:p>
+          <a:p>
+            <a:pPr marL="1028700" lvl="1" indent="-571500">
+              <a:lnSpc>
+                <a:spcPct val="150000"/>
+              </a:lnSpc>
+              <a:buFont typeface="Wingdings" pitchFamily="2" charset="2"/>
+              <a:buChar char="Ø"/>
+            </a:pPr>
+            <a:r>
+              <a:rPr kumimoji="1" lang="en-US" altLang="zh-CN" dirty="0">
+                <a:latin typeface="Microsoft YaHei" panose="020B0503020204020204" pitchFamily="34" charset="-122"/>
+                <a:ea typeface="Microsoft YaHei" panose="020B0503020204020204" pitchFamily="34" charset="-122"/>
+              </a:rPr>
+              <a:t>Java</a:t>
+            </a:r>
+            <a:r>
+              <a:rPr kumimoji="1" lang="zh-CN" altLang="en-US" dirty="0">
+                <a:latin typeface="Microsoft YaHei" panose="020B0503020204020204" pitchFamily="34" charset="-122"/>
+                <a:ea typeface="Microsoft YaHei" panose="020B0503020204020204" pitchFamily="34" charset="-122"/>
+              </a:rPr>
+              <a:t> </a:t>
+            </a:r>
+            <a:r>
+              <a:rPr kumimoji="1" lang="en-US" altLang="zh-CN" dirty="0">
+                <a:latin typeface="Microsoft YaHei" panose="020B0503020204020204" pitchFamily="34" charset="-122"/>
+                <a:ea typeface="Microsoft YaHei" panose="020B0503020204020204" pitchFamily="34" charset="-122"/>
+              </a:rPr>
+              <a:t>File</a:t>
+            </a:r>
+            <a:r>
+              <a:rPr kumimoji="1" lang="zh-CN" altLang="en-US" dirty="0">
+                <a:latin typeface="Microsoft YaHei" panose="020B0503020204020204" pitchFamily="34" charset="-122"/>
+                <a:ea typeface="Microsoft YaHei" panose="020B0503020204020204" pitchFamily="34" charset="-122"/>
+              </a:rPr>
+              <a:t>类</a:t>
+            </a:r>
+            <a:endParaRPr kumimoji="1" lang="en-US" altLang="zh-CN" dirty="0">
+              <a:latin typeface="Microsoft YaHei" panose="020B0503020204020204" pitchFamily="34" charset="-122"/>
+              <a:ea typeface="Microsoft YaHei" panose="020B0503020204020204" pitchFamily="34" charset="-122"/>
+            </a:endParaRPr>
+          </a:p>
+          <a:p>
+            <a:pPr marL="1028700" lvl="1" indent="-571500">
+              <a:lnSpc>
+                <a:spcPct val="150000"/>
+              </a:lnSpc>
+              <a:buFont typeface="Wingdings" pitchFamily="2" charset="2"/>
+              <a:buChar char="Ø"/>
+            </a:pPr>
+            <a:r>
+              <a:rPr kumimoji="1" lang="zh-CN" altLang="en-US" dirty="0">
+                <a:latin typeface="Microsoft YaHei" panose="020B0503020204020204" pitchFamily="34" charset="-122"/>
+                <a:ea typeface="Microsoft YaHei" panose="020B0503020204020204" pitchFamily="34" charset="-122"/>
+              </a:rPr>
+              <a:t>文件的输入和输出</a:t>
+            </a:r>
+            <a:endParaRPr kumimoji="1" lang="en-US" altLang="zh-CN" dirty="0">
+              <a:latin typeface="Microsoft YaHei" panose="020B0503020204020204" pitchFamily="34" charset="-122"/>
+              <a:ea typeface="Microsoft YaHei" panose="020B0503020204020204" pitchFamily="34" charset="-122"/>
+            </a:endParaRPr>
+          </a:p>
+          <a:p>
+            <a:pPr marL="1028700" lvl="1" indent="-571500">
+              <a:lnSpc>
+                <a:spcPct val="150000"/>
+              </a:lnSpc>
+              <a:buFont typeface="Wingdings" pitchFamily="2" charset="2"/>
+              <a:buChar char="Ø"/>
+            </a:pPr>
+            <a:r>
+              <a:rPr kumimoji="1" lang="zh-CN" altLang="en-US" dirty="0">
+                <a:latin typeface="Microsoft YaHei" panose="020B0503020204020204" pitchFamily="34" charset="-122"/>
+                <a:ea typeface="Microsoft YaHei" panose="020B0503020204020204" pitchFamily="34" charset="-122"/>
+              </a:rPr>
+              <a:t>例子</a:t>
+            </a:r>
+            <a:r>
+              <a:rPr kumimoji="1" lang="en-US" altLang="zh-CN" dirty="0">
+                <a:latin typeface="Microsoft YaHei" panose="020B0503020204020204" pitchFamily="34" charset="-122"/>
+                <a:ea typeface="Microsoft YaHei" panose="020B0503020204020204" pitchFamily="34" charset="-122"/>
+              </a:rPr>
+              <a:t>1---</a:t>
+            </a:r>
+            <a:r>
+              <a:rPr kumimoji="1" lang="zh-CN" altLang="en-US" dirty="0">
+                <a:latin typeface="Microsoft YaHei" panose="020B0503020204020204" pitchFamily="34" charset="-122"/>
+                <a:ea typeface="Microsoft YaHei" panose="020B0503020204020204" pitchFamily="34" charset="-122"/>
+              </a:rPr>
+              <a:t>本地读写</a:t>
+            </a:r>
+            <a:endParaRPr kumimoji="1" lang="en-US" altLang="zh-CN" dirty="0">
+              <a:latin typeface="Microsoft YaHei" panose="020B0503020204020204" pitchFamily="34" charset="-122"/>
+              <a:ea typeface="Microsoft YaHei" panose="020B0503020204020204" pitchFamily="34" charset="-122"/>
+            </a:endParaRPr>
+          </a:p>
+          <a:p>
+            <a:pPr marL="1028700" lvl="1" indent="-571500">
+              <a:lnSpc>
+                <a:spcPct val="150000"/>
+              </a:lnSpc>
+              <a:buFont typeface="Wingdings" pitchFamily="2" charset="2"/>
+              <a:buChar char="Ø"/>
+            </a:pPr>
+            <a:r>
+              <a:rPr kumimoji="1" lang="zh-CN" altLang="en-US" dirty="0">
+                <a:latin typeface="Microsoft YaHei" panose="020B0503020204020204" pitchFamily="34" charset="-122"/>
+                <a:ea typeface="Microsoft YaHei" panose="020B0503020204020204" pitchFamily="34" charset="-122"/>
+              </a:rPr>
+              <a:t>例子</a:t>
+            </a:r>
+            <a:r>
+              <a:rPr kumimoji="1" lang="en-US" altLang="zh-CN" dirty="0">
+                <a:latin typeface="Microsoft YaHei" panose="020B0503020204020204" pitchFamily="34" charset="-122"/>
+                <a:ea typeface="Microsoft YaHei" panose="020B0503020204020204" pitchFamily="34" charset="-122"/>
+              </a:rPr>
+              <a:t>2---</a:t>
+            </a:r>
+            <a:r>
+              <a:rPr kumimoji="1" lang="zh-CN" altLang="en-US" dirty="0">
+                <a:latin typeface="Microsoft YaHei" panose="020B0503020204020204" pitchFamily="34" charset="-122"/>
+                <a:ea typeface="Microsoft YaHei" panose="020B0503020204020204" pitchFamily="34" charset="-122"/>
+              </a:rPr>
+              <a:t>从</a:t>
+            </a:r>
+            <a:r>
+              <a:rPr kumimoji="1" lang="en-US" altLang="zh-CN" dirty="0">
+                <a:latin typeface="Microsoft YaHei" panose="020B0503020204020204" pitchFamily="34" charset="-122"/>
+                <a:ea typeface="Microsoft YaHei" panose="020B0503020204020204" pitchFamily="34" charset="-122"/>
+              </a:rPr>
+              <a:t>web</a:t>
+            </a:r>
+            <a:r>
+              <a:rPr kumimoji="1" lang="zh-CN" altLang="en-US" dirty="0">
+                <a:latin typeface="Microsoft YaHei" panose="020B0503020204020204" pitchFamily="34" charset="-122"/>
+                <a:ea typeface="Microsoft YaHei" panose="020B0503020204020204" pitchFamily="34" charset="-122"/>
+              </a:rPr>
+              <a:t>上读取</a:t>
+            </a:r>
+            <a:endParaRPr kumimoji="1" lang="en-US" altLang="zh-CN" dirty="0">
+              <a:latin typeface="Microsoft YaHei" panose="020B0503020204020204" pitchFamily="34" charset="-122"/>
+              <a:ea typeface="Microsoft YaHei" panose="020B0503020204020204" pitchFamily="34" charset="-122"/>
+            </a:endParaRPr>
+          </a:p>
+          <a:p>
+            <a:pPr marL="571500" indent="-571500">
+              <a:lnSpc>
+                <a:spcPct val="150000"/>
+              </a:lnSpc>
+              <a:buFont typeface="Wingdings" pitchFamily="2" charset="2"/>
+              <a:buChar char="Ø"/>
+            </a:pPr>
+            <a:r>
+              <a:rPr kumimoji="1" lang="zh-CN" altLang="en-US" dirty="0">
+                <a:latin typeface="Microsoft YaHei" panose="020B0503020204020204" pitchFamily="34" charset="-122"/>
+                <a:ea typeface="Microsoft YaHei" panose="020B0503020204020204" pitchFamily="34" charset="-122"/>
+              </a:rPr>
+              <a:t>二进制</a:t>
+            </a:r>
+            <a:r>
+              <a:rPr kumimoji="1" lang="en-US" altLang="zh-CN" dirty="0">
+                <a:latin typeface="Microsoft YaHei" panose="020B0503020204020204" pitchFamily="34" charset="-122"/>
+                <a:ea typeface="Microsoft YaHei" panose="020B0503020204020204" pitchFamily="34" charset="-122"/>
+              </a:rPr>
+              <a:t>IO</a:t>
+            </a:r>
+            <a:r>
+              <a:rPr kumimoji="1" lang="zh-CN" altLang="en-US" dirty="0">
+                <a:latin typeface="Microsoft YaHei" panose="020B0503020204020204" pitchFamily="34" charset="-122"/>
+                <a:ea typeface="Microsoft YaHei" panose="020B0503020204020204" pitchFamily="34" charset="-122"/>
+              </a:rPr>
+              <a:t>类简单介绍（不做要求）</a:t>
+            </a:r>
+            <a:endParaRPr kumimoji="1" lang="en-US" altLang="zh-CN" dirty="0">
+              <a:latin typeface="Microsoft YaHei" panose="020B0503020204020204" pitchFamily="34" charset="-122"/>
+              <a:ea typeface="Microsoft YaHei" panose="020B0503020204020204" pitchFamily="34" charset="-122"/>
+            </a:endParaRPr>
+          </a:p>
+        </p:txBody>
+      </p:sp>
+      <p:sp>
+        <p:nvSpPr>
+          <p:cNvPr id="4" name="文本框 3">
+            <a:extLst>
+              <a:ext uri="{FF2B5EF4-FFF2-40B4-BE49-F238E27FC236}">
+                <a16:creationId xmlns:a16="http://schemas.microsoft.com/office/drawing/2014/main" id="{E7E39426-AFD9-D140-89E0-2CF3A07C53D3}"/>
+              </a:ext>
+            </a:extLst>
+          </p:cNvPr>
+          <p:cNvSpPr txBox="1"/>
+          <p:nvPr/>
+        </p:nvSpPr>
+        <p:spPr>
+          <a:xfrm>
+            <a:off x="1362636" y="3260757"/>
+            <a:ext cx="2563906" cy="584775"/>
+          </a:xfrm>
+          <a:prstGeom prst="rect">
+            <a:avLst/>
+          </a:prstGeom>
+          <a:solidFill>
+            <a:schemeClr val="accent2"/>
+          </a:solidFill>
+        </p:spPr>
+        <p:txBody>
+          <a:bodyPr wrap="square" rtlCol="0">
+            <a:spAutoFit/>
+          </a:bodyPr>
+          <a:lstStyle/>
+          <a:p>
+            <a:r>
+              <a:rPr kumimoji="1" lang="zh-CN" altLang="en-US" sz="3200" dirty="0">
+                <a:solidFill>
+                  <a:schemeClr val="bg1"/>
+                </a:solidFill>
+                <a:latin typeface="Microsoft YaHei" panose="020B0503020204020204" pitchFamily="34" charset="-122"/>
+                <a:ea typeface="Microsoft YaHei" panose="020B0503020204020204" pitchFamily="34" charset="-122"/>
+              </a:rPr>
+              <a:t>这节课讲啥？</a:t>
+            </a:r>
+          </a:p>
+        </p:txBody>
+      </p:sp>
+      <p:sp>
+        <p:nvSpPr>
+          <p:cNvPr id="5" name="右箭头 4">
+            <a:extLst>
+              <a:ext uri="{FF2B5EF4-FFF2-40B4-BE49-F238E27FC236}">
+                <a16:creationId xmlns:a16="http://schemas.microsoft.com/office/drawing/2014/main" id="{02574683-9260-0046-AB23-E330BDC11C49}"/>
+              </a:ext>
+            </a:extLst>
+          </p:cNvPr>
+          <p:cNvSpPr/>
+          <p:nvPr/>
+        </p:nvSpPr>
+        <p:spPr>
+          <a:xfrm>
+            <a:off x="4787152" y="3325906"/>
+            <a:ext cx="591671" cy="420579"/>
+          </a:xfrm>
+          <a:prstGeom prst="rightArrow">
+            <a:avLst/>
+          </a:prstGeom>
+        </p:spPr>
+        <p:style>
+          <a:lnRef idx="2">
+            <a:schemeClr val="accent1">
+              <a:shade val="50000"/>
+            </a:schemeClr>
+          </a:lnRef>
+          <a:fillRef idx="1">
+            <a:schemeClr val="accent1"/>
+          </a:fillRef>
+          <a:effectRef idx="0">
+            <a:schemeClr val="accent1"/>
+          </a:effectRef>
+          <a:fontRef idx="minor">
+            <a:schemeClr val="lt1"/>
+          </a:fontRef>
+        </p:style>
+        <p:txBody>
+          <a:bodyPr rtlCol="0" anchor="ctr"/>
+          <a:lstStyle/>
+          <a:p>
+            <a:pPr algn="ctr"/>
+            <a:endParaRPr kumimoji="1" lang="zh-CN" altLang="en-US"/>
+          </a:p>
+        </p:txBody>
+      </p:sp>
+    </p:spTree>
+    <p:extLst>
+      <p:ext uri="{BB962C8B-B14F-4D97-AF65-F5344CB8AC3E}">
+        <p14:creationId xmlns:p14="http://schemas.microsoft.com/office/powerpoint/2010/main" val="1067490150"/>
+      </p:ext>
+    </p:extLst>
+  </p:cSld>
+  <p:clrMapOvr>
+    <a:masterClrMapping/>
+  </p:clrMapOvr>
+  <p:timing>
+    <p:tnLst>
+      <p:par>
+        <p:cTn id="1" dur="indefinite" restart="never" nodeType="tmRoot">
+          <p:childTnLst>
+            <p:seq concurrent="1" nextAc="seek">
+              <p:cTn id="2" dur="indefinite" nodeType="mainSeq">
+                <p:childTnLst>
+                  <p:par>
+                    <p:cTn id="3" fill="hold">
+                      <p:stCondLst>
+                        <p:cond delay="indefinite"/>
+                      </p:stCondLst>
+                      <p:childTnLst>
+                        <p:par>
+                          <p:cTn id="4" fill="hold">
+                            <p:stCondLst>
+                              <p:cond delay="0"/>
+                            </p:stCondLst>
+                            <p:childTnLst>
+                              <p:par>
+                                <p:cTn id="5" presetID="1" presetClass="entr" presetSubtype="0" fill="hold" grpId="0" nodeType="clickEffect">
+                                  <p:stCondLst>
+                                    <p:cond delay="0"/>
+                                  </p:stCondLst>
+                                  <p:childTnLst>
+                                    <p:set>
+                                      <p:cBhvr>
+                                        <p:cTn id="6" dur="1" fill="hold">
+                                          <p:stCondLst>
+                                            <p:cond delay="0"/>
+                                          </p:stCondLst>
+                                        </p:cTn>
+                                        <p:tgtEl>
+                                          <p:spTgt spid="5"/>
+                                        </p:tgtEl>
+                                        <p:attrNameLst>
+                                          <p:attrName>style.visibility</p:attrName>
+                                        </p:attrNameLst>
+                                      </p:cBhvr>
+                                      <p:to>
+                                        <p:strVal val="visible"/>
+                                      </p:to>
+                                    </p:set>
+                                  </p:childTnLst>
+                                </p:cTn>
+                              </p:par>
+                            </p:childTnLst>
+                          </p:cTn>
+                        </p:par>
+                      </p:childTnLst>
+                    </p:cTn>
+                  </p:par>
+                </p:childTnLst>
+              </p:cTn>
+              <p:prevCondLst>
+                <p:cond evt="onPrev" delay="0">
+                  <p:tgtEl>
+                    <p:sldTgt/>
+                  </p:tgtEl>
+                </p:cond>
+              </p:prevCondLst>
+              <p:nextCondLst>
+                <p:cond evt="onNext" delay="0">
+                  <p:tgtEl>
+                    <p:sldTgt/>
+                  </p:tgtEl>
+                </p:cond>
+              </p:nextCondLst>
+            </p:seq>
+          </p:childTnLst>
+        </p:cTn>
+      </p:par>
+    </p:tnLst>
+    <p:bldLst>
+      <p:bldP spid="5" grpId="0" animBg="1"/>
+    </p:bldLst>
+  </p:timing>
+</p:sld>
+</file>
+
+<file path=ppt/slides/slide20.xml><?xml version="1.0" encoding="utf-8"?>
+<p:sld xmlns:a="http://schemas.openxmlformats.org/drawingml/2006/main" xmlns:r="http://schemas.openxmlformats.org/officeDocument/2006/relationships" xmlns:p="http://schemas.openxmlformats.org/presentationml/2006/main">
+  <p:cSld>
+    <p:bg>
+      <p:bgPr>
+        <a:blipFill>
+          <a:blip r:embed="rId3"/>
+          <a:tile tx="0" ty="0" sx="100000" sy="100000" flip="none" algn="tl"/>
+        </a:blipFill>
+        <a:effectLst/>
+      </p:bgPr>
+    </p:bg>
+    <p:spTree>
+      <p:nvGrpSpPr>
+        <p:cNvPr id="1" name=""/>
+        <p:cNvGrpSpPr/>
+        <p:nvPr/>
+      </p:nvGrpSpPr>
+      <p:grpSpPr>
+        <a:xfrm>
+          <a:off x="0" y="0"/>
+          <a:ext cx="0" cy="0"/>
+          <a:chOff x="0" y="0"/>
+          <a:chExt cx="0" cy="0"/>
+        </a:xfrm>
+      </p:grpSpPr>
+      <p:sp>
+        <p:nvSpPr>
+          <p:cNvPr id="2" name="文本框 1">
+            <a:extLst>
+              <a:ext uri="{FF2B5EF4-FFF2-40B4-BE49-F238E27FC236}">
+                <a16:creationId xmlns:a16="http://schemas.microsoft.com/office/drawing/2014/main" id="{12AA8BCC-7B15-4842-80C2-48C079429338}"/>
+              </a:ext>
+            </a:extLst>
+          </p:cNvPr>
+          <p:cNvSpPr txBox="1"/>
+          <p:nvPr/>
+        </p:nvSpPr>
+        <p:spPr>
+          <a:xfrm>
+            <a:off x="2520000" y="720000"/>
+            <a:ext cx="7735824" cy="830997"/>
+          </a:xfrm>
+          <a:prstGeom prst="rect">
+            <a:avLst/>
+          </a:prstGeom>
+          <a:noFill/>
+        </p:spPr>
+        <p:txBody>
+          <a:bodyPr wrap="square" rtlCol="0">
+            <a:spAutoFit/>
+          </a:bodyPr>
+          <a:lstStyle/>
+          <a:p>
+            <a:pPr algn="ctr"/>
+            <a:r>
+              <a:rPr kumimoji="1" lang="en-US" altLang="zh-CN" sz="4800" dirty="0">
+                <a:ea typeface="Microsoft YaHei" panose="020B0503020204020204" pitchFamily="34" charset="-122"/>
+              </a:rPr>
+              <a:t>3.2.2</a:t>
             </a:r>
             <a:r>
               <a:rPr kumimoji="1" lang="zh-CN" altLang="en-US" sz="4800" dirty="0">
@@ -8270,7 +10148,7 @@
 </p:sld>
 </file>
 
-<file path=ppt/slides/slide17.xml><?xml version="1.0" encoding="utf-8"?>
+<file path=ppt/slides/slide21.xml><?xml version="1.0" encoding="utf-8"?>
 <p:sld xmlns:a="http://schemas.openxmlformats.org/drawingml/2006/main" xmlns:r="http://schemas.openxmlformats.org/officeDocument/2006/relationships" xmlns:p="http://schemas.openxmlformats.org/presentationml/2006/main">
   <p:cSld>
     <p:bg>
@@ -8310,452 +10188,6 @@
         </p:nvSpPr>
         <p:spPr>
           <a:xfrm>
-            <a:off x="2520000" y="720000"/>
-            <a:ext cx="7735824" cy="830997"/>
-          </a:xfrm>
-          <a:prstGeom prst="rect">
-            <a:avLst/>
-          </a:prstGeom>
-          <a:noFill/>
-        </p:spPr>
-        <p:txBody>
-          <a:bodyPr wrap="square" rtlCol="0">
-            <a:spAutoFit/>
-          </a:bodyPr>
-          <a:lstStyle/>
-          <a:p>
-            <a:pPr algn="ctr"/>
-            <a:r>
-              <a:rPr kumimoji="1" lang="en-US" altLang="zh-CN" sz="4800" dirty="0">
-                <a:ea typeface="Microsoft YaHei" panose="020B0503020204020204" pitchFamily="34" charset="-122"/>
-              </a:rPr>
-              <a:t>4.2.2</a:t>
-            </a:r>
-            <a:r>
-              <a:rPr kumimoji="1" lang="zh-CN" altLang="en-US" sz="4800" dirty="0">
-                <a:ea typeface="Microsoft YaHei" panose="020B0503020204020204" pitchFamily="34" charset="-122"/>
-              </a:rPr>
-              <a:t> </a:t>
-            </a:r>
-            <a:r>
-              <a:rPr kumimoji="1" lang="en-US" altLang="zh-CN" sz="4800" dirty="0">
-                <a:ea typeface="Microsoft YaHei" panose="020B0503020204020204" pitchFamily="34" charset="-122"/>
-              </a:rPr>
-              <a:t>Scanner</a:t>
-            </a:r>
-            <a:r>
-              <a:rPr kumimoji="1" lang="zh-CN" altLang="en-US" sz="4800" dirty="0">
-                <a:ea typeface="Microsoft YaHei" panose="020B0503020204020204" pitchFamily="34" charset="-122"/>
-              </a:rPr>
-              <a:t>读数据</a:t>
-            </a:r>
-            <a:endParaRPr kumimoji="1" lang="en-US" altLang="zh-CN" sz="4800" dirty="0">
-              <a:ea typeface="Microsoft YaHei" panose="020B0503020204020204" pitchFamily="34" charset="-122"/>
-            </a:endParaRPr>
-          </a:p>
-        </p:txBody>
-      </p:sp>
-      <p:sp>
-        <p:nvSpPr>
-          <p:cNvPr id="5" name="文本框 4">
-            <a:extLst>
-              <a:ext uri="{FF2B5EF4-FFF2-40B4-BE49-F238E27FC236}">
-                <a16:creationId xmlns:a16="http://schemas.microsoft.com/office/drawing/2014/main" id="{BDE6B600-F8E3-1D44-9572-12E21445447A}"/>
-              </a:ext>
-            </a:extLst>
-          </p:cNvPr>
-          <p:cNvSpPr txBox="1"/>
-          <p:nvPr/>
-        </p:nvSpPr>
-        <p:spPr>
-          <a:xfrm>
-            <a:off x="406672" y="2709638"/>
-            <a:ext cx="8426824" cy="3269549"/>
-          </a:xfrm>
-          <a:prstGeom prst="rect">
-            <a:avLst/>
-          </a:prstGeom>
-          <a:noFill/>
-        </p:spPr>
-        <p:txBody>
-          <a:bodyPr wrap="square" rtlCol="0">
-            <a:spAutoFit/>
-          </a:bodyPr>
-          <a:lstStyle/>
-          <a:p>
-            <a:pPr>
-              <a:lnSpc>
-                <a:spcPct val="150000"/>
-              </a:lnSpc>
-            </a:pPr>
-            <a:r>
-              <a:rPr kumimoji="1" lang="en-US" altLang="zh-CN" sz="2000" dirty="0">
-                <a:latin typeface="Microsoft YaHei" panose="020B0503020204020204" pitchFamily="34" charset="-122"/>
-                <a:ea typeface="Microsoft YaHei" panose="020B0503020204020204" pitchFamily="34" charset="-122"/>
-              </a:rPr>
-              <a:t>Scanner</a:t>
-            </a:r>
-            <a:r>
-              <a:rPr kumimoji="1" lang="zh-CN" altLang="en-US" sz="2000" dirty="0">
-                <a:latin typeface="Microsoft YaHei" panose="020B0503020204020204" pitchFamily="34" charset="-122"/>
-                <a:ea typeface="Microsoft YaHei" panose="020B0503020204020204" pitchFamily="34" charset="-122"/>
-              </a:rPr>
-              <a:t>有多种途径读数据，</a:t>
-            </a:r>
-            <a:r>
-              <a:rPr kumimoji="1" lang="en-US" altLang="zh-CN" sz="2000" dirty="0">
-                <a:latin typeface="Microsoft YaHei" panose="020B0503020204020204" pitchFamily="34" charset="-122"/>
-                <a:ea typeface="Microsoft YaHei" panose="020B0503020204020204" pitchFamily="34" charset="-122"/>
-              </a:rPr>
-              <a:t> </a:t>
-            </a:r>
-            <a:r>
-              <a:rPr kumimoji="1" lang="zh-CN" altLang="en-US" sz="2000" dirty="0">
-                <a:latin typeface="Microsoft YaHei" panose="020B0503020204020204" pitchFamily="34" charset="-122"/>
-                <a:ea typeface="Microsoft YaHei" panose="020B0503020204020204" pitchFamily="34" charset="-122"/>
-              </a:rPr>
-              <a:t>输人由空白字符分隔</a:t>
-            </a:r>
-            <a:endParaRPr kumimoji="1" lang="en-US" altLang="zh-CN" sz="2000" dirty="0">
-              <a:latin typeface="Microsoft YaHei" panose="020B0503020204020204" pitchFamily="34" charset="-122"/>
-              <a:ea typeface="Microsoft YaHei" panose="020B0503020204020204" pitchFamily="34" charset="-122"/>
-            </a:endParaRPr>
-          </a:p>
-          <a:p>
-            <a:pPr marL="342900" indent="-342900">
-              <a:lnSpc>
-                <a:spcPct val="150000"/>
-              </a:lnSpc>
-              <a:buFont typeface="Arial" panose="020B0604020202020204" pitchFamily="34" charset="0"/>
-              <a:buChar char="•"/>
-            </a:pPr>
-            <a:r>
-              <a:rPr kumimoji="1" lang="zh-CN" altLang="en-US" sz="2000" dirty="0">
-                <a:latin typeface="Microsoft YaHei" panose="020B0503020204020204" pitchFamily="34" charset="-122"/>
-                <a:ea typeface="Microsoft YaHei" panose="020B0503020204020204" pitchFamily="34" charset="-122"/>
-              </a:rPr>
-              <a:t>从键盘读取方式：</a:t>
-            </a:r>
-            <a:endParaRPr kumimoji="1" lang="en-US" altLang="zh-CN" sz="2000" dirty="0">
-              <a:latin typeface="Microsoft YaHei" panose="020B0503020204020204" pitchFamily="34" charset="-122"/>
-              <a:ea typeface="Microsoft YaHei" panose="020B0503020204020204" pitchFamily="34" charset="-122"/>
-            </a:endParaRPr>
-          </a:p>
-          <a:p>
-            <a:pPr>
-              <a:lnSpc>
-                <a:spcPct val="150000"/>
-              </a:lnSpc>
-            </a:pPr>
-            <a:r>
-              <a:rPr kumimoji="1" lang="zh-CN" altLang="en-US" sz="2000" dirty="0">
-                <a:latin typeface="Microsoft YaHei" panose="020B0503020204020204" pitchFamily="34" charset="-122"/>
-                <a:ea typeface="Microsoft YaHei" panose="020B0503020204020204" pitchFamily="34" charset="-122"/>
-              </a:rPr>
-              <a:t>    </a:t>
-            </a:r>
-            <a:r>
-              <a:rPr kumimoji="1" lang="en-US" altLang="zh-CN" sz="2000" dirty="0">
-                <a:latin typeface="Microsoft YaHei" panose="020B0503020204020204" pitchFamily="34" charset="-122"/>
-                <a:ea typeface="Microsoft YaHei" panose="020B0503020204020204" pitchFamily="34" charset="-122"/>
-              </a:rPr>
-              <a:t>Scanner input = new Scanner(</a:t>
-            </a:r>
-            <a:r>
-              <a:rPr kumimoji="1" lang="en-US" altLang="zh-CN" sz="2000" dirty="0" err="1">
-                <a:latin typeface="Microsoft YaHei" panose="020B0503020204020204" pitchFamily="34" charset="-122"/>
-                <a:ea typeface="Microsoft YaHei" panose="020B0503020204020204" pitchFamily="34" charset="-122"/>
-              </a:rPr>
-              <a:t>System.in</a:t>
-            </a:r>
-            <a:r>
-              <a:rPr kumimoji="1" lang="en-US" altLang="zh-CN" sz="2000" dirty="0">
-                <a:latin typeface="Microsoft YaHei" panose="020B0503020204020204" pitchFamily="34" charset="-122"/>
-                <a:ea typeface="Microsoft YaHei" panose="020B0503020204020204" pitchFamily="34" charset="-122"/>
-              </a:rPr>
-              <a:t>); </a:t>
-            </a:r>
-          </a:p>
-          <a:p>
-            <a:pPr marL="342900" indent="-342900">
-              <a:lnSpc>
-                <a:spcPct val="150000"/>
-              </a:lnSpc>
-              <a:buFont typeface="Arial" panose="020B0604020202020204" pitchFamily="34" charset="0"/>
-              <a:buChar char="•"/>
-            </a:pPr>
-            <a:r>
-              <a:rPr kumimoji="1" lang="zh-CN" altLang="en-US" sz="2000" dirty="0">
-                <a:latin typeface="Microsoft YaHei" panose="020B0503020204020204" pitchFamily="34" charset="-122"/>
-                <a:ea typeface="Microsoft YaHei" panose="020B0503020204020204" pitchFamily="34" charset="-122"/>
-              </a:rPr>
-              <a:t>从文件中读取方式</a:t>
-            </a:r>
-            <a:endParaRPr kumimoji="1" lang="en-US" altLang="zh-CN" sz="2000" dirty="0">
-              <a:latin typeface="Microsoft YaHei" panose="020B0503020204020204" pitchFamily="34" charset="-122"/>
-              <a:ea typeface="Microsoft YaHei" panose="020B0503020204020204" pitchFamily="34" charset="-122"/>
-            </a:endParaRPr>
-          </a:p>
-          <a:p>
-            <a:pPr>
-              <a:lnSpc>
-                <a:spcPct val="150000"/>
-              </a:lnSpc>
-            </a:pPr>
-            <a:r>
-              <a:rPr kumimoji="1" lang="zh-CN" altLang="en-US" sz="2000" dirty="0">
-                <a:latin typeface="Microsoft YaHei" panose="020B0503020204020204" pitchFamily="34" charset="-122"/>
-                <a:ea typeface="Microsoft YaHei" panose="020B0503020204020204" pitchFamily="34" charset="-122"/>
-              </a:rPr>
-              <a:t>    </a:t>
-            </a:r>
-            <a:r>
-              <a:rPr kumimoji="1" lang="en-US" altLang="zh-CN" sz="2000" dirty="0">
-                <a:latin typeface="Microsoft YaHei" panose="020B0503020204020204" pitchFamily="34" charset="-122"/>
-                <a:ea typeface="Microsoft YaHei" panose="020B0503020204020204" pitchFamily="34" charset="-122"/>
-              </a:rPr>
-              <a:t>Scanner input = new Scanner(new File(filename)) </a:t>
-            </a:r>
-          </a:p>
-          <a:p>
-            <a:pPr>
-              <a:lnSpc>
-                <a:spcPct val="150000"/>
-              </a:lnSpc>
-            </a:pPr>
-            <a:r>
-              <a:rPr kumimoji="1" lang="en-US" altLang="zh-CN" sz="2000" dirty="0">
-                <a:latin typeface="Microsoft YaHei" panose="020B0503020204020204" pitchFamily="34" charset="-122"/>
-                <a:ea typeface="Microsoft YaHei" panose="020B0503020204020204" pitchFamily="34" charset="-122"/>
-              </a:rPr>
-              <a:t>.......	</a:t>
-            </a:r>
-          </a:p>
-          <a:p>
-            <a:pPr>
-              <a:lnSpc>
-                <a:spcPct val="150000"/>
-              </a:lnSpc>
-            </a:pPr>
-            <a:r>
-              <a:rPr kumimoji="1" lang="zh-CN" altLang="en-US" sz="2000" dirty="0">
-                <a:latin typeface="Microsoft YaHei" panose="020B0503020204020204" pitchFamily="34" charset="-122"/>
-                <a:ea typeface="Microsoft YaHei" panose="020B0503020204020204" pitchFamily="34" charset="-122"/>
-              </a:rPr>
-              <a:t>之前我们用第一种方式从控制台读取字符串和基本类型数值。</a:t>
-            </a:r>
-            <a:endParaRPr kumimoji="1" lang="en-US" altLang="zh-CN" sz="2000" dirty="0">
-              <a:latin typeface="Microsoft YaHei" panose="020B0503020204020204" pitchFamily="34" charset="-122"/>
-              <a:ea typeface="Microsoft YaHei" panose="020B0503020204020204" pitchFamily="34" charset="-122"/>
-            </a:endParaRPr>
-          </a:p>
-        </p:txBody>
-      </p:sp>
-      <p:pic>
-        <p:nvPicPr>
-          <p:cNvPr id="6" name="图片 5">
-            <a:extLst>
-              <a:ext uri="{FF2B5EF4-FFF2-40B4-BE49-F238E27FC236}">
-                <a16:creationId xmlns:a16="http://schemas.microsoft.com/office/drawing/2014/main" id="{F4C7A449-E2D8-4143-98FF-07A09A01D0E4}"/>
-              </a:ext>
-            </a:extLst>
-          </p:cNvPr>
-          <p:cNvPicPr>
-            <a:picLocks noChangeAspect="1"/>
-          </p:cNvPicPr>
-          <p:nvPr/>
-        </p:nvPicPr>
-        <p:blipFill>
-          <a:blip r:embed="rId4"/>
-          <a:stretch>
-            <a:fillRect/>
-          </a:stretch>
-        </p:blipFill>
-        <p:spPr>
-          <a:xfrm>
-            <a:off x="8221013" y="2439475"/>
-            <a:ext cx="3951429" cy="4122610"/>
-          </a:xfrm>
-          <a:prstGeom prst="rect">
-            <a:avLst/>
-          </a:prstGeom>
-        </p:spPr>
-      </p:pic>
-    </p:spTree>
-    <p:extLst>
-      <p:ext uri="{BB962C8B-B14F-4D97-AF65-F5344CB8AC3E}">
-        <p14:creationId xmlns:p14="http://schemas.microsoft.com/office/powerpoint/2010/main" val="1225200616"/>
-      </p:ext>
-    </p:extLst>
-  </p:cSld>
-  <p:clrMapOvr>
-    <a:masterClrMapping/>
-  </p:clrMapOvr>
-</p:sld>
-</file>
-
-<file path=ppt/slides/slide18.xml><?xml version="1.0" encoding="utf-8"?>
-<p:sld xmlns:a="http://schemas.openxmlformats.org/drawingml/2006/main" xmlns:r="http://schemas.openxmlformats.org/officeDocument/2006/relationships" xmlns:p="http://schemas.openxmlformats.org/presentationml/2006/main">
-  <p:cSld>
-    <p:bg>
-      <p:bgPr>
-        <a:blipFill>
-          <a:blip r:embed="rId3"/>
-          <a:tile tx="0" ty="0" sx="100000" sy="100000" flip="none" algn="tl"/>
-        </a:blipFill>
-        <a:effectLst/>
-      </p:bgPr>
-    </p:bg>
-    <p:spTree>
-      <p:nvGrpSpPr>
-        <p:cNvPr id="1" name=""/>
-        <p:cNvGrpSpPr/>
-        <p:nvPr/>
-      </p:nvGrpSpPr>
-      <p:grpSpPr>
-        <a:xfrm>
-          <a:off x="0" y="0"/>
-          <a:ext cx="0" cy="0"/>
-          <a:chOff x="0" y="0"/>
-          <a:chExt cx="0" cy="0"/>
-        </a:xfrm>
-      </p:grpSpPr>
-      <p:sp>
-        <p:nvSpPr>
-          <p:cNvPr id="2" name="文本框 1">
-            <a:extLst>
-              <a:ext uri="{FF2B5EF4-FFF2-40B4-BE49-F238E27FC236}">
-                <a16:creationId xmlns:a16="http://schemas.microsoft.com/office/drawing/2014/main" id="{12AA8BCC-7B15-4842-80C2-48C079429338}"/>
-              </a:ext>
-            </a:extLst>
-          </p:cNvPr>
-          <p:cNvSpPr txBox="1"/>
-          <p:nvPr/>
-        </p:nvSpPr>
-        <p:spPr>
-          <a:xfrm>
-            <a:off x="2520000" y="720000"/>
-            <a:ext cx="7735824" cy="830997"/>
-          </a:xfrm>
-          <a:prstGeom prst="rect">
-            <a:avLst/>
-          </a:prstGeom>
-          <a:noFill/>
-        </p:spPr>
-        <p:txBody>
-          <a:bodyPr wrap="square" rtlCol="0">
-            <a:spAutoFit/>
-          </a:bodyPr>
-          <a:lstStyle/>
-          <a:p>
-            <a:pPr algn="ctr"/>
-            <a:r>
-              <a:rPr kumimoji="1" lang="zh-CN" altLang="en-US" sz="4800" dirty="0">
-                <a:ea typeface="Microsoft YaHei" panose="020B0503020204020204" pitchFamily="34" charset="-122"/>
-              </a:rPr>
-              <a:t> 用</a:t>
-            </a:r>
-            <a:r>
-              <a:rPr kumimoji="1" lang="en-US" altLang="zh-CN" sz="4800" dirty="0">
-                <a:ea typeface="Microsoft YaHei" panose="020B0503020204020204" pitchFamily="34" charset="-122"/>
-              </a:rPr>
-              <a:t>Scanner</a:t>
-            </a:r>
-            <a:r>
-              <a:rPr kumimoji="1" lang="zh-CN" altLang="en-US" sz="4800" dirty="0">
-                <a:ea typeface="Microsoft YaHei" panose="020B0503020204020204" pitchFamily="34" charset="-122"/>
-              </a:rPr>
-              <a:t>来读数据</a:t>
-            </a:r>
-            <a:endParaRPr kumimoji="1" lang="en-US" altLang="zh-CN" sz="4800" dirty="0">
-              <a:ea typeface="Microsoft YaHei" panose="020B0503020204020204" pitchFamily="34" charset="-122"/>
-            </a:endParaRPr>
-          </a:p>
-        </p:txBody>
-      </p:sp>
-      <p:pic>
-        <p:nvPicPr>
-          <p:cNvPr id="4" name="图片 3">
-            <a:extLst>
-              <a:ext uri="{FF2B5EF4-FFF2-40B4-BE49-F238E27FC236}">
-                <a16:creationId xmlns:a16="http://schemas.microsoft.com/office/drawing/2014/main" id="{846F0CE6-3FFB-4748-9775-45BA00D4341B}"/>
-              </a:ext>
-            </a:extLst>
-          </p:cNvPr>
-          <p:cNvPicPr>
-            <a:picLocks noChangeAspect="1"/>
-          </p:cNvPicPr>
-          <p:nvPr/>
-        </p:nvPicPr>
-        <p:blipFill>
-          <a:blip r:embed="rId4"/>
-          <a:stretch>
-            <a:fillRect/>
-          </a:stretch>
-        </p:blipFill>
-        <p:spPr>
-          <a:xfrm>
-            <a:off x="2881032" y="1959414"/>
-            <a:ext cx="7105651" cy="4719292"/>
-          </a:xfrm>
-          <a:prstGeom prst="rect">
-            <a:avLst/>
-          </a:prstGeom>
-        </p:spPr>
-      </p:pic>
-    </p:spTree>
-    <p:extLst>
-      <p:ext uri="{BB962C8B-B14F-4D97-AF65-F5344CB8AC3E}">
-        <p14:creationId xmlns:p14="http://schemas.microsoft.com/office/powerpoint/2010/main" val="2217536885"/>
-      </p:ext>
-    </p:extLst>
-  </p:cSld>
-  <p:clrMapOvr>
-    <a:masterClrMapping/>
-  </p:clrMapOvr>
-</p:sld>
-</file>
-
-<file path=ppt/slides/slide19.xml><?xml version="1.0" encoding="utf-8"?>
-<p:sld xmlns:a="http://schemas.openxmlformats.org/drawingml/2006/main" xmlns:r="http://schemas.openxmlformats.org/officeDocument/2006/relationships" xmlns:p="http://schemas.openxmlformats.org/presentationml/2006/main">
-  <p:cSld>
-    <p:bg>
-      <p:bgPr>
-        <a:blipFill>
-          <a:blip r:embed="rId3"/>
-          <a:tile tx="0" ty="0" sx="100000" sy="100000" flip="none" algn="tl"/>
-        </a:blipFill>
-        <a:effectLst/>
-      </p:bgPr>
-    </p:bg>
-    <p:spTree>
-      <p:nvGrpSpPr>
-        <p:cNvPr id="1" name=""/>
-        <p:cNvGrpSpPr/>
-        <p:nvPr/>
-      </p:nvGrpSpPr>
-      <p:grpSpPr>
-        <a:xfrm>
-          <a:off x="0" y="0"/>
-          <a:ext cx="0" cy="0"/>
-          <a:chOff x="0" y="0"/>
-          <a:chExt cx="0" cy="0"/>
-        </a:xfrm>
-      </p:grpSpPr>
-      <p:sp>
-        <p:nvSpPr>
-          <p:cNvPr id="2" name="文本框 1">
-            <a:extLst>
-              <a:ext uri="{FF2B5EF4-FFF2-40B4-BE49-F238E27FC236}">
-                <a16:creationId xmlns:a16="http://schemas.microsoft.com/office/drawing/2014/main" id="{12AA8BCC-7B15-4842-80C2-48C079429338}"/>
-              </a:ext>
-            </a:extLst>
-          </p:cNvPr>
-          <p:cNvSpPr txBox="1"/>
-          <p:nvPr/>
-        </p:nvSpPr>
-        <p:spPr>
-          <a:xfrm>
             <a:off x="2519999" y="679146"/>
             <a:ext cx="8144177" cy="830997"/>
           </a:xfrm>
@@ -8775,7 +10207,7 @@
               <a:rPr kumimoji="1" lang="en-US" altLang="zh-CN" sz="4800" dirty="0">
                 <a:ea typeface="Microsoft YaHei" panose="020B0503020204020204" pitchFamily="34" charset="-122"/>
               </a:rPr>
-              <a:t>4.2.3</a:t>
+              <a:t>3.2.3</a:t>
             </a:r>
             <a:r>
               <a:rPr kumimoji="1" lang="zh-CN" altLang="en-US" sz="4800" dirty="0">
@@ -10059,596 +11491,7 @@
 </p:sld>
 </file>
 
-<file path=ppt/slides/slide2.xml><?xml version="1.0" encoding="utf-8"?>
-<p:sld xmlns:a="http://schemas.openxmlformats.org/drawingml/2006/main" xmlns:r="http://schemas.openxmlformats.org/officeDocument/2006/relationships" xmlns:p="http://schemas.openxmlformats.org/presentationml/2006/main">
-  <p:cSld>
-    <p:bg>
-      <p:bgPr>
-        <a:blipFill>
-          <a:blip r:embed="rId3"/>
-          <a:tile tx="0" ty="0" sx="100000" sy="100000" flip="none" algn="tl"/>
-        </a:blipFill>
-        <a:effectLst/>
-      </p:bgPr>
-    </p:bg>
-    <p:spTree>
-      <p:nvGrpSpPr>
-        <p:cNvPr id="1" name=""/>
-        <p:cNvGrpSpPr/>
-        <p:nvPr/>
-      </p:nvGrpSpPr>
-      <p:grpSpPr>
-        <a:xfrm>
-          <a:off x="0" y="0"/>
-          <a:ext cx="0" cy="0"/>
-          <a:chOff x="0" y="0"/>
-          <a:chExt cx="0" cy="0"/>
-        </a:xfrm>
-      </p:grpSpPr>
-      <p:sp>
-        <p:nvSpPr>
-          <p:cNvPr id="2" name="文本框 1">
-            <a:extLst>
-              <a:ext uri="{FF2B5EF4-FFF2-40B4-BE49-F238E27FC236}">
-                <a16:creationId xmlns:a16="http://schemas.microsoft.com/office/drawing/2014/main" id="{12AA8BCC-7B15-4842-80C2-48C079429338}"/>
-              </a:ext>
-            </a:extLst>
-          </p:cNvPr>
-          <p:cNvSpPr txBox="1"/>
-          <p:nvPr/>
-        </p:nvSpPr>
-        <p:spPr>
-          <a:xfrm>
-            <a:off x="2520000" y="421690"/>
-            <a:ext cx="7735824" cy="830997"/>
-          </a:xfrm>
-          <a:prstGeom prst="rect">
-            <a:avLst/>
-          </a:prstGeom>
-          <a:noFill/>
-        </p:spPr>
-        <p:txBody>
-          <a:bodyPr wrap="square" rtlCol="0">
-            <a:spAutoFit/>
-          </a:bodyPr>
-          <a:lstStyle/>
-          <a:p>
-            <a:pPr algn="ctr"/>
-            <a:r>
-              <a:rPr kumimoji="1" lang="zh-CN" altLang="en-US" sz="4800" dirty="0">
-                <a:latin typeface="Microsoft YaHei" panose="020B0503020204020204" pitchFamily="34" charset="-122"/>
-                <a:ea typeface="Microsoft YaHei" panose="020B0503020204020204" pitchFamily="34" charset="-122"/>
-              </a:rPr>
-              <a:t>这节课讲啥？</a:t>
-            </a:r>
-          </a:p>
-        </p:txBody>
-      </p:sp>
-      <p:sp>
-        <p:nvSpPr>
-          <p:cNvPr id="8" name="文本框 7">
-            <a:extLst>
-              <a:ext uri="{FF2B5EF4-FFF2-40B4-BE49-F238E27FC236}">
-                <a16:creationId xmlns:a16="http://schemas.microsoft.com/office/drawing/2014/main" id="{B294230C-E86E-7247-BAC6-5F43DED3D0AF}"/>
-              </a:ext>
-            </a:extLst>
-          </p:cNvPr>
-          <p:cNvSpPr txBox="1"/>
-          <p:nvPr/>
-        </p:nvSpPr>
-        <p:spPr>
-          <a:xfrm>
-            <a:off x="6813179" y="1528105"/>
-            <a:ext cx="4209608" cy="4694592"/>
-          </a:xfrm>
-          <a:prstGeom prst="rect">
-            <a:avLst/>
-          </a:prstGeom>
-          <a:noFill/>
-        </p:spPr>
-        <p:txBody>
-          <a:bodyPr wrap="square" tIns="360000" bIns="360000" rtlCol="0">
-            <a:spAutoFit/>
-          </a:bodyPr>
-          <a:lstStyle/>
-          <a:p>
-            <a:endParaRPr kumimoji="1" lang="en-US" altLang="zh-CN" dirty="0">
-              <a:latin typeface="Microsoft YaHei" panose="020B0503020204020204" pitchFamily="34" charset="-122"/>
-              <a:ea typeface="Microsoft YaHei" panose="020B0503020204020204" pitchFamily="34" charset="-122"/>
-            </a:endParaRPr>
-          </a:p>
-          <a:p>
-            <a:pPr marL="571500" indent="-571500">
-              <a:lnSpc>
-                <a:spcPct val="150000"/>
-              </a:lnSpc>
-              <a:buFont typeface="Wingdings" pitchFamily="2" charset="2"/>
-              <a:buChar char="Ø"/>
-            </a:pPr>
-            <a:r>
-              <a:rPr kumimoji="1" lang="en-US" altLang="zh-CN" dirty="0">
-                <a:latin typeface="Microsoft YaHei" panose="020B0503020204020204" pitchFamily="34" charset="-122"/>
-                <a:ea typeface="Microsoft YaHei" panose="020B0503020204020204" pitchFamily="34" charset="-122"/>
-              </a:rPr>
-              <a:t>I/O</a:t>
-            </a:r>
-            <a:r>
-              <a:rPr kumimoji="1" lang="zh-CN" altLang="en-US" dirty="0">
-                <a:latin typeface="Microsoft YaHei" panose="020B0503020204020204" pitchFamily="34" charset="-122"/>
-                <a:ea typeface="Microsoft YaHei" panose="020B0503020204020204" pitchFamily="34" charset="-122"/>
-              </a:rPr>
-              <a:t>基本概念</a:t>
-            </a:r>
-            <a:endParaRPr kumimoji="1" lang="en-US" altLang="zh-CN" dirty="0">
-              <a:latin typeface="Microsoft YaHei" panose="020B0503020204020204" pitchFamily="34" charset="-122"/>
-              <a:ea typeface="Microsoft YaHei" panose="020B0503020204020204" pitchFamily="34" charset="-122"/>
-            </a:endParaRPr>
-          </a:p>
-          <a:p>
-            <a:pPr marL="571500" indent="-571500">
-              <a:lnSpc>
-                <a:spcPct val="150000"/>
-              </a:lnSpc>
-              <a:buFont typeface="Wingdings" pitchFamily="2" charset="2"/>
-              <a:buChar char="Ø"/>
-            </a:pPr>
-            <a:r>
-              <a:rPr kumimoji="1" lang="en-US" altLang="zh-CN" dirty="0">
-                <a:latin typeface="Microsoft YaHei" panose="020B0503020204020204" pitchFamily="34" charset="-122"/>
-                <a:ea typeface="Microsoft YaHei" panose="020B0503020204020204" pitchFamily="34" charset="-122"/>
-              </a:rPr>
-              <a:t>I/O</a:t>
-            </a:r>
-            <a:r>
-              <a:rPr kumimoji="1" lang="zh-CN" altLang="en-US" dirty="0">
-                <a:latin typeface="Microsoft YaHei" panose="020B0503020204020204" pitchFamily="34" charset="-122"/>
-                <a:ea typeface="Microsoft YaHei" panose="020B0503020204020204" pitchFamily="34" charset="-122"/>
-              </a:rPr>
-              <a:t>分类</a:t>
-            </a:r>
-            <a:endParaRPr kumimoji="1" lang="en-US" altLang="zh-CN" dirty="0">
-              <a:latin typeface="Microsoft YaHei" panose="020B0503020204020204" pitchFamily="34" charset="-122"/>
-              <a:ea typeface="Microsoft YaHei" panose="020B0503020204020204" pitchFamily="34" charset="-122"/>
-            </a:endParaRPr>
-          </a:p>
-          <a:p>
-            <a:pPr marL="571500" indent="-571500">
-              <a:lnSpc>
-                <a:spcPct val="150000"/>
-              </a:lnSpc>
-              <a:buFont typeface="Wingdings" pitchFamily="2" charset="2"/>
-              <a:buChar char="Ø"/>
-            </a:pPr>
-            <a:r>
-              <a:rPr kumimoji="1" lang="zh-CN" altLang="en-US" dirty="0">
-                <a:latin typeface="Microsoft YaHei" panose="020B0503020204020204" pitchFamily="34" charset="-122"/>
-                <a:ea typeface="Microsoft YaHei" panose="020B0503020204020204" pitchFamily="34" charset="-122"/>
-              </a:rPr>
-              <a:t>文本</a:t>
-            </a:r>
-            <a:r>
-              <a:rPr kumimoji="1" lang="en-US" altLang="zh-CN" dirty="0">
-                <a:latin typeface="Microsoft YaHei" panose="020B0503020204020204" pitchFamily="34" charset="-122"/>
-                <a:ea typeface="Microsoft YaHei" panose="020B0503020204020204" pitchFamily="34" charset="-122"/>
-              </a:rPr>
-              <a:t>I/O</a:t>
-            </a:r>
-            <a:r>
-              <a:rPr kumimoji="1" lang="zh-CN" altLang="en-US" dirty="0">
-                <a:latin typeface="Microsoft YaHei" panose="020B0503020204020204" pitchFamily="34" charset="-122"/>
-                <a:ea typeface="Microsoft YaHei" panose="020B0503020204020204" pitchFamily="34" charset="-122"/>
-              </a:rPr>
-              <a:t>和二进制</a:t>
-            </a:r>
-            <a:r>
-              <a:rPr kumimoji="1" lang="en-US" altLang="zh-CN" dirty="0">
-                <a:latin typeface="Microsoft YaHei" panose="020B0503020204020204" pitchFamily="34" charset="-122"/>
-                <a:ea typeface="Microsoft YaHei" panose="020B0503020204020204" pitchFamily="34" charset="-122"/>
-              </a:rPr>
-              <a:t>I/O</a:t>
-            </a:r>
-            <a:r>
-              <a:rPr kumimoji="1" lang="zh-CN" altLang="en-US" dirty="0">
-                <a:latin typeface="Microsoft YaHei" panose="020B0503020204020204" pitchFamily="34" charset="-122"/>
-                <a:ea typeface="Microsoft YaHei" panose="020B0503020204020204" pitchFamily="34" charset="-122"/>
-              </a:rPr>
-              <a:t>对比</a:t>
-            </a:r>
-            <a:endParaRPr kumimoji="1" lang="en-US" altLang="zh-CN" dirty="0">
-              <a:latin typeface="Microsoft YaHei" panose="020B0503020204020204" pitchFamily="34" charset="-122"/>
-              <a:ea typeface="Microsoft YaHei" panose="020B0503020204020204" pitchFamily="34" charset="-122"/>
-            </a:endParaRPr>
-          </a:p>
-          <a:p>
-            <a:pPr marL="571500" indent="-571500">
-              <a:lnSpc>
-                <a:spcPct val="150000"/>
-              </a:lnSpc>
-              <a:buFont typeface="Wingdings" pitchFamily="2" charset="2"/>
-              <a:buChar char="Ø"/>
-            </a:pPr>
-            <a:r>
-              <a:rPr kumimoji="1" lang="zh-CN" altLang="en-US" dirty="0">
-                <a:latin typeface="Microsoft YaHei" panose="020B0503020204020204" pitchFamily="34" charset="-122"/>
-                <a:ea typeface="Microsoft YaHei" panose="020B0503020204020204" pitchFamily="34" charset="-122"/>
-              </a:rPr>
-              <a:t>文本</a:t>
-            </a:r>
-            <a:r>
-              <a:rPr kumimoji="1" lang="en-US" altLang="zh-CN" dirty="0">
-                <a:latin typeface="Microsoft YaHei" panose="020B0503020204020204" pitchFamily="34" charset="-122"/>
-                <a:ea typeface="Microsoft YaHei" panose="020B0503020204020204" pitchFamily="34" charset="-122"/>
-              </a:rPr>
-              <a:t>I/O</a:t>
-            </a:r>
-          </a:p>
-          <a:p>
-            <a:pPr marL="1028700" lvl="1" indent="-571500">
-              <a:lnSpc>
-                <a:spcPct val="150000"/>
-              </a:lnSpc>
-              <a:buFont typeface="Wingdings" pitchFamily="2" charset="2"/>
-              <a:buChar char="Ø"/>
-            </a:pPr>
-            <a:r>
-              <a:rPr kumimoji="1" lang="en-US" altLang="zh-CN" dirty="0">
-                <a:latin typeface="Microsoft YaHei" panose="020B0503020204020204" pitchFamily="34" charset="-122"/>
-                <a:ea typeface="Microsoft YaHei" panose="020B0503020204020204" pitchFamily="34" charset="-122"/>
-              </a:rPr>
-              <a:t>Java</a:t>
-            </a:r>
-            <a:r>
-              <a:rPr kumimoji="1" lang="zh-CN" altLang="en-US" dirty="0">
-                <a:latin typeface="Microsoft YaHei" panose="020B0503020204020204" pitchFamily="34" charset="-122"/>
-                <a:ea typeface="Microsoft YaHei" panose="020B0503020204020204" pitchFamily="34" charset="-122"/>
-              </a:rPr>
-              <a:t> </a:t>
-            </a:r>
-            <a:r>
-              <a:rPr kumimoji="1" lang="en-US" altLang="zh-CN" dirty="0">
-                <a:latin typeface="Microsoft YaHei" panose="020B0503020204020204" pitchFamily="34" charset="-122"/>
-                <a:ea typeface="Microsoft YaHei" panose="020B0503020204020204" pitchFamily="34" charset="-122"/>
-              </a:rPr>
-              <a:t>File</a:t>
-            </a:r>
-            <a:r>
-              <a:rPr kumimoji="1" lang="zh-CN" altLang="en-US" dirty="0">
-                <a:latin typeface="Microsoft YaHei" panose="020B0503020204020204" pitchFamily="34" charset="-122"/>
-                <a:ea typeface="Microsoft YaHei" panose="020B0503020204020204" pitchFamily="34" charset="-122"/>
-              </a:rPr>
-              <a:t>类</a:t>
-            </a:r>
-            <a:endParaRPr kumimoji="1" lang="en-US" altLang="zh-CN" dirty="0">
-              <a:latin typeface="Microsoft YaHei" panose="020B0503020204020204" pitchFamily="34" charset="-122"/>
-              <a:ea typeface="Microsoft YaHei" panose="020B0503020204020204" pitchFamily="34" charset="-122"/>
-            </a:endParaRPr>
-          </a:p>
-          <a:p>
-            <a:pPr marL="1028700" lvl="1" indent="-571500">
-              <a:lnSpc>
-                <a:spcPct val="150000"/>
-              </a:lnSpc>
-              <a:buFont typeface="Wingdings" pitchFamily="2" charset="2"/>
-              <a:buChar char="Ø"/>
-            </a:pPr>
-            <a:r>
-              <a:rPr kumimoji="1" lang="zh-CN" altLang="en-US" dirty="0">
-                <a:latin typeface="Microsoft YaHei" panose="020B0503020204020204" pitchFamily="34" charset="-122"/>
-                <a:ea typeface="Microsoft YaHei" panose="020B0503020204020204" pitchFamily="34" charset="-122"/>
-              </a:rPr>
-              <a:t>文件的输入和输出</a:t>
-            </a:r>
-            <a:endParaRPr kumimoji="1" lang="en-US" altLang="zh-CN" dirty="0">
-              <a:latin typeface="Microsoft YaHei" panose="020B0503020204020204" pitchFamily="34" charset="-122"/>
-              <a:ea typeface="Microsoft YaHei" panose="020B0503020204020204" pitchFamily="34" charset="-122"/>
-            </a:endParaRPr>
-          </a:p>
-          <a:p>
-            <a:pPr marL="1028700" lvl="1" indent="-571500">
-              <a:lnSpc>
-                <a:spcPct val="150000"/>
-              </a:lnSpc>
-              <a:buFont typeface="Wingdings" pitchFamily="2" charset="2"/>
-              <a:buChar char="Ø"/>
-            </a:pPr>
-            <a:r>
-              <a:rPr kumimoji="1" lang="zh-CN" altLang="en-US" dirty="0">
-                <a:latin typeface="Microsoft YaHei" panose="020B0503020204020204" pitchFamily="34" charset="-122"/>
-                <a:ea typeface="Microsoft YaHei" panose="020B0503020204020204" pitchFamily="34" charset="-122"/>
-              </a:rPr>
-              <a:t>例子</a:t>
-            </a:r>
-            <a:r>
-              <a:rPr kumimoji="1" lang="en-US" altLang="zh-CN" dirty="0">
-                <a:latin typeface="Microsoft YaHei" panose="020B0503020204020204" pitchFamily="34" charset="-122"/>
-                <a:ea typeface="Microsoft YaHei" panose="020B0503020204020204" pitchFamily="34" charset="-122"/>
-              </a:rPr>
-              <a:t>1---</a:t>
-            </a:r>
-            <a:r>
-              <a:rPr kumimoji="1" lang="zh-CN" altLang="en-US" dirty="0">
-                <a:latin typeface="Microsoft YaHei" panose="020B0503020204020204" pitchFamily="34" charset="-122"/>
-                <a:ea typeface="Microsoft YaHei" panose="020B0503020204020204" pitchFamily="34" charset="-122"/>
-              </a:rPr>
-              <a:t>本地读写</a:t>
-            </a:r>
-            <a:endParaRPr kumimoji="1" lang="en-US" altLang="zh-CN" dirty="0">
-              <a:latin typeface="Microsoft YaHei" panose="020B0503020204020204" pitchFamily="34" charset="-122"/>
-              <a:ea typeface="Microsoft YaHei" panose="020B0503020204020204" pitchFamily="34" charset="-122"/>
-            </a:endParaRPr>
-          </a:p>
-          <a:p>
-            <a:pPr marL="1028700" lvl="1" indent="-571500">
-              <a:lnSpc>
-                <a:spcPct val="150000"/>
-              </a:lnSpc>
-              <a:buFont typeface="Wingdings" pitchFamily="2" charset="2"/>
-              <a:buChar char="Ø"/>
-            </a:pPr>
-            <a:r>
-              <a:rPr kumimoji="1" lang="zh-CN" altLang="en-US" dirty="0">
-                <a:latin typeface="Microsoft YaHei" panose="020B0503020204020204" pitchFamily="34" charset="-122"/>
-                <a:ea typeface="Microsoft YaHei" panose="020B0503020204020204" pitchFamily="34" charset="-122"/>
-              </a:rPr>
-              <a:t>例子</a:t>
-            </a:r>
-            <a:r>
-              <a:rPr kumimoji="1" lang="en-US" altLang="zh-CN" dirty="0">
-                <a:latin typeface="Microsoft YaHei" panose="020B0503020204020204" pitchFamily="34" charset="-122"/>
-                <a:ea typeface="Microsoft YaHei" panose="020B0503020204020204" pitchFamily="34" charset="-122"/>
-              </a:rPr>
-              <a:t>2---</a:t>
-            </a:r>
-            <a:r>
-              <a:rPr kumimoji="1" lang="zh-CN" altLang="en-US" dirty="0">
-                <a:latin typeface="Microsoft YaHei" panose="020B0503020204020204" pitchFamily="34" charset="-122"/>
-                <a:ea typeface="Microsoft YaHei" panose="020B0503020204020204" pitchFamily="34" charset="-122"/>
-              </a:rPr>
-              <a:t>从</a:t>
-            </a:r>
-            <a:r>
-              <a:rPr kumimoji="1" lang="en-US" altLang="zh-CN" dirty="0">
-                <a:latin typeface="Microsoft YaHei" panose="020B0503020204020204" pitchFamily="34" charset="-122"/>
-                <a:ea typeface="Microsoft YaHei" panose="020B0503020204020204" pitchFamily="34" charset="-122"/>
-              </a:rPr>
-              <a:t>web</a:t>
-            </a:r>
-            <a:r>
-              <a:rPr kumimoji="1" lang="zh-CN" altLang="en-US" dirty="0">
-                <a:latin typeface="Microsoft YaHei" panose="020B0503020204020204" pitchFamily="34" charset="-122"/>
-                <a:ea typeface="Microsoft YaHei" panose="020B0503020204020204" pitchFamily="34" charset="-122"/>
-              </a:rPr>
-              <a:t>上读取</a:t>
-            </a:r>
-            <a:endParaRPr kumimoji="1" lang="en-US" altLang="zh-CN" dirty="0">
-              <a:latin typeface="Microsoft YaHei" panose="020B0503020204020204" pitchFamily="34" charset="-122"/>
-              <a:ea typeface="Microsoft YaHei" panose="020B0503020204020204" pitchFamily="34" charset="-122"/>
-            </a:endParaRPr>
-          </a:p>
-          <a:p>
-            <a:pPr marL="571500" indent="-571500">
-              <a:lnSpc>
-                <a:spcPct val="150000"/>
-              </a:lnSpc>
-              <a:buFont typeface="Wingdings" pitchFamily="2" charset="2"/>
-              <a:buChar char="Ø"/>
-            </a:pPr>
-            <a:r>
-              <a:rPr kumimoji="1" lang="zh-CN" altLang="en-US" dirty="0">
-                <a:latin typeface="Microsoft YaHei" panose="020B0503020204020204" pitchFamily="34" charset="-122"/>
-                <a:ea typeface="Microsoft YaHei" panose="020B0503020204020204" pitchFamily="34" charset="-122"/>
-              </a:rPr>
-              <a:t>二进制</a:t>
-            </a:r>
-            <a:r>
-              <a:rPr kumimoji="1" lang="en-US" altLang="zh-CN" dirty="0">
-                <a:latin typeface="Microsoft YaHei" panose="020B0503020204020204" pitchFamily="34" charset="-122"/>
-                <a:ea typeface="Microsoft YaHei" panose="020B0503020204020204" pitchFamily="34" charset="-122"/>
-              </a:rPr>
-              <a:t>IO</a:t>
-            </a:r>
-            <a:r>
-              <a:rPr kumimoji="1" lang="zh-CN" altLang="en-US">
-                <a:latin typeface="Microsoft YaHei" panose="020B0503020204020204" pitchFamily="34" charset="-122"/>
-                <a:ea typeface="Microsoft YaHei" panose="020B0503020204020204" pitchFamily="34" charset="-122"/>
-              </a:rPr>
-              <a:t>类简单介绍（</a:t>
-            </a:r>
-            <a:r>
-              <a:rPr kumimoji="1" lang="zh-CN" altLang="en-US" dirty="0">
-                <a:latin typeface="Microsoft YaHei" panose="020B0503020204020204" pitchFamily="34" charset="-122"/>
-                <a:ea typeface="Microsoft YaHei" panose="020B0503020204020204" pitchFamily="34" charset="-122"/>
-              </a:rPr>
-              <a:t>不做要求）</a:t>
-            </a:r>
-            <a:endParaRPr kumimoji="1" lang="en-US" altLang="zh-CN" dirty="0">
-              <a:latin typeface="Microsoft YaHei" panose="020B0503020204020204" pitchFamily="34" charset="-122"/>
-              <a:ea typeface="Microsoft YaHei" panose="020B0503020204020204" pitchFamily="34" charset="-122"/>
-            </a:endParaRPr>
-          </a:p>
-        </p:txBody>
-      </p:sp>
-      <p:sp>
-        <p:nvSpPr>
-          <p:cNvPr id="4" name="文本框 3">
-            <a:extLst>
-              <a:ext uri="{FF2B5EF4-FFF2-40B4-BE49-F238E27FC236}">
-                <a16:creationId xmlns:a16="http://schemas.microsoft.com/office/drawing/2014/main" id="{E7E39426-AFD9-D140-89E0-2CF3A07C53D3}"/>
-              </a:ext>
-            </a:extLst>
-          </p:cNvPr>
-          <p:cNvSpPr txBox="1"/>
-          <p:nvPr/>
-        </p:nvSpPr>
-        <p:spPr>
-          <a:xfrm>
-            <a:off x="1362636" y="3260757"/>
-            <a:ext cx="2563906" cy="584775"/>
-          </a:xfrm>
-          <a:prstGeom prst="rect">
-            <a:avLst/>
-          </a:prstGeom>
-          <a:solidFill>
-            <a:schemeClr val="accent2"/>
-          </a:solidFill>
-        </p:spPr>
-        <p:txBody>
-          <a:bodyPr wrap="square" rtlCol="0">
-            <a:spAutoFit/>
-          </a:bodyPr>
-          <a:lstStyle/>
-          <a:p>
-            <a:r>
-              <a:rPr kumimoji="1" lang="zh-CN" altLang="en-US" sz="3200" dirty="0">
-                <a:solidFill>
-                  <a:schemeClr val="bg1"/>
-                </a:solidFill>
-                <a:latin typeface="Microsoft YaHei" panose="020B0503020204020204" pitchFamily="34" charset="-122"/>
-                <a:ea typeface="Microsoft YaHei" panose="020B0503020204020204" pitchFamily="34" charset="-122"/>
-              </a:rPr>
-              <a:t>这节课讲啥？</a:t>
-            </a:r>
-          </a:p>
-        </p:txBody>
-      </p:sp>
-      <p:sp>
-        <p:nvSpPr>
-          <p:cNvPr id="5" name="右箭头 4">
-            <a:extLst>
-              <a:ext uri="{FF2B5EF4-FFF2-40B4-BE49-F238E27FC236}">
-                <a16:creationId xmlns:a16="http://schemas.microsoft.com/office/drawing/2014/main" id="{02574683-9260-0046-AB23-E330BDC11C49}"/>
-              </a:ext>
-            </a:extLst>
-          </p:cNvPr>
-          <p:cNvSpPr/>
-          <p:nvPr/>
-        </p:nvSpPr>
-        <p:spPr>
-          <a:xfrm>
-            <a:off x="4787152" y="3325906"/>
-            <a:ext cx="591671" cy="420579"/>
-          </a:xfrm>
-          <a:prstGeom prst="rightArrow">
-            <a:avLst/>
-          </a:prstGeom>
-        </p:spPr>
-        <p:style>
-          <a:lnRef idx="2">
-            <a:schemeClr val="accent1">
-              <a:shade val="50000"/>
-            </a:schemeClr>
-          </a:lnRef>
-          <a:fillRef idx="1">
-            <a:schemeClr val="accent1"/>
-          </a:fillRef>
-          <a:effectRef idx="0">
-            <a:schemeClr val="accent1"/>
-          </a:effectRef>
-          <a:fontRef idx="minor">
-            <a:schemeClr val="lt1"/>
-          </a:fontRef>
-        </p:style>
-        <p:txBody>
-          <a:bodyPr rtlCol="0" anchor="ctr"/>
-          <a:lstStyle/>
-          <a:p>
-            <a:pPr algn="ctr"/>
-            <a:endParaRPr kumimoji="1" lang="zh-CN" altLang="en-US"/>
-          </a:p>
-        </p:txBody>
-      </p:sp>
-    </p:spTree>
-    <p:extLst>
-      <p:ext uri="{BB962C8B-B14F-4D97-AF65-F5344CB8AC3E}">
-        <p14:creationId xmlns:p14="http://schemas.microsoft.com/office/powerpoint/2010/main" val="1067490150"/>
-      </p:ext>
-    </p:extLst>
-  </p:cSld>
-  <p:clrMapOvr>
-    <a:masterClrMapping/>
-  </p:clrMapOvr>
-  <p:timing>
-    <p:tnLst>
-      <p:par>
-        <p:cTn id="1" dur="indefinite" restart="never" nodeType="tmRoot">
-          <p:childTnLst>
-            <p:seq concurrent="1" nextAc="seek">
-              <p:cTn id="2" dur="indefinite" nodeType="mainSeq">
-                <p:childTnLst>
-                  <p:par>
-                    <p:cTn id="3" fill="hold">
-                      <p:stCondLst>
-                        <p:cond delay="indefinite"/>
-                      </p:stCondLst>
-                      <p:childTnLst>
-                        <p:par>
-                          <p:cTn id="4" fill="hold">
-                            <p:stCondLst>
-                              <p:cond delay="0"/>
-                            </p:stCondLst>
-                            <p:childTnLst>
-                              <p:par>
-                                <p:cTn id="5" presetID="1" presetClass="entr" presetSubtype="0" fill="hold" grpId="0" nodeType="clickEffect">
-                                  <p:stCondLst>
-                                    <p:cond delay="0"/>
-                                  </p:stCondLst>
-                                  <p:childTnLst>
-                                    <p:set>
-                                      <p:cBhvr>
-                                        <p:cTn id="6" dur="1" fill="hold">
-                                          <p:stCondLst>
-                                            <p:cond delay="0"/>
-                                          </p:stCondLst>
-                                        </p:cTn>
-                                        <p:tgtEl>
-                                          <p:spTgt spid="5"/>
-                                        </p:tgtEl>
-                                        <p:attrNameLst>
-                                          <p:attrName>style.visibility</p:attrName>
-                                        </p:attrNameLst>
-                                      </p:cBhvr>
-                                      <p:to>
-                                        <p:strVal val="visible"/>
-                                      </p:to>
-                                    </p:set>
-                                  </p:childTnLst>
-                                </p:cTn>
-                              </p:par>
-                            </p:childTnLst>
-                          </p:cTn>
-                        </p:par>
-                      </p:childTnLst>
-                    </p:cTn>
-                  </p:par>
-                </p:childTnLst>
-              </p:cTn>
-              <p:prevCondLst>
-                <p:cond evt="onPrev" delay="0">
-                  <p:tgtEl>
-                    <p:sldTgt/>
-                  </p:tgtEl>
-                </p:cond>
-              </p:prevCondLst>
-              <p:nextCondLst>
-                <p:cond evt="onNext" delay="0">
-                  <p:tgtEl>
-                    <p:sldTgt/>
-                  </p:tgtEl>
-                </p:cond>
-              </p:nextCondLst>
-            </p:seq>
-          </p:childTnLst>
-        </p:cTn>
-      </p:par>
-    </p:tnLst>
-    <p:bldLst>
-      <p:bldP spid="5" grpId="0" animBg="1"/>
-    </p:bldLst>
-  </p:timing>
-</p:sld>
-</file>
-
-<file path=ppt/slides/slide20.xml><?xml version="1.0" encoding="utf-8"?>
+<file path=ppt/slides/slide22.xml><?xml version="1.0" encoding="utf-8"?>
 <p:sld xmlns:a="http://schemas.openxmlformats.org/drawingml/2006/main" xmlns:r="http://schemas.openxmlformats.org/officeDocument/2006/relationships" xmlns:p="http://schemas.openxmlformats.org/presentationml/2006/main">
   <p:cSld>
     <p:bg>
@@ -12120,7 +12963,7 @@
 </p:sld>
 </file>
 
-<file path=ppt/slides/slide21.xml><?xml version="1.0" encoding="utf-8"?>
+<file path=ppt/slides/slide23.xml><?xml version="1.0" encoding="utf-8"?>
 <p:sld xmlns:a="http://schemas.openxmlformats.org/drawingml/2006/main" xmlns:r="http://schemas.openxmlformats.org/officeDocument/2006/relationships" xmlns:p="http://schemas.openxmlformats.org/presentationml/2006/main">
   <p:cSld>
     <p:bg>
@@ -12453,7 +13296,7 @@
 </p:sld>
 </file>
 
-<file path=ppt/slides/slide22.xml><?xml version="1.0" encoding="utf-8"?>
+<file path=ppt/slides/slide24.xml><?xml version="1.0" encoding="utf-8"?>
 <p:sld xmlns:a="http://schemas.openxmlformats.org/drawingml/2006/main" xmlns:r="http://schemas.openxmlformats.org/officeDocument/2006/relationships" xmlns:p="http://schemas.openxmlformats.org/presentationml/2006/main">
   <p:cSld>
     <p:bg>
@@ -12587,7 +13430,198 @@
 </p:sld>
 </file>
 
-<file path=ppt/slides/slide23.xml><?xml version="1.0" encoding="utf-8"?>
+<file path=ppt/slides/slide25.xml><?xml version="1.0" encoding="utf-8"?>
+<p:sld xmlns:a="http://schemas.openxmlformats.org/drawingml/2006/main" xmlns:r="http://schemas.openxmlformats.org/officeDocument/2006/relationships" xmlns:p="http://schemas.openxmlformats.org/presentationml/2006/main">
+  <p:cSld>
+    <p:bg>
+      <p:bgPr>
+        <a:blipFill>
+          <a:blip r:embed="rId3"/>
+          <a:tile tx="0" ty="0" sx="100000" sy="100000" flip="none" algn="tl"/>
+        </a:blipFill>
+        <a:effectLst/>
+      </p:bgPr>
+    </p:bg>
+    <p:spTree>
+      <p:nvGrpSpPr>
+        <p:cNvPr id="1" name=""/>
+        <p:cNvGrpSpPr/>
+        <p:nvPr/>
+      </p:nvGrpSpPr>
+      <p:grpSpPr>
+        <a:xfrm>
+          <a:off x="0" y="0"/>
+          <a:ext cx="0" cy="0"/>
+          <a:chOff x="0" y="0"/>
+          <a:chExt cx="0" cy="0"/>
+        </a:xfrm>
+      </p:grpSpPr>
+      <p:sp>
+        <p:nvSpPr>
+          <p:cNvPr id="2" name="文本框 1">
+            <a:extLst>
+              <a:ext uri="{FF2B5EF4-FFF2-40B4-BE49-F238E27FC236}">
+                <a16:creationId xmlns:a16="http://schemas.microsoft.com/office/drawing/2014/main" id="{12AA8BCC-7B15-4842-80C2-48C079429338}"/>
+              </a:ext>
+            </a:extLst>
+          </p:cNvPr>
+          <p:cNvSpPr txBox="1"/>
+          <p:nvPr/>
+        </p:nvSpPr>
+        <p:spPr>
+          <a:xfrm>
+            <a:off x="2520000" y="720000"/>
+            <a:ext cx="7735824" cy="830997"/>
+          </a:xfrm>
+          <a:prstGeom prst="rect">
+            <a:avLst/>
+          </a:prstGeom>
+          <a:noFill/>
+        </p:spPr>
+        <p:txBody>
+          <a:bodyPr wrap="square" rtlCol="0">
+            <a:spAutoFit/>
+          </a:bodyPr>
+          <a:lstStyle/>
+          <a:p>
+            <a:pPr algn="ctr"/>
+            <a:r>
+              <a:rPr kumimoji="1" lang="en-US" altLang="zh-CN" sz="4800" dirty="0">
+                <a:latin typeface="Microsoft YaHei" panose="020B0503020204020204" pitchFamily="34" charset="-122"/>
+                <a:ea typeface="Microsoft YaHei" panose="020B0503020204020204" pitchFamily="34" charset="-122"/>
+              </a:rPr>
+              <a:t>Java</a:t>
+            </a:r>
+            <a:r>
+              <a:rPr kumimoji="1" lang="zh-CN" altLang="en-US" sz="4800" dirty="0">
+                <a:latin typeface="Microsoft YaHei" panose="020B0503020204020204" pitchFamily="34" charset="-122"/>
+                <a:ea typeface="Microsoft YaHei" panose="020B0503020204020204" pitchFamily="34" charset="-122"/>
+              </a:rPr>
+              <a:t>中“流”的概念</a:t>
+            </a:r>
+            <a:endParaRPr kumimoji="1" lang="en-US" altLang="zh-CN" sz="4800" dirty="0">
+              <a:ea typeface="Microsoft YaHei" panose="020B0503020204020204" pitchFamily="34" charset="-122"/>
+            </a:endParaRPr>
+          </a:p>
+        </p:txBody>
+      </p:sp>
+      <p:pic>
+        <p:nvPicPr>
+          <p:cNvPr id="3" name="图片 2">
+            <a:extLst>
+              <a:ext uri="{FF2B5EF4-FFF2-40B4-BE49-F238E27FC236}">
+                <a16:creationId xmlns:a16="http://schemas.microsoft.com/office/drawing/2014/main" id="{48DDBEB7-E5B1-AE42-9974-BD2DCC4FA61C}"/>
+              </a:ext>
+            </a:extLst>
+          </p:cNvPr>
+          <p:cNvPicPr>
+            <a:picLocks noChangeAspect="1"/>
+          </p:cNvPicPr>
+          <p:nvPr/>
+        </p:nvPicPr>
+        <p:blipFill>
+          <a:blip r:embed="rId4"/>
+          <a:stretch>
+            <a:fillRect/>
+          </a:stretch>
+        </p:blipFill>
+        <p:spPr>
+          <a:xfrm>
+            <a:off x="1843661" y="2987473"/>
+            <a:ext cx="9295394" cy="3766618"/>
+          </a:xfrm>
+          <a:prstGeom prst="rect">
+            <a:avLst/>
+          </a:prstGeom>
+        </p:spPr>
+      </p:pic>
+      <p:sp>
+        <p:nvSpPr>
+          <p:cNvPr id="4" name="文本框 3">
+            <a:extLst>
+              <a:ext uri="{FF2B5EF4-FFF2-40B4-BE49-F238E27FC236}">
+                <a16:creationId xmlns:a16="http://schemas.microsoft.com/office/drawing/2014/main" id="{F627E277-2504-6045-A24C-3FB3AF7423E0}"/>
+              </a:ext>
+            </a:extLst>
+          </p:cNvPr>
+          <p:cNvSpPr txBox="1"/>
+          <p:nvPr/>
+        </p:nvSpPr>
+        <p:spPr>
+          <a:xfrm>
+            <a:off x="2002485" y="1853736"/>
+            <a:ext cx="8977745" cy="830997"/>
+          </a:xfrm>
+          <a:prstGeom prst="rect">
+            <a:avLst/>
+          </a:prstGeom>
+          <a:noFill/>
+        </p:spPr>
+        <p:txBody>
+          <a:bodyPr wrap="square" rtlCol="0">
+            <a:spAutoFit/>
+          </a:bodyPr>
+          <a:lstStyle/>
+          <a:p>
+            <a:r>
+              <a:rPr kumimoji="1" lang="en-US" altLang="zh-CN" sz="2400" dirty="0">
+                <a:latin typeface="Microsoft YaHei" panose="020B0503020204020204" pitchFamily="34" charset="-122"/>
+                <a:ea typeface="Microsoft YaHei" panose="020B0503020204020204" pitchFamily="34" charset="-122"/>
+              </a:rPr>
+              <a:t>Java</a:t>
+            </a:r>
+            <a:r>
+              <a:rPr kumimoji="1" lang="zh-CN" altLang="en-US" sz="2400" dirty="0">
+                <a:latin typeface="Microsoft YaHei" panose="020B0503020204020204" pitchFamily="34" charset="-122"/>
+                <a:ea typeface="Microsoft YaHei" panose="020B0503020204020204" pitchFamily="34" charset="-122"/>
+              </a:rPr>
+              <a:t>中，输入输出都是依靠 “流”</a:t>
+            </a:r>
+            <a:r>
+              <a:rPr kumimoji="1" lang="en-US" altLang="zh-CN" sz="2400" dirty="0">
+                <a:latin typeface="Microsoft YaHei" panose="020B0503020204020204" pitchFamily="34" charset="-122"/>
+                <a:ea typeface="Microsoft YaHei" panose="020B0503020204020204" pitchFamily="34" charset="-122"/>
+              </a:rPr>
+              <a:t>(stream)</a:t>
+            </a:r>
+            <a:r>
+              <a:rPr kumimoji="1" lang="zh-CN" altLang="en-US" sz="2400" dirty="0">
+                <a:latin typeface="Microsoft YaHei" panose="020B0503020204020204" pitchFamily="34" charset="-122"/>
+                <a:ea typeface="Microsoft YaHei" panose="020B0503020204020204" pitchFamily="34" charset="-122"/>
+              </a:rPr>
+              <a:t>这样的中介对象操作的。二进制使用的类也多以</a:t>
+            </a:r>
+            <a:r>
+              <a:rPr kumimoji="1" lang="en-US" altLang="zh-CN" sz="2400" dirty="0">
+                <a:latin typeface="Microsoft YaHei" panose="020B0503020204020204" pitchFamily="34" charset="-122"/>
+                <a:ea typeface="Microsoft YaHei" panose="020B0503020204020204" pitchFamily="34" charset="-122"/>
+              </a:rPr>
+              <a:t>Stream</a:t>
+            </a:r>
+            <a:r>
+              <a:rPr kumimoji="1" lang="zh-CN" altLang="en-US" sz="2400" dirty="0">
+                <a:latin typeface="Microsoft YaHei" panose="020B0503020204020204" pitchFamily="34" charset="-122"/>
+                <a:ea typeface="Microsoft YaHei" panose="020B0503020204020204" pitchFamily="34" charset="-122"/>
+              </a:rPr>
+              <a:t>后缀命名</a:t>
+            </a:r>
+          </a:p>
+        </p:txBody>
+      </p:sp>
+    </p:spTree>
+    <p:extLst>
+      <p:ext uri="{BB962C8B-B14F-4D97-AF65-F5344CB8AC3E}">
+        <p14:creationId xmlns:p14="http://schemas.microsoft.com/office/powerpoint/2010/main" val="2471245054"/>
+      </p:ext>
+    </p:extLst>
+  </p:cSld>
+  <p:clrMapOvr>
+    <a:masterClrMapping/>
+  </p:clrMapOvr>
+</p:sld>
+</file>
+
+<file path=ppt/slides/slide26.xml><?xml version="1.0" encoding="utf-8"?>
 <p:sld xmlns:a="http://schemas.openxmlformats.org/drawingml/2006/main" xmlns:r="http://schemas.openxmlformats.org/officeDocument/2006/relationships" xmlns:p="http://schemas.openxmlformats.org/presentationml/2006/main">
   <p:cSld>
     <p:bg>
@@ -12799,7 +13833,7 @@
 </p:sld>
 </file>
 
-<file path=ppt/slides/slide24.xml><?xml version="1.0" encoding="utf-8"?>
+<file path=ppt/slides/slide27.xml><?xml version="1.0" encoding="utf-8"?>
 <p:sld xmlns:a="http://schemas.openxmlformats.org/drawingml/2006/main" xmlns:r="http://schemas.openxmlformats.org/officeDocument/2006/relationships" xmlns:p="http://schemas.openxmlformats.org/presentationml/2006/main">
   <p:cSld>
     <p:bg>
@@ -12880,19 +13914,14 @@
 </p:sld>
 </file>
 
-<file path=ppt/slides/slide25.xml><?xml version="1.0" encoding="utf-8"?>
+<file path=ppt/slides/slide28.xml><?xml version="1.0" encoding="utf-8"?>
 <p:sld xmlns:a="http://schemas.openxmlformats.org/drawingml/2006/main" xmlns:r="http://schemas.openxmlformats.org/officeDocument/2006/relationships" xmlns:p="http://schemas.openxmlformats.org/presentationml/2006/main">
   <p:cSld>
     <p:bg>
       <p:bgPr>
-        <a:blipFill dpi="0" rotWithShape="1">
-          <a:blip r:embed="rId3">
-            <a:lum/>
-          </a:blip>
-          <a:srcRect/>
-          <a:stretch>
-            <a:fillRect/>
-          </a:stretch>
+        <a:blipFill>
+          <a:blip r:embed="rId3"/>
+          <a:tile tx="0" ty="0" sx="100000" sy="100000" flip="none" algn="tl"/>
         </a:blipFill>
         <a:effectLst/>
       </p:bgPr>
@@ -12911,10 +13940,72 @@
           <a:chExt cx="0" cy="0"/>
         </a:xfrm>
       </p:grpSpPr>
+      <p:sp>
+        <p:nvSpPr>
+          <p:cNvPr id="4" name="文本框 3">
+            <a:extLst>
+              <a:ext uri="{FF2B5EF4-FFF2-40B4-BE49-F238E27FC236}">
+                <a16:creationId xmlns:a16="http://schemas.microsoft.com/office/drawing/2014/main" id="{F406AE9C-CD2E-654C-823A-C4227D48DE96}"/>
+              </a:ext>
+            </a:extLst>
+          </p:cNvPr>
+          <p:cNvSpPr txBox="1"/>
+          <p:nvPr/>
+        </p:nvSpPr>
+        <p:spPr>
+          <a:xfrm>
+            <a:off x="1517904" y="2921168"/>
+            <a:ext cx="9948672" cy="1938992"/>
+          </a:xfrm>
+          <a:prstGeom prst="rect">
+            <a:avLst/>
+          </a:prstGeom>
+          <a:noFill/>
+        </p:spPr>
+        <p:txBody>
+          <a:bodyPr wrap="square" rtlCol="0">
+            <a:spAutoFit/>
+          </a:bodyPr>
+          <a:lstStyle/>
+          <a:p>
+            <a:pPr lvl="0" algn="ctr"/>
+            <a:r>
+              <a:rPr kumimoji="1" lang="zh-CN" altLang="en-US" sz="6000" dirty="0">
+                <a:solidFill>
+                  <a:prstClr val="black"/>
+                </a:solidFill>
+                <a:latin typeface="Microsoft YaHei" panose="020B0503020204020204" pitchFamily="34" charset="-122"/>
+                <a:ea typeface="Microsoft YaHei" panose="020B0503020204020204" pitchFamily="34" charset="-122"/>
+              </a:rPr>
+              <a:t>大家自己做一个这节课的</a:t>
+            </a:r>
+            <a:endParaRPr kumimoji="1" lang="en-US" altLang="zh-CN" sz="6000" dirty="0">
+              <a:solidFill>
+                <a:prstClr val="black"/>
+              </a:solidFill>
+              <a:latin typeface="Microsoft YaHei" panose="020B0503020204020204" pitchFamily="34" charset="-122"/>
+              <a:ea typeface="Microsoft YaHei" panose="020B0503020204020204" pitchFamily="34" charset="-122"/>
+            </a:endParaRPr>
+          </a:p>
+          <a:p>
+            <a:pPr lvl="0" algn="ctr"/>
+            <a:r>
+              <a:rPr kumimoji="1" lang="zh-CN" altLang="en-US" sz="6000" dirty="0">
+                <a:solidFill>
+                  <a:prstClr val="black"/>
+                </a:solidFill>
+                <a:latin typeface="Microsoft YaHei" panose="020B0503020204020204" pitchFamily="34" charset="-122"/>
+                <a:ea typeface="Microsoft YaHei" panose="020B0503020204020204" pitchFamily="34" charset="-122"/>
+              </a:rPr>
+              <a:t>思维导图</a:t>
+            </a:r>
+          </a:p>
+        </p:txBody>
+      </p:sp>
     </p:spTree>
     <p:extLst>
       <p:ext uri="{BB962C8B-B14F-4D97-AF65-F5344CB8AC3E}">
-        <p14:creationId xmlns:p14="http://schemas.microsoft.com/office/powerpoint/2010/main" val="862366873"/>
+        <p14:creationId xmlns:p14="http://schemas.microsoft.com/office/powerpoint/2010/main" val="3577827592"/>
       </p:ext>
     </p:extLst>
   </p:cSld>
@@ -12984,7 +14075,21 @@
                 <a:latin typeface="Microsoft YaHei" panose="020B0503020204020204" pitchFamily="34" charset="-122"/>
                 <a:ea typeface="Microsoft YaHei" panose="020B0503020204020204" pitchFamily="34" charset="-122"/>
               </a:rPr>
-              <a:t>1.I/O</a:t>
+              <a:t>1.</a:t>
+            </a:r>
+            <a:r>
+              <a:rPr kumimoji="1" lang="zh-CN" altLang="en-US" sz="4800" dirty="0">
+                <a:latin typeface="Microsoft YaHei" panose="020B0503020204020204" pitchFamily="34" charset="-122"/>
+                <a:ea typeface="Microsoft YaHei" panose="020B0503020204020204" pitchFamily="34" charset="-122"/>
+              </a:rPr>
+              <a:t> </a:t>
+            </a:r>
+            <a:r>
+              <a:rPr kumimoji="1" lang="en-US" altLang="zh-CN" sz="4800" dirty="0">
+                <a:latin typeface="Microsoft YaHei" panose="020B0503020204020204" pitchFamily="34" charset="-122"/>
+                <a:ea typeface="Microsoft YaHei" panose="020B0503020204020204" pitchFamily="34" charset="-122"/>
+              </a:rPr>
+              <a:t>I/O</a:t>
             </a:r>
             <a:r>
               <a:rPr kumimoji="1" lang="zh-CN" altLang="en-US" sz="4800" dirty="0">
@@ -13013,7 +14118,7 @@
         </p:nvSpPr>
         <p:spPr>
           <a:xfrm>
-            <a:off x="3827173" y="3283527"/>
+            <a:off x="3411537" y="3429000"/>
             <a:ext cx="6428651" cy="1135054"/>
           </a:xfrm>
           <a:prstGeom prst="rect">
@@ -13200,14 +14305,14 @@
                 <a:latin typeface="Microsoft YaHei" panose="020B0503020204020204" pitchFamily="34" charset="-122"/>
                 <a:ea typeface="Microsoft YaHei" panose="020B0503020204020204" pitchFamily="34" charset="-122"/>
               </a:rPr>
-              <a:t>IO</a:t>
+              <a:t>I/O</a:t>
             </a:r>
             <a:r>
               <a:rPr kumimoji="1" lang="zh-CN" altLang="en-US" sz="4800" dirty="0">
                 <a:latin typeface="Microsoft YaHei" panose="020B0503020204020204" pitchFamily="34" charset="-122"/>
                 <a:ea typeface="Microsoft YaHei" panose="020B0503020204020204" pitchFamily="34" charset="-122"/>
               </a:rPr>
-              <a:t>在计算机中的地位</a:t>
+              <a:t>在计算机硬件中的地位</a:t>
             </a:r>
             <a:endParaRPr kumimoji="1" lang="en-US" altLang="zh-CN" sz="4800" dirty="0">
               <a:ea typeface="Microsoft YaHei" panose="020B0503020204020204" pitchFamily="34" charset="-122"/>
@@ -13318,28 +14423,14 @@
                 <a:latin typeface="Microsoft YaHei" panose="020B0503020204020204" pitchFamily="34" charset="-122"/>
                 <a:ea typeface="Microsoft YaHei" panose="020B0503020204020204" pitchFamily="34" charset="-122"/>
               </a:rPr>
-              <a:t>I/O</a:t>
+              <a:t>I/O---</a:t>
             </a:r>
             <a:r>
               <a:rPr kumimoji="1" lang="zh-CN" altLang="en-US" sz="4800" dirty="0">
                 <a:latin typeface="Microsoft YaHei" panose="020B0503020204020204" pitchFamily="34" charset="-122"/>
                 <a:ea typeface="Microsoft YaHei" panose="020B0503020204020204" pitchFamily="34" charset="-122"/>
               </a:rPr>
-              <a:t>的对象</a:t>
-            </a:r>
-            <a:r>
-              <a:rPr kumimoji="1" lang="en-US" altLang="zh-CN" sz="4800" dirty="0">
-                <a:latin typeface="Microsoft YaHei" panose="020B0503020204020204" pitchFamily="34" charset="-122"/>
-                <a:ea typeface="Microsoft YaHei" panose="020B0503020204020204" pitchFamily="34" charset="-122"/>
-              </a:rPr>
-              <a:t>---</a:t>
-            </a:r>
-            <a:r>
-              <a:rPr kumimoji="1" lang="zh-CN" altLang="en-US" sz="4800" dirty="0">
-                <a:latin typeface="Microsoft YaHei" panose="020B0503020204020204" pitchFamily="34" charset="-122"/>
-                <a:ea typeface="Microsoft YaHei" panose="020B0503020204020204" pitchFamily="34" charset="-122"/>
-              </a:rPr>
-              <a:t>计算机文件</a:t>
+              <a:t>从硬件和软件的连接</a:t>
             </a:r>
             <a:endParaRPr kumimoji="1" lang="en-US" altLang="zh-CN" sz="4800" dirty="0">
               <a:ea typeface="Microsoft YaHei" panose="020B0503020204020204" pitchFamily="34" charset="-122"/>
@@ -13349,10 +14440,361 @@
       </p:sp>
       <p:sp>
         <p:nvSpPr>
-          <p:cNvPr id="13" name="文本框 12">
+          <p:cNvPr id="4" name="矩形 3">
             <a:extLst>
               <a:ext uri="{FF2B5EF4-FFF2-40B4-BE49-F238E27FC236}">
-                <a16:creationId xmlns:a16="http://schemas.microsoft.com/office/drawing/2014/main" id="{8E054F89-5FA8-2F47-8710-58E04A67980C}"/>
+                <a16:creationId xmlns:a16="http://schemas.microsoft.com/office/drawing/2014/main" id="{79B96D36-7A6C-614B-8263-8E2001803E0B}"/>
+              </a:ext>
+            </a:extLst>
+          </p:cNvPr>
+          <p:cNvSpPr/>
+          <p:nvPr/>
+        </p:nvSpPr>
+        <p:spPr>
+          <a:xfrm>
+            <a:off x="378380" y="1958382"/>
+            <a:ext cx="2141620" cy="1569660"/>
+          </a:xfrm>
+          <a:prstGeom prst="rect">
+            <a:avLst/>
+          </a:prstGeom>
+        </p:spPr>
+        <p:style>
+          <a:lnRef idx="2">
+            <a:schemeClr val="accent1">
+              <a:shade val="50000"/>
+            </a:schemeClr>
+          </a:lnRef>
+          <a:fillRef idx="1">
+            <a:schemeClr val="accent1"/>
+          </a:fillRef>
+          <a:effectRef idx="0">
+            <a:schemeClr val="accent1"/>
+          </a:effectRef>
+          <a:fontRef idx="minor">
+            <a:schemeClr val="lt1"/>
+          </a:fontRef>
+        </p:style>
+        <p:txBody>
+          <a:bodyPr rtlCol="0" anchor="ctr"/>
+          <a:lstStyle/>
+          <a:p>
+            <a:pPr algn="ctr"/>
+            <a:r>
+              <a:rPr kumimoji="1" lang="zh-CN" altLang="en-US" dirty="0"/>
+              <a:t>硬件</a:t>
+            </a:r>
+            <a:r>
+              <a:rPr kumimoji="1" lang="en-US" altLang="zh-CN" dirty="0"/>
+              <a:t>I/O,</a:t>
+            </a:r>
+            <a:r>
+              <a:rPr kumimoji="1" lang="zh-CN" altLang="en-US" dirty="0"/>
+              <a:t>比如音响，扫描，打印机等</a:t>
+            </a:r>
+          </a:p>
+        </p:txBody>
+      </p:sp>
+      <p:sp>
+        <p:nvSpPr>
+          <p:cNvPr id="9" name="矩形 8">
+            <a:extLst>
+              <a:ext uri="{FF2B5EF4-FFF2-40B4-BE49-F238E27FC236}">
+                <a16:creationId xmlns:a16="http://schemas.microsoft.com/office/drawing/2014/main" id="{694A1578-0967-824E-81FC-FAA0BD380686}"/>
+              </a:ext>
+            </a:extLst>
+          </p:cNvPr>
+          <p:cNvSpPr/>
+          <p:nvPr/>
+        </p:nvSpPr>
+        <p:spPr>
+          <a:xfrm>
+            <a:off x="3383145" y="1958382"/>
+            <a:ext cx="2141620" cy="1569660"/>
+          </a:xfrm>
+          <a:prstGeom prst="rect">
+            <a:avLst/>
+          </a:prstGeom>
+        </p:spPr>
+        <p:style>
+          <a:lnRef idx="2">
+            <a:schemeClr val="accent1">
+              <a:shade val="50000"/>
+            </a:schemeClr>
+          </a:lnRef>
+          <a:fillRef idx="1">
+            <a:schemeClr val="accent1"/>
+          </a:fillRef>
+          <a:effectRef idx="0">
+            <a:schemeClr val="accent1"/>
+          </a:effectRef>
+          <a:fontRef idx="minor">
+            <a:schemeClr val="lt1"/>
+          </a:fontRef>
+        </p:style>
+        <p:txBody>
+          <a:bodyPr rtlCol="0" anchor="ctr"/>
+          <a:lstStyle/>
+          <a:p>
+            <a:pPr algn="ctr"/>
+            <a:r>
+              <a:rPr kumimoji="1" lang="zh-CN" altLang="en-US" dirty="0"/>
+              <a:t>对应驱动</a:t>
+            </a:r>
+            <a:endParaRPr kumimoji="1" lang="en-US" altLang="zh-CN" dirty="0"/>
+          </a:p>
+          <a:p>
+            <a:pPr algn="ctr"/>
+            <a:r>
+              <a:rPr kumimoji="1" lang="zh-CN" altLang="en-US" dirty="0"/>
+              <a:t>硬件厂商提供</a:t>
+            </a:r>
+          </a:p>
+        </p:txBody>
+      </p:sp>
+      <p:sp>
+        <p:nvSpPr>
+          <p:cNvPr id="10" name="矩形 9">
+            <a:extLst>
+              <a:ext uri="{FF2B5EF4-FFF2-40B4-BE49-F238E27FC236}">
+                <a16:creationId xmlns:a16="http://schemas.microsoft.com/office/drawing/2014/main" id="{C693681F-C899-F04C-B2DB-5FE4B00F343A}"/>
+              </a:ext>
+            </a:extLst>
+          </p:cNvPr>
+          <p:cNvSpPr/>
+          <p:nvPr/>
+        </p:nvSpPr>
+        <p:spPr>
+          <a:xfrm>
+            <a:off x="6387911" y="1958382"/>
+            <a:ext cx="2141620" cy="1569660"/>
+          </a:xfrm>
+          <a:prstGeom prst="rect">
+            <a:avLst/>
+          </a:prstGeom>
+        </p:spPr>
+        <p:style>
+          <a:lnRef idx="2">
+            <a:schemeClr val="accent1">
+              <a:shade val="50000"/>
+            </a:schemeClr>
+          </a:lnRef>
+          <a:fillRef idx="1">
+            <a:schemeClr val="accent1"/>
+          </a:fillRef>
+          <a:effectRef idx="0">
+            <a:schemeClr val="accent1"/>
+          </a:effectRef>
+          <a:fontRef idx="minor">
+            <a:schemeClr val="lt1"/>
+          </a:fontRef>
+        </p:style>
+        <p:txBody>
+          <a:bodyPr rtlCol="0" anchor="ctr"/>
+          <a:lstStyle/>
+          <a:p>
+            <a:pPr algn="ctr"/>
+            <a:r>
+              <a:rPr kumimoji="1" lang="zh-CN" altLang="en-US" dirty="0"/>
+              <a:t>操作系统</a:t>
+            </a:r>
+            <a:endParaRPr kumimoji="1" lang="en-US" altLang="zh-CN" dirty="0"/>
+          </a:p>
+        </p:txBody>
+      </p:sp>
+      <p:sp>
+        <p:nvSpPr>
+          <p:cNvPr id="11" name="矩形 10">
+            <a:extLst>
+              <a:ext uri="{FF2B5EF4-FFF2-40B4-BE49-F238E27FC236}">
+                <a16:creationId xmlns:a16="http://schemas.microsoft.com/office/drawing/2014/main" id="{B4C1A13B-4F79-5E49-83D3-B907D1423512}"/>
+              </a:ext>
+            </a:extLst>
+          </p:cNvPr>
+          <p:cNvSpPr/>
+          <p:nvPr/>
+        </p:nvSpPr>
+        <p:spPr>
+          <a:xfrm>
+            <a:off x="9392677" y="1958382"/>
+            <a:ext cx="2141620" cy="1569660"/>
+          </a:xfrm>
+          <a:prstGeom prst="rect">
+            <a:avLst/>
+          </a:prstGeom>
+        </p:spPr>
+        <p:style>
+          <a:lnRef idx="2">
+            <a:schemeClr val="accent1">
+              <a:shade val="50000"/>
+            </a:schemeClr>
+          </a:lnRef>
+          <a:fillRef idx="1">
+            <a:schemeClr val="accent1"/>
+          </a:fillRef>
+          <a:effectRef idx="0">
+            <a:schemeClr val="accent1"/>
+          </a:effectRef>
+          <a:fontRef idx="minor">
+            <a:schemeClr val="lt1"/>
+          </a:fontRef>
+        </p:style>
+        <p:txBody>
+          <a:bodyPr rtlCol="0" anchor="ctr"/>
+          <a:lstStyle/>
+          <a:p>
+            <a:pPr algn="ctr"/>
+            <a:r>
+              <a:rPr kumimoji="1" lang="zh-CN" altLang="en-US" dirty="0"/>
+              <a:t>各个软件</a:t>
+            </a:r>
+          </a:p>
+        </p:txBody>
+      </p:sp>
+      <p:sp>
+        <p:nvSpPr>
+          <p:cNvPr id="5" name="左右箭头 4">
+            <a:extLst>
+              <a:ext uri="{FF2B5EF4-FFF2-40B4-BE49-F238E27FC236}">
+                <a16:creationId xmlns:a16="http://schemas.microsoft.com/office/drawing/2014/main" id="{6A515882-482B-EB4B-98F8-541BB0E587FE}"/>
+              </a:ext>
+            </a:extLst>
+          </p:cNvPr>
+          <p:cNvSpPr/>
+          <p:nvPr/>
+        </p:nvSpPr>
+        <p:spPr>
+          <a:xfrm>
+            <a:off x="2725271" y="2743212"/>
+            <a:ext cx="466164" cy="250594"/>
+          </a:xfrm>
+          <a:prstGeom prst="leftRightArrow">
+            <a:avLst/>
+          </a:prstGeom>
+        </p:spPr>
+        <p:style>
+          <a:lnRef idx="2">
+            <a:schemeClr val="accent1">
+              <a:shade val="50000"/>
+            </a:schemeClr>
+          </a:lnRef>
+          <a:fillRef idx="1">
+            <a:schemeClr val="accent1"/>
+          </a:fillRef>
+          <a:effectRef idx="0">
+            <a:schemeClr val="accent1"/>
+          </a:effectRef>
+          <a:fontRef idx="minor">
+            <a:schemeClr val="lt1"/>
+          </a:fontRef>
+        </p:style>
+        <p:txBody>
+          <a:bodyPr rtlCol="0" anchor="ctr"/>
+          <a:lstStyle/>
+          <a:p>
+            <a:pPr algn="ctr"/>
+            <a:endParaRPr kumimoji="1" lang="zh-CN" altLang="en-US"/>
+          </a:p>
+        </p:txBody>
+      </p:sp>
+      <p:sp>
+        <p:nvSpPr>
+          <p:cNvPr id="14" name="左右箭头 13">
+            <a:extLst>
+              <a:ext uri="{FF2B5EF4-FFF2-40B4-BE49-F238E27FC236}">
+                <a16:creationId xmlns:a16="http://schemas.microsoft.com/office/drawing/2014/main" id="{22E3EB39-095B-B441-A604-083910977128}"/>
+              </a:ext>
+            </a:extLst>
+          </p:cNvPr>
+          <p:cNvSpPr/>
+          <p:nvPr/>
+        </p:nvSpPr>
+        <p:spPr>
+          <a:xfrm>
+            <a:off x="5732372" y="2688448"/>
+            <a:ext cx="466164" cy="250594"/>
+          </a:xfrm>
+          <a:prstGeom prst="leftRightArrow">
+            <a:avLst/>
+          </a:prstGeom>
+        </p:spPr>
+        <p:style>
+          <a:lnRef idx="2">
+            <a:schemeClr val="accent1">
+              <a:shade val="50000"/>
+            </a:schemeClr>
+          </a:lnRef>
+          <a:fillRef idx="1">
+            <a:schemeClr val="accent1"/>
+          </a:fillRef>
+          <a:effectRef idx="0">
+            <a:schemeClr val="accent1"/>
+          </a:effectRef>
+          <a:fontRef idx="minor">
+            <a:schemeClr val="lt1"/>
+          </a:fontRef>
+        </p:style>
+        <p:txBody>
+          <a:bodyPr rtlCol="0" anchor="ctr"/>
+          <a:lstStyle/>
+          <a:p>
+            <a:pPr algn="ctr"/>
+            <a:endParaRPr kumimoji="1" lang="zh-CN" altLang="en-US"/>
+          </a:p>
+        </p:txBody>
+      </p:sp>
+      <p:sp>
+        <p:nvSpPr>
+          <p:cNvPr id="15" name="左右箭头 14">
+            <a:extLst>
+              <a:ext uri="{FF2B5EF4-FFF2-40B4-BE49-F238E27FC236}">
+                <a16:creationId xmlns:a16="http://schemas.microsoft.com/office/drawing/2014/main" id="{DAE210DE-C494-9F40-A334-94988DBC0221}"/>
+              </a:ext>
+            </a:extLst>
+          </p:cNvPr>
+          <p:cNvSpPr/>
+          <p:nvPr/>
+        </p:nvSpPr>
+        <p:spPr>
+          <a:xfrm>
+            <a:off x="8728022" y="2617915"/>
+            <a:ext cx="466164" cy="250594"/>
+          </a:xfrm>
+          <a:prstGeom prst="leftRightArrow">
+            <a:avLst/>
+          </a:prstGeom>
+        </p:spPr>
+        <p:style>
+          <a:lnRef idx="2">
+            <a:schemeClr val="accent1">
+              <a:shade val="50000"/>
+            </a:schemeClr>
+          </a:lnRef>
+          <a:fillRef idx="1">
+            <a:schemeClr val="accent1"/>
+          </a:fillRef>
+          <a:effectRef idx="0">
+            <a:schemeClr val="accent1"/>
+          </a:effectRef>
+          <a:fontRef idx="minor">
+            <a:schemeClr val="lt1"/>
+          </a:fontRef>
+        </p:style>
+        <p:txBody>
+          <a:bodyPr rtlCol="0" anchor="ctr"/>
+          <a:lstStyle/>
+          <a:p>
+            <a:pPr algn="ctr"/>
+            <a:endParaRPr kumimoji="1" lang="zh-CN" altLang="en-US"/>
+          </a:p>
+        </p:txBody>
+      </p:sp>
+      <p:sp>
+        <p:nvSpPr>
+          <p:cNvPr id="12" name="文本框 11">
+            <a:extLst>
+              <a:ext uri="{FF2B5EF4-FFF2-40B4-BE49-F238E27FC236}">
+                <a16:creationId xmlns:a16="http://schemas.microsoft.com/office/drawing/2014/main" id="{CC1F81D1-CAE0-4048-B497-DAE3B841915A}"/>
               </a:ext>
             </a:extLst>
           </p:cNvPr>
@@ -13361,8 +14803,92 @@
         </p:nvSpPr>
         <p:spPr>
           <a:xfrm>
-            <a:off x="1925640" y="2251086"/>
-            <a:ext cx="8924544" cy="3046988"/>
+            <a:off x="378380" y="3854417"/>
+            <a:ext cx="1952444" cy="369332"/>
+          </a:xfrm>
+          <a:prstGeom prst="rect">
+            <a:avLst/>
+          </a:prstGeom>
+          <a:solidFill>
+            <a:schemeClr val="accent2"/>
+          </a:solidFill>
+        </p:spPr>
+        <p:txBody>
+          <a:bodyPr wrap="square" rtlCol="0">
+            <a:spAutoFit/>
+          </a:bodyPr>
+          <a:lstStyle/>
+          <a:p>
+            <a:pPr algn="ctr"/>
+            <a:r>
+              <a:rPr kumimoji="1" lang="zh-CN" altLang="en-US" dirty="0">
+                <a:solidFill>
+                  <a:schemeClr val="bg1"/>
+                </a:solidFill>
+              </a:rPr>
+              <a:t>硬件</a:t>
+            </a:r>
+          </a:p>
+        </p:txBody>
+      </p:sp>
+      <p:sp>
+        <p:nvSpPr>
+          <p:cNvPr id="18" name="文本框 17">
+            <a:extLst>
+              <a:ext uri="{FF2B5EF4-FFF2-40B4-BE49-F238E27FC236}">
+                <a16:creationId xmlns:a16="http://schemas.microsoft.com/office/drawing/2014/main" id="{11BB23D4-1C24-E743-9A13-4FFDECCC6764}"/>
+              </a:ext>
+            </a:extLst>
+          </p:cNvPr>
+          <p:cNvSpPr txBox="1"/>
+          <p:nvPr/>
+        </p:nvSpPr>
+        <p:spPr>
+          <a:xfrm>
+            <a:off x="3514165" y="3854417"/>
+            <a:ext cx="8020132" cy="369332"/>
+          </a:xfrm>
+          <a:prstGeom prst="rect">
+            <a:avLst/>
+          </a:prstGeom>
+          <a:solidFill>
+            <a:schemeClr val="accent2"/>
+          </a:solidFill>
+        </p:spPr>
+        <p:txBody>
+          <a:bodyPr wrap="square" rtlCol="0">
+            <a:spAutoFit/>
+          </a:bodyPr>
+          <a:lstStyle/>
+          <a:p>
+            <a:pPr algn="ctr"/>
+            <a:r>
+              <a:rPr kumimoji="1" lang="zh-CN" altLang="en-US" dirty="0">
+                <a:solidFill>
+                  <a:schemeClr val="bg1"/>
+                </a:solidFill>
+              </a:rPr>
+              <a:t>软件</a:t>
+            </a:r>
+          </a:p>
+        </p:txBody>
+      </p:sp>
+      <p:sp>
+        <p:nvSpPr>
+          <p:cNvPr id="19" name="文本框 18">
+            <a:extLst>
+              <a:ext uri="{FF2B5EF4-FFF2-40B4-BE49-F238E27FC236}">
+                <a16:creationId xmlns:a16="http://schemas.microsoft.com/office/drawing/2014/main" id="{4DCCE1A0-53EE-6548-A226-4D0188ABC165}"/>
+              </a:ext>
+            </a:extLst>
+          </p:cNvPr>
+          <p:cNvSpPr txBox="1"/>
+          <p:nvPr/>
+        </p:nvSpPr>
+        <p:spPr>
+          <a:xfrm>
+            <a:off x="1219583" y="4493168"/>
+            <a:ext cx="8610363" cy="2346220"/>
           </a:xfrm>
           <a:prstGeom prst="rect">
             <a:avLst/>
@@ -13375,108 +14901,501 @@
           </a:bodyPr>
           <a:lstStyle/>
           <a:p>
+            <a:pPr>
+              <a:lnSpc>
+                <a:spcPct val="150000"/>
+              </a:lnSpc>
+            </a:pPr>
+            <a:r>
+              <a:rPr kumimoji="1" lang="zh-CN" altLang="en-US" sz="2000" dirty="0">
+                <a:latin typeface="Microsoft YaHei" panose="020B0503020204020204" pitchFamily="34" charset="-122"/>
+                <a:ea typeface="Microsoft YaHei" panose="020B0503020204020204" pitchFamily="34" charset="-122"/>
+              </a:rPr>
+              <a:t>播放</a:t>
+            </a:r>
+            <a:r>
+              <a:rPr kumimoji="1" lang="en-US" altLang="zh-CN" sz="2000" dirty="0">
+                <a:latin typeface="Microsoft YaHei" panose="020B0503020204020204" pitchFamily="34" charset="-122"/>
+                <a:ea typeface="Microsoft YaHei" panose="020B0503020204020204" pitchFamily="34" charset="-122"/>
+              </a:rPr>
+              <a:t>《</a:t>
+            </a:r>
+            <a:r>
+              <a:rPr kumimoji="1" lang="zh-CN" altLang="en-US" sz="2000" dirty="0">
+                <a:latin typeface="Microsoft YaHei" panose="020B0503020204020204" pitchFamily="34" charset="-122"/>
+                <a:ea typeface="Microsoft YaHei" panose="020B0503020204020204" pitchFamily="34" charset="-122"/>
+              </a:rPr>
+              <a:t>夜空中最亮的星</a:t>
+            </a:r>
+            <a:r>
+              <a:rPr kumimoji="1" lang="en-US" altLang="zh-CN" sz="2000" dirty="0">
+                <a:latin typeface="Microsoft YaHei" panose="020B0503020204020204" pitchFamily="34" charset="-122"/>
+                <a:ea typeface="Microsoft YaHei" panose="020B0503020204020204" pitchFamily="34" charset="-122"/>
+              </a:rPr>
+              <a:t>》</a:t>
+            </a:r>
+            <a:r>
+              <a:rPr kumimoji="1" lang="zh-CN" altLang="en-US" sz="2000" dirty="0">
+                <a:latin typeface="Microsoft YaHei" panose="020B0503020204020204" pitchFamily="34" charset="-122"/>
+                <a:ea typeface="Microsoft YaHei" panose="020B0503020204020204" pitchFamily="34" charset="-122"/>
+              </a:rPr>
+              <a:t>的过程：</a:t>
+            </a:r>
+            <a:endParaRPr kumimoji="1" lang="en-US" altLang="zh-CN" sz="2000" dirty="0">
+              <a:latin typeface="Microsoft YaHei" panose="020B0503020204020204" pitchFamily="34" charset="-122"/>
+              <a:ea typeface="Microsoft YaHei" panose="020B0503020204020204" pitchFamily="34" charset="-122"/>
+            </a:endParaRPr>
+          </a:p>
+          <a:p>
             <a:pPr marL="457200" indent="-457200">
+              <a:lnSpc>
+                <a:spcPct val="150000"/>
+              </a:lnSpc>
               <a:buFont typeface="+mj-lt"/>
               <a:buAutoNum type="arabicPeriod"/>
             </a:pPr>
             <a:r>
-              <a:rPr kumimoji="1" lang="zh-CN" altLang="en-US" sz="2400" dirty="0">
-                <a:latin typeface="Microsoft YaHei" panose="020B0503020204020204" pitchFamily="34" charset="-122"/>
-                <a:ea typeface="Microsoft YaHei" panose="020B0503020204020204" pitchFamily="34" charset="-122"/>
-              </a:rPr>
-              <a:t>文本文件：简单的说，是基于字符编码的文件，常见的编码有</a:t>
-            </a:r>
-            <a:r>
-              <a:rPr kumimoji="1" lang="en-US" altLang="zh-CN" sz="2400" dirty="0">
-                <a:latin typeface="Microsoft YaHei" panose="020B0503020204020204" pitchFamily="34" charset="-122"/>
-                <a:ea typeface="Microsoft YaHei" panose="020B0503020204020204" pitchFamily="34" charset="-122"/>
-              </a:rPr>
-              <a:t>ASCII</a:t>
-            </a:r>
-            <a:r>
-              <a:rPr kumimoji="1" lang="zh-CN" altLang="en-US" sz="2400" dirty="0">
-                <a:latin typeface="Microsoft YaHei" panose="020B0503020204020204" pitchFamily="34" charset="-122"/>
-                <a:ea typeface="Microsoft YaHei" panose="020B0503020204020204" pitchFamily="34" charset="-122"/>
-              </a:rPr>
-              <a:t>编码，</a:t>
-            </a:r>
-            <a:r>
-              <a:rPr kumimoji="1" lang="en-US" altLang="zh-CN" sz="2400" dirty="0">
-                <a:latin typeface="Microsoft YaHei" panose="020B0503020204020204" pitchFamily="34" charset="-122"/>
-                <a:ea typeface="Microsoft YaHei" panose="020B0503020204020204" pitchFamily="34" charset="-122"/>
-              </a:rPr>
-              <a:t>UNICODE</a:t>
-            </a:r>
-            <a:r>
-              <a:rPr kumimoji="1" lang="zh-CN" altLang="en-US" sz="2400" dirty="0">
-                <a:latin typeface="Microsoft YaHei" panose="020B0503020204020204" pitchFamily="34" charset="-122"/>
-                <a:ea typeface="Microsoft YaHei" panose="020B0503020204020204" pitchFamily="34" charset="-122"/>
-              </a:rPr>
-              <a:t>编码等等。</a:t>
-            </a:r>
-            <a:r>
-              <a:rPr kumimoji="1" lang="zh-CN" altLang="en-US" sz="2400" dirty="0">
-                <a:solidFill>
-                  <a:schemeClr val="accent2"/>
-                </a:solidFill>
-                <a:latin typeface="Microsoft YaHei" panose="020B0503020204020204" pitchFamily="34" charset="-122"/>
-                <a:ea typeface="Microsoft YaHei" panose="020B0503020204020204" pitchFamily="34" charset="-122"/>
-              </a:rPr>
-              <a:t>可以用文本编辑器打开</a:t>
-            </a:r>
-            <a:endParaRPr kumimoji="1" lang="en-US" altLang="zh-CN" sz="2400" dirty="0">
-              <a:solidFill>
-                <a:schemeClr val="accent2"/>
-              </a:solidFill>
+              <a:rPr kumimoji="1" lang="zh-CN" altLang="en-US" sz="2000" dirty="0">
+                <a:latin typeface="Microsoft YaHei" panose="020B0503020204020204" pitchFamily="34" charset="-122"/>
+                <a:ea typeface="Microsoft YaHei" panose="020B0503020204020204" pitchFamily="34" charset="-122"/>
+              </a:rPr>
+              <a:t>网易云音乐程序</a:t>
+            </a:r>
+            <a:r>
+              <a:rPr kumimoji="1" lang="en-US" altLang="zh-CN" sz="2000" dirty="0">
+                <a:latin typeface="Microsoft YaHei" panose="020B0503020204020204" pitchFamily="34" charset="-122"/>
+                <a:ea typeface="Microsoft YaHei" panose="020B0503020204020204" pitchFamily="34" charset="-122"/>
+              </a:rPr>
+              <a:t>(</a:t>
+            </a:r>
+            <a:r>
+              <a:rPr kumimoji="1" lang="zh-CN" altLang="en-US" sz="2000" dirty="0">
+                <a:latin typeface="Microsoft YaHei" panose="020B0503020204020204" pitchFamily="34" charset="-122"/>
+                <a:ea typeface="Microsoft YaHei" panose="020B0503020204020204" pitchFamily="34" charset="-122"/>
+              </a:rPr>
+              <a:t>用</a:t>
+            </a:r>
+            <a:r>
+              <a:rPr kumimoji="1" lang="en-US" altLang="zh-CN" sz="2000" dirty="0">
+                <a:latin typeface="Microsoft YaHei" panose="020B0503020204020204" pitchFamily="34" charset="-122"/>
+                <a:ea typeface="Microsoft YaHei" panose="020B0503020204020204" pitchFamily="34" charset="-122"/>
+              </a:rPr>
+              <a:t>java</a:t>
+            </a:r>
+            <a:r>
+              <a:rPr kumimoji="1" lang="zh-CN" altLang="en-US" sz="2000" dirty="0">
+                <a:latin typeface="Microsoft YaHei" panose="020B0503020204020204" pitchFamily="34" charset="-122"/>
+                <a:ea typeface="Microsoft YaHei" panose="020B0503020204020204" pitchFamily="34" charset="-122"/>
+              </a:rPr>
+              <a:t>编写）会调用</a:t>
+            </a:r>
+            <a:r>
+              <a:rPr kumimoji="1" lang="en-US" altLang="zh-CN" sz="2000" dirty="0">
+                <a:latin typeface="Microsoft YaHei" panose="020B0503020204020204" pitchFamily="34" charset="-122"/>
+                <a:ea typeface="Microsoft YaHei" panose="020B0503020204020204" pitchFamily="34" charset="-122"/>
+              </a:rPr>
+              <a:t>JDK</a:t>
+            </a:r>
+            <a:r>
+              <a:rPr kumimoji="1" lang="zh-CN" altLang="en-US" sz="2000" dirty="0">
+                <a:latin typeface="Microsoft YaHei" panose="020B0503020204020204" pitchFamily="34" charset="-122"/>
+                <a:ea typeface="Microsoft YaHei" panose="020B0503020204020204" pitchFamily="34" charset="-122"/>
+              </a:rPr>
+              <a:t> </a:t>
+            </a:r>
+            <a:r>
+              <a:rPr kumimoji="1" lang="en-US" altLang="zh-CN" sz="2000" dirty="0">
+                <a:latin typeface="Microsoft YaHei" panose="020B0503020204020204" pitchFamily="34" charset="-122"/>
+                <a:ea typeface="Microsoft YaHei" panose="020B0503020204020204" pitchFamily="34" charset="-122"/>
+              </a:rPr>
+              <a:t>API</a:t>
+            </a:r>
+          </a:p>
+          <a:p>
+            <a:pPr marL="457200" indent="-457200">
+              <a:lnSpc>
+                <a:spcPct val="150000"/>
+              </a:lnSpc>
+              <a:buFont typeface="+mj-lt"/>
+              <a:buAutoNum type="arabicPeriod"/>
+            </a:pPr>
+            <a:r>
+              <a:rPr kumimoji="1" lang="en-US" altLang="zh-CN" sz="2000" dirty="0">
+                <a:latin typeface="Microsoft YaHei" panose="020B0503020204020204" pitchFamily="34" charset="-122"/>
+                <a:ea typeface="Microsoft YaHei" panose="020B0503020204020204" pitchFamily="34" charset="-122"/>
+              </a:rPr>
+              <a:t>JDK</a:t>
+            </a:r>
+            <a:r>
+              <a:rPr kumimoji="1" lang="zh-CN" altLang="en-US" sz="2000" dirty="0">
+                <a:latin typeface="Microsoft YaHei" panose="020B0503020204020204" pitchFamily="34" charset="-122"/>
+                <a:ea typeface="Microsoft YaHei" panose="020B0503020204020204" pitchFamily="34" charset="-122"/>
+              </a:rPr>
+              <a:t> </a:t>
+            </a:r>
+            <a:r>
+              <a:rPr kumimoji="1" lang="en-US" altLang="zh-CN" sz="2000" dirty="0">
+                <a:latin typeface="Microsoft YaHei" panose="020B0503020204020204" pitchFamily="34" charset="-122"/>
+                <a:ea typeface="Microsoft YaHei" panose="020B0503020204020204" pitchFamily="34" charset="-122"/>
+              </a:rPr>
+              <a:t>API</a:t>
+            </a:r>
+            <a:r>
+              <a:rPr kumimoji="1" lang="zh-CN" altLang="en-US" sz="2000" dirty="0">
+                <a:latin typeface="Microsoft YaHei" panose="020B0503020204020204" pitchFamily="34" charset="-122"/>
+                <a:ea typeface="Microsoft YaHei" panose="020B0503020204020204" pitchFamily="34" charset="-122"/>
+              </a:rPr>
+              <a:t>调用操作系统的</a:t>
+            </a:r>
+            <a:r>
+              <a:rPr kumimoji="1" lang="en-US" altLang="zh-CN" sz="2000" dirty="0">
+                <a:latin typeface="Microsoft YaHei" panose="020B0503020204020204" pitchFamily="34" charset="-122"/>
+                <a:ea typeface="Microsoft YaHei" panose="020B0503020204020204" pitchFamily="34" charset="-122"/>
+              </a:rPr>
+              <a:t>API</a:t>
+            </a:r>
+          </a:p>
+          <a:p>
+            <a:pPr marL="457200" indent="-457200">
+              <a:lnSpc>
+                <a:spcPct val="150000"/>
+              </a:lnSpc>
+              <a:buFont typeface="+mj-lt"/>
+              <a:buAutoNum type="arabicPeriod"/>
+            </a:pPr>
+            <a:r>
+              <a:rPr kumimoji="1" lang="zh-CN" altLang="en-US" sz="2000" dirty="0">
+                <a:latin typeface="Microsoft YaHei" panose="020B0503020204020204" pitchFamily="34" charset="-122"/>
+                <a:ea typeface="Microsoft YaHei" panose="020B0503020204020204" pitchFamily="34" charset="-122"/>
+              </a:rPr>
+              <a:t>操作系统调用声卡驱动</a:t>
+            </a:r>
+            <a:endParaRPr kumimoji="1" lang="en-US" altLang="zh-CN" sz="2000" dirty="0">
               <a:latin typeface="Microsoft YaHei" panose="020B0503020204020204" pitchFamily="34" charset="-122"/>
               <a:ea typeface="Microsoft YaHei" panose="020B0503020204020204" pitchFamily="34" charset="-122"/>
             </a:endParaRPr>
           </a:p>
           <a:p>
             <a:pPr marL="457200" indent="-457200">
+              <a:lnSpc>
+                <a:spcPct val="150000"/>
+              </a:lnSpc>
               <a:buFont typeface="+mj-lt"/>
               <a:buAutoNum type="arabicPeriod"/>
             </a:pPr>
-            <a:endParaRPr kumimoji="1" lang="zh-CN" altLang="en-US" sz="2400" dirty="0">
-              <a:latin typeface="Microsoft YaHei" panose="020B0503020204020204" pitchFamily="34" charset="-122"/>
-              <a:ea typeface="Microsoft YaHei" panose="020B0503020204020204" pitchFamily="34" charset="-122"/>
-            </a:endParaRPr>
-          </a:p>
-          <a:p>
-            <a:pPr marL="457200" indent="-457200">
-              <a:buFont typeface="+mj-lt"/>
-              <a:buAutoNum type="arabicPeriod"/>
-            </a:pPr>
-            <a:r>
-              <a:rPr kumimoji="1" lang="zh-CN" altLang="en-US" sz="2400" dirty="0">
-                <a:latin typeface="Microsoft YaHei" panose="020B0503020204020204" pitchFamily="34" charset="-122"/>
-                <a:ea typeface="Microsoft YaHei" panose="020B0503020204020204" pitchFamily="34" charset="-122"/>
-              </a:rPr>
-              <a:t>二进制文件：是基于值编码的文件，你可以根据具体应用，指定某个值是什么意思（这样一个过程，可以看作是自定义编码）。用户一般不能直接读懂它们，只有通过相应的软件才能将其显示出来。</a:t>
-            </a:r>
-            <a:r>
-              <a:rPr kumimoji="1" lang="zh-CN" altLang="en-US" sz="2400" dirty="0">
+            <a:r>
+              <a:rPr kumimoji="1" lang="zh-CN" altLang="en-US" sz="2000" dirty="0">
+                <a:latin typeface="Microsoft YaHei" panose="020B0503020204020204" pitchFamily="34" charset="-122"/>
+                <a:ea typeface="Microsoft YaHei" panose="020B0503020204020204" pitchFamily="34" charset="-122"/>
+              </a:rPr>
+              <a:t>声卡驱动让音箱发声，一首</a:t>
+            </a:r>
+            <a:r>
+              <a:rPr kumimoji="1" lang="en-US" altLang="zh-CN" sz="2000" dirty="0">
+                <a:latin typeface="Microsoft YaHei" panose="020B0503020204020204" pitchFamily="34" charset="-122"/>
+                <a:ea typeface="Microsoft YaHei" panose="020B0503020204020204" pitchFamily="34" charset="-122"/>
+              </a:rPr>
+              <a:t>《</a:t>
+            </a:r>
+            <a:r>
+              <a:rPr kumimoji="1" lang="zh-CN" altLang="en-US" sz="2000" dirty="0">
+                <a:latin typeface="Microsoft YaHei" panose="020B0503020204020204" pitchFamily="34" charset="-122"/>
+                <a:ea typeface="Microsoft YaHei" panose="020B0503020204020204" pitchFamily="34" charset="-122"/>
+              </a:rPr>
+              <a:t>夜空中最亮的星</a:t>
+            </a:r>
+            <a:r>
+              <a:rPr kumimoji="1" lang="en-US" altLang="zh-CN" sz="2000" dirty="0">
+                <a:latin typeface="Microsoft YaHei" panose="020B0503020204020204" pitchFamily="34" charset="-122"/>
+                <a:ea typeface="Microsoft YaHei" panose="020B0503020204020204" pitchFamily="34" charset="-122"/>
+              </a:rPr>
+              <a:t>》</a:t>
+            </a:r>
+            <a:r>
+              <a:rPr kumimoji="1" lang="zh-CN" altLang="en-US" sz="2000" dirty="0">
+                <a:latin typeface="Microsoft YaHei" panose="020B0503020204020204" pitchFamily="34" charset="-122"/>
+                <a:ea typeface="Microsoft YaHei" panose="020B0503020204020204" pitchFamily="34" charset="-122"/>
+              </a:rPr>
+              <a:t>就这样播放出来了</a:t>
+            </a:r>
+          </a:p>
+        </p:txBody>
+      </p:sp>
+      <p:sp>
+        <p:nvSpPr>
+          <p:cNvPr id="20" name="文本框 19">
+            <a:extLst>
+              <a:ext uri="{FF2B5EF4-FFF2-40B4-BE49-F238E27FC236}">
+                <a16:creationId xmlns:a16="http://schemas.microsoft.com/office/drawing/2014/main" id="{108C56DA-DD7F-5447-B786-EA3B4D3CCE6E}"/>
+              </a:ext>
+            </a:extLst>
+          </p:cNvPr>
+          <p:cNvSpPr txBox="1"/>
+          <p:nvPr/>
+        </p:nvSpPr>
+        <p:spPr>
+          <a:xfrm>
+            <a:off x="8728022" y="4752708"/>
+            <a:ext cx="2503195" cy="646331"/>
+          </a:xfrm>
+          <a:prstGeom prst="rect">
+            <a:avLst/>
+          </a:prstGeom>
+          <a:solidFill>
+            <a:schemeClr val="accent2"/>
+          </a:solidFill>
+        </p:spPr>
+        <p:txBody>
+          <a:bodyPr wrap="square" rtlCol="0">
+            <a:spAutoFit/>
+          </a:bodyPr>
+          <a:lstStyle/>
+          <a:p>
+            <a:r>
+              <a:rPr kumimoji="1" lang="zh-CN" altLang="en-US" dirty="0">
                 <a:solidFill>
-                  <a:schemeClr val="accent2"/>
+                  <a:schemeClr val="bg1"/>
                 </a:solidFill>
-                <a:latin typeface="Microsoft YaHei" panose="020B0503020204020204" pitchFamily="34" charset="-122"/>
-                <a:ea typeface="Microsoft YaHei" panose="020B0503020204020204" pitchFamily="34" charset="-122"/>
-              </a:rPr>
-              <a:t>二进制文件一般是可执行程序、图形、图像、声音等等。</a:t>
-            </a:r>
-          </a:p>
-        </p:txBody>
-      </p:sp>
+              </a:rPr>
+              <a:t>接下来介绍的</a:t>
+            </a:r>
+            <a:r>
+              <a:rPr kumimoji="1" lang="en-US" altLang="zh-CN" dirty="0">
+                <a:solidFill>
+                  <a:schemeClr val="bg1"/>
+                </a:solidFill>
+              </a:rPr>
+              <a:t>Java</a:t>
+            </a:r>
+            <a:r>
+              <a:rPr kumimoji="1" lang="zh-CN" altLang="en-US" dirty="0">
+                <a:solidFill>
+                  <a:schemeClr val="bg1"/>
+                </a:solidFill>
+              </a:rPr>
+              <a:t> </a:t>
+            </a:r>
+            <a:r>
+              <a:rPr kumimoji="1" lang="en-US" altLang="zh-CN" dirty="0">
+                <a:solidFill>
+                  <a:schemeClr val="bg1"/>
+                </a:solidFill>
+              </a:rPr>
+              <a:t>I/O</a:t>
+            </a:r>
+            <a:r>
+              <a:rPr kumimoji="1" lang="zh-CN" altLang="en-US" dirty="0">
+                <a:solidFill>
+                  <a:schemeClr val="bg1"/>
+                </a:solidFill>
+              </a:rPr>
+              <a:t>就是这个过程</a:t>
+            </a:r>
+          </a:p>
+        </p:txBody>
+      </p:sp>
+      <p:cxnSp>
+        <p:nvCxnSpPr>
+          <p:cNvPr id="6" name="直线箭头连接符 5">
+            <a:extLst>
+              <a:ext uri="{FF2B5EF4-FFF2-40B4-BE49-F238E27FC236}">
+                <a16:creationId xmlns:a16="http://schemas.microsoft.com/office/drawing/2014/main" id="{01E2AADA-DF71-2F4B-9E8B-55A4C9311E4F}"/>
+              </a:ext>
+            </a:extLst>
+          </p:cNvPr>
+          <p:cNvCxnSpPr>
+            <a:cxnSpLocks/>
+          </p:cNvCxnSpPr>
+          <p:nvPr/>
+        </p:nvCxnSpPr>
+        <p:spPr>
+          <a:xfrm flipH="1">
+            <a:off x="7232073" y="5133109"/>
+            <a:ext cx="1495949" cy="0"/>
+          </a:xfrm>
+          <a:prstGeom prst="straightConnector1">
+            <a:avLst/>
+          </a:prstGeom>
+          <a:ln>
+            <a:tailEnd type="triangle"/>
+          </a:ln>
+        </p:spPr>
+        <p:style>
+          <a:lnRef idx="1">
+            <a:schemeClr val="accent1"/>
+          </a:lnRef>
+          <a:fillRef idx="0">
+            <a:schemeClr val="accent1"/>
+          </a:fillRef>
+          <a:effectRef idx="0">
+            <a:schemeClr val="accent1"/>
+          </a:effectRef>
+          <a:fontRef idx="minor">
+            <a:schemeClr val="tx1"/>
+          </a:fontRef>
+        </p:style>
+      </p:cxnSp>
     </p:spTree>
     <p:extLst>
       <p:ext uri="{BB962C8B-B14F-4D97-AF65-F5344CB8AC3E}">
-        <p14:creationId xmlns:p14="http://schemas.microsoft.com/office/powerpoint/2010/main" val="484331260"/>
+        <p14:creationId xmlns:p14="http://schemas.microsoft.com/office/powerpoint/2010/main" val="2763418552"/>
       </p:ext>
     </p:extLst>
   </p:cSld>
   <p:clrMapOvr>
     <a:masterClrMapping/>
   </p:clrMapOvr>
+  <p:timing>
+    <p:tnLst>
+      <p:par>
+        <p:cTn id="1" dur="indefinite" restart="never" nodeType="tmRoot">
+          <p:childTnLst>
+            <p:seq concurrent="1" nextAc="seek">
+              <p:cTn id="2" dur="indefinite" nodeType="mainSeq">
+                <p:childTnLst>
+                  <p:par>
+                    <p:cTn id="3" fill="hold">
+                      <p:stCondLst>
+                        <p:cond delay="indefinite"/>
+                      </p:stCondLst>
+                      <p:childTnLst>
+                        <p:par>
+                          <p:cTn id="4" fill="hold">
+                            <p:stCondLst>
+                              <p:cond delay="0"/>
+                            </p:stCondLst>
+                            <p:childTnLst>
+                              <p:par>
+                                <p:cTn id="5" presetID="1" presetClass="entr" presetSubtype="0" fill="hold" grpId="0" nodeType="clickEffect">
+                                  <p:stCondLst>
+                                    <p:cond delay="0"/>
+                                  </p:stCondLst>
+                                  <p:childTnLst>
+                                    <p:set>
+                                      <p:cBhvr>
+                                        <p:cTn id="6" dur="1" fill="hold">
+                                          <p:stCondLst>
+                                            <p:cond delay="0"/>
+                                          </p:stCondLst>
+                                        </p:cTn>
+                                        <p:tgtEl>
+                                          <p:spTgt spid="19"/>
+                                        </p:tgtEl>
+                                        <p:attrNameLst>
+                                          <p:attrName>style.visibility</p:attrName>
+                                        </p:attrNameLst>
+                                      </p:cBhvr>
+                                      <p:to>
+                                        <p:strVal val="visible"/>
+                                      </p:to>
+                                    </p:set>
+                                  </p:childTnLst>
+                                </p:cTn>
+                              </p:par>
+                            </p:childTnLst>
+                          </p:cTn>
+                        </p:par>
+                      </p:childTnLst>
+                    </p:cTn>
+                  </p:par>
+                  <p:par>
+                    <p:cTn id="7" fill="hold">
+                      <p:stCondLst>
+                        <p:cond delay="indefinite"/>
+                      </p:stCondLst>
+                      <p:childTnLst>
+                        <p:par>
+                          <p:cTn id="8" fill="hold">
+                            <p:stCondLst>
+                              <p:cond delay="0"/>
+                            </p:stCondLst>
+                            <p:childTnLst>
+                              <p:par>
+                                <p:cTn id="9" presetID="1" presetClass="entr" presetSubtype="0" fill="hold" grpId="0" nodeType="clickEffect">
+                                  <p:stCondLst>
+                                    <p:cond delay="0"/>
+                                  </p:stCondLst>
+                                  <p:childTnLst>
+                                    <p:set>
+                                      <p:cBhvr>
+                                        <p:cTn id="10" dur="1" fill="hold">
+                                          <p:stCondLst>
+                                            <p:cond delay="0"/>
+                                          </p:stCondLst>
+                                        </p:cTn>
+                                        <p:tgtEl>
+                                          <p:spTgt spid="20"/>
+                                        </p:tgtEl>
+                                        <p:attrNameLst>
+                                          <p:attrName>style.visibility</p:attrName>
+                                        </p:attrNameLst>
+                                      </p:cBhvr>
+                                      <p:to>
+                                        <p:strVal val="visible"/>
+                                      </p:to>
+                                    </p:set>
+                                  </p:childTnLst>
+                                </p:cTn>
+                              </p:par>
+                              <p:par>
+                                <p:cTn id="11" presetID="1" presetClass="entr" presetSubtype="0" fill="hold" nodeType="withEffect">
+                                  <p:stCondLst>
+                                    <p:cond delay="0"/>
+                                  </p:stCondLst>
+                                  <p:childTnLst>
+                                    <p:set>
+                                      <p:cBhvr>
+                                        <p:cTn id="12" dur="1" fill="hold">
+                                          <p:stCondLst>
+                                            <p:cond delay="0"/>
+                                          </p:stCondLst>
+                                        </p:cTn>
+                                        <p:tgtEl>
+                                          <p:spTgt spid="6"/>
+                                        </p:tgtEl>
+                                        <p:attrNameLst>
+                                          <p:attrName>style.visibility</p:attrName>
+                                        </p:attrNameLst>
+                                      </p:cBhvr>
+                                      <p:to>
+                                        <p:strVal val="visible"/>
+                                      </p:to>
+                                    </p:set>
+                                  </p:childTnLst>
+                                </p:cTn>
+                              </p:par>
+                            </p:childTnLst>
+                          </p:cTn>
+                        </p:par>
+                      </p:childTnLst>
+                    </p:cTn>
+                  </p:par>
+                </p:childTnLst>
+              </p:cTn>
+              <p:prevCondLst>
+                <p:cond evt="onPrev" delay="0">
+                  <p:tgtEl>
+                    <p:sldTgt/>
+                  </p:tgtEl>
+                </p:cond>
+              </p:prevCondLst>
+              <p:nextCondLst>
+                <p:cond evt="onNext" delay="0">
+                  <p:tgtEl>
+                    <p:sldTgt/>
+                  </p:tgtEl>
+                </p:cond>
+              </p:nextCondLst>
+            </p:seq>
+          </p:childTnLst>
+        </p:cTn>
+      </p:par>
+    </p:tnLst>
+    <p:bldLst>
+      <p:bldP spid="19" grpId="0"/>
+      <p:bldP spid="20" grpId="0" animBg="1"/>
+    </p:bldLst>
+  </p:timing>
 </p:sld>
 </file>
 
@@ -13536,32 +15455,18 @@
           <a:p>
             <a:pPr algn="ctr"/>
             <a:r>
+              <a:rPr kumimoji="1" lang="zh-CN" altLang="en-US" sz="4800" dirty="0">
+                <a:latin typeface="Microsoft YaHei" panose="020B0503020204020204" pitchFamily="34" charset="-122"/>
+                <a:ea typeface="Microsoft YaHei" panose="020B0503020204020204" pitchFamily="34" charset="-122"/>
+              </a:rPr>
+              <a:t>软件</a:t>
+            </a:r>
+            <a:r>
               <a:rPr kumimoji="1" lang="en-US" altLang="zh-CN" sz="4800" dirty="0">
                 <a:latin typeface="Microsoft YaHei" panose="020B0503020204020204" pitchFamily="34" charset="-122"/>
                 <a:ea typeface="Microsoft YaHei" panose="020B0503020204020204" pitchFamily="34" charset="-122"/>
               </a:rPr>
-              <a:t>2.</a:t>
-            </a:r>
-            <a:r>
-              <a:rPr kumimoji="1" lang="zh-CN" altLang="en-US" sz="4800" dirty="0">
-                <a:latin typeface="Microsoft YaHei" panose="020B0503020204020204" pitchFamily="34" charset="-122"/>
-                <a:ea typeface="Microsoft YaHei" panose="020B0503020204020204" pitchFamily="34" charset="-122"/>
-              </a:rPr>
-              <a:t> </a:t>
-            </a:r>
-            <a:r>
-              <a:rPr kumimoji="1" lang="en-US" altLang="zh-CN" sz="4800" dirty="0">
-                <a:latin typeface="Microsoft YaHei" panose="020B0503020204020204" pitchFamily="34" charset="-122"/>
-                <a:ea typeface="Microsoft YaHei" panose="020B0503020204020204" pitchFamily="34" charset="-122"/>
-              </a:rPr>
               <a:t>I/O</a:t>
-            </a:r>
-            <a:r>
-              <a:rPr kumimoji="1" lang="zh-CN" altLang="en-US" sz="4800" dirty="0">
-                <a:latin typeface="Microsoft YaHei" panose="020B0503020204020204" pitchFamily="34" charset="-122"/>
-                <a:ea typeface="Microsoft YaHei" panose="020B0503020204020204" pitchFamily="34" charset="-122"/>
-              </a:rPr>
-              <a:t>分类</a:t>
             </a:r>
             <a:endParaRPr kumimoji="1" lang="en-US" altLang="zh-CN" sz="4800" dirty="0">
               <a:ea typeface="Microsoft YaHei" panose="020B0503020204020204" pitchFamily="34" charset="-122"/>
@@ -13583,7 +15488,7 @@
         </p:nvSpPr>
         <p:spPr>
           <a:xfrm>
-            <a:off x="2208273" y="3429000"/>
+            <a:off x="1925640" y="3013501"/>
             <a:ext cx="8924544" cy="1135054"/>
           </a:xfrm>
           <a:prstGeom prst="rect">
@@ -13607,7 +15512,7 @@
                 <a:latin typeface="Microsoft YaHei" panose="020B0503020204020204" pitchFamily="34" charset="-122"/>
                 <a:ea typeface="Microsoft YaHei" panose="020B0503020204020204" pitchFamily="34" charset="-122"/>
               </a:rPr>
-              <a:t>根据计算机文件类型，</a:t>
+              <a:t>注意下面讲到的都是 软件中的</a:t>
             </a:r>
             <a:r>
               <a:rPr kumimoji="1" lang="en-US" altLang="zh-CN" sz="2400" dirty="0">
@@ -13621,17 +15526,10 @@
                 <a:latin typeface="Microsoft YaHei" panose="020B0503020204020204" pitchFamily="34" charset="-122"/>
                 <a:ea typeface="Microsoft YaHei" panose="020B0503020204020204" pitchFamily="34" charset="-122"/>
               </a:rPr>
-              <a:t>也针对性地分为</a:t>
-            </a:r>
-            <a:r>
-              <a:rPr kumimoji="1" lang="zh-CN" altLang="en-US" sz="2400" b="1" u="sng" dirty="0">
-                <a:latin typeface="Microsoft YaHei" panose="020B0503020204020204" pitchFamily="34" charset="-122"/>
-                <a:ea typeface="Microsoft YaHei" panose="020B0503020204020204" pitchFamily="34" charset="-122"/>
-              </a:rPr>
-              <a:t>文本</a:t>
-            </a:r>
-            <a:r>
-              <a:rPr kumimoji="1" lang="en-US" altLang="zh-CN" sz="2400" b="1" u="sng" dirty="0">
+              <a:t>概念，硬件</a:t>
+            </a:r>
+            <a:r>
+              <a:rPr kumimoji="1" lang="en-US" altLang="zh-CN" sz="2400" dirty="0">
                 <a:latin typeface="Microsoft YaHei" panose="020B0503020204020204" pitchFamily="34" charset="-122"/>
                 <a:ea typeface="Microsoft YaHei" panose="020B0503020204020204" pitchFamily="34" charset="-122"/>
               </a:rPr>
@@ -13642,47 +15540,15 @@
                 <a:latin typeface="Microsoft YaHei" panose="020B0503020204020204" pitchFamily="34" charset="-122"/>
                 <a:ea typeface="Microsoft YaHei" panose="020B0503020204020204" pitchFamily="34" charset="-122"/>
               </a:rPr>
-              <a:t>和</a:t>
-            </a:r>
-            <a:r>
-              <a:rPr kumimoji="1" lang="zh-CN" altLang="en-US" sz="2400" b="1" u="sng" dirty="0">
-                <a:latin typeface="Microsoft YaHei" panose="020B0503020204020204" pitchFamily="34" charset="-122"/>
-                <a:ea typeface="Microsoft YaHei" panose="020B0503020204020204" pitchFamily="34" charset="-122"/>
-              </a:rPr>
-              <a:t>二进制</a:t>
-            </a:r>
-            <a:r>
-              <a:rPr kumimoji="1" lang="en-US" altLang="zh-CN" sz="2400" b="1" u="sng" dirty="0">
-                <a:latin typeface="Microsoft YaHei" panose="020B0503020204020204" pitchFamily="34" charset="-122"/>
-                <a:ea typeface="Microsoft YaHei" panose="020B0503020204020204" pitchFamily="34" charset="-122"/>
-              </a:rPr>
-              <a:t>I/O</a:t>
-            </a:r>
-          </a:p>
-          <a:p>
-            <a:pPr>
-              <a:lnSpc>
-                <a:spcPct val="150000"/>
-              </a:lnSpc>
-            </a:pPr>
-            <a:r>
-              <a:rPr kumimoji="1" lang="zh-CN" altLang="en-US" sz="2400" dirty="0">
-                <a:latin typeface="Microsoft YaHei" panose="020B0503020204020204" pitchFamily="34" charset="-122"/>
-                <a:ea typeface="Microsoft YaHei" panose="020B0503020204020204" pitchFamily="34" charset="-122"/>
-              </a:rPr>
-              <a:t>就像水管运水，油管运油，不同的管道，运输不同的文件</a:t>
-            </a:r>
-            <a:endParaRPr kumimoji="1" lang="en-US" altLang="zh-CN" sz="2400" dirty="0">
-              <a:latin typeface="Microsoft YaHei" panose="020B0503020204020204" pitchFamily="34" charset="-122"/>
-              <a:ea typeface="Microsoft YaHei" panose="020B0503020204020204" pitchFamily="34" charset="-122"/>
-            </a:endParaRPr>
+              <a:t>在 微机原理类型课程中有，有兴趣的同学可以自行查询了解</a:t>
+            </a:r>
           </a:p>
         </p:txBody>
       </p:sp>
     </p:spTree>
     <p:extLst>
       <p:ext uri="{BB962C8B-B14F-4D97-AF65-F5344CB8AC3E}">
-        <p14:creationId xmlns:p14="http://schemas.microsoft.com/office/powerpoint/2010/main" val="3608960577"/>
+        <p14:creationId xmlns:p14="http://schemas.microsoft.com/office/powerpoint/2010/main" val="908832098"/>
       </p:ext>
     </p:extLst>
   </p:cSld>
@@ -13732,8 +15598,8 @@
         </p:nvSpPr>
         <p:spPr>
           <a:xfrm>
-            <a:off x="2520000" y="720000"/>
-            <a:ext cx="7735824" cy="830997"/>
+            <a:off x="2291400" y="903329"/>
+            <a:ext cx="8330184" cy="830997"/>
           </a:xfrm>
           <a:prstGeom prst="rect">
             <a:avLst/>
@@ -13752,14 +15618,42 @@
                 <a:latin typeface="Microsoft YaHei" panose="020B0503020204020204" pitchFamily="34" charset="-122"/>
                 <a:ea typeface="Microsoft YaHei" panose="020B0503020204020204" pitchFamily="34" charset="-122"/>
               </a:rPr>
-              <a:t>3.</a:t>
+              <a:t>2.</a:t>
             </a:r>
             <a:r>
               <a:rPr kumimoji="1" lang="zh-CN" altLang="en-US" sz="4800" dirty="0">
                 <a:latin typeface="Microsoft YaHei" panose="020B0503020204020204" pitchFamily="34" charset="-122"/>
                 <a:ea typeface="Microsoft YaHei" panose="020B0503020204020204" pitchFamily="34" charset="-122"/>
               </a:rPr>
-              <a:t> 二进制和文本对比</a:t>
+              <a:t> </a:t>
+            </a:r>
+            <a:r>
+              <a:rPr kumimoji="1" lang="en-US" altLang="zh-CN" sz="4800" dirty="0">
+                <a:latin typeface="Microsoft YaHei" panose="020B0503020204020204" pitchFamily="34" charset="-122"/>
+                <a:ea typeface="Microsoft YaHei" panose="020B0503020204020204" pitchFamily="34" charset="-122"/>
+              </a:rPr>
+              <a:t>I/O</a:t>
+            </a:r>
+            <a:r>
+              <a:rPr kumimoji="1" lang="zh-CN" altLang="en-US" sz="4800" dirty="0">
+                <a:latin typeface="Microsoft YaHei" panose="020B0503020204020204" pitchFamily="34" charset="-122"/>
+                <a:ea typeface="Microsoft YaHei" panose="020B0503020204020204" pitchFamily="34" charset="-122"/>
+              </a:rPr>
+              <a:t>分类基础</a:t>
+            </a:r>
+            <a:r>
+              <a:rPr kumimoji="1" lang="en-US" altLang="zh-CN" sz="4800" dirty="0">
+                <a:latin typeface="Microsoft YaHei" panose="020B0503020204020204" pitchFamily="34" charset="-122"/>
+                <a:ea typeface="Microsoft YaHei" panose="020B0503020204020204" pitchFamily="34" charset="-122"/>
+              </a:rPr>
+              <a:t>---</a:t>
+            </a:r>
+            <a:r>
+              <a:rPr kumimoji="1" lang="zh-CN" altLang="en-US" sz="4800" dirty="0">
+                <a:latin typeface="Microsoft YaHei" panose="020B0503020204020204" pitchFamily="34" charset="-122"/>
+                <a:ea typeface="Microsoft YaHei" panose="020B0503020204020204" pitchFamily="34" charset="-122"/>
+              </a:rPr>
+              <a:t>计算机文件</a:t>
             </a:r>
             <a:endParaRPr kumimoji="1" lang="en-US" altLang="zh-CN" sz="4800" dirty="0">
               <a:ea typeface="Microsoft YaHei" panose="020B0503020204020204" pitchFamily="34" charset="-122"/>
@@ -13767,42 +15661,12 @@
           </a:p>
         </p:txBody>
       </p:sp>
-      <p:pic>
-        <p:nvPicPr>
-          <p:cNvPr id="3" name="图片 2">
+      <p:sp>
+        <p:nvSpPr>
+          <p:cNvPr id="13" name="文本框 12">
             <a:extLst>
               <a:ext uri="{FF2B5EF4-FFF2-40B4-BE49-F238E27FC236}">
-                <a16:creationId xmlns:a16="http://schemas.microsoft.com/office/drawing/2014/main" id="{5D75335B-5962-1D4F-A274-B6C4B25F9318}"/>
-              </a:ext>
-            </a:extLst>
-          </p:cNvPr>
-          <p:cNvPicPr>
-            <a:picLocks noChangeAspect="1"/>
-          </p:cNvPicPr>
-          <p:nvPr/>
-        </p:nvPicPr>
-        <p:blipFill>
-          <a:blip r:embed="rId4"/>
-          <a:stretch>
-            <a:fillRect/>
-          </a:stretch>
-        </p:blipFill>
-        <p:spPr>
-          <a:xfrm>
-            <a:off x="4244891" y="1991055"/>
-            <a:ext cx="7735824" cy="4418125"/>
-          </a:xfrm>
-          <a:prstGeom prst="rect">
-            <a:avLst/>
-          </a:prstGeom>
-        </p:spPr>
-      </p:pic>
-      <p:sp>
-        <p:nvSpPr>
-          <p:cNvPr id="4" name="文本框 3">
-            <a:extLst>
-              <a:ext uri="{FF2B5EF4-FFF2-40B4-BE49-F238E27FC236}">
-                <a16:creationId xmlns:a16="http://schemas.microsoft.com/office/drawing/2014/main" id="{A7DDF017-73D3-064D-8D5C-7764D7FCCC33}"/>
+                <a16:creationId xmlns:a16="http://schemas.microsoft.com/office/drawing/2014/main" id="{8E054F89-5FA8-2F47-8710-58E04A67980C}"/>
               </a:ext>
             </a:extLst>
           </p:cNvPr>
@@ -13811,8 +15675,8 @@
         </p:nvSpPr>
         <p:spPr>
           <a:xfrm>
-            <a:off x="211285" y="3538397"/>
-            <a:ext cx="3719945" cy="1323439"/>
+            <a:off x="1925640" y="2251086"/>
+            <a:ext cx="8924544" cy="3046988"/>
           </a:xfrm>
           <a:prstGeom prst="rect">
             <a:avLst/>
@@ -13825,119 +15689,175 @@
           </a:bodyPr>
           <a:lstStyle/>
           <a:p>
-            <a:r>
-              <a:rPr lang="zh-CN" altLang="en-US" sz="2000" b="1" dirty="0">
-                <a:latin typeface="Microsoft YaHei" panose="020B0503020204020204" pitchFamily="34" charset="-122"/>
-                <a:ea typeface="Microsoft YaHei" panose="020B0503020204020204" pitchFamily="34" charset="-122"/>
-              </a:rPr>
-              <a:t>文本：编码</a:t>
-            </a:r>
-            <a:r>
-              <a:rPr lang="en-US" altLang="zh-CN" sz="2000" b="1" dirty="0">
-                <a:latin typeface="Microsoft YaHei" panose="020B0503020204020204" pitchFamily="34" charset="-122"/>
-                <a:ea typeface="Microsoft YaHei" panose="020B0503020204020204" pitchFamily="34" charset="-122"/>
-              </a:rPr>
-              <a:t>/</a:t>
-            </a:r>
-            <a:r>
-              <a:rPr lang="zh-CN" altLang="en-US" sz="2000" b="1" dirty="0">
-                <a:latin typeface="Microsoft YaHei" panose="020B0503020204020204" pitchFamily="34" charset="-122"/>
-                <a:ea typeface="Microsoft YaHei" panose="020B0503020204020204" pitchFamily="34" charset="-122"/>
-              </a:rPr>
-              <a:t>转码后存</a:t>
-            </a:r>
-            <a:endParaRPr lang="en-US" altLang="zh-CN" sz="2000" b="1" dirty="0">
+            <a:pPr marL="457200" indent="-457200">
+              <a:buFont typeface="+mj-lt"/>
+              <a:buAutoNum type="arabicPeriod"/>
+            </a:pPr>
+            <a:r>
+              <a:rPr kumimoji="1" lang="zh-CN" altLang="en-US" sz="2400" dirty="0">
+                <a:latin typeface="Microsoft YaHei" panose="020B0503020204020204" pitchFamily="34" charset="-122"/>
+                <a:ea typeface="Microsoft YaHei" panose="020B0503020204020204" pitchFamily="34" charset="-122"/>
+              </a:rPr>
+              <a:t>文本文件：简单的说，是基于字符编码的文件，常见的编码有</a:t>
+            </a:r>
+            <a:r>
+              <a:rPr kumimoji="1" lang="en-US" altLang="zh-CN" sz="2400" dirty="0">
+                <a:latin typeface="Microsoft YaHei" panose="020B0503020204020204" pitchFamily="34" charset="-122"/>
+                <a:ea typeface="Microsoft YaHei" panose="020B0503020204020204" pitchFamily="34" charset="-122"/>
+              </a:rPr>
+              <a:t>ASCII</a:t>
+            </a:r>
+            <a:r>
+              <a:rPr kumimoji="1" lang="zh-CN" altLang="en-US" sz="2400" dirty="0">
+                <a:latin typeface="Microsoft YaHei" panose="020B0503020204020204" pitchFamily="34" charset="-122"/>
+                <a:ea typeface="Microsoft YaHei" panose="020B0503020204020204" pitchFamily="34" charset="-122"/>
+              </a:rPr>
+              <a:t>编码，</a:t>
+            </a:r>
+            <a:r>
+              <a:rPr kumimoji="1" lang="en-US" altLang="zh-CN" sz="2400" dirty="0">
+                <a:latin typeface="Microsoft YaHei" panose="020B0503020204020204" pitchFamily="34" charset="-122"/>
+                <a:ea typeface="Microsoft YaHei" panose="020B0503020204020204" pitchFamily="34" charset="-122"/>
+              </a:rPr>
+              <a:t>UNICODE</a:t>
+            </a:r>
+            <a:r>
+              <a:rPr kumimoji="1" lang="zh-CN" altLang="en-US" sz="2400" dirty="0">
+                <a:latin typeface="Microsoft YaHei" panose="020B0503020204020204" pitchFamily="34" charset="-122"/>
+                <a:ea typeface="Microsoft YaHei" panose="020B0503020204020204" pitchFamily="34" charset="-122"/>
+              </a:rPr>
+              <a:t>编码等等。</a:t>
+            </a:r>
+            <a:r>
+              <a:rPr kumimoji="1" lang="zh-CN" altLang="en-US" sz="2400" dirty="0">
+                <a:solidFill>
+                  <a:schemeClr val="accent2"/>
+                </a:solidFill>
+                <a:latin typeface="Microsoft YaHei" panose="020B0503020204020204" pitchFamily="34" charset="-122"/>
+                <a:ea typeface="Microsoft YaHei" panose="020B0503020204020204" pitchFamily="34" charset="-122"/>
+              </a:rPr>
+              <a:t>可以用文本编辑器打开</a:t>
+            </a:r>
+            <a:endParaRPr kumimoji="1" lang="en-US" altLang="zh-CN" sz="2400" dirty="0">
+              <a:solidFill>
+                <a:schemeClr val="accent2"/>
+              </a:solidFill>
               <a:latin typeface="Microsoft YaHei" panose="020B0503020204020204" pitchFamily="34" charset="-122"/>
               <a:ea typeface="Microsoft YaHei" panose="020B0503020204020204" pitchFamily="34" charset="-122"/>
             </a:endParaRPr>
           </a:p>
           <a:p>
-            <a:r>
-              <a:rPr lang="zh-CN" altLang="en-US" sz="2000" dirty="0">
-                <a:latin typeface="Microsoft YaHei" panose="020B0503020204020204" pitchFamily="34" charset="-122"/>
-                <a:ea typeface="Microsoft YaHei" panose="020B0503020204020204" pitchFamily="34" charset="-122"/>
-              </a:rPr>
-              <a:t>例：</a:t>
-            </a:r>
-            <a:r>
-              <a:rPr lang="en-US" altLang="zh-CN" sz="2000" dirty="0">
-                <a:latin typeface="Microsoft YaHei" panose="020B0503020204020204" pitchFamily="34" charset="-122"/>
-                <a:ea typeface="Microsoft YaHei" panose="020B0503020204020204" pitchFamily="34" charset="-122"/>
-              </a:rPr>
-              <a:t>1-&gt;0x31-&gt;0x31</a:t>
-            </a:r>
-            <a:r>
-              <a:rPr lang="zh-CN" altLang="en-US" sz="2000" dirty="0">
-                <a:latin typeface="Microsoft YaHei" panose="020B0503020204020204" pitchFamily="34" charset="-122"/>
-                <a:ea typeface="Microsoft YaHei" panose="020B0503020204020204" pitchFamily="34" charset="-122"/>
-              </a:rPr>
-              <a:t>的二进制</a:t>
-            </a:r>
-            <a:endParaRPr lang="en-US" altLang="zh-CN" sz="2000" dirty="0">
+            <a:pPr marL="457200" indent="-457200">
+              <a:buFont typeface="+mj-lt"/>
+              <a:buAutoNum type="arabicPeriod"/>
+            </a:pPr>
+            <a:endParaRPr kumimoji="1" lang="zh-CN" altLang="en-US" sz="2400" dirty="0">
               <a:latin typeface="Microsoft YaHei" panose="020B0503020204020204" pitchFamily="34" charset="-122"/>
               <a:ea typeface="Microsoft YaHei" panose="020B0503020204020204" pitchFamily="34" charset="-122"/>
             </a:endParaRPr>
           </a:p>
           <a:p>
-            <a:r>
-              <a:rPr lang="zh-CN" altLang="en-US" sz="2000" b="1" dirty="0">
-                <a:latin typeface="Microsoft YaHei" panose="020B0503020204020204" pitchFamily="34" charset="-122"/>
-                <a:ea typeface="Microsoft YaHei" panose="020B0503020204020204" pitchFamily="34" charset="-122"/>
-              </a:rPr>
-              <a:t>二进制：按值直接存</a:t>
-            </a:r>
-            <a:endParaRPr lang="en-US" altLang="zh-CN" sz="2000" b="1" dirty="0">
-              <a:latin typeface="Microsoft YaHei" panose="020B0503020204020204" pitchFamily="34" charset="-122"/>
-              <a:ea typeface="Microsoft YaHei" panose="020B0503020204020204" pitchFamily="34" charset="-122"/>
-            </a:endParaRPr>
-          </a:p>
-          <a:p>
-            <a:r>
-              <a:rPr lang="zh-CN" altLang="en-US" sz="2000" dirty="0">
-                <a:latin typeface="Microsoft YaHei" panose="020B0503020204020204" pitchFamily="34" charset="-122"/>
-                <a:ea typeface="Microsoft YaHei" panose="020B0503020204020204" pitchFamily="34" charset="-122"/>
-              </a:rPr>
-              <a:t>例：</a:t>
-            </a:r>
-            <a:r>
-              <a:rPr lang="en-US" altLang="zh-CN" sz="2000" dirty="0">
-                <a:latin typeface="Microsoft YaHei" panose="020B0503020204020204" pitchFamily="34" charset="-122"/>
-                <a:ea typeface="Microsoft YaHei" panose="020B0503020204020204" pitchFamily="34" charset="-122"/>
-              </a:rPr>
-              <a:t>1-&gt;1</a:t>
-            </a:r>
-            <a:r>
-              <a:rPr lang="zh-CN" altLang="en-US" sz="2000" dirty="0">
-                <a:latin typeface="Microsoft YaHei" panose="020B0503020204020204" pitchFamily="34" charset="-122"/>
-                <a:ea typeface="Microsoft YaHei" panose="020B0503020204020204" pitchFamily="34" charset="-122"/>
-              </a:rPr>
-              <a:t> </a:t>
-            </a:r>
-            <a:r>
-              <a:rPr lang="en-US" altLang="zh-CN" sz="2000" dirty="0">
-                <a:latin typeface="Microsoft YaHei" panose="020B0503020204020204" pitchFamily="34" charset="-122"/>
-                <a:ea typeface="Microsoft YaHei" panose="020B0503020204020204" pitchFamily="34" charset="-122"/>
-              </a:rPr>
-              <a:t>-&gt;1</a:t>
-            </a:r>
-            <a:r>
-              <a:rPr lang="zh-CN" altLang="en-US" sz="2000" dirty="0">
-                <a:latin typeface="Microsoft YaHei" panose="020B0503020204020204" pitchFamily="34" charset="-122"/>
-                <a:ea typeface="Microsoft YaHei" panose="020B0503020204020204" pitchFamily="34" charset="-122"/>
-              </a:rPr>
-              <a:t>的二进制</a:t>
-            </a:r>
-            <a:endParaRPr lang="en-US" altLang="zh-CN" sz="2000" dirty="0">
-              <a:latin typeface="Microsoft YaHei" panose="020B0503020204020204" pitchFamily="34" charset="-122"/>
-              <a:ea typeface="Microsoft YaHei" panose="020B0503020204020204" pitchFamily="34" charset="-122"/>
-            </a:endParaRPr>
+            <a:pPr marL="457200" indent="-457200">
+              <a:buFont typeface="+mj-lt"/>
+              <a:buAutoNum type="arabicPeriod"/>
+            </a:pPr>
+            <a:r>
+              <a:rPr kumimoji="1" lang="zh-CN" altLang="en-US" sz="2400" dirty="0">
+                <a:latin typeface="Microsoft YaHei" panose="020B0503020204020204" pitchFamily="34" charset="-122"/>
+                <a:ea typeface="Microsoft YaHei" panose="020B0503020204020204" pitchFamily="34" charset="-122"/>
+              </a:rPr>
+              <a:t>二进制文件：是基于值编码的文件，你可以根据具体应用，指定某个值是什么意思（这样一个过程，可以看作是自定义编码）。用户一般不能直接读懂它们，只有通过相应的软件才能将其显示出来。</a:t>
+            </a:r>
+            <a:r>
+              <a:rPr kumimoji="1" lang="zh-CN" altLang="en-US" sz="2400" dirty="0">
+                <a:solidFill>
+                  <a:schemeClr val="accent2"/>
+                </a:solidFill>
+                <a:latin typeface="Microsoft YaHei" panose="020B0503020204020204" pitchFamily="34" charset="-122"/>
+                <a:ea typeface="Microsoft YaHei" panose="020B0503020204020204" pitchFamily="34" charset="-122"/>
+              </a:rPr>
+              <a:t>二进制文件一般是可执行程序、图形、图像、声音等等。</a:t>
+            </a:r>
+          </a:p>
+        </p:txBody>
+      </p:sp>
+      <p:sp>
+        <p:nvSpPr>
+          <p:cNvPr id="3" name="文本框 2">
+            <a:extLst>
+              <a:ext uri="{FF2B5EF4-FFF2-40B4-BE49-F238E27FC236}">
+                <a16:creationId xmlns:a16="http://schemas.microsoft.com/office/drawing/2014/main" id="{558DB8B8-BBAD-C146-A338-ACCE15DCFE00}"/>
+              </a:ext>
+            </a:extLst>
+          </p:cNvPr>
+          <p:cNvSpPr txBox="1"/>
+          <p:nvPr/>
+        </p:nvSpPr>
+        <p:spPr>
+          <a:xfrm>
+            <a:off x="3832970" y="5814834"/>
+            <a:ext cx="5109883" cy="646331"/>
+          </a:xfrm>
+          <a:prstGeom prst="rect">
+            <a:avLst/>
+          </a:prstGeom>
+          <a:solidFill>
+            <a:schemeClr val="accent2"/>
+          </a:solidFill>
+        </p:spPr>
+        <p:txBody>
+          <a:bodyPr wrap="square" rtlCol="0">
+            <a:spAutoFit/>
+          </a:bodyPr>
+          <a:lstStyle/>
+          <a:p>
+            <a:r>
+              <a:rPr kumimoji="1" lang="zh-CN" altLang="en-US" dirty="0">
+                <a:solidFill>
+                  <a:schemeClr val="bg1"/>
+                </a:solidFill>
+              </a:rPr>
+              <a:t>注意下面讲到的都是 软件中的</a:t>
+            </a:r>
+            <a:r>
+              <a:rPr kumimoji="1" lang="en-US" altLang="zh-CN" dirty="0">
+                <a:solidFill>
+                  <a:schemeClr val="bg1"/>
+                </a:solidFill>
+              </a:rPr>
+              <a:t>I/O</a:t>
+            </a:r>
+            <a:r>
+              <a:rPr kumimoji="1" lang="zh-CN" altLang="en-US" dirty="0">
+                <a:solidFill>
+                  <a:schemeClr val="bg1"/>
+                </a:solidFill>
+              </a:rPr>
+              <a:t>概念，硬件</a:t>
+            </a:r>
+            <a:r>
+              <a:rPr kumimoji="1" lang="en-US" altLang="zh-CN" dirty="0">
+                <a:solidFill>
+                  <a:schemeClr val="bg1"/>
+                </a:solidFill>
+              </a:rPr>
+              <a:t>I/O</a:t>
+            </a:r>
+            <a:r>
+              <a:rPr kumimoji="1" lang="zh-CN" altLang="en-US" dirty="0">
+                <a:solidFill>
+                  <a:schemeClr val="bg1"/>
+                </a:solidFill>
+              </a:rPr>
+              <a:t>在 微机原理类型课程中有</a:t>
+            </a:r>
           </a:p>
         </p:txBody>
       </p:sp>
     </p:spTree>
     <p:extLst>
       <p:ext uri="{BB962C8B-B14F-4D97-AF65-F5344CB8AC3E}">
-        <p14:creationId xmlns:p14="http://schemas.microsoft.com/office/powerpoint/2010/main" val="1969828920"/>
+        <p14:creationId xmlns:p14="http://schemas.microsoft.com/office/powerpoint/2010/main" val="2699307240"/>
       </p:ext>
     </p:extLst>
   </p:cSld>
@@ -13975,147 +15895,10 @@
       </p:grpSpPr>
       <p:sp>
         <p:nvSpPr>
-          <p:cNvPr id="13" name="文本框 12">
+          <p:cNvPr id="2" name="文本框 1">
             <a:extLst>
               <a:ext uri="{FF2B5EF4-FFF2-40B4-BE49-F238E27FC236}">
-                <a16:creationId xmlns:a16="http://schemas.microsoft.com/office/drawing/2014/main" id="{8E054F89-5FA8-2F47-8710-58E04A67980C}"/>
-              </a:ext>
-            </a:extLst>
-          </p:cNvPr>
-          <p:cNvSpPr txBox="1"/>
-          <p:nvPr/>
-        </p:nvSpPr>
-        <p:spPr>
-          <a:xfrm>
-            <a:off x="1925640" y="2604378"/>
-            <a:ext cx="8924544" cy="2243050"/>
-          </a:xfrm>
-          <a:prstGeom prst="rect">
-            <a:avLst/>
-          </a:prstGeom>
-          <a:noFill/>
-        </p:spPr>
-        <p:txBody>
-          <a:bodyPr wrap="square" rtlCol="0">
-            <a:spAutoFit/>
-          </a:bodyPr>
-          <a:lstStyle/>
-          <a:p>
-            <a:pPr>
-              <a:lnSpc>
-                <a:spcPct val="150000"/>
-              </a:lnSpc>
-            </a:pPr>
-            <a:r>
-              <a:rPr kumimoji="1" lang="zh-CN" altLang="en-US" sz="2400" dirty="0">
-                <a:latin typeface="Microsoft YaHei" panose="020B0503020204020204" pitchFamily="34" charset="-122"/>
-                <a:ea typeface="Microsoft YaHei" panose="020B0503020204020204" pitchFamily="34" charset="-122"/>
-              </a:rPr>
-              <a:t>计算机的任何存储</a:t>
-            </a:r>
-            <a:r>
-              <a:rPr kumimoji="1" lang="en-US" altLang="zh-CN" sz="2400" dirty="0">
-                <a:latin typeface="Microsoft YaHei" panose="020B0503020204020204" pitchFamily="34" charset="-122"/>
-                <a:ea typeface="Microsoft YaHei" panose="020B0503020204020204" pitchFamily="34" charset="-122"/>
-              </a:rPr>
-              <a:t>(</a:t>
-            </a:r>
-            <a:r>
-              <a:rPr kumimoji="1" lang="zh-CN" altLang="en-US" sz="2400" dirty="0">
-                <a:solidFill>
-                  <a:schemeClr val="accent2"/>
-                </a:solidFill>
-                <a:latin typeface="Microsoft YaHei" panose="020B0503020204020204" pitchFamily="34" charset="-122"/>
-                <a:ea typeface="Microsoft YaHei" panose="020B0503020204020204" pitchFamily="34" charset="-122"/>
-              </a:rPr>
-              <a:t>万物</a:t>
-            </a:r>
-            <a:r>
-              <a:rPr kumimoji="1" lang="en-US" altLang="zh-CN" sz="2400" dirty="0">
-                <a:latin typeface="Microsoft YaHei" panose="020B0503020204020204" pitchFamily="34" charset="-122"/>
-                <a:ea typeface="Microsoft YaHei" panose="020B0503020204020204" pitchFamily="34" charset="-122"/>
-              </a:rPr>
-              <a:t>)</a:t>
-            </a:r>
-            <a:r>
-              <a:rPr kumimoji="1" lang="zh-CN" altLang="en-US" sz="2400" dirty="0">
-                <a:latin typeface="Microsoft YaHei" panose="020B0503020204020204" pitchFamily="34" charset="-122"/>
-                <a:ea typeface="Microsoft YaHei" panose="020B0503020204020204" pitchFamily="34" charset="-122"/>
-              </a:rPr>
-              <a:t>在物理设备上是都是以二进制</a:t>
-            </a:r>
-            <a:r>
-              <a:rPr kumimoji="1" lang="en-US" altLang="zh-CN" sz="2400" dirty="0">
-                <a:latin typeface="Microsoft YaHei" panose="020B0503020204020204" pitchFamily="34" charset="-122"/>
-                <a:ea typeface="Microsoft YaHei" panose="020B0503020204020204" pitchFamily="34" charset="-122"/>
-              </a:rPr>
-              <a:t>(</a:t>
-            </a:r>
-            <a:r>
-              <a:rPr kumimoji="1" lang="zh-CN" altLang="en-US" sz="2400" dirty="0">
-                <a:solidFill>
-                  <a:schemeClr val="accent2"/>
-                </a:solidFill>
-                <a:latin typeface="Microsoft YaHei" panose="020B0503020204020204" pitchFamily="34" charset="-122"/>
-                <a:ea typeface="Microsoft YaHei" panose="020B0503020204020204" pitchFamily="34" charset="-122"/>
-              </a:rPr>
-              <a:t>归宗</a:t>
-            </a:r>
-            <a:r>
-              <a:rPr kumimoji="1" lang="en-US" altLang="zh-CN" sz="2400" dirty="0">
-                <a:latin typeface="Microsoft YaHei" panose="020B0503020204020204" pitchFamily="34" charset="-122"/>
-                <a:ea typeface="Microsoft YaHei" panose="020B0503020204020204" pitchFamily="34" charset="-122"/>
-              </a:rPr>
-              <a:t>)</a:t>
-            </a:r>
-            <a:r>
-              <a:rPr kumimoji="1" lang="zh-CN" altLang="en-US" sz="2400" dirty="0">
-                <a:latin typeface="Microsoft YaHei" panose="020B0503020204020204" pitchFamily="34" charset="-122"/>
-                <a:ea typeface="Microsoft YaHei" panose="020B0503020204020204" pitchFamily="34" charset="-122"/>
-              </a:rPr>
-              <a:t>，所以文本文件与二进制文件的区别并不是物理上的，而是逻辑上的。因此文本</a:t>
-            </a:r>
-            <a:r>
-              <a:rPr kumimoji="1" lang="en-US" altLang="zh-CN" sz="2400" dirty="0">
-                <a:latin typeface="Microsoft YaHei" panose="020B0503020204020204" pitchFamily="34" charset="-122"/>
-                <a:ea typeface="Microsoft YaHei" panose="020B0503020204020204" pitchFamily="34" charset="-122"/>
-              </a:rPr>
-              <a:t>I/O</a:t>
-            </a:r>
-            <a:r>
-              <a:rPr kumimoji="1" lang="zh-CN" altLang="en-US" sz="2400" dirty="0">
-                <a:latin typeface="Microsoft YaHei" panose="020B0503020204020204" pitchFamily="34" charset="-122"/>
-                <a:ea typeface="Microsoft YaHei" panose="020B0503020204020204" pitchFamily="34" charset="-122"/>
-              </a:rPr>
-              <a:t>是在二进制</a:t>
-            </a:r>
-            <a:r>
-              <a:rPr kumimoji="1" lang="en-US" altLang="zh-CN" sz="2400" dirty="0">
-                <a:latin typeface="Microsoft YaHei" panose="020B0503020204020204" pitchFamily="34" charset="-122"/>
-                <a:ea typeface="Microsoft YaHei" panose="020B0503020204020204" pitchFamily="34" charset="-122"/>
-              </a:rPr>
-              <a:t>I/0</a:t>
-            </a:r>
-            <a:r>
-              <a:rPr kumimoji="1" lang="zh-CN" altLang="en-US" sz="2400" dirty="0">
-                <a:latin typeface="Microsoft YaHei" panose="020B0503020204020204" pitchFamily="34" charset="-122"/>
-                <a:ea typeface="Microsoft YaHei" panose="020B0503020204020204" pitchFamily="34" charset="-122"/>
-              </a:rPr>
-              <a:t>上提供了一层抽象，用于字符层次的编码和解码。</a:t>
-            </a:r>
-            <a:endParaRPr kumimoji="1" lang="en-US" altLang="zh-CN" sz="2400" dirty="0">
-              <a:latin typeface="Microsoft YaHei" panose="020B0503020204020204" pitchFamily="34" charset="-122"/>
-              <a:ea typeface="Microsoft YaHei" panose="020B0503020204020204" pitchFamily="34" charset="-122"/>
-            </a:endParaRPr>
-          </a:p>
-        </p:txBody>
-      </p:sp>
-      <p:sp>
-        <p:nvSpPr>
-          <p:cNvPr id="8" name="文本框 7">
-            <a:extLst>
-              <a:ext uri="{FF2B5EF4-FFF2-40B4-BE49-F238E27FC236}">
-                <a16:creationId xmlns:a16="http://schemas.microsoft.com/office/drawing/2014/main" id="{ABB0DF46-338D-EE43-A147-7918AB1CD0D1}"/>
+                <a16:creationId xmlns:a16="http://schemas.microsoft.com/office/drawing/2014/main" id="{12AA8BCC-7B15-4842-80C2-48C079429338}"/>
               </a:ext>
             </a:extLst>
           </p:cNvPr>
@@ -14140,11 +15923,18 @@
           <a:p>
             <a:pPr algn="ctr"/>
             <a:r>
+              <a:rPr kumimoji="1" lang="en-US" altLang="zh-CN" sz="4800" dirty="0">
+                <a:latin typeface="Microsoft YaHei" panose="020B0503020204020204" pitchFamily="34" charset="-122"/>
+                <a:ea typeface="Microsoft YaHei" panose="020B0503020204020204" pitchFamily="34" charset="-122"/>
+              </a:rPr>
+              <a:t>I/O</a:t>
+            </a:r>
+            <a:r>
               <a:rPr kumimoji="1" lang="zh-CN" altLang="en-US" sz="4800" dirty="0">
                 <a:latin typeface="Microsoft YaHei" panose="020B0503020204020204" pitchFamily="34" charset="-122"/>
                 <a:ea typeface="Microsoft YaHei" panose="020B0503020204020204" pitchFamily="34" charset="-122"/>
               </a:rPr>
-              <a:t>计算机中的万物归宗</a:t>
+              <a:t>分类</a:t>
             </a:r>
             <a:endParaRPr kumimoji="1" lang="en-US" altLang="zh-CN" sz="4800" dirty="0">
               <a:ea typeface="Microsoft YaHei" panose="020B0503020204020204" pitchFamily="34" charset="-122"/>
@@ -14152,10 +15942,120 @@
           </a:p>
         </p:txBody>
       </p:sp>
+      <p:sp>
+        <p:nvSpPr>
+          <p:cNvPr id="13" name="文本框 12">
+            <a:extLst>
+              <a:ext uri="{FF2B5EF4-FFF2-40B4-BE49-F238E27FC236}">
+                <a16:creationId xmlns:a16="http://schemas.microsoft.com/office/drawing/2014/main" id="{8E054F89-5FA8-2F47-8710-58E04A67980C}"/>
+              </a:ext>
+            </a:extLst>
+          </p:cNvPr>
+          <p:cNvSpPr txBox="1"/>
+          <p:nvPr/>
+        </p:nvSpPr>
+        <p:spPr>
+          <a:xfrm>
+            <a:off x="2208273" y="3429000"/>
+            <a:ext cx="8924544" cy="1135054"/>
+          </a:xfrm>
+          <a:prstGeom prst="rect">
+            <a:avLst/>
+          </a:prstGeom>
+          <a:noFill/>
+        </p:spPr>
+        <p:txBody>
+          <a:bodyPr wrap="square" rtlCol="0">
+            <a:spAutoFit/>
+          </a:bodyPr>
+          <a:lstStyle/>
+          <a:p>
+            <a:pPr>
+              <a:lnSpc>
+                <a:spcPct val="150000"/>
+              </a:lnSpc>
+            </a:pPr>
+            <a:r>
+              <a:rPr kumimoji="1" lang="zh-CN" altLang="en-US" sz="2400" dirty="0">
+                <a:latin typeface="Microsoft YaHei" panose="020B0503020204020204" pitchFamily="34" charset="-122"/>
+                <a:ea typeface="Microsoft YaHei" panose="020B0503020204020204" pitchFamily="34" charset="-122"/>
+              </a:rPr>
+              <a:t>根据计算机文件类型，</a:t>
+            </a:r>
+            <a:r>
+              <a:rPr kumimoji="1" lang="en-US" altLang="zh-CN" sz="2400" dirty="0">
+                <a:latin typeface="Microsoft YaHei" panose="020B0503020204020204" pitchFamily="34" charset="-122"/>
+                <a:ea typeface="Microsoft YaHei" panose="020B0503020204020204" pitchFamily="34" charset="-122"/>
+              </a:rPr>
+              <a:t>I/O</a:t>
+            </a:r>
+            <a:r>
+              <a:rPr kumimoji="1" lang="zh-CN" altLang="en-US" sz="2400" dirty="0">
+                <a:latin typeface="Microsoft YaHei" panose="020B0503020204020204" pitchFamily="34" charset="-122"/>
+                <a:ea typeface="Microsoft YaHei" panose="020B0503020204020204" pitchFamily="34" charset="-122"/>
+              </a:rPr>
+              <a:t>也针对性地分为</a:t>
+            </a:r>
+            <a:r>
+              <a:rPr kumimoji="1" lang="zh-CN" altLang="en-US" sz="2400" b="1" u="sng" dirty="0">
+                <a:latin typeface="Microsoft YaHei" panose="020B0503020204020204" pitchFamily="34" charset="-122"/>
+                <a:ea typeface="Microsoft YaHei" panose="020B0503020204020204" pitchFamily="34" charset="-122"/>
+              </a:rPr>
+              <a:t>文本</a:t>
+            </a:r>
+            <a:r>
+              <a:rPr kumimoji="1" lang="en-US" altLang="zh-CN" sz="2400" b="1" u="sng" dirty="0">
+                <a:latin typeface="Microsoft YaHei" panose="020B0503020204020204" pitchFamily="34" charset="-122"/>
+                <a:ea typeface="Microsoft YaHei" panose="020B0503020204020204" pitchFamily="34" charset="-122"/>
+              </a:rPr>
+              <a:t>I/O</a:t>
+            </a:r>
+            <a:r>
+              <a:rPr kumimoji="1" lang="zh-CN" altLang="en-US" sz="2400" dirty="0">
+                <a:latin typeface="Microsoft YaHei" panose="020B0503020204020204" pitchFamily="34" charset="-122"/>
+                <a:ea typeface="Microsoft YaHei" panose="020B0503020204020204" pitchFamily="34" charset="-122"/>
+              </a:rPr>
+              <a:t>和</a:t>
+            </a:r>
+            <a:r>
+              <a:rPr kumimoji="1" lang="zh-CN" altLang="en-US" sz="2400" b="1" u="sng" dirty="0">
+                <a:latin typeface="Microsoft YaHei" panose="020B0503020204020204" pitchFamily="34" charset="-122"/>
+                <a:ea typeface="Microsoft YaHei" panose="020B0503020204020204" pitchFamily="34" charset="-122"/>
+              </a:rPr>
+              <a:t>二进制</a:t>
+            </a:r>
+            <a:r>
+              <a:rPr kumimoji="1" lang="en-US" altLang="zh-CN" sz="2400" b="1" u="sng" dirty="0">
+                <a:latin typeface="Microsoft YaHei" panose="020B0503020204020204" pitchFamily="34" charset="-122"/>
+                <a:ea typeface="Microsoft YaHei" panose="020B0503020204020204" pitchFamily="34" charset="-122"/>
+              </a:rPr>
+              <a:t>I/O</a:t>
+            </a:r>
+          </a:p>
+          <a:p>
+            <a:pPr>
+              <a:lnSpc>
+                <a:spcPct val="150000"/>
+              </a:lnSpc>
+            </a:pPr>
+            <a:r>
+              <a:rPr kumimoji="1" lang="zh-CN" altLang="en-US" sz="2400" dirty="0">
+                <a:latin typeface="Microsoft YaHei" panose="020B0503020204020204" pitchFamily="34" charset="-122"/>
+                <a:ea typeface="Microsoft YaHei" panose="020B0503020204020204" pitchFamily="34" charset="-122"/>
+              </a:rPr>
+              <a:t>就像水管运水，油管运油，不同的管道，运输不同的文件</a:t>
+            </a:r>
+            <a:endParaRPr kumimoji="1" lang="en-US" altLang="zh-CN" sz="2400" dirty="0">
+              <a:latin typeface="Microsoft YaHei" panose="020B0503020204020204" pitchFamily="34" charset="-122"/>
+              <a:ea typeface="Microsoft YaHei" panose="020B0503020204020204" pitchFamily="34" charset="-122"/>
+            </a:endParaRPr>
+          </a:p>
+        </p:txBody>
+      </p:sp>
     </p:spTree>
     <p:extLst>
       <p:ext uri="{BB962C8B-B14F-4D97-AF65-F5344CB8AC3E}">
-        <p14:creationId xmlns:p14="http://schemas.microsoft.com/office/powerpoint/2010/main" val="3508353338"/>
+        <p14:creationId xmlns:p14="http://schemas.microsoft.com/office/powerpoint/2010/main" val="3608960577"/>
       </p:ext>
     </p:extLst>
   </p:cSld>
@@ -14221,18 +16121,11 @@
           <a:p>
             <a:pPr algn="ctr"/>
             <a:r>
-              <a:rPr kumimoji="1" lang="en-US" altLang="zh-CN" sz="4800" dirty="0">
-                <a:latin typeface="Microsoft YaHei" panose="020B0503020204020204" pitchFamily="34" charset="-122"/>
-                <a:ea typeface="Microsoft YaHei" panose="020B0503020204020204" pitchFamily="34" charset="-122"/>
-              </a:rPr>
-              <a:t>Java</a:t>
-            </a:r>
-            <a:r>
               <a:rPr kumimoji="1" lang="zh-CN" altLang="en-US" sz="4800" dirty="0">
                 <a:latin typeface="Microsoft YaHei" panose="020B0503020204020204" pitchFamily="34" charset="-122"/>
                 <a:ea typeface="Microsoft YaHei" panose="020B0503020204020204" pitchFamily="34" charset="-122"/>
               </a:rPr>
-              <a:t>中的流</a:t>
+              <a:t> 二进制和文本对比</a:t>
             </a:r>
             <a:endParaRPr kumimoji="1" lang="en-US" altLang="zh-CN" sz="4800" dirty="0">
               <a:ea typeface="Microsoft YaHei" panose="020B0503020204020204" pitchFamily="34" charset="-122"/>
@@ -14245,7 +16138,7 @@
           <p:cNvPr id="3" name="图片 2">
             <a:extLst>
               <a:ext uri="{FF2B5EF4-FFF2-40B4-BE49-F238E27FC236}">
-                <a16:creationId xmlns:a16="http://schemas.microsoft.com/office/drawing/2014/main" id="{48DDBEB7-E5B1-AE42-9974-BD2DCC4FA61C}"/>
+                <a16:creationId xmlns:a16="http://schemas.microsoft.com/office/drawing/2014/main" id="{5D75335B-5962-1D4F-A274-B6C4B25F9318}"/>
               </a:ext>
             </a:extLst>
           </p:cNvPr>
@@ -14262,8 +16155,8 @@
         </p:blipFill>
         <p:spPr>
           <a:xfrm>
-            <a:off x="1843661" y="2987473"/>
-            <a:ext cx="9295394" cy="3766618"/>
+            <a:off x="4244891" y="1991055"/>
+            <a:ext cx="7735824" cy="4418125"/>
           </a:xfrm>
           <a:prstGeom prst="rect">
             <a:avLst/>
@@ -14275,7 +16168,7 @@
           <p:cNvPr id="4" name="文本框 3">
             <a:extLst>
               <a:ext uri="{FF2B5EF4-FFF2-40B4-BE49-F238E27FC236}">
-                <a16:creationId xmlns:a16="http://schemas.microsoft.com/office/drawing/2014/main" id="{F627E277-2504-6045-A24C-3FB3AF7423E0}"/>
+                <a16:creationId xmlns:a16="http://schemas.microsoft.com/office/drawing/2014/main" id="{A7DDF017-73D3-064D-8D5C-7764D7FCCC33}"/>
               </a:ext>
             </a:extLst>
           </p:cNvPr>
@@ -14284,8 +16177,8 @@
         </p:nvSpPr>
         <p:spPr>
           <a:xfrm>
-            <a:off x="2002485" y="1853736"/>
-            <a:ext cx="8977745" cy="830997"/>
+            <a:off x="211285" y="3538397"/>
+            <a:ext cx="3719945" cy="1323439"/>
           </a:xfrm>
           <a:prstGeom prst="rect">
             <a:avLst/>
@@ -14299,54 +16192,118 @@
           <a:lstStyle/>
           <a:p>
             <a:r>
-              <a:rPr kumimoji="1" lang="en-US" altLang="zh-CN" sz="2400" dirty="0">
-                <a:latin typeface="Microsoft YaHei" panose="020B0503020204020204" pitchFamily="34" charset="-122"/>
-                <a:ea typeface="Microsoft YaHei" panose="020B0503020204020204" pitchFamily="34" charset="-122"/>
-              </a:rPr>
-              <a:t>Java</a:t>
-            </a:r>
-            <a:r>
-              <a:rPr kumimoji="1" lang="zh-CN" altLang="en-US" sz="2400" dirty="0">
-                <a:latin typeface="Microsoft YaHei" panose="020B0503020204020204" pitchFamily="34" charset="-122"/>
-                <a:ea typeface="Microsoft YaHei" panose="020B0503020204020204" pitchFamily="34" charset="-122"/>
-              </a:rPr>
-              <a:t>中，输入输出都是依靠 “流”</a:t>
-            </a:r>
-            <a:r>
-              <a:rPr kumimoji="1" lang="en-US" altLang="zh-CN" sz="2400" dirty="0">
-                <a:latin typeface="Microsoft YaHei" panose="020B0503020204020204" pitchFamily="34" charset="-122"/>
-                <a:ea typeface="Microsoft YaHei" panose="020B0503020204020204" pitchFamily="34" charset="-122"/>
-              </a:rPr>
-              <a:t>(stream)</a:t>
-            </a:r>
-            <a:r>
-              <a:rPr kumimoji="1" lang="zh-CN" altLang="en-US" sz="2400" dirty="0">
-                <a:latin typeface="Microsoft YaHei" panose="020B0503020204020204" pitchFamily="34" charset="-122"/>
-                <a:ea typeface="Microsoft YaHei" panose="020B0503020204020204" pitchFamily="34" charset="-122"/>
-              </a:rPr>
-              <a:t>这样的中介对象操作的。二进制使用的类也多以</a:t>
-            </a:r>
-            <a:r>
-              <a:rPr kumimoji="1" lang="en-US" altLang="zh-CN" sz="2400" dirty="0">
-                <a:latin typeface="Microsoft YaHei" panose="020B0503020204020204" pitchFamily="34" charset="-122"/>
-                <a:ea typeface="Microsoft YaHei" panose="020B0503020204020204" pitchFamily="34" charset="-122"/>
-              </a:rPr>
-              <a:t>Stream</a:t>
-            </a:r>
-            <a:r>
-              <a:rPr kumimoji="1" lang="zh-CN" altLang="en-US" sz="2400" dirty="0">
-                <a:latin typeface="Microsoft YaHei" panose="020B0503020204020204" pitchFamily="34" charset="-122"/>
-                <a:ea typeface="Microsoft YaHei" panose="020B0503020204020204" pitchFamily="34" charset="-122"/>
-              </a:rPr>
-              <a:t>后缀命名</a:t>
-            </a:r>
+              <a:rPr lang="zh-CN" altLang="en-US" sz="2000" b="1" dirty="0">
+                <a:latin typeface="Microsoft YaHei" panose="020B0503020204020204" pitchFamily="34" charset="-122"/>
+                <a:ea typeface="Microsoft YaHei" panose="020B0503020204020204" pitchFamily="34" charset="-122"/>
+              </a:rPr>
+              <a:t>文本：编码</a:t>
+            </a:r>
+            <a:r>
+              <a:rPr lang="en-US" altLang="zh-CN" sz="2000" b="1" dirty="0">
+                <a:latin typeface="Microsoft YaHei" panose="020B0503020204020204" pitchFamily="34" charset="-122"/>
+                <a:ea typeface="Microsoft YaHei" panose="020B0503020204020204" pitchFamily="34" charset="-122"/>
+              </a:rPr>
+              <a:t>/</a:t>
+            </a:r>
+            <a:r>
+              <a:rPr lang="zh-CN" altLang="en-US" sz="2000" b="1" dirty="0">
+                <a:latin typeface="Microsoft YaHei" panose="020B0503020204020204" pitchFamily="34" charset="-122"/>
+                <a:ea typeface="Microsoft YaHei" panose="020B0503020204020204" pitchFamily="34" charset="-122"/>
+              </a:rPr>
+              <a:t>转码后存</a:t>
+            </a:r>
+            <a:endParaRPr lang="en-US" altLang="zh-CN" sz="2000" b="1" dirty="0">
+              <a:latin typeface="Microsoft YaHei" panose="020B0503020204020204" pitchFamily="34" charset="-122"/>
+              <a:ea typeface="Microsoft YaHei" panose="020B0503020204020204" pitchFamily="34" charset="-122"/>
+            </a:endParaRPr>
+          </a:p>
+          <a:p>
+            <a:r>
+              <a:rPr lang="zh-CN" altLang="en-US" sz="2000" dirty="0">
+                <a:latin typeface="Microsoft YaHei" panose="020B0503020204020204" pitchFamily="34" charset="-122"/>
+                <a:ea typeface="Microsoft YaHei" panose="020B0503020204020204" pitchFamily="34" charset="-122"/>
+              </a:rPr>
+              <a:t>例：</a:t>
+            </a:r>
+            <a:r>
+              <a:rPr lang="en-US" altLang="zh-CN" sz="2000" dirty="0">
+                <a:latin typeface="Microsoft YaHei" panose="020B0503020204020204" pitchFamily="34" charset="-122"/>
+                <a:ea typeface="Microsoft YaHei" panose="020B0503020204020204" pitchFamily="34" charset="-122"/>
+              </a:rPr>
+              <a:t>1-&gt;0x31-&gt;0x31</a:t>
+            </a:r>
+            <a:r>
+              <a:rPr lang="zh-CN" altLang="en-US" sz="2000" dirty="0">
+                <a:latin typeface="Microsoft YaHei" panose="020B0503020204020204" pitchFamily="34" charset="-122"/>
+                <a:ea typeface="Microsoft YaHei" panose="020B0503020204020204" pitchFamily="34" charset="-122"/>
+              </a:rPr>
+              <a:t>的二进制</a:t>
+            </a:r>
+            <a:endParaRPr lang="en-US" altLang="zh-CN" sz="2000" dirty="0">
+              <a:latin typeface="Microsoft YaHei" panose="020B0503020204020204" pitchFamily="34" charset="-122"/>
+              <a:ea typeface="Microsoft YaHei" panose="020B0503020204020204" pitchFamily="34" charset="-122"/>
+            </a:endParaRPr>
+          </a:p>
+          <a:p>
+            <a:r>
+              <a:rPr lang="zh-CN" altLang="en-US" sz="2000" b="1" dirty="0">
+                <a:latin typeface="Microsoft YaHei" panose="020B0503020204020204" pitchFamily="34" charset="-122"/>
+                <a:ea typeface="Microsoft YaHei" panose="020B0503020204020204" pitchFamily="34" charset="-122"/>
+              </a:rPr>
+              <a:t>二进制：按值直接存</a:t>
+            </a:r>
+            <a:endParaRPr lang="en-US" altLang="zh-CN" sz="2000" b="1" dirty="0">
+              <a:latin typeface="Microsoft YaHei" panose="020B0503020204020204" pitchFamily="34" charset="-122"/>
+              <a:ea typeface="Microsoft YaHei" panose="020B0503020204020204" pitchFamily="34" charset="-122"/>
+            </a:endParaRPr>
+          </a:p>
+          <a:p>
+            <a:r>
+              <a:rPr lang="zh-CN" altLang="en-US" sz="2000" dirty="0">
+                <a:latin typeface="Microsoft YaHei" panose="020B0503020204020204" pitchFamily="34" charset="-122"/>
+                <a:ea typeface="Microsoft YaHei" panose="020B0503020204020204" pitchFamily="34" charset="-122"/>
+              </a:rPr>
+              <a:t>例：</a:t>
+            </a:r>
+            <a:r>
+              <a:rPr lang="en-US" altLang="zh-CN" sz="2000" dirty="0">
+                <a:latin typeface="Microsoft YaHei" panose="020B0503020204020204" pitchFamily="34" charset="-122"/>
+                <a:ea typeface="Microsoft YaHei" panose="020B0503020204020204" pitchFamily="34" charset="-122"/>
+              </a:rPr>
+              <a:t>1-&gt;1</a:t>
+            </a:r>
+            <a:r>
+              <a:rPr lang="zh-CN" altLang="en-US" sz="2000" dirty="0">
+                <a:latin typeface="Microsoft YaHei" panose="020B0503020204020204" pitchFamily="34" charset="-122"/>
+                <a:ea typeface="Microsoft YaHei" panose="020B0503020204020204" pitchFamily="34" charset="-122"/>
+              </a:rPr>
+              <a:t> </a:t>
+            </a:r>
+            <a:r>
+              <a:rPr lang="en-US" altLang="zh-CN" sz="2000" dirty="0">
+                <a:latin typeface="Microsoft YaHei" panose="020B0503020204020204" pitchFamily="34" charset="-122"/>
+                <a:ea typeface="Microsoft YaHei" panose="020B0503020204020204" pitchFamily="34" charset="-122"/>
+              </a:rPr>
+              <a:t>-&gt;1</a:t>
+            </a:r>
+            <a:r>
+              <a:rPr lang="zh-CN" altLang="en-US" sz="2000" dirty="0">
+                <a:latin typeface="Microsoft YaHei" panose="020B0503020204020204" pitchFamily="34" charset="-122"/>
+                <a:ea typeface="Microsoft YaHei" panose="020B0503020204020204" pitchFamily="34" charset="-122"/>
+              </a:rPr>
+              <a:t>的二进制</a:t>
+            </a:r>
+            <a:endParaRPr lang="en-US" altLang="zh-CN" sz="2000" dirty="0">
+              <a:latin typeface="Microsoft YaHei" panose="020B0503020204020204" pitchFamily="34" charset="-122"/>
+              <a:ea typeface="Microsoft YaHei" panose="020B0503020204020204" pitchFamily="34" charset="-122"/>
+            </a:endParaRPr>
           </a:p>
         </p:txBody>
       </p:sp>
     </p:spTree>
     <p:extLst>
       <p:ext uri="{BB962C8B-B14F-4D97-AF65-F5344CB8AC3E}">
-        <p14:creationId xmlns:p14="http://schemas.microsoft.com/office/powerpoint/2010/main" val="2471245054"/>
+        <p14:creationId xmlns:p14="http://schemas.microsoft.com/office/powerpoint/2010/main" val="1969828920"/>
       </p:ext>
     </p:extLst>
   </p:cSld>
